--- a/設計書/1_月報管理システム 提案資料.pptx
+++ b/設計書/1_月報管理システム 提案資料.pptx
@@ -5,10 +5,10 @@
     <p:sldMasterId id="2147483672" r:id="rId1"/>
   </p:sldMasterIdLst>
   <p:notesMasterIdLst>
-    <p:notesMasterId r:id="rId16"/>
+    <p:notesMasterId r:id="rId15"/>
   </p:notesMasterIdLst>
   <p:handoutMasterIdLst>
-    <p:handoutMasterId r:id="rId17"/>
+    <p:handoutMasterId r:id="rId16"/>
   </p:handoutMasterIdLst>
   <p:sldIdLst>
     <p:sldId id="256" r:id="rId2"/>
@@ -24,7 +24,6 @@
     <p:sldId id="272" r:id="rId12"/>
     <p:sldId id="275" r:id="rId13"/>
     <p:sldId id="263" r:id="rId14"/>
-    <p:sldId id="276" r:id="rId15"/>
   </p:sldIdLst>
   <p:sldSz cx="9144000" cy="6858000" type="screen4x3"/>
   <p:notesSz cx="6858000" cy="9144000"/>
@@ -14091,7 +14090,7 @@
             <a:fld id="{BCDAA5EE-A947-4495-AD3A-0037BFB73522}" type="datetimeFigureOut">
               <a:rPr kumimoji="1" lang="ja-JP" altLang="en-US" smtClean="0"/>
               <a:pPr/>
-              <a:t>2016/7/20</a:t>
+              <a:t>2016/8/30</a:t>
             </a:fld>
             <a:endParaRPr kumimoji="1" lang="ja-JP" altLang="en-US"/>
           </a:p>
@@ -14258,7 +14257,7 @@
             <a:fld id="{B865EC08-ADE3-4A7C-8117-50520C10DDF4}" type="datetimeFigureOut">
               <a:rPr kumimoji="1" lang="ja-JP" altLang="en-US" smtClean="0"/>
               <a:pPr/>
-              <a:t>2016/7/20</a:t>
+              <a:t>2016/8/30</a:t>
             </a:fld>
             <a:endParaRPr kumimoji="1" lang="ja-JP" altLang="en-US"/>
           </a:p>
@@ -15184,7 +15183,7 @@
           <a:p>
             <a:fld id="{3A576C07-E38E-4C3D-BC35-8E17EB8E6E08}" type="datetime1">
               <a:rPr kumimoji="1" lang="ja-JP" altLang="en-US" smtClean="0"/>
-              <a:t>2016/7/20</a:t>
+              <a:t>2016/8/30</a:t>
             </a:fld>
             <a:endParaRPr kumimoji="1" lang="ja-JP" altLang="en-US"/>
           </a:p>
@@ -15413,7 +15412,7 @@
           <a:p>
             <a:fld id="{D0F623A9-937B-4786-8F6C-0B01A518FDEB}" type="datetime1">
               <a:rPr kumimoji="1" lang="ja-JP" altLang="en-US" smtClean="0"/>
-              <a:t>2016/7/20</a:t>
+              <a:t>2016/8/30</a:t>
             </a:fld>
             <a:endParaRPr kumimoji="1" lang="ja-JP" altLang="en-US"/>
           </a:p>
@@ -15631,7 +15630,7 @@
           <a:p>
             <a:fld id="{3C9E95D3-AFAE-4D54-BB7E-F3C2095620FD}" type="datetime1">
               <a:rPr kumimoji="1" lang="ja-JP" altLang="en-US" smtClean="0"/>
-              <a:t>2016/7/20</a:t>
+              <a:t>2016/8/30</a:t>
             </a:fld>
             <a:endParaRPr kumimoji="1" lang="ja-JP" altLang="en-US"/>
           </a:p>
@@ -15814,7 +15813,7 @@
           <a:p>
             <a:fld id="{A1955A63-441B-408C-895B-6B2624043540}" type="datetime1">
               <a:rPr kumimoji="1" lang="ja-JP" altLang="en-US" smtClean="0"/>
-              <a:t>2016/7/20</a:t>
+              <a:t>2016/8/30</a:t>
             </a:fld>
             <a:endParaRPr kumimoji="1" lang="ja-JP" altLang="en-US"/>
           </a:p>
@@ -16070,7 +16069,7 @@
           <a:p>
             <a:fld id="{BB7D982B-7800-4436-BF26-308BFD481496}" type="datetime1">
               <a:rPr kumimoji="1" lang="ja-JP" altLang="en-US" smtClean="0"/>
-              <a:t>2016/7/20</a:t>
+              <a:t>2016/8/30</a:t>
             </a:fld>
             <a:endParaRPr kumimoji="1" lang="ja-JP" altLang="en-US"/>
           </a:p>
@@ -16544,7 +16543,7 @@
           <a:p>
             <a:fld id="{29999401-03DD-4A20-94C7-318741F3EB83}" type="datetime1">
               <a:rPr kumimoji="1" lang="ja-JP" altLang="en-US" smtClean="0"/>
-              <a:t>2016/7/20</a:t>
+              <a:t>2016/8/30</a:t>
             </a:fld>
             <a:endParaRPr kumimoji="1" lang="ja-JP" altLang="en-US"/>
           </a:p>
@@ -17055,7 +17054,7 @@
           <a:p>
             <a:fld id="{F0EA75BA-4C7E-4CF2-823F-8E80C3C309A0}" type="datetime1">
               <a:rPr kumimoji="1" lang="ja-JP" altLang="en-US" smtClean="0"/>
-              <a:t>2016/7/20</a:t>
+              <a:t>2016/8/30</a:t>
             </a:fld>
             <a:endParaRPr kumimoji="1" lang="ja-JP" altLang="en-US"/>
           </a:p>
@@ -17157,7 +17156,7 @@
           <a:p>
             <a:fld id="{98CC5EB7-3AA8-4A7E-B941-5AA34CF65C67}" type="datetime1">
               <a:rPr kumimoji="1" lang="ja-JP" altLang="en-US" smtClean="0"/>
-              <a:t>2016/7/20</a:t>
+              <a:t>2016/8/30</a:t>
             </a:fld>
             <a:endParaRPr kumimoji="1" lang="ja-JP" altLang="en-US"/>
           </a:p>
@@ -17279,7 +17278,7 @@
           <a:p>
             <a:fld id="{1D46C637-6F31-4519-86BD-A8DE27E26308}" type="datetime1">
               <a:rPr kumimoji="1" lang="ja-JP" altLang="en-US" smtClean="0"/>
-              <a:t>2016/7/20</a:t>
+              <a:t>2016/8/30</a:t>
             </a:fld>
             <a:endParaRPr kumimoji="1" lang="ja-JP" altLang="en-US"/>
           </a:p>
@@ -17586,7 +17585,7 @@
           <a:p>
             <a:fld id="{1F18E707-7AD5-425B-9941-61ED8021112A}" type="datetime1">
               <a:rPr kumimoji="1" lang="ja-JP" altLang="en-US" smtClean="0"/>
-              <a:t>2016/7/20</a:t>
+              <a:t>2016/8/30</a:t>
             </a:fld>
             <a:endParaRPr kumimoji="1" lang="ja-JP" altLang="en-US"/>
           </a:p>
@@ -17792,7 +17791,7 @@
           <a:p>
             <a:fld id="{E4E615BB-84E1-4D8C-B2DC-7C8888235217}" type="datetime1">
               <a:rPr kumimoji="1" lang="ja-JP" altLang="en-US" smtClean="0"/>
-              <a:t>2016/7/20</a:t>
+              <a:t>2016/8/30</a:t>
             </a:fld>
             <a:endParaRPr kumimoji="1" lang="ja-JP" altLang="en-US"/>
           </a:p>
@@ -18934,7 +18933,7 @@
           <a:p>
             <a:fld id="{C73A04D8-C60D-483B-AB76-E6A23F203AF6}" type="datetime1">
               <a:rPr kumimoji="1" lang="ja-JP" altLang="en-US" smtClean="0"/>
-              <a:t>2016/7/20</a:t>
+              <a:t>2016/8/30</a:t>
             </a:fld>
             <a:endParaRPr kumimoji="1" lang="ja-JP" altLang="en-US"/>
           </a:p>
@@ -38897,237 +38896,6 @@
       </p:par>
     </p:tnLst>
   </p:timing>
-</p:sld>
-</file>
-
-<file path=ppt/slides/slide14.xml><?xml version="1.0" encoding="utf-8"?>
-<p:sld xmlns:a="http://schemas.openxmlformats.org/drawingml/2006/main" xmlns:r="http://schemas.openxmlformats.org/officeDocument/2006/relationships" xmlns:p="http://schemas.openxmlformats.org/presentationml/2006/main">
-  <p:cSld>
-    <p:spTree>
-      <p:nvGrpSpPr>
-        <p:cNvPr id="1" name=""/>
-        <p:cNvGrpSpPr/>
-        <p:nvPr/>
-      </p:nvGrpSpPr>
-      <p:grpSpPr>
-        <a:xfrm>
-          <a:off x="0" y="0"/>
-          <a:ext cx="0" cy="0"/>
-          <a:chOff x="0" y="0"/>
-          <a:chExt cx="0" cy="0"/>
-        </a:xfrm>
-      </p:grpSpPr>
-      <p:sp>
-        <p:nvSpPr>
-          <p:cNvPr id="2" name="コンテンツ プレースホルダー 1"/>
-          <p:cNvSpPr>
-            <a:spLocks noGrp="1"/>
-          </p:cNvSpPr>
-          <p:nvPr>
-            <p:ph idx="1"/>
-          </p:nvPr>
-        </p:nvSpPr>
-        <p:spPr/>
-        <p:txBody>
-          <a:bodyPr>
-            <a:normAutofit/>
-          </a:bodyPr>
-          <a:lstStyle/>
-          <a:p>
-            <a:r>
-              <a:rPr lang="ja-JP" altLang="en-US" dirty="0" smtClean="0"/>
-              <a:t>目的</a:t>
-            </a:r>
-            <a:endParaRPr lang="en-US" altLang="ja-JP" dirty="0" smtClean="0"/>
-          </a:p>
-          <a:p>
-            <a:pPr lvl="1"/>
-            <a:r>
-              <a:rPr lang="ja-JP" altLang="en-US" dirty="0" smtClean="0"/>
-              <a:t>流れの速い最近の主流に取り残されないようにする！</a:t>
-            </a:r>
-            <a:endParaRPr lang="en-US" altLang="ja-JP" dirty="0" smtClean="0"/>
-          </a:p>
-          <a:p>
-            <a:pPr lvl="1"/>
-            <a:endParaRPr lang="en-US" altLang="ja-JP" dirty="0" smtClean="0"/>
-          </a:p>
-          <a:p>
-            <a:r>
-              <a:rPr lang="ja-JP" altLang="en-US" dirty="0" smtClean="0"/>
-              <a:t>今回の目論見</a:t>
-            </a:r>
-            <a:endParaRPr lang="en-US" altLang="ja-JP" dirty="0" smtClean="0"/>
-          </a:p>
-          <a:p>
-            <a:pPr lvl="1"/>
-            <a:r>
-              <a:rPr lang="en-US" altLang="ja-JP" dirty="0" smtClean="0"/>
-              <a:t>Java</a:t>
-            </a:r>
-            <a:r>
-              <a:rPr lang="ja-JP" altLang="en-US" dirty="0"/>
-              <a:t>のフレームワークは</a:t>
-            </a:r>
-            <a:r>
-              <a:rPr lang="en-US" altLang="ja-JP" dirty="0"/>
-              <a:t>Spring</a:t>
-            </a:r>
-            <a:r>
-              <a:rPr lang="ja-JP" altLang="en-US" dirty="0"/>
-              <a:t>を使用します。</a:t>
-            </a:r>
-            <a:endParaRPr lang="en-US" altLang="ja-JP" dirty="0"/>
-          </a:p>
-          <a:p>
-            <a:pPr lvl="2"/>
-            <a:r>
-              <a:rPr lang="en-US" altLang="ja-JP" dirty="0"/>
-              <a:t>Struts</a:t>
-            </a:r>
-            <a:r>
-              <a:rPr lang="ja-JP" altLang="en-US" dirty="0"/>
-              <a:t>亡き後のデファクトスタンダードは</a:t>
-            </a:r>
-            <a:r>
-              <a:rPr lang="en-US" altLang="ja-JP" dirty="0"/>
-              <a:t>Spring</a:t>
-            </a:r>
-            <a:r>
-              <a:rPr lang="ja-JP" altLang="en-US" dirty="0"/>
-              <a:t>！</a:t>
-            </a:r>
-            <a:endParaRPr lang="en-US" altLang="ja-JP" dirty="0"/>
-          </a:p>
-          <a:p>
-            <a:pPr lvl="1"/>
-            <a:r>
-              <a:rPr lang="en-US" altLang="ja-JP" dirty="0" err="1" smtClean="0"/>
-              <a:t>Redmine</a:t>
-            </a:r>
-            <a:r>
-              <a:rPr lang="ja-JP" altLang="en-US" dirty="0"/>
-              <a:t>使ってプロジェクト管理を行います。</a:t>
-            </a:r>
-            <a:endParaRPr lang="en-US" altLang="ja-JP" dirty="0"/>
-          </a:p>
-          <a:p>
-            <a:pPr lvl="2"/>
-            <a:r>
-              <a:rPr lang="en-US" altLang="ja-JP" dirty="0" smtClean="0"/>
-              <a:t>Excel</a:t>
-            </a:r>
-            <a:r>
-              <a:rPr lang="ja-JP" altLang="en-US" dirty="0" smtClean="0"/>
-              <a:t>管理からの脱却！</a:t>
-            </a:r>
-            <a:endParaRPr lang="en-US" altLang="ja-JP" dirty="0" smtClean="0"/>
-          </a:p>
-          <a:p>
-            <a:pPr lvl="1"/>
-            <a:r>
-              <a:rPr lang="en-US" altLang="ja-JP" dirty="0" smtClean="0"/>
-              <a:t>Junit</a:t>
-            </a:r>
-            <a:r>
-              <a:rPr lang="ja-JP" altLang="en-US" dirty="0"/>
-              <a:t>＋</a:t>
-            </a:r>
-            <a:r>
-              <a:rPr lang="en-US" altLang="ja-JP" dirty="0"/>
-              <a:t>Selenium</a:t>
-            </a:r>
-            <a:r>
-              <a:rPr lang="ja-JP" altLang="en-US" dirty="0"/>
-              <a:t>を使ってテスト自動化（</a:t>
-            </a:r>
-            <a:r>
-              <a:rPr lang="en-US" altLang="ja-JP" dirty="0"/>
-              <a:t>CI</a:t>
-            </a:r>
-            <a:r>
-              <a:rPr lang="ja-JP" altLang="en-US" dirty="0"/>
-              <a:t>）を実現します。</a:t>
-            </a:r>
-            <a:endParaRPr lang="en-US" altLang="ja-JP" dirty="0"/>
-          </a:p>
-          <a:p>
-            <a:pPr lvl="2"/>
-            <a:r>
-              <a:rPr lang="ja-JP" altLang="en-US" dirty="0" smtClean="0"/>
-              <a:t>単体テストは自動化の時代！</a:t>
-            </a:r>
-            <a:endParaRPr lang="en-US" altLang="ja-JP" dirty="0" smtClean="0"/>
-          </a:p>
-        </p:txBody>
-      </p:sp>
-      <p:sp>
-        <p:nvSpPr>
-          <p:cNvPr id="3" name="スライド番号プレースホルダー 2"/>
-          <p:cNvSpPr>
-            <a:spLocks noGrp="1"/>
-          </p:cNvSpPr>
-          <p:nvPr>
-            <p:ph type="sldNum" sz="quarter" idx="12"/>
-          </p:nvPr>
-        </p:nvSpPr>
-        <p:spPr/>
-        <p:txBody>
-          <a:bodyPr/>
-          <a:lstStyle/>
-          <a:p>
-            <a:fld id="{1B2C9F7E-80B6-4C3C-8A6C-643968CAB744}" type="slidenum">
-              <a:rPr kumimoji="1" lang="ja-JP" altLang="en-US" smtClean="0"/>
-              <a:pPr/>
-              <a:t>14</a:t>
-            </a:fld>
-            <a:endParaRPr kumimoji="1" lang="ja-JP" altLang="en-US"/>
-          </a:p>
-        </p:txBody>
-      </p:sp>
-      <p:sp>
-        <p:nvSpPr>
-          <p:cNvPr id="4" name="タイトル 3"/>
-          <p:cNvSpPr>
-            <a:spLocks noGrp="1"/>
-          </p:cNvSpPr>
-          <p:nvPr>
-            <p:ph type="title"/>
-          </p:nvPr>
-        </p:nvSpPr>
-        <p:spPr/>
-        <p:txBody>
-          <a:bodyPr>
-            <a:normAutofit/>
-          </a:bodyPr>
-          <a:lstStyle/>
-          <a:p>
-            <a:r>
-              <a:rPr lang="ja-JP" altLang="en-US" dirty="0" smtClean="0"/>
-              <a:t>最後に　～研究開発</a:t>
-            </a:r>
-            <a:r>
-              <a:rPr kumimoji="1" lang="ja-JP" altLang="en-US" dirty="0" smtClean="0"/>
-              <a:t>としての目的</a:t>
-            </a:r>
-            <a:r>
-              <a:rPr lang="ja-JP" altLang="en-US" dirty="0" smtClean="0"/>
-              <a:t>～</a:t>
-            </a:r>
-            <a:endParaRPr kumimoji="1" lang="ja-JP" altLang="en-US" dirty="0"/>
-          </a:p>
-        </p:txBody>
-      </p:sp>
-    </p:spTree>
-    <p:extLst>
-      <p:ext uri="{BB962C8B-B14F-4D97-AF65-F5344CB8AC3E}">
-        <p14:creationId xmlns:p14="http://schemas.microsoft.com/office/powerpoint/2010/main" val="1780104939"/>
-      </p:ext>
-    </p:extLst>
-  </p:cSld>
-  <p:clrMapOvr>
-    <a:masterClrMapping/>
-  </p:clrMapOvr>
 </p:sld>
 </file>
 

--- a/設計書/1_月報管理システム 提案資料.pptx
+++ b/設計書/1_月報管理システム 提案資料.pptx
@@ -5,25 +5,26 @@
     <p:sldMasterId id="2147483672" r:id="rId1"/>
   </p:sldMasterIdLst>
   <p:notesMasterIdLst>
-    <p:notesMasterId r:id="rId15"/>
+    <p:notesMasterId r:id="rId16"/>
   </p:notesMasterIdLst>
   <p:handoutMasterIdLst>
-    <p:handoutMasterId r:id="rId16"/>
+    <p:handoutMasterId r:id="rId17"/>
   </p:handoutMasterIdLst>
   <p:sldIdLst>
     <p:sldId id="256" r:id="rId2"/>
     <p:sldId id="257" r:id="rId3"/>
     <p:sldId id="259" r:id="rId4"/>
     <p:sldId id="260" r:id="rId5"/>
-    <p:sldId id="261" r:id="rId6"/>
+    <p:sldId id="276" r:id="rId6"/>
     <p:sldId id="265" r:id="rId7"/>
-    <p:sldId id="270" r:id="rId8"/>
-    <p:sldId id="273" r:id="rId9"/>
-    <p:sldId id="274" r:id="rId10"/>
-    <p:sldId id="266" r:id="rId11"/>
-    <p:sldId id="272" r:id="rId12"/>
-    <p:sldId id="275" r:id="rId13"/>
-    <p:sldId id="263" r:id="rId14"/>
+    <p:sldId id="261" r:id="rId8"/>
+    <p:sldId id="270" r:id="rId9"/>
+    <p:sldId id="273" r:id="rId10"/>
+    <p:sldId id="274" r:id="rId11"/>
+    <p:sldId id="266" r:id="rId12"/>
+    <p:sldId id="272" r:id="rId13"/>
+    <p:sldId id="275" r:id="rId14"/>
+    <p:sldId id="263" r:id="rId15"/>
   </p:sldIdLst>
   <p:sldSz cx="9144000" cy="6858000" type="screen4x3"/>
   <p:notesSz cx="6858000" cy="9144000"/>
@@ -3007,43 +3008,6 @@
         </a:p>
       </dgm:t>
     </dgm:pt>
-    <dgm:pt modelId="{37D75798-C063-4D43-885C-5C2CC101A97D}">
-      <dgm:prSet custT="1"/>
-      <dgm:spPr/>
-      <dgm:t>
-        <a:bodyPr/>
-        <a:lstStyle/>
-        <a:p>
-          <a:r>
-            <a:rPr kumimoji="1" lang="ja-JP" altLang="en-US" sz="1800" dirty="0" smtClean="0"/>
-            <a:t>承認ルート設定</a:t>
-          </a:r>
-          <a:endParaRPr kumimoji="1" lang="ja-JP" altLang="en-US" sz="1800" dirty="0"/>
-        </a:p>
-      </dgm:t>
-    </dgm:pt>
-    <dgm:pt modelId="{CA6F8972-6CD8-448C-A84D-8256297787F7}" type="parTrans" cxnId="{E77D710B-F8B8-45D7-BAB2-1342D44AC065}">
-      <dgm:prSet/>
-      <dgm:spPr/>
-      <dgm:t>
-        <a:bodyPr/>
-        <a:lstStyle/>
-        <a:p>
-          <a:endParaRPr kumimoji="1" lang="ja-JP" altLang="en-US"/>
-        </a:p>
-      </dgm:t>
-    </dgm:pt>
-    <dgm:pt modelId="{CC1562F8-A737-4EE3-AC8F-5672D16E32A7}" type="sibTrans" cxnId="{E77D710B-F8B8-45D7-BAB2-1342D44AC065}">
-      <dgm:prSet/>
-      <dgm:spPr/>
-      <dgm:t>
-        <a:bodyPr/>
-        <a:lstStyle/>
-        <a:p>
-          <a:endParaRPr kumimoji="1" lang="ja-JP" altLang="en-US"/>
-        </a:p>
-      </dgm:t>
-    </dgm:pt>
     <dgm:pt modelId="{550A381F-40F0-4E05-ACCB-D1C9F5A5043C}">
       <dgm:prSet custT="1"/>
       <dgm:spPr/>
@@ -3053,7 +3017,11 @@
         <a:p>
           <a:r>
             <a:rPr kumimoji="1" lang="ja-JP" altLang="en-US" sz="1800" dirty="0" smtClean="0"/>
-            <a:t>ユーザ一覧</a:t>
+            <a:t>利用者情報</a:t>
+          </a:r>
+          <a:r>
+            <a:rPr kumimoji="1" lang="ja-JP" altLang="en-US" sz="1800" dirty="0" smtClean="0"/>
+            <a:t>変更</a:t>
           </a:r>
           <a:endParaRPr kumimoji="1" lang="ja-JP" altLang="en-US" sz="1800" dirty="0"/>
         </a:p>
@@ -3118,22 +3086,22 @@
         </a:p>
       </dgm:t>
     </dgm:pt>
-    <dgm:pt modelId="{ED608AA5-B0D5-4DEC-A70C-7F0A50E96B89}">
-      <dgm:prSet phldrT="[テキスト]" custT="1"/>
+    <dgm:pt modelId="{F952EE0C-5F2A-45AA-83A8-2211EDDFDFEC}">
+      <dgm:prSet custT="1"/>
       <dgm:spPr/>
       <dgm:t>
         <a:bodyPr/>
         <a:lstStyle/>
         <a:p>
           <a:r>
-            <a:rPr kumimoji="1" lang="ja-JP" altLang="en-US" sz="1800" dirty="0" smtClean="0"/>
-            <a:t>月報一覧</a:t>
+            <a:rPr kumimoji="1" lang="ja-JP" altLang="en-US" sz="1800" smtClean="0"/>
+            <a:t>月報申請修正</a:t>
           </a:r>
           <a:endParaRPr kumimoji="1" lang="ja-JP" altLang="en-US" sz="1800" dirty="0"/>
         </a:p>
       </dgm:t>
     </dgm:pt>
-    <dgm:pt modelId="{CF92BB08-C214-4E78-9799-5C7FA82D1BB1}" type="parTrans" cxnId="{29C897D4-BEA2-4692-8D3A-617DD8B90FAA}">
+    <dgm:pt modelId="{2AB66099-0359-4A48-AEFF-6DBBBBD0106C}" type="parTrans" cxnId="{077A4BCF-C583-4278-B961-445381AE20D5}">
       <dgm:prSet/>
       <dgm:spPr/>
       <dgm:t>
@@ -3144,81 +3112,7 @@
         </a:p>
       </dgm:t>
     </dgm:pt>
-    <dgm:pt modelId="{36124865-0612-4A05-9292-3BE82BB071E3}" type="sibTrans" cxnId="{29C897D4-BEA2-4692-8D3A-617DD8B90FAA}">
-      <dgm:prSet/>
-      <dgm:spPr/>
-      <dgm:t>
-        <a:bodyPr/>
-        <a:lstStyle/>
-        <a:p>
-          <a:endParaRPr kumimoji="1" lang="ja-JP" altLang="en-US"/>
-        </a:p>
-      </dgm:t>
-    </dgm:pt>
-    <dgm:pt modelId="{ACD35163-CB2A-493B-AA67-70B175490B51}">
-      <dgm:prSet custT="1"/>
-      <dgm:spPr/>
-      <dgm:t>
-        <a:bodyPr/>
-        <a:lstStyle/>
-        <a:p>
-          <a:r>
-            <a:rPr kumimoji="1" lang="ja-JP" altLang="en-US" sz="1800" dirty="0" smtClean="0"/>
-            <a:t>ユーザ修正</a:t>
-          </a:r>
-          <a:endParaRPr kumimoji="1" lang="ja-JP" altLang="en-US" sz="1800" dirty="0"/>
-        </a:p>
-      </dgm:t>
-    </dgm:pt>
-    <dgm:pt modelId="{5E9DEE14-C12E-437E-8A35-B1BB9E6B1311}" type="parTrans" cxnId="{E082306C-B068-4F52-A2BC-FAC831DCD9E5}">
-      <dgm:prSet/>
-      <dgm:spPr/>
-      <dgm:t>
-        <a:bodyPr/>
-        <a:lstStyle/>
-        <a:p>
-          <a:endParaRPr kumimoji="1" lang="ja-JP" altLang="en-US"/>
-        </a:p>
-      </dgm:t>
-    </dgm:pt>
-    <dgm:pt modelId="{0C2C359B-CEC5-4256-9CD1-51D051D0DB71}" type="sibTrans" cxnId="{E082306C-B068-4F52-A2BC-FAC831DCD9E5}">
-      <dgm:prSet/>
-      <dgm:spPr/>
-      <dgm:t>
-        <a:bodyPr/>
-        <a:lstStyle/>
-        <a:p>
-          <a:endParaRPr kumimoji="1" lang="ja-JP" altLang="en-US"/>
-        </a:p>
-      </dgm:t>
-    </dgm:pt>
-    <dgm:pt modelId="{322E98DA-FF01-4737-8F37-179BFB5461E7}">
-      <dgm:prSet custT="1"/>
-      <dgm:spPr/>
-      <dgm:t>
-        <a:bodyPr/>
-        <a:lstStyle/>
-        <a:p>
-          <a:r>
-            <a:rPr kumimoji="1" lang="ja-JP" altLang="en-US" sz="2000" dirty="0" smtClean="0"/>
-            <a:t>月報申請修正</a:t>
-          </a:r>
-          <a:endParaRPr kumimoji="1" lang="ja-JP" altLang="en-US" sz="2000" dirty="0"/>
-        </a:p>
-      </dgm:t>
-    </dgm:pt>
-    <dgm:pt modelId="{6652EC44-21B9-40C5-AF7C-C1F6399A2F62}" type="parTrans" cxnId="{3085B42A-1CB8-4908-BEA5-C5DFCE396A75}">
-      <dgm:prSet/>
-      <dgm:spPr/>
-      <dgm:t>
-        <a:bodyPr/>
-        <a:lstStyle/>
-        <a:p>
-          <a:endParaRPr kumimoji="1" lang="ja-JP" altLang="en-US"/>
-        </a:p>
-      </dgm:t>
-    </dgm:pt>
-    <dgm:pt modelId="{3F1FD43C-9A50-4589-B1FF-5CE7324EBADA}" type="sibTrans" cxnId="{3085B42A-1CB8-4908-BEA5-C5DFCE396A75}">
+    <dgm:pt modelId="{9894DB23-0E74-4AD1-84A2-6E11B6A279DB}" type="sibTrans" cxnId="{077A4BCF-C583-4278-B961-445381AE20D5}">
       <dgm:prSet/>
       <dgm:spPr/>
       <dgm:t>
@@ -3361,8 +3255,53 @@
       <dgm:prSet presAssocID="{6ED63BC7-73D7-42AA-8C32-20FAF112464A}" presName="level3hierChild" presStyleCnt="0"/>
       <dgm:spPr/>
     </dgm:pt>
+    <dgm:pt modelId="{57A82C26-D586-4679-BA3B-6FBBDEA55392}" type="pres">
+      <dgm:prSet presAssocID="{2AB66099-0359-4A48-AEFF-6DBBBBD0106C}" presName="conn2-1" presStyleLbl="parChTrans1D4" presStyleIdx="0" presStyleCnt="1"/>
+      <dgm:spPr/>
+      <dgm:t>
+        <a:bodyPr/>
+        <a:lstStyle/>
+        <a:p>
+          <a:endParaRPr kumimoji="1" lang="ja-JP" altLang="en-US"/>
+        </a:p>
+      </dgm:t>
+    </dgm:pt>
+    <dgm:pt modelId="{3E217499-E5A9-4C2B-A8E5-0E20C6FD61F4}" type="pres">
+      <dgm:prSet presAssocID="{2AB66099-0359-4A48-AEFF-6DBBBBD0106C}" presName="connTx" presStyleLbl="parChTrans1D4" presStyleIdx="0" presStyleCnt="1"/>
+      <dgm:spPr/>
+      <dgm:t>
+        <a:bodyPr/>
+        <a:lstStyle/>
+        <a:p>
+          <a:endParaRPr kumimoji="1" lang="ja-JP" altLang="en-US"/>
+        </a:p>
+      </dgm:t>
+    </dgm:pt>
+    <dgm:pt modelId="{7B55550B-706B-426A-9CA5-DD0A5005A47B}" type="pres">
+      <dgm:prSet presAssocID="{F952EE0C-5F2A-45AA-83A8-2211EDDFDFEC}" presName="root2" presStyleCnt="0"/>
+      <dgm:spPr/>
+    </dgm:pt>
+    <dgm:pt modelId="{A67CDDF1-D9C9-41DA-B2A5-6F17BBC650C5}" type="pres">
+      <dgm:prSet presAssocID="{F952EE0C-5F2A-45AA-83A8-2211EDDFDFEC}" presName="LevelTwoTextNode" presStyleLbl="node4" presStyleIdx="0" presStyleCnt="1" custLinFactNeighborY="-26118">
+        <dgm:presLayoutVars>
+          <dgm:chPref val="3"/>
+        </dgm:presLayoutVars>
+      </dgm:prSet>
+      <dgm:spPr/>
+      <dgm:t>
+        <a:bodyPr/>
+        <a:lstStyle/>
+        <a:p>
+          <a:endParaRPr kumimoji="1" lang="ja-JP" altLang="en-US"/>
+        </a:p>
+      </dgm:t>
+    </dgm:pt>
+    <dgm:pt modelId="{93C066B0-B67F-4CDA-8873-6A70F7DC8069}" type="pres">
+      <dgm:prSet presAssocID="{F952EE0C-5F2A-45AA-83A8-2211EDDFDFEC}" presName="level3hierChild" presStyleCnt="0"/>
+      <dgm:spPr/>
+    </dgm:pt>
     <dgm:pt modelId="{F44B948E-6B8D-4933-A9BA-0DE12B5F79DC}" type="pres">
-      <dgm:prSet presAssocID="{8D04A5F3-D044-42CC-A15E-FFDE1F1ED097}" presName="conn2-1" presStyleLbl="parChTrans1D4" presStyleIdx="0" presStyleCnt="4"/>
+      <dgm:prSet presAssocID="{8D04A5F3-D044-42CC-A15E-FFDE1F1ED097}" presName="conn2-1" presStyleLbl="parChTrans1D3" presStyleIdx="1" presStyleCnt="3"/>
       <dgm:spPr/>
       <dgm:t>
         <a:bodyPr/>
@@ -3373,7 +3312,7 @@
       </dgm:t>
     </dgm:pt>
     <dgm:pt modelId="{F6498CD9-EB6F-4797-9DFC-8C68AB16AF39}" type="pres">
-      <dgm:prSet presAssocID="{8D04A5F3-D044-42CC-A15E-FFDE1F1ED097}" presName="connTx" presStyleLbl="parChTrans1D4" presStyleIdx="0" presStyleCnt="4"/>
+      <dgm:prSet presAssocID="{8D04A5F3-D044-42CC-A15E-FFDE1F1ED097}" presName="connTx" presStyleLbl="parChTrans1D3" presStyleIdx="1" presStyleCnt="3"/>
       <dgm:spPr/>
       <dgm:t>
         <a:bodyPr/>
@@ -3388,7 +3327,7 @@
       <dgm:spPr/>
     </dgm:pt>
     <dgm:pt modelId="{BAD0047E-DA1C-4857-B10D-B244CD2D3195}" type="pres">
-      <dgm:prSet presAssocID="{05035769-5ED0-4C7F-9192-B43AC08FB283}" presName="LevelTwoTextNode" presStyleLbl="node4" presStyleIdx="0" presStyleCnt="4" custLinFactNeighborY="-47324">
+      <dgm:prSet presAssocID="{05035769-5ED0-4C7F-9192-B43AC08FB283}" presName="LevelTwoTextNode" presStyleLbl="node3" presStyleIdx="1" presStyleCnt="3" custLinFactNeighborY="-19377">
         <dgm:presLayoutVars>
           <dgm:chPref val="3"/>
         </dgm:presLayoutVars>
@@ -3404,96 +3343,6 @@
     </dgm:pt>
     <dgm:pt modelId="{F9B63F22-F629-4BC3-9CC4-D0C13B951B6D}" type="pres">
       <dgm:prSet presAssocID="{05035769-5ED0-4C7F-9192-B43AC08FB283}" presName="level3hierChild" presStyleCnt="0"/>
-      <dgm:spPr/>
-    </dgm:pt>
-    <dgm:pt modelId="{75F7EA50-5461-4C5F-B3C1-E65EB6F9B1E6}" type="pres">
-      <dgm:prSet presAssocID="{6652EC44-21B9-40C5-AF7C-C1F6399A2F62}" presName="conn2-1" presStyleLbl="parChTrans1D4" presStyleIdx="1" presStyleCnt="4"/>
-      <dgm:spPr/>
-      <dgm:t>
-        <a:bodyPr/>
-        <a:lstStyle/>
-        <a:p>
-          <a:endParaRPr kumimoji="1" lang="ja-JP" altLang="en-US"/>
-        </a:p>
-      </dgm:t>
-    </dgm:pt>
-    <dgm:pt modelId="{712A7DB4-C081-416E-8B7B-E713F2B1976E}" type="pres">
-      <dgm:prSet presAssocID="{6652EC44-21B9-40C5-AF7C-C1F6399A2F62}" presName="connTx" presStyleLbl="parChTrans1D4" presStyleIdx="1" presStyleCnt="4"/>
-      <dgm:spPr/>
-      <dgm:t>
-        <a:bodyPr/>
-        <a:lstStyle/>
-        <a:p>
-          <a:endParaRPr kumimoji="1" lang="ja-JP" altLang="en-US"/>
-        </a:p>
-      </dgm:t>
-    </dgm:pt>
-    <dgm:pt modelId="{AF27D3D5-DA59-4699-B531-19D46D80FA56}" type="pres">
-      <dgm:prSet presAssocID="{322E98DA-FF01-4737-8F37-179BFB5461E7}" presName="root2" presStyleCnt="0"/>
-      <dgm:spPr/>
-    </dgm:pt>
-    <dgm:pt modelId="{CE7767F5-4DAA-4548-9712-A2BED33CD18E}" type="pres">
-      <dgm:prSet presAssocID="{322E98DA-FF01-4737-8F37-179BFB5461E7}" presName="LevelTwoTextNode" presStyleLbl="node4" presStyleIdx="1" presStyleCnt="4" custLinFactNeighborY="-26118">
-        <dgm:presLayoutVars>
-          <dgm:chPref val="3"/>
-        </dgm:presLayoutVars>
-      </dgm:prSet>
-      <dgm:spPr/>
-      <dgm:t>
-        <a:bodyPr/>
-        <a:lstStyle/>
-        <a:p>
-          <a:endParaRPr kumimoji="1" lang="ja-JP" altLang="en-US"/>
-        </a:p>
-      </dgm:t>
-    </dgm:pt>
-    <dgm:pt modelId="{FDD0FEEB-1182-4E99-AEDF-309587DFC3BC}" type="pres">
-      <dgm:prSet presAssocID="{322E98DA-FF01-4737-8F37-179BFB5461E7}" presName="level3hierChild" presStyleCnt="0"/>
-      <dgm:spPr/>
-    </dgm:pt>
-    <dgm:pt modelId="{9B45779C-50BD-4C77-BAF4-2333FF7055C2}" type="pres">
-      <dgm:prSet presAssocID="{CF92BB08-C214-4E78-9799-5C7FA82D1BB1}" presName="conn2-1" presStyleLbl="parChTrans1D3" presStyleIdx="1" presStyleCnt="3"/>
-      <dgm:spPr/>
-      <dgm:t>
-        <a:bodyPr/>
-        <a:lstStyle/>
-        <a:p>
-          <a:endParaRPr kumimoji="1" lang="ja-JP" altLang="en-US"/>
-        </a:p>
-      </dgm:t>
-    </dgm:pt>
-    <dgm:pt modelId="{08DBD3BE-FB5D-4D1A-9A92-E9BE11CCC033}" type="pres">
-      <dgm:prSet presAssocID="{CF92BB08-C214-4E78-9799-5C7FA82D1BB1}" presName="connTx" presStyleLbl="parChTrans1D3" presStyleIdx="1" presStyleCnt="3"/>
-      <dgm:spPr/>
-      <dgm:t>
-        <a:bodyPr/>
-        <a:lstStyle/>
-        <a:p>
-          <a:endParaRPr kumimoji="1" lang="ja-JP" altLang="en-US"/>
-        </a:p>
-      </dgm:t>
-    </dgm:pt>
-    <dgm:pt modelId="{9C011A38-F2BB-4CE4-B5E8-AE71B85B6ABF}" type="pres">
-      <dgm:prSet presAssocID="{ED608AA5-B0D5-4DEC-A70C-7F0A50E96B89}" presName="root2" presStyleCnt="0"/>
-      <dgm:spPr/>
-    </dgm:pt>
-    <dgm:pt modelId="{F6366B08-ABCF-4A2F-BE30-7D93361E845B}" type="pres">
-      <dgm:prSet presAssocID="{ED608AA5-B0D5-4DEC-A70C-7F0A50E96B89}" presName="LevelTwoTextNode" presStyleLbl="node3" presStyleIdx="1" presStyleCnt="3" custLinFactNeighborY="19309">
-        <dgm:presLayoutVars>
-          <dgm:chPref val="3"/>
-        </dgm:presLayoutVars>
-      </dgm:prSet>
-      <dgm:spPr/>
-      <dgm:t>
-        <a:bodyPr/>
-        <a:lstStyle/>
-        <a:p>
-          <a:endParaRPr kumimoji="1" lang="ja-JP" altLang="en-US"/>
-        </a:p>
-      </dgm:t>
-    </dgm:pt>
-    <dgm:pt modelId="{8EC64571-699C-4720-BC18-BD3964042886}" type="pres">
-      <dgm:prSet presAssocID="{ED608AA5-B0D5-4DEC-A70C-7F0A50E96B89}" presName="level3hierChild" presStyleCnt="0"/>
       <dgm:spPr/>
     </dgm:pt>
     <dgm:pt modelId="{9E124E1E-0161-4AC1-87EC-B09B2F219B0F}" type="pres">
@@ -3523,7 +3372,7 @@
       <dgm:spPr/>
     </dgm:pt>
     <dgm:pt modelId="{AAE69731-215B-45BC-8E15-2A6F1103ED7E}" type="pres">
-      <dgm:prSet presAssocID="{550A381F-40F0-4E05-ACCB-D1C9F5A5043C}" presName="LevelTwoTextNode" presStyleLbl="node3" presStyleIdx="2" presStyleCnt="3" custLinFactNeighborY="67582">
+      <dgm:prSet presAssocID="{550A381F-40F0-4E05-ACCB-D1C9F5A5043C}" presName="LevelTwoTextNode" presStyleLbl="node3" presStyleIdx="2" presStyleCnt="3" custLinFactNeighborY="-5623">
         <dgm:presLayoutVars>
           <dgm:chPref val="3"/>
         </dgm:presLayoutVars>
@@ -3541,133 +3390,31 @@
       <dgm:prSet presAssocID="{550A381F-40F0-4E05-ACCB-D1C9F5A5043C}" presName="level3hierChild" presStyleCnt="0"/>
       <dgm:spPr/>
     </dgm:pt>
-    <dgm:pt modelId="{CAFDD6AC-A606-4FAE-8432-AB1EBCF58CDA}" type="pres">
-      <dgm:prSet presAssocID="{5E9DEE14-C12E-437E-8A35-B1BB9E6B1311}" presName="conn2-1" presStyleLbl="parChTrans1D4" presStyleIdx="2" presStyleCnt="4"/>
-      <dgm:spPr/>
-      <dgm:t>
-        <a:bodyPr/>
-        <a:lstStyle/>
-        <a:p>
-          <a:endParaRPr kumimoji="1" lang="ja-JP" altLang="en-US"/>
-        </a:p>
-      </dgm:t>
-    </dgm:pt>
-    <dgm:pt modelId="{97AC2B28-AD2A-492E-A549-C113680F4675}" type="pres">
-      <dgm:prSet presAssocID="{5E9DEE14-C12E-437E-8A35-B1BB9E6B1311}" presName="connTx" presStyleLbl="parChTrans1D4" presStyleIdx="2" presStyleCnt="4"/>
-      <dgm:spPr/>
-      <dgm:t>
-        <a:bodyPr/>
-        <a:lstStyle/>
-        <a:p>
-          <a:endParaRPr kumimoji="1" lang="ja-JP" altLang="en-US"/>
-        </a:p>
-      </dgm:t>
-    </dgm:pt>
-    <dgm:pt modelId="{2793A41A-5580-4B39-ADFF-9F2EC5899790}" type="pres">
-      <dgm:prSet presAssocID="{ACD35163-CB2A-493B-AA67-70B175490B51}" presName="root2" presStyleCnt="0"/>
-      <dgm:spPr/>
-    </dgm:pt>
-    <dgm:pt modelId="{9668374C-339A-4CB7-9E78-1AAA20598985}" type="pres">
-      <dgm:prSet presAssocID="{ACD35163-CB2A-493B-AA67-70B175490B51}" presName="LevelTwoTextNode" presStyleLbl="node4" presStyleIdx="2" presStyleCnt="4" custLinFactNeighborY="49221">
-        <dgm:presLayoutVars>
-          <dgm:chPref val="3"/>
-        </dgm:presLayoutVars>
-      </dgm:prSet>
-      <dgm:spPr/>
-      <dgm:t>
-        <a:bodyPr/>
-        <a:lstStyle/>
-        <a:p>
-          <a:endParaRPr kumimoji="1" lang="ja-JP" altLang="en-US"/>
-        </a:p>
-      </dgm:t>
-    </dgm:pt>
-    <dgm:pt modelId="{92762133-F9E4-4BF3-B1E6-EB96FE0C0613}" type="pres">
-      <dgm:prSet presAssocID="{ACD35163-CB2A-493B-AA67-70B175490B51}" presName="level3hierChild" presStyleCnt="0"/>
-      <dgm:spPr/>
-    </dgm:pt>
-    <dgm:pt modelId="{3AA81311-4EAD-4E7A-8B3C-7384A0FA7427}" type="pres">
-      <dgm:prSet presAssocID="{CA6F8972-6CD8-448C-A84D-8256297787F7}" presName="conn2-1" presStyleLbl="parChTrans1D4" presStyleIdx="3" presStyleCnt="4"/>
-      <dgm:spPr/>
-      <dgm:t>
-        <a:bodyPr/>
-        <a:lstStyle/>
-        <a:p>
-          <a:endParaRPr kumimoji="1" lang="ja-JP" altLang="en-US"/>
-        </a:p>
-      </dgm:t>
-    </dgm:pt>
-    <dgm:pt modelId="{9B5EB736-E58D-42A3-9267-3AF2E5669002}" type="pres">
-      <dgm:prSet presAssocID="{CA6F8972-6CD8-448C-A84D-8256297787F7}" presName="connTx" presStyleLbl="parChTrans1D4" presStyleIdx="3" presStyleCnt="4"/>
-      <dgm:spPr/>
-      <dgm:t>
-        <a:bodyPr/>
-        <a:lstStyle/>
-        <a:p>
-          <a:endParaRPr kumimoji="1" lang="ja-JP" altLang="en-US"/>
-        </a:p>
-      </dgm:t>
-    </dgm:pt>
-    <dgm:pt modelId="{D4EA5CC4-2527-40D0-9D98-C46C8ED3AFEA}" type="pres">
-      <dgm:prSet presAssocID="{37D75798-C063-4D43-885C-5C2CC101A97D}" presName="root2" presStyleCnt="0"/>
-      <dgm:spPr/>
-    </dgm:pt>
-    <dgm:pt modelId="{0C332281-900B-440A-A110-24393A013274}" type="pres">
-      <dgm:prSet presAssocID="{37D75798-C063-4D43-885C-5C2CC101A97D}" presName="LevelTwoTextNode" presStyleLbl="node4" presStyleIdx="3" presStyleCnt="4" custLinFactNeighborY="93530">
-        <dgm:presLayoutVars>
-          <dgm:chPref val="3"/>
-        </dgm:presLayoutVars>
-      </dgm:prSet>
-      <dgm:spPr/>
-      <dgm:t>
-        <a:bodyPr/>
-        <a:lstStyle/>
-        <a:p>
-          <a:endParaRPr kumimoji="1" lang="ja-JP" altLang="en-US"/>
-        </a:p>
-      </dgm:t>
-    </dgm:pt>
-    <dgm:pt modelId="{82F7D064-5981-448B-B332-2BDED2F3BF0F}" type="pres">
-      <dgm:prSet presAssocID="{37D75798-C063-4D43-885C-5C2CC101A97D}" presName="level3hierChild" presStyleCnt="0"/>
-      <dgm:spPr/>
-    </dgm:pt>
   </dgm:ptLst>
   <dgm:cxnLst>
-    <dgm:cxn modelId="{3812A3F0-DD7D-457A-8B51-632514F037BE}" type="presOf" srcId="{6652EC44-21B9-40C5-AF7C-C1F6399A2F62}" destId="{75F7EA50-5461-4C5F-B3C1-E65EB6F9B1E6}" srcOrd="0" destOrd="0" presId="urn:microsoft.com/office/officeart/2008/layout/HorizontalMultiLevelHierarchy"/>
-    <dgm:cxn modelId="{988437BE-1B69-4FA3-AD0A-CA4436DF4880}" type="presOf" srcId="{CA6F8972-6CD8-448C-A84D-8256297787F7}" destId="{3AA81311-4EAD-4E7A-8B3C-7384A0FA7427}" srcOrd="0" destOrd="0" presId="urn:microsoft.com/office/officeart/2008/layout/HorizontalMultiLevelHierarchy"/>
-    <dgm:cxn modelId="{64B83AC0-C76C-4331-8EB6-070E80E69F79}" type="presOf" srcId="{8D04A5F3-D044-42CC-A15E-FFDE1F1ED097}" destId="{F44B948E-6B8D-4933-A9BA-0DE12B5F79DC}" srcOrd="0" destOrd="0" presId="urn:microsoft.com/office/officeart/2008/layout/HorizontalMultiLevelHierarchy"/>
+    <dgm:cxn modelId="{8170BB76-B1FD-4D3C-86C3-B022300DABBB}" type="presOf" srcId="{6ED63BC7-73D7-42AA-8C32-20FAF112464A}" destId="{321BE020-EB98-4638-9EBB-B2C3D28F7A9D}" srcOrd="0" destOrd="0" presId="urn:microsoft.com/office/officeart/2008/layout/HorizontalMultiLevelHierarchy"/>
+    <dgm:cxn modelId="{A8C10B91-EEF2-4A56-905C-CD026B688721}" type="presOf" srcId="{8D04A5F3-D044-42CC-A15E-FFDE1F1ED097}" destId="{F44B948E-6B8D-4933-A9BA-0DE12B5F79DC}" srcOrd="0" destOrd="0" presId="urn:microsoft.com/office/officeart/2008/layout/HorizontalMultiLevelHierarchy"/>
+    <dgm:cxn modelId="{26EAADF4-8DD1-45D0-9982-6DC90A38C4F8}" type="presOf" srcId="{A0559AFC-F7C9-40A3-85C8-C1718708DC40}" destId="{5C94A537-F670-4876-9327-9280C8C56023}" srcOrd="0" destOrd="0" presId="urn:microsoft.com/office/officeart/2008/layout/HorizontalMultiLevelHierarchy"/>
+    <dgm:cxn modelId="{43E99752-24CC-4CB5-81FB-A387C6CC33D5}" type="presOf" srcId="{05035769-5ED0-4C7F-9192-B43AC08FB283}" destId="{BAD0047E-DA1C-4857-B10D-B244CD2D3195}" srcOrd="0" destOrd="0" presId="urn:microsoft.com/office/officeart/2008/layout/HorizontalMultiLevelHierarchy"/>
+    <dgm:cxn modelId="{8B3B1DB8-9F46-4733-A9B3-94BA909732DC}" type="presOf" srcId="{129AA29F-A958-46F2-B74F-1427BE8052EA}" destId="{0953D620-6695-42B6-BD58-86B865F665DF}" srcOrd="1" destOrd="0" presId="urn:microsoft.com/office/officeart/2008/layout/HorizontalMultiLevelHierarchy"/>
+    <dgm:cxn modelId="{147DB898-FFCD-4DA5-B634-115026A5B30A}" type="presOf" srcId="{B5357460-0FAD-40CA-BE82-980E0E8EA8E3}" destId="{8A5D712F-6AF2-4319-A6F5-A30D601300D8}" srcOrd="0" destOrd="0" presId="urn:microsoft.com/office/officeart/2008/layout/HorizontalMultiLevelHierarchy"/>
+    <dgm:cxn modelId="{077A4BCF-C583-4278-B961-445381AE20D5}" srcId="{6ED63BC7-73D7-42AA-8C32-20FAF112464A}" destId="{F952EE0C-5F2A-45AA-83A8-2211EDDFDFEC}" srcOrd="0" destOrd="0" parTransId="{2AB66099-0359-4A48-AEFF-6DBBBBD0106C}" sibTransId="{9894DB23-0E74-4AD1-84A2-6E11B6A279DB}"/>
+    <dgm:cxn modelId="{F698A424-532B-4B86-A068-C3E05EB5E371}" type="presOf" srcId="{F952EE0C-5F2A-45AA-83A8-2211EDDFDFEC}" destId="{A67CDDF1-D9C9-41DA-B2A5-6F17BBC650C5}" srcOrd="0" destOrd="0" presId="urn:microsoft.com/office/officeart/2008/layout/HorizontalMultiLevelHierarchy"/>
+    <dgm:cxn modelId="{BC25CCFD-1A50-4152-BFF0-E6B0A65BFCE0}" srcId="{33878004-7D2A-4F72-BEDB-5D0AB58F15AC}" destId="{6ED63BC7-73D7-42AA-8C32-20FAF112464A}" srcOrd="0" destOrd="0" parTransId="{129AA29F-A958-46F2-B74F-1427BE8052EA}" sibTransId="{229F1C12-4DAE-4999-8B03-81254F138021}"/>
+    <dgm:cxn modelId="{0B28BA8E-F15B-47EE-8864-AE24A15B9E8B}" type="presOf" srcId="{550A381F-40F0-4E05-ACCB-D1C9F5A5043C}" destId="{AAE69731-215B-45BC-8E15-2A6F1103ED7E}" srcOrd="0" destOrd="0" presId="urn:microsoft.com/office/officeart/2008/layout/HorizontalMultiLevelHierarchy"/>
+    <dgm:cxn modelId="{2EFD85B6-F48A-4DAA-A3B2-05FEE92E143F}" srcId="{33878004-7D2A-4F72-BEDB-5D0AB58F15AC}" destId="{05035769-5ED0-4C7F-9192-B43AC08FB283}" srcOrd="1" destOrd="0" parTransId="{8D04A5F3-D044-42CC-A15E-FFDE1F1ED097}" sibTransId="{F6A46BCD-E28E-4203-9771-3C3D6B110843}"/>
+    <dgm:cxn modelId="{E65B95F2-C3FE-4676-AAA9-42230605C4A5}" srcId="{33878004-7D2A-4F72-BEDB-5D0AB58F15AC}" destId="{550A381F-40F0-4E05-ACCB-D1C9F5A5043C}" srcOrd="2" destOrd="0" parTransId="{1C096A7E-8FF6-4205-B81F-37441528B91E}" sibTransId="{A501F06D-82E0-4DE6-9AE9-2167538DECE0}"/>
+    <dgm:cxn modelId="{46EEF9F3-4074-4DCF-9F67-BEDD257AFD0F}" type="presOf" srcId="{2AB66099-0359-4A48-AEFF-6DBBBBD0106C}" destId="{3E217499-E5A9-4C2B-A8E5-0E20C6FD61F4}" srcOrd="1" destOrd="0" presId="urn:microsoft.com/office/officeart/2008/layout/HorizontalMultiLevelHierarchy"/>
+    <dgm:cxn modelId="{23F0D07F-CC3C-48D5-B3FD-55A1A6238090}" type="presOf" srcId="{33878004-7D2A-4F72-BEDB-5D0AB58F15AC}" destId="{BA2C46D1-49F2-4416-B0F1-25FE16F65916}" srcOrd="0" destOrd="0" presId="urn:microsoft.com/office/officeart/2008/layout/HorizontalMultiLevelHierarchy"/>
+    <dgm:cxn modelId="{E36AD33D-B0B6-44E5-B478-1BACD6E06B20}" type="presOf" srcId="{2AB66099-0359-4A48-AEFF-6DBBBBD0106C}" destId="{57A82C26-D586-4679-BA3B-6FBBDEA55392}" srcOrd="0" destOrd="0" presId="urn:microsoft.com/office/officeart/2008/layout/HorizontalMultiLevelHierarchy"/>
+    <dgm:cxn modelId="{2B10EE2C-AB70-4001-8B18-598063EBA92E}" type="presOf" srcId="{A0559AFC-F7C9-40A3-85C8-C1718708DC40}" destId="{75F5CFBF-8828-4BF9-816E-859BC8ED4F44}" srcOrd="1" destOrd="0" presId="urn:microsoft.com/office/officeart/2008/layout/HorizontalMultiLevelHierarchy"/>
     <dgm:cxn modelId="{379FBBC3-1A8E-4FCE-B247-DDC3C90238CD}" type="presOf" srcId="{129AA29F-A958-46F2-B74F-1427BE8052EA}" destId="{C9B6AA4F-3B14-43B1-86AC-5C1E9D1ED055}" srcOrd="0" destOrd="0" presId="urn:microsoft.com/office/officeart/2008/layout/HorizontalMultiLevelHierarchy"/>
-    <dgm:cxn modelId="{E082306C-B068-4F52-A2BC-FAC831DCD9E5}" srcId="{550A381F-40F0-4E05-ACCB-D1C9F5A5043C}" destId="{ACD35163-CB2A-493B-AA67-70B175490B51}" srcOrd="0" destOrd="0" parTransId="{5E9DEE14-C12E-437E-8A35-B1BB9E6B1311}" sibTransId="{0C2C359B-CEC5-4256-9CD1-51D051D0DB71}"/>
+    <dgm:cxn modelId="{590960AC-9E3A-4980-84A0-07BBDD9CEA7D}" type="presOf" srcId="{1C096A7E-8FF6-4205-B81F-37441528B91E}" destId="{795F2234-8ADC-4001-BDDB-49D4CDD506ED}" srcOrd="1" destOrd="0" presId="urn:microsoft.com/office/officeart/2008/layout/HorizontalMultiLevelHierarchy"/>
     <dgm:cxn modelId="{8E5871B2-EB43-490A-8E19-7ED3E7BF3DAE}" type="presOf" srcId="{E164911D-41C0-41AD-BFD4-B8091C9AE415}" destId="{22A722A9-2815-423D-8C37-5E5F7385B8FB}" srcOrd="0" destOrd="0" presId="urn:microsoft.com/office/officeart/2008/layout/HorizontalMultiLevelHierarchy"/>
-    <dgm:cxn modelId="{E77D710B-F8B8-45D7-BAB2-1342D44AC065}" srcId="{550A381F-40F0-4E05-ACCB-D1C9F5A5043C}" destId="{37D75798-C063-4D43-885C-5C2CC101A97D}" srcOrd="1" destOrd="0" parTransId="{CA6F8972-6CD8-448C-A84D-8256297787F7}" sibTransId="{CC1562F8-A737-4EE3-AC8F-5672D16E32A7}"/>
-    <dgm:cxn modelId="{590960AC-9E3A-4980-84A0-07BBDD9CEA7D}" type="presOf" srcId="{1C096A7E-8FF6-4205-B81F-37441528B91E}" destId="{795F2234-8ADC-4001-BDDB-49D4CDD506ED}" srcOrd="1" destOrd="0" presId="urn:microsoft.com/office/officeart/2008/layout/HorizontalMultiLevelHierarchy"/>
-    <dgm:cxn modelId="{2B10EE2C-AB70-4001-8B18-598063EBA92E}" type="presOf" srcId="{A0559AFC-F7C9-40A3-85C8-C1718708DC40}" destId="{75F5CFBF-8828-4BF9-816E-859BC8ED4F44}" srcOrd="1" destOrd="0" presId="urn:microsoft.com/office/officeart/2008/layout/HorizontalMultiLevelHierarchy"/>
-    <dgm:cxn modelId="{0B28BA8E-F15B-47EE-8864-AE24A15B9E8B}" type="presOf" srcId="{550A381F-40F0-4E05-ACCB-D1C9F5A5043C}" destId="{AAE69731-215B-45BC-8E15-2A6F1103ED7E}" srcOrd="0" destOrd="0" presId="urn:microsoft.com/office/officeart/2008/layout/HorizontalMultiLevelHierarchy"/>
-    <dgm:cxn modelId="{29C897D4-BEA2-4692-8D3A-617DD8B90FAA}" srcId="{33878004-7D2A-4F72-BEDB-5D0AB58F15AC}" destId="{ED608AA5-B0D5-4DEC-A70C-7F0A50E96B89}" srcOrd="1" destOrd="0" parTransId="{CF92BB08-C214-4E78-9799-5C7FA82D1BB1}" sibTransId="{36124865-0612-4A05-9292-3BE82BB071E3}"/>
-    <dgm:cxn modelId="{09FFCE5A-C01B-475B-827A-431E2CB4731A}" type="presOf" srcId="{05035769-5ED0-4C7F-9192-B43AC08FB283}" destId="{BAD0047E-DA1C-4857-B10D-B244CD2D3195}" srcOrd="0" destOrd="0" presId="urn:microsoft.com/office/officeart/2008/layout/HorizontalMultiLevelHierarchy"/>
-    <dgm:cxn modelId="{E4428D15-66C5-4DF2-9F08-4AD3FC247146}" type="presOf" srcId="{6652EC44-21B9-40C5-AF7C-C1F6399A2F62}" destId="{712A7DB4-C081-416E-8B7B-E713F2B1976E}" srcOrd="1" destOrd="0" presId="urn:microsoft.com/office/officeart/2008/layout/HorizontalMultiLevelHierarchy"/>
-    <dgm:cxn modelId="{4B189597-5B71-4E1D-A82A-7D1960A80988}" type="presOf" srcId="{37D75798-C063-4D43-885C-5C2CC101A97D}" destId="{0C332281-900B-440A-A110-24393A013274}" srcOrd="0" destOrd="0" presId="urn:microsoft.com/office/officeart/2008/layout/HorizontalMultiLevelHierarchy"/>
-    <dgm:cxn modelId="{82F12309-2B6B-4AB4-B0CC-671D4B8F4EC4}" type="presOf" srcId="{5E9DEE14-C12E-437E-8A35-B1BB9E6B1311}" destId="{CAFDD6AC-A606-4FAE-8432-AB1EBCF58CDA}" srcOrd="0" destOrd="0" presId="urn:microsoft.com/office/officeart/2008/layout/HorizontalMultiLevelHierarchy"/>
-    <dgm:cxn modelId="{3085B42A-1CB8-4908-BEA5-C5DFCE396A75}" srcId="{6ED63BC7-73D7-42AA-8C32-20FAF112464A}" destId="{322E98DA-FF01-4737-8F37-179BFB5461E7}" srcOrd="1" destOrd="0" parTransId="{6652EC44-21B9-40C5-AF7C-C1F6399A2F62}" sibTransId="{3F1FD43C-9A50-4589-B1FF-5CE7324EBADA}"/>
+    <dgm:cxn modelId="{B296DB5C-CCD1-47ED-911D-C67EA8CA3EDA}" type="presOf" srcId="{1C096A7E-8FF6-4205-B81F-37441528B91E}" destId="{9E124E1E-0161-4AC1-87EC-B09B2F219B0F}" srcOrd="0" destOrd="0" presId="urn:microsoft.com/office/officeart/2008/layout/HorizontalMultiLevelHierarchy"/>
+    <dgm:cxn modelId="{29DD0588-68EE-45B5-BF77-E9983730F0D9}" type="presOf" srcId="{8D04A5F3-D044-42CC-A15E-FFDE1F1ED097}" destId="{F6498CD9-EB6F-4797-9DFC-8C68AB16AF39}" srcOrd="1" destOrd="0" presId="urn:microsoft.com/office/officeart/2008/layout/HorizontalMultiLevelHierarchy"/>
+    <dgm:cxn modelId="{05FFAAE0-ACF1-4E28-BBE7-4382418BCA57}" srcId="{B5357460-0FAD-40CA-BE82-980E0E8EA8E3}" destId="{E164911D-41C0-41AD-BFD4-B8091C9AE415}" srcOrd="0" destOrd="0" parTransId="{FDB7C482-9992-4BC0-B687-7A27B7C339BC}" sibTransId="{6D28B937-C89D-4738-A88B-D334CEA09F7A}"/>
     <dgm:cxn modelId="{0B594901-626F-4C7C-AB3F-CEFA6AE0090C}" srcId="{E164911D-41C0-41AD-BFD4-B8091C9AE415}" destId="{33878004-7D2A-4F72-BEDB-5D0AB58F15AC}" srcOrd="0" destOrd="0" parTransId="{A0559AFC-F7C9-40A3-85C8-C1718708DC40}" sibTransId="{D6D76CC0-6030-401B-97E8-CE355C4FBFC4}"/>
-    <dgm:cxn modelId="{26EAADF4-8DD1-45D0-9982-6DC90A38C4F8}" type="presOf" srcId="{A0559AFC-F7C9-40A3-85C8-C1718708DC40}" destId="{5C94A537-F670-4876-9327-9280C8C56023}" srcOrd="0" destOrd="0" presId="urn:microsoft.com/office/officeart/2008/layout/HorizontalMultiLevelHierarchy"/>
-    <dgm:cxn modelId="{E65B95F2-C3FE-4676-AAA9-42230605C4A5}" srcId="{33878004-7D2A-4F72-BEDB-5D0AB58F15AC}" destId="{550A381F-40F0-4E05-ACCB-D1C9F5A5043C}" srcOrd="2" destOrd="0" parTransId="{1C096A7E-8FF6-4205-B81F-37441528B91E}" sibTransId="{A501F06D-82E0-4DE6-9AE9-2167538DECE0}"/>
-    <dgm:cxn modelId="{147DB898-FFCD-4DA5-B634-115026A5B30A}" type="presOf" srcId="{B5357460-0FAD-40CA-BE82-980E0E8EA8E3}" destId="{8A5D712F-6AF2-4319-A6F5-A30D601300D8}" srcOrd="0" destOrd="0" presId="urn:microsoft.com/office/officeart/2008/layout/HorizontalMultiLevelHierarchy"/>
-    <dgm:cxn modelId="{4448D5DD-15D7-4320-94F2-3067C91FFC2D}" type="presOf" srcId="{CA6F8972-6CD8-448C-A84D-8256297787F7}" destId="{9B5EB736-E58D-42A3-9267-3AF2E5669002}" srcOrd="1" destOrd="0" presId="urn:microsoft.com/office/officeart/2008/layout/HorizontalMultiLevelHierarchy"/>
-    <dgm:cxn modelId="{A5BC5A0B-FF88-41AD-A452-36F17C35CA8E}" type="presOf" srcId="{CF92BB08-C214-4E78-9799-5C7FA82D1BB1}" destId="{9B45779C-50BD-4C77-BAF4-2333FF7055C2}" srcOrd="0" destOrd="0" presId="urn:microsoft.com/office/officeart/2008/layout/HorizontalMultiLevelHierarchy"/>
-    <dgm:cxn modelId="{8BA03997-CA21-428F-BB93-C5DCE9B5D612}" type="presOf" srcId="{ACD35163-CB2A-493B-AA67-70B175490B51}" destId="{9668374C-339A-4CB7-9E78-1AAA20598985}" srcOrd="0" destOrd="0" presId="urn:microsoft.com/office/officeart/2008/layout/HorizontalMultiLevelHierarchy"/>
-    <dgm:cxn modelId="{3164E21C-C08D-4825-A649-E1CD7893BB8E}" type="presOf" srcId="{CF92BB08-C214-4E78-9799-5C7FA82D1BB1}" destId="{08DBD3BE-FB5D-4D1A-9A92-E9BE11CCC033}" srcOrd="1" destOrd="0" presId="urn:microsoft.com/office/officeart/2008/layout/HorizontalMultiLevelHierarchy"/>
-    <dgm:cxn modelId="{BC25CCFD-1A50-4152-BFF0-E6B0A65BFCE0}" srcId="{33878004-7D2A-4F72-BEDB-5D0AB58F15AC}" destId="{6ED63BC7-73D7-42AA-8C32-20FAF112464A}" srcOrd="0" destOrd="0" parTransId="{129AA29F-A958-46F2-B74F-1427BE8052EA}" sibTransId="{229F1C12-4DAE-4999-8B03-81254F138021}"/>
-    <dgm:cxn modelId="{20587BA5-E409-4EA4-B9A1-E6C4E0D35485}" type="presOf" srcId="{322E98DA-FF01-4737-8F37-179BFB5461E7}" destId="{CE7767F5-4DAA-4548-9712-A2BED33CD18E}" srcOrd="0" destOrd="0" presId="urn:microsoft.com/office/officeart/2008/layout/HorizontalMultiLevelHierarchy"/>
-    <dgm:cxn modelId="{2EFD85B6-F48A-4DAA-A3B2-05FEE92E143F}" srcId="{6ED63BC7-73D7-42AA-8C32-20FAF112464A}" destId="{05035769-5ED0-4C7F-9192-B43AC08FB283}" srcOrd="0" destOrd="0" parTransId="{8D04A5F3-D044-42CC-A15E-FFDE1F1ED097}" sibTransId="{F6A46BCD-E28E-4203-9771-3C3D6B110843}"/>
-    <dgm:cxn modelId="{05FFAAE0-ACF1-4E28-BBE7-4382418BCA57}" srcId="{B5357460-0FAD-40CA-BE82-980E0E8EA8E3}" destId="{E164911D-41C0-41AD-BFD4-B8091C9AE415}" srcOrd="0" destOrd="0" parTransId="{FDB7C482-9992-4BC0-B687-7A27B7C339BC}" sibTransId="{6D28B937-C89D-4738-A88B-D334CEA09F7A}"/>
-    <dgm:cxn modelId="{45E8733D-17C8-4E1E-9E9D-02F22939A349}" type="presOf" srcId="{ED608AA5-B0D5-4DEC-A70C-7F0A50E96B89}" destId="{F6366B08-ABCF-4A2F-BE30-7D93361E845B}" srcOrd="0" destOrd="0" presId="urn:microsoft.com/office/officeart/2008/layout/HorizontalMultiLevelHierarchy"/>
-    <dgm:cxn modelId="{23F0D07F-CC3C-48D5-B3FD-55A1A6238090}" type="presOf" srcId="{33878004-7D2A-4F72-BEDB-5D0AB58F15AC}" destId="{BA2C46D1-49F2-4416-B0F1-25FE16F65916}" srcOrd="0" destOrd="0" presId="urn:microsoft.com/office/officeart/2008/layout/HorizontalMultiLevelHierarchy"/>
-    <dgm:cxn modelId="{B296DB5C-CCD1-47ED-911D-C67EA8CA3EDA}" type="presOf" srcId="{1C096A7E-8FF6-4205-B81F-37441528B91E}" destId="{9E124E1E-0161-4AC1-87EC-B09B2F219B0F}" srcOrd="0" destOrd="0" presId="urn:microsoft.com/office/officeart/2008/layout/HorizontalMultiLevelHierarchy"/>
-    <dgm:cxn modelId="{8B3B1DB8-9F46-4733-A9B3-94BA909732DC}" type="presOf" srcId="{129AA29F-A958-46F2-B74F-1427BE8052EA}" destId="{0953D620-6695-42B6-BD58-86B865F665DF}" srcOrd="1" destOrd="0" presId="urn:microsoft.com/office/officeart/2008/layout/HorizontalMultiLevelHierarchy"/>
-    <dgm:cxn modelId="{4373DEFC-6308-4AC1-B306-B9F80ECFD8D8}" type="presOf" srcId="{8D04A5F3-D044-42CC-A15E-FFDE1F1ED097}" destId="{F6498CD9-EB6F-4797-9DFC-8C68AB16AF39}" srcOrd="1" destOrd="0" presId="urn:microsoft.com/office/officeart/2008/layout/HorizontalMultiLevelHierarchy"/>
-    <dgm:cxn modelId="{CBBA1196-72D1-4D9F-8A51-7BD818455927}" type="presOf" srcId="{5E9DEE14-C12E-437E-8A35-B1BB9E6B1311}" destId="{97AC2B28-AD2A-492E-A549-C113680F4675}" srcOrd="1" destOrd="0" presId="urn:microsoft.com/office/officeart/2008/layout/HorizontalMultiLevelHierarchy"/>
-    <dgm:cxn modelId="{8170BB76-B1FD-4D3C-86C3-B022300DABBB}" type="presOf" srcId="{6ED63BC7-73D7-42AA-8C32-20FAF112464A}" destId="{321BE020-EB98-4638-9EBB-B2C3D28F7A9D}" srcOrd="0" destOrd="0" presId="urn:microsoft.com/office/officeart/2008/layout/HorizontalMultiLevelHierarchy"/>
     <dgm:cxn modelId="{3451A00C-18F3-4BFC-A85D-504512CAFD84}" type="presParOf" srcId="{8A5D712F-6AF2-4319-A6F5-A30D601300D8}" destId="{3120E5FA-F315-4B50-9CBE-10143E5DFFB8}" srcOrd="0" destOrd="0" presId="urn:microsoft.com/office/officeart/2008/layout/HorizontalMultiLevelHierarchy"/>
     <dgm:cxn modelId="{27C71679-2ABE-4241-8D1F-4F269DB2EE11}" type="presParOf" srcId="{3120E5FA-F315-4B50-9CBE-10143E5DFFB8}" destId="{22A722A9-2815-423D-8C37-5E5F7385B8FB}" srcOrd="0" destOrd="0" presId="urn:microsoft.com/office/officeart/2008/layout/HorizontalMultiLevelHierarchy"/>
     <dgm:cxn modelId="{9EC09F21-7DDC-4F0C-B436-5F710FF852B9}" type="presParOf" srcId="{3120E5FA-F315-4B50-9CBE-10143E5DFFB8}" destId="{5D597C0F-2237-4F12-950C-D26B8F09A573}" srcOrd="1" destOrd="0" presId="urn:microsoft.com/office/officeart/2008/layout/HorizontalMultiLevelHierarchy"/>
@@ -3681,36 +3428,21 @@
     <dgm:cxn modelId="{A578BA43-FF87-4FCF-ABCE-061E7DFE1C68}" type="presParOf" srcId="{E74F55B6-9477-45DF-AC5A-F4A1CB999028}" destId="{35E58DC5-40D7-417F-A1AA-D5E17A4CAA40}" srcOrd="1" destOrd="0" presId="urn:microsoft.com/office/officeart/2008/layout/HorizontalMultiLevelHierarchy"/>
     <dgm:cxn modelId="{629D5CBD-0A51-47DB-9430-ECE243B05FE9}" type="presParOf" srcId="{35E58DC5-40D7-417F-A1AA-D5E17A4CAA40}" destId="{321BE020-EB98-4638-9EBB-B2C3D28F7A9D}" srcOrd="0" destOrd="0" presId="urn:microsoft.com/office/officeart/2008/layout/HorizontalMultiLevelHierarchy"/>
     <dgm:cxn modelId="{D44443D4-2590-403C-A317-C6BDF3203D1B}" type="presParOf" srcId="{35E58DC5-40D7-417F-A1AA-D5E17A4CAA40}" destId="{BE36C690-A0CB-45C5-85E0-4071BF29ABD1}" srcOrd="1" destOrd="0" presId="urn:microsoft.com/office/officeart/2008/layout/HorizontalMultiLevelHierarchy"/>
-    <dgm:cxn modelId="{1186BA70-3C33-4AB2-8AD7-7041781418BF}" type="presParOf" srcId="{BE36C690-A0CB-45C5-85E0-4071BF29ABD1}" destId="{F44B948E-6B8D-4933-A9BA-0DE12B5F79DC}" srcOrd="0" destOrd="0" presId="urn:microsoft.com/office/officeart/2008/layout/HorizontalMultiLevelHierarchy"/>
-    <dgm:cxn modelId="{F5F1D14A-94C7-41DE-8686-74D1AF583DA0}" type="presParOf" srcId="{F44B948E-6B8D-4933-A9BA-0DE12B5F79DC}" destId="{F6498CD9-EB6F-4797-9DFC-8C68AB16AF39}" srcOrd="0" destOrd="0" presId="urn:microsoft.com/office/officeart/2008/layout/HorizontalMultiLevelHierarchy"/>
-    <dgm:cxn modelId="{6620BB5E-9106-4860-8085-A15F9F0580D9}" type="presParOf" srcId="{BE36C690-A0CB-45C5-85E0-4071BF29ABD1}" destId="{2991626A-1617-4724-BC6A-D74C8E4FC694}" srcOrd="1" destOrd="0" presId="urn:microsoft.com/office/officeart/2008/layout/HorizontalMultiLevelHierarchy"/>
-    <dgm:cxn modelId="{A8CDB1B6-CCD6-43C7-A458-C6F94ED5B68B}" type="presParOf" srcId="{2991626A-1617-4724-BC6A-D74C8E4FC694}" destId="{BAD0047E-DA1C-4857-B10D-B244CD2D3195}" srcOrd="0" destOrd="0" presId="urn:microsoft.com/office/officeart/2008/layout/HorizontalMultiLevelHierarchy"/>
-    <dgm:cxn modelId="{9D310894-C9C2-479C-B193-93034A443972}" type="presParOf" srcId="{2991626A-1617-4724-BC6A-D74C8E4FC694}" destId="{F9B63F22-F629-4BC3-9CC4-D0C13B951B6D}" srcOrd="1" destOrd="0" presId="urn:microsoft.com/office/officeart/2008/layout/HorizontalMultiLevelHierarchy"/>
-    <dgm:cxn modelId="{27B5E10A-057A-4F85-AB3F-76F4AF8F7AF9}" type="presParOf" srcId="{BE36C690-A0CB-45C5-85E0-4071BF29ABD1}" destId="{75F7EA50-5461-4C5F-B3C1-E65EB6F9B1E6}" srcOrd="2" destOrd="0" presId="urn:microsoft.com/office/officeart/2008/layout/HorizontalMultiLevelHierarchy"/>
-    <dgm:cxn modelId="{0326F0DD-6B1F-4C1F-95D2-CDE13FD9E093}" type="presParOf" srcId="{75F7EA50-5461-4C5F-B3C1-E65EB6F9B1E6}" destId="{712A7DB4-C081-416E-8B7B-E713F2B1976E}" srcOrd="0" destOrd="0" presId="urn:microsoft.com/office/officeart/2008/layout/HorizontalMultiLevelHierarchy"/>
-    <dgm:cxn modelId="{2DC6E0D5-4069-445E-AE80-293A55C82BE3}" type="presParOf" srcId="{BE36C690-A0CB-45C5-85E0-4071BF29ABD1}" destId="{AF27D3D5-DA59-4699-B531-19D46D80FA56}" srcOrd="3" destOrd="0" presId="urn:microsoft.com/office/officeart/2008/layout/HorizontalMultiLevelHierarchy"/>
-    <dgm:cxn modelId="{EF1EB16B-618E-4436-A9D5-395CEFF92770}" type="presParOf" srcId="{AF27D3D5-DA59-4699-B531-19D46D80FA56}" destId="{CE7767F5-4DAA-4548-9712-A2BED33CD18E}" srcOrd="0" destOrd="0" presId="urn:microsoft.com/office/officeart/2008/layout/HorizontalMultiLevelHierarchy"/>
-    <dgm:cxn modelId="{7F7ACF5C-8AB1-413B-BB3F-F0D8C124DAAD}" type="presParOf" srcId="{AF27D3D5-DA59-4699-B531-19D46D80FA56}" destId="{FDD0FEEB-1182-4E99-AEDF-309587DFC3BC}" srcOrd="1" destOrd="0" presId="urn:microsoft.com/office/officeart/2008/layout/HorizontalMultiLevelHierarchy"/>
-    <dgm:cxn modelId="{6B347770-FA3A-4A96-8AA6-204AA147ABA2}" type="presParOf" srcId="{E74F55B6-9477-45DF-AC5A-F4A1CB999028}" destId="{9B45779C-50BD-4C77-BAF4-2333FF7055C2}" srcOrd="2" destOrd="0" presId="urn:microsoft.com/office/officeart/2008/layout/HorizontalMultiLevelHierarchy"/>
-    <dgm:cxn modelId="{D1D59AF1-739B-4595-805A-F0338577E116}" type="presParOf" srcId="{9B45779C-50BD-4C77-BAF4-2333FF7055C2}" destId="{08DBD3BE-FB5D-4D1A-9A92-E9BE11CCC033}" srcOrd="0" destOrd="0" presId="urn:microsoft.com/office/officeart/2008/layout/HorizontalMultiLevelHierarchy"/>
-    <dgm:cxn modelId="{C6D829B7-DFA1-4AE8-892E-64877B9BB7E6}" type="presParOf" srcId="{E74F55B6-9477-45DF-AC5A-F4A1CB999028}" destId="{9C011A38-F2BB-4CE4-B5E8-AE71B85B6ABF}" srcOrd="3" destOrd="0" presId="urn:microsoft.com/office/officeart/2008/layout/HorizontalMultiLevelHierarchy"/>
-    <dgm:cxn modelId="{37CAC90A-CD02-489C-948F-F264152EF06A}" type="presParOf" srcId="{9C011A38-F2BB-4CE4-B5E8-AE71B85B6ABF}" destId="{F6366B08-ABCF-4A2F-BE30-7D93361E845B}" srcOrd="0" destOrd="0" presId="urn:microsoft.com/office/officeart/2008/layout/HorizontalMultiLevelHierarchy"/>
-    <dgm:cxn modelId="{95D7D1D6-EB82-4C50-9754-B2D8EA64DE2F}" type="presParOf" srcId="{9C011A38-F2BB-4CE4-B5E8-AE71B85B6ABF}" destId="{8EC64571-699C-4720-BC18-BD3964042886}" srcOrd="1" destOrd="0" presId="urn:microsoft.com/office/officeart/2008/layout/HorizontalMultiLevelHierarchy"/>
+    <dgm:cxn modelId="{BEC6171F-931C-4523-8E95-9E6D23BB6F71}" type="presParOf" srcId="{BE36C690-A0CB-45C5-85E0-4071BF29ABD1}" destId="{57A82C26-D586-4679-BA3B-6FBBDEA55392}" srcOrd="0" destOrd="0" presId="urn:microsoft.com/office/officeart/2008/layout/HorizontalMultiLevelHierarchy"/>
+    <dgm:cxn modelId="{EDB2DA3E-4AAF-42ED-A42E-86FEC044FFFB}" type="presParOf" srcId="{57A82C26-D586-4679-BA3B-6FBBDEA55392}" destId="{3E217499-E5A9-4C2B-A8E5-0E20C6FD61F4}" srcOrd="0" destOrd="0" presId="urn:microsoft.com/office/officeart/2008/layout/HorizontalMultiLevelHierarchy"/>
+    <dgm:cxn modelId="{C5A31537-26C1-4725-887A-1F7D2264C2B9}" type="presParOf" srcId="{BE36C690-A0CB-45C5-85E0-4071BF29ABD1}" destId="{7B55550B-706B-426A-9CA5-DD0A5005A47B}" srcOrd="1" destOrd="0" presId="urn:microsoft.com/office/officeart/2008/layout/HorizontalMultiLevelHierarchy"/>
+    <dgm:cxn modelId="{80A3F496-11A7-4668-B156-1421A01A475F}" type="presParOf" srcId="{7B55550B-706B-426A-9CA5-DD0A5005A47B}" destId="{A67CDDF1-D9C9-41DA-B2A5-6F17BBC650C5}" srcOrd="0" destOrd="0" presId="urn:microsoft.com/office/officeart/2008/layout/HorizontalMultiLevelHierarchy"/>
+    <dgm:cxn modelId="{674FA86E-0C0B-4BE4-8705-951797FD2A2B}" type="presParOf" srcId="{7B55550B-706B-426A-9CA5-DD0A5005A47B}" destId="{93C066B0-B67F-4CDA-8873-6A70F7DC8069}" srcOrd="1" destOrd="0" presId="urn:microsoft.com/office/officeart/2008/layout/HorizontalMultiLevelHierarchy"/>
+    <dgm:cxn modelId="{6462E748-1318-412B-B6CE-AC5AD9C4C8F0}" type="presParOf" srcId="{E74F55B6-9477-45DF-AC5A-F4A1CB999028}" destId="{F44B948E-6B8D-4933-A9BA-0DE12B5F79DC}" srcOrd="2" destOrd="0" presId="urn:microsoft.com/office/officeart/2008/layout/HorizontalMultiLevelHierarchy"/>
+    <dgm:cxn modelId="{CAB1793E-F562-4A1C-8FA2-9C0C454D1C7F}" type="presParOf" srcId="{F44B948E-6B8D-4933-A9BA-0DE12B5F79DC}" destId="{F6498CD9-EB6F-4797-9DFC-8C68AB16AF39}" srcOrd="0" destOrd="0" presId="urn:microsoft.com/office/officeart/2008/layout/HorizontalMultiLevelHierarchy"/>
+    <dgm:cxn modelId="{690EF217-04D0-41D3-B402-9402AC014D1F}" type="presParOf" srcId="{E74F55B6-9477-45DF-AC5A-F4A1CB999028}" destId="{2991626A-1617-4724-BC6A-D74C8E4FC694}" srcOrd="3" destOrd="0" presId="urn:microsoft.com/office/officeart/2008/layout/HorizontalMultiLevelHierarchy"/>
+    <dgm:cxn modelId="{C8A3676D-2C81-411B-8424-60D6B6DDA4B1}" type="presParOf" srcId="{2991626A-1617-4724-BC6A-D74C8E4FC694}" destId="{BAD0047E-DA1C-4857-B10D-B244CD2D3195}" srcOrd="0" destOrd="0" presId="urn:microsoft.com/office/officeart/2008/layout/HorizontalMultiLevelHierarchy"/>
+    <dgm:cxn modelId="{17A4984C-2B30-4D15-B27B-64B1C699A109}" type="presParOf" srcId="{2991626A-1617-4724-BC6A-D74C8E4FC694}" destId="{F9B63F22-F629-4BC3-9CC4-D0C13B951B6D}" srcOrd="1" destOrd="0" presId="urn:microsoft.com/office/officeart/2008/layout/HorizontalMultiLevelHierarchy"/>
     <dgm:cxn modelId="{B14A5EA4-54DD-46AD-98C9-D1AFF93C0981}" type="presParOf" srcId="{E74F55B6-9477-45DF-AC5A-F4A1CB999028}" destId="{9E124E1E-0161-4AC1-87EC-B09B2F219B0F}" srcOrd="4" destOrd="0" presId="urn:microsoft.com/office/officeart/2008/layout/HorizontalMultiLevelHierarchy"/>
     <dgm:cxn modelId="{288F4C92-E173-4BB0-8499-A3DEB99EDAA9}" type="presParOf" srcId="{9E124E1E-0161-4AC1-87EC-B09B2F219B0F}" destId="{795F2234-8ADC-4001-BDDB-49D4CDD506ED}" srcOrd="0" destOrd="0" presId="urn:microsoft.com/office/officeart/2008/layout/HorizontalMultiLevelHierarchy"/>
     <dgm:cxn modelId="{37BDA0FE-7F62-496E-B342-68C85D469D4F}" type="presParOf" srcId="{E74F55B6-9477-45DF-AC5A-F4A1CB999028}" destId="{2ACDFCF3-997A-4F81-8EA7-BC85025ED7E1}" srcOrd="5" destOrd="0" presId="urn:microsoft.com/office/officeart/2008/layout/HorizontalMultiLevelHierarchy"/>
     <dgm:cxn modelId="{23380101-4922-48CD-9996-493AE1AFF900}" type="presParOf" srcId="{2ACDFCF3-997A-4F81-8EA7-BC85025ED7E1}" destId="{AAE69731-215B-45BC-8E15-2A6F1103ED7E}" srcOrd="0" destOrd="0" presId="urn:microsoft.com/office/officeart/2008/layout/HorizontalMultiLevelHierarchy"/>
     <dgm:cxn modelId="{71415B58-F46D-4388-B56E-25B837594547}" type="presParOf" srcId="{2ACDFCF3-997A-4F81-8EA7-BC85025ED7E1}" destId="{5987BB51-F580-4222-BA09-A0C31F2A05FE}" srcOrd="1" destOrd="0" presId="urn:microsoft.com/office/officeart/2008/layout/HorizontalMultiLevelHierarchy"/>
-    <dgm:cxn modelId="{5FEA0936-5E49-40B0-8559-A7CE20261E47}" type="presParOf" srcId="{5987BB51-F580-4222-BA09-A0C31F2A05FE}" destId="{CAFDD6AC-A606-4FAE-8432-AB1EBCF58CDA}" srcOrd="0" destOrd="0" presId="urn:microsoft.com/office/officeart/2008/layout/HorizontalMultiLevelHierarchy"/>
-    <dgm:cxn modelId="{3EEB2728-AF2B-4B4D-BF83-62CDD8382A36}" type="presParOf" srcId="{CAFDD6AC-A606-4FAE-8432-AB1EBCF58CDA}" destId="{97AC2B28-AD2A-492E-A549-C113680F4675}" srcOrd="0" destOrd="0" presId="urn:microsoft.com/office/officeart/2008/layout/HorizontalMultiLevelHierarchy"/>
-    <dgm:cxn modelId="{F840860C-2E5E-45B5-AB94-95FC001CA060}" type="presParOf" srcId="{5987BB51-F580-4222-BA09-A0C31F2A05FE}" destId="{2793A41A-5580-4B39-ADFF-9F2EC5899790}" srcOrd="1" destOrd="0" presId="urn:microsoft.com/office/officeart/2008/layout/HorizontalMultiLevelHierarchy"/>
-    <dgm:cxn modelId="{A173C5D2-548B-4CD3-B993-2A7F2FB61A4F}" type="presParOf" srcId="{2793A41A-5580-4B39-ADFF-9F2EC5899790}" destId="{9668374C-339A-4CB7-9E78-1AAA20598985}" srcOrd="0" destOrd="0" presId="urn:microsoft.com/office/officeart/2008/layout/HorizontalMultiLevelHierarchy"/>
-    <dgm:cxn modelId="{2F96D2A3-0890-4D4A-BB4D-2BFB4AFE9723}" type="presParOf" srcId="{2793A41A-5580-4B39-ADFF-9F2EC5899790}" destId="{92762133-F9E4-4BF3-B1E6-EB96FE0C0613}" srcOrd="1" destOrd="0" presId="urn:microsoft.com/office/officeart/2008/layout/HorizontalMultiLevelHierarchy"/>
-    <dgm:cxn modelId="{BA846C13-1C60-4120-96F0-01E535545964}" type="presParOf" srcId="{5987BB51-F580-4222-BA09-A0C31F2A05FE}" destId="{3AA81311-4EAD-4E7A-8B3C-7384A0FA7427}" srcOrd="2" destOrd="0" presId="urn:microsoft.com/office/officeart/2008/layout/HorizontalMultiLevelHierarchy"/>
-    <dgm:cxn modelId="{35285326-2B05-4EF3-A59C-BA9371B11F7F}" type="presParOf" srcId="{3AA81311-4EAD-4E7A-8B3C-7384A0FA7427}" destId="{9B5EB736-E58D-42A3-9267-3AF2E5669002}" srcOrd="0" destOrd="0" presId="urn:microsoft.com/office/officeart/2008/layout/HorizontalMultiLevelHierarchy"/>
-    <dgm:cxn modelId="{24D12DF3-2ED8-4D19-9664-11586E6A0373}" type="presParOf" srcId="{5987BB51-F580-4222-BA09-A0C31F2A05FE}" destId="{D4EA5CC4-2527-40D0-9D98-C46C8ED3AFEA}" srcOrd="3" destOrd="0" presId="urn:microsoft.com/office/officeart/2008/layout/HorizontalMultiLevelHierarchy"/>
-    <dgm:cxn modelId="{3FCD9A2B-CE79-4807-8759-7F1595F5FDBB}" type="presParOf" srcId="{D4EA5CC4-2527-40D0-9D98-C46C8ED3AFEA}" destId="{0C332281-900B-440A-A110-24393A013274}" srcOrd="0" destOrd="0" presId="urn:microsoft.com/office/officeart/2008/layout/HorizontalMultiLevelHierarchy"/>
-    <dgm:cxn modelId="{FC558D86-BAB4-49D1-BC17-12E1E095D30F}" type="presParOf" srcId="{D4EA5CC4-2527-40D0-9D98-C46C8ED3AFEA}" destId="{82F7D064-5981-448B-B332-2BDED2F3BF0F}" srcOrd="1" destOrd="0" presId="urn:microsoft.com/office/officeart/2008/layout/HorizontalMultiLevelHierarchy"/>
   </dgm:cxnLst>
   <dgm:bg/>
   <dgm:whole/>
@@ -3819,7 +3551,11 @@
         <a:p>
           <a:r>
             <a:rPr kumimoji="1" lang="ja-JP" altLang="en-US" sz="1800" dirty="0" smtClean="0"/>
-            <a:t>ユーザ一覧</a:t>
+            <a:t>利用者情報</a:t>
+          </a:r>
+          <a:r>
+            <a:rPr kumimoji="1" lang="ja-JP" altLang="en-US" sz="1800" dirty="0" smtClean="0"/>
+            <a:t>変更</a:t>
           </a:r>
           <a:endParaRPr kumimoji="1" lang="ja-JP" altLang="en-US" sz="1800" dirty="0"/>
         </a:p>
@@ -3958,80 +3694,6 @@
         </a:p>
       </dgm:t>
     </dgm:pt>
-    <dgm:pt modelId="{21147F39-0959-478D-99BA-881DBA3B8FFA}">
-      <dgm:prSet phldrT="[テキスト]" custT="1"/>
-      <dgm:spPr/>
-      <dgm:t>
-        <a:bodyPr/>
-        <a:lstStyle/>
-        <a:p>
-          <a:r>
-            <a:rPr kumimoji="1" lang="ja-JP" altLang="en-US" sz="1800" dirty="0" smtClean="0"/>
-            <a:t>月報一覧</a:t>
-          </a:r>
-          <a:endParaRPr kumimoji="1" lang="ja-JP" altLang="en-US" sz="1800" dirty="0"/>
-        </a:p>
-      </dgm:t>
-    </dgm:pt>
-    <dgm:pt modelId="{74F296E6-1D22-4687-AF22-BD18E40C14FE}" type="parTrans" cxnId="{8FA5B82F-9A25-4BEA-80CC-014B5994C993}">
-      <dgm:prSet/>
-      <dgm:spPr/>
-      <dgm:t>
-        <a:bodyPr/>
-        <a:lstStyle/>
-        <a:p>
-          <a:endParaRPr kumimoji="1" lang="ja-JP" altLang="en-US"/>
-        </a:p>
-      </dgm:t>
-    </dgm:pt>
-    <dgm:pt modelId="{17189784-D56A-4145-96EC-A36A1B400630}" type="sibTrans" cxnId="{8FA5B82F-9A25-4BEA-80CC-014B5994C993}">
-      <dgm:prSet/>
-      <dgm:spPr/>
-      <dgm:t>
-        <a:bodyPr/>
-        <a:lstStyle/>
-        <a:p>
-          <a:endParaRPr kumimoji="1" lang="ja-JP" altLang="en-US"/>
-        </a:p>
-      </dgm:t>
-    </dgm:pt>
-    <dgm:pt modelId="{D80EA3D2-094E-4A03-A324-F2D406823EDB}">
-      <dgm:prSet phldrT="[テキスト]" custT="1"/>
-      <dgm:spPr/>
-      <dgm:t>
-        <a:bodyPr/>
-        <a:lstStyle/>
-        <a:p>
-          <a:r>
-            <a:rPr kumimoji="1" lang="ja-JP" altLang="en-US" sz="1800" dirty="0" smtClean="0"/>
-            <a:t>ユーザ修正</a:t>
-          </a:r>
-          <a:endParaRPr kumimoji="1" lang="ja-JP" altLang="en-US" sz="1800" dirty="0"/>
-        </a:p>
-      </dgm:t>
-    </dgm:pt>
-    <dgm:pt modelId="{110FCFB3-6AEC-44C2-9BEB-E1F852A45E36}" type="parTrans" cxnId="{44AD3DF2-8FA8-4B3A-A349-748D7162E180}">
-      <dgm:prSet/>
-      <dgm:spPr/>
-      <dgm:t>
-        <a:bodyPr/>
-        <a:lstStyle/>
-        <a:p>
-          <a:endParaRPr kumimoji="1" lang="ja-JP" altLang="en-US"/>
-        </a:p>
-      </dgm:t>
-    </dgm:pt>
-    <dgm:pt modelId="{CC15D4FE-F1FF-40F0-A5F1-C0EEB3021BE7}" type="sibTrans" cxnId="{44AD3DF2-8FA8-4B3A-A349-748D7162E180}">
-      <dgm:prSet/>
-      <dgm:spPr/>
-      <dgm:t>
-        <a:bodyPr/>
-        <a:lstStyle/>
-        <a:p>
-          <a:endParaRPr kumimoji="1" lang="ja-JP" altLang="en-US"/>
-        </a:p>
-      </dgm:t>
-    </dgm:pt>
     <dgm:pt modelId="{C1AE587A-6D7F-4B1E-905E-A1251F9EFAF2}">
       <dgm:prSet custT="1"/>
       <dgm:spPr/>
@@ -4093,7 +3755,7 @@
       <dgm:spPr/>
     </dgm:pt>
     <dgm:pt modelId="{22A722A9-2815-423D-8C37-5E5F7385B8FB}" type="pres">
-      <dgm:prSet presAssocID="{E164911D-41C0-41AD-BFD4-B8091C9AE415}" presName="LevelOneTextNode" presStyleLbl="node0" presStyleIdx="0" presStyleCnt="1">
+      <dgm:prSet presAssocID="{E164911D-41C0-41AD-BFD4-B8091C9AE415}" presName="LevelOneTextNode" presStyleLbl="node0" presStyleIdx="0" presStyleCnt="1" custLinFactNeighborY="3636">
         <dgm:presLayoutVars>
           <dgm:chPref val="3"/>
         </dgm:presLayoutVars>
@@ -4138,7 +3800,7 @@
       <dgm:spPr/>
     </dgm:pt>
     <dgm:pt modelId="{BA2C46D1-49F2-4416-B0F1-25FE16F65916}" type="pres">
-      <dgm:prSet presAssocID="{33878004-7D2A-4F72-BEDB-5D0AB58F15AC}" presName="LevelTwoTextNode" presStyleLbl="asst1" presStyleIdx="0" presStyleCnt="1">
+      <dgm:prSet presAssocID="{33878004-7D2A-4F72-BEDB-5D0AB58F15AC}" presName="LevelTwoTextNode" presStyleLbl="asst1" presStyleIdx="0" presStyleCnt="1" custLinFactNeighborY="19134">
         <dgm:presLayoutVars>
           <dgm:chPref val="3"/>
         </dgm:presLayoutVars>
@@ -4157,7 +3819,7 @@
       <dgm:spPr/>
     </dgm:pt>
     <dgm:pt modelId="{D6E049C7-86D3-494A-A553-3C85D9198E74}" type="pres">
-      <dgm:prSet presAssocID="{EE43356B-C9DE-4C0E-B248-9A216F0378C8}" presName="conn2-1" presStyleLbl="parChTrans1D3" presStyleIdx="0" presStyleCnt="3"/>
+      <dgm:prSet presAssocID="{EE43356B-C9DE-4C0E-B248-9A216F0378C8}" presName="conn2-1" presStyleLbl="parChTrans1D3" presStyleIdx="0" presStyleCnt="2"/>
       <dgm:spPr/>
       <dgm:t>
         <a:bodyPr/>
@@ -4168,7 +3830,7 @@
       </dgm:t>
     </dgm:pt>
     <dgm:pt modelId="{7646F691-96E9-4E87-95F9-A031B65F42CF}" type="pres">
-      <dgm:prSet presAssocID="{EE43356B-C9DE-4C0E-B248-9A216F0378C8}" presName="connTx" presStyleLbl="parChTrans1D3" presStyleIdx="0" presStyleCnt="3"/>
+      <dgm:prSet presAssocID="{EE43356B-C9DE-4C0E-B248-9A216F0378C8}" presName="connTx" presStyleLbl="parChTrans1D3" presStyleIdx="0" presStyleCnt="2"/>
       <dgm:spPr/>
       <dgm:t>
         <a:bodyPr/>
@@ -4183,7 +3845,7 @@
       <dgm:spPr/>
     </dgm:pt>
     <dgm:pt modelId="{2D4BACCF-FA22-4671-AE1C-1B8A7A052384}" type="pres">
-      <dgm:prSet presAssocID="{93C747BF-5C60-4B4E-BC94-D52651C13DE4}" presName="LevelTwoTextNode" presStyleLbl="node3" presStyleIdx="0" presStyleCnt="3" custLinFactNeighborY="-35674">
+      <dgm:prSet presAssocID="{93C747BF-5C60-4B4E-BC94-D52651C13DE4}" presName="LevelTwoTextNode" presStyleLbl="node3" presStyleIdx="0" presStyleCnt="2" custLinFactNeighborY="-28870">
         <dgm:presLayoutVars>
           <dgm:chPref val="3"/>
         </dgm:presLayoutVars>
@@ -4202,7 +3864,7 @@
       <dgm:spPr/>
     </dgm:pt>
     <dgm:pt modelId="{9CE9F315-076C-4A91-86FC-F479E1B271B6}" type="pres">
-      <dgm:prSet presAssocID="{52003E9A-DF77-4E3B-A083-82B24FE4B0A8}" presName="conn2-1" presStyleLbl="parChTrans1D4" presStyleIdx="0" presStyleCnt="4"/>
+      <dgm:prSet presAssocID="{52003E9A-DF77-4E3B-A083-82B24FE4B0A8}" presName="conn2-1" presStyleLbl="parChTrans1D4" presStyleIdx="0" presStyleCnt="3"/>
       <dgm:spPr/>
       <dgm:t>
         <a:bodyPr/>
@@ -4213,7 +3875,7 @@
       </dgm:t>
     </dgm:pt>
     <dgm:pt modelId="{B5347ED1-EC76-4B54-8471-81696427CD3E}" type="pres">
-      <dgm:prSet presAssocID="{52003E9A-DF77-4E3B-A083-82B24FE4B0A8}" presName="connTx" presStyleLbl="parChTrans1D4" presStyleIdx="0" presStyleCnt="4"/>
+      <dgm:prSet presAssocID="{52003E9A-DF77-4E3B-A083-82B24FE4B0A8}" presName="connTx" presStyleLbl="parChTrans1D4" presStyleIdx="0" presStyleCnt="3"/>
       <dgm:spPr/>
       <dgm:t>
         <a:bodyPr/>
@@ -4228,7 +3890,7 @@
       <dgm:spPr/>
     </dgm:pt>
     <dgm:pt modelId="{8ADF30A2-5DE6-4E05-8507-6283510A3E97}" type="pres">
-      <dgm:prSet presAssocID="{7981970C-204D-4F36-BD70-A041F4B940E6}" presName="LevelTwoTextNode" presStyleLbl="node4" presStyleIdx="0" presStyleCnt="4" custLinFactNeighborY="-31870">
+      <dgm:prSet presAssocID="{7981970C-204D-4F36-BD70-A041F4B940E6}" presName="LevelTwoTextNode" presStyleLbl="node4" presStyleIdx="0" presStyleCnt="3" custLinFactNeighborY="-31870">
         <dgm:presLayoutVars>
           <dgm:chPref val="3"/>
         </dgm:presLayoutVars>
@@ -4247,7 +3909,7 @@
       <dgm:spPr/>
     </dgm:pt>
     <dgm:pt modelId="{13141A38-E980-4BA7-B959-FE095171D90C}" type="pres">
-      <dgm:prSet presAssocID="{E74E28AB-748D-4811-A27E-613ADFEE3EB5}" presName="conn2-1" presStyleLbl="parChTrans1D4" presStyleIdx="1" presStyleCnt="4"/>
+      <dgm:prSet presAssocID="{E74E28AB-748D-4811-A27E-613ADFEE3EB5}" presName="conn2-1" presStyleLbl="parChTrans1D4" presStyleIdx="1" presStyleCnt="3"/>
       <dgm:spPr/>
       <dgm:t>
         <a:bodyPr/>
@@ -4258,7 +3920,7 @@
       </dgm:t>
     </dgm:pt>
     <dgm:pt modelId="{0463C196-2219-401D-9D59-196552183F3D}" type="pres">
-      <dgm:prSet presAssocID="{E74E28AB-748D-4811-A27E-613ADFEE3EB5}" presName="connTx" presStyleLbl="parChTrans1D4" presStyleIdx="1" presStyleCnt="4"/>
+      <dgm:prSet presAssocID="{E74E28AB-748D-4811-A27E-613ADFEE3EB5}" presName="connTx" presStyleLbl="parChTrans1D4" presStyleIdx="1" presStyleCnt="3"/>
       <dgm:spPr/>
       <dgm:t>
         <a:bodyPr/>
@@ -4273,7 +3935,7 @@
       <dgm:spPr/>
     </dgm:pt>
     <dgm:pt modelId="{6418B5C4-F415-45FB-916A-03441B73AD5E}" type="pres">
-      <dgm:prSet presAssocID="{C1AE587A-6D7F-4B1E-905E-A1251F9EFAF2}" presName="LevelTwoTextNode" presStyleLbl="node4" presStyleIdx="1" presStyleCnt="4" custLinFactNeighborY="-18380">
+      <dgm:prSet presAssocID="{C1AE587A-6D7F-4B1E-905E-A1251F9EFAF2}" presName="LevelTwoTextNode" presStyleLbl="node4" presStyleIdx="1" presStyleCnt="3" custLinFactNeighborY="-18380">
         <dgm:presLayoutVars>
           <dgm:chPref val="3"/>
         </dgm:presLayoutVars>
@@ -4292,7 +3954,7 @@
       <dgm:spPr/>
     </dgm:pt>
     <dgm:pt modelId="{B1A8CFDC-B7E6-4059-86E3-411E6B63764B}" type="pres">
-      <dgm:prSet presAssocID="{420A7C68-5D43-4EB6-AFB7-75822302A846}" presName="conn2-1" presStyleLbl="parChTrans1D4" presStyleIdx="2" presStyleCnt="4"/>
+      <dgm:prSet presAssocID="{420A7C68-5D43-4EB6-AFB7-75822302A846}" presName="conn2-1" presStyleLbl="parChTrans1D4" presStyleIdx="2" presStyleCnt="3"/>
       <dgm:spPr/>
       <dgm:t>
         <a:bodyPr/>
@@ -4303,7 +3965,7 @@
       </dgm:t>
     </dgm:pt>
     <dgm:pt modelId="{2783DBF3-317F-4536-8771-9AD6DFDD1314}" type="pres">
-      <dgm:prSet presAssocID="{420A7C68-5D43-4EB6-AFB7-75822302A846}" presName="connTx" presStyleLbl="parChTrans1D4" presStyleIdx="2" presStyleCnt="4"/>
+      <dgm:prSet presAssocID="{420A7C68-5D43-4EB6-AFB7-75822302A846}" presName="connTx" presStyleLbl="parChTrans1D4" presStyleIdx="2" presStyleCnt="3"/>
       <dgm:spPr/>
       <dgm:t>
         <a:bodyPr/>
@@ -4318,7 +3980,7 @@
       <dgm:spPr/>
     </dgm:pt>
     <dgm:pt modelId="{FD4D22A1-EA69-46E1-AD42-248DA7FF3945}" type="pres">
-      <dgm:prSet presAssocID="{376B09F4-2D5B-4689-8EC4-FB34E6F5B1E9}" presName="LevelTwoTextNode" presStyleLbl="node4" presStyleIdx="2" presStyleCnt="4" custLinFactNeighborY="-10664">
+      <dgm:prSet presAssocID="{376B09F4-2D5B-4689-8EC4-FB34E6F5B1E9}" presName="LevelTwoTextNode" presStyleLbl="node4" presStyleIdx="2" presStyleCnt="3" custLinFactNeighborY="-10664">
         <dgm:presLayoutVars>
           <dgm:chPref val="3"/>
         </dgm:presLayoutVars>
@@ -4336,53 +3998,8 @@
       <dgm:prSet presAssocID="{376B09F4-2D5B-4689-8EC4-FB34E6F5B1E9}" presName="level3hierChild" presStyleCnt="0"/>
       <dgm:spPr/>
     </dgm:pt>
-    <dgm:pt modelId="{336D4672-E929-4040-BCBB-3EEE1BB5E724}" type="pres">
-      <dgm:prSet presAssocID="{74F296E6-1D22-4687-AF22-BD18E40C14FE}" presName="conn2-1" presStyleLbl="parChTrans1D3" presStyleIdx="1" presStyleCnt="3"/>
-      <dgm:spPr/>
-      <dgm:t>
-        <a:bodyPr/>
-        <a:lstStyle/>
-        <a:p>
-          <a:endParaRPr kumimoji="1" lang="ja-JP" altLang="en-US"/>
-        </a:p>
-      </dgm:t>
-    </dgm:pt>
-    <dgm:pt modelId="{8E50FA4A-D0DB-40FE-A9CC-E0AF0A79B3FF}" type="pres">
-      <dgm:prSet presAssocID="{74F296E6-1D22-4687-AF22-BD18E40C14FE}" presName="connTx" presStyleLbl="parChTrans1D3" presStyleIdx="1" presStyleCnt="3"/>
-      <dgm:spPr/>
-      <dgm:t>
-        <a:bodyPr/>
-        <a:lstStyle/>
-        <a:p>
-          <a:endParaRPr kumimoji="1" lang="ja-JP" altLang="en-US"/>
-        </a:p>
-      </dgm:t>
-    </dgm:pt>
-    <dgm:pt modelId="{F7EAABEA-871C-472A-AB53-F4929BAEBD6A}" type="pres">
-      <dgm:prSet presAssocID="{21147F39-0959-478D-99BA-881DBA3B8FFA}" presName="root2" presStyleCnt="0"/>
-      <dgm:spPr/>
-    </dgm:pt>
-    <dgm:pt modelId="{8F5D037C-01D8-423E-A85F-FC216BA9F7CF}" type="pres">
-      <dgm:prSet presAssocID="{21147F39-0959-478D-99BA-881DBA3B8FFA}" presName="LevelTwoTextNode" presStyleLbl="node3" presStyleIdx="1" presStyleCnt="3" custLinFactNeighborY="17900">
-        <dgm:presLayoutVars>
-          <dgm:chPref val="3"/>
-        </dgm:presLayoutVars>
-      </dgm:prSet>
-      <dgm:spPr/>
-      <dgm:t>
-        <a:bodyPr/>
-        <a:lstStyle/>
-        <a:p>
-          <a:endParaRPr kumimoji="1" lang="ja-JP" altLang="en-US"/>
-        </a:p>
-      </dgm:t>
-    </dgm:pt>
-    <dgm:pt modelId="{DB099099-5EDF-40D2-9641-D767C4553795}" type="pres">
-      <dgm:prSet presAssocID="{21147F39-0959-478D-99BA-881DBA3B8FFA}" presName="level3hierChild" presStyleCnt="0"/>
-      <dgm:spPr/>
-    </dgm:pt>
     <dgm:pt modelId="{C9BB74AF-030F-4CA5-8A14-E9B74F3B9177}" type="pres">
-      <dgm:prSet presAssocID="{42AACD0A-5BFC-48B7-BF2F-7EFEB20806CE}" presName="conn2-1" presStyleLbl="parChTrans1D3" presStyleIdx="2" presStyleCnt="3"/>
+      <dgm:prSet presAssocID="{42AACD0A-5BFC-48B7-BF2F-7EFEB20806CE}" presName="conn2-1" presStyleLbl="parChTrans1D3" presStyleIdx="1" presStyleCnt="2"/>
       <dgm:spPr/>
       <dgm:t>
         <a:bodyPr/>
@@ -4393,7 +4010,7 @@
       </dgm:t>
     </dgm:pt>
     <dgm:pt modelId="{3AB2966F-51C8-4712-9488-E33308A531C6}" type="pres">
-      <dgm:prSet presAssocID="{42AACD0A-5BFC-48B7-BF2F-7EFEB20806CE}" presName="connTx" presStyleLbl="parChTrans1D3" presStyleIdx="2" presStyleCnt="3"/>
+      <dgm:prSet presAssocID="{42AACD0A-5BFC-48B7-BF2F-7EFEB20806CE}" presName="connTx" presStyleLbl="parChTrans1D3" presStyleIdx="1" presStyleCnt="2"/>
       <dgm:spPr/>
       <dgm:t>
         <a:bodyPr/>
@@ -4408,7 +4025,7 @@
       <dgm:spPr/>
     </dgm:pt>
     <dgm:pt modelId="{F1E4F070-4D42-4CFC-BB13-F40CB6117610}" type="pres">
-      <dgm:prSet presAssocID="{01604493-B99B-4814-ACAE-EF4534CEEECF}" presName="LevelTwoTextNode" presStyleLbl="node3" presStyleIdx="2" presStyleCnt="3" custLinFactNeighborY="72264">
+      <dgm:prSet presAssocID="{01604493-B99B-4814-ACAE-EF4534CEEECF}" presName="LevelTwoTextNode" presStyleLbl="node3" presStyleIdx="1" presStyleCnt="2" custLinFactNeighborY="79068">
         <dgm:presLayoutVars>
           <dgm:chPref val="3"/>
         </dgm:presLayoutVars>
@@ -4426,88 +4043,35 @@
       <dgm:prSet presAssocID="{01604493-B99B-4814-ACAE-EF4534CEEECF}" presName="level3hierChild" presStyleCnt="0"/>
       <dgm:spPr/>
     </dgm:pt>
-    <dgm:pt modelId="{43215640-A70C-4D55-A6AA-6C225539B7F3}" type="pres">
-      <dgm:prSet presAssocID="{110FCFB3-6AEC-44C2-9BEB-E1F852A45E36}" presName="conn2-1" presStyleLbl="parChTrans1D4" presStyleIdx="3" presStyleCnt="4"/>
-      <dgm:spPr/>
-      <dgm:t>
-        <a:bodyPr/>
-        <a:lstStyle/>
-        <a:p>
-          <a:endParaRPr kumimoji="1" lang="ja-JP" altLang="en-US"/>
-        </a:p>
-      </dgm:t>
-    </dgm:pt>
-    <dgm:pt modelId="{06DBBCC5-E0B8-4C51-B651-7919BF69BAA3}" type="pres">
-      <dgm:prSet presAssocID="{110FCFB3-6AEC-44C2-9BEB-E1F852A45E36}" presName="connTx" presStyleLbl="parChTrans1D4" presStyleIdx="3" presStyleCnt="4"/>
-      <dgm:spPr/>
-      <dgm:t>
-        <a:bodyPr/>
-        <a:lstStyle/>
-        <a:p>
-          <a:endParaRPr kumimoji="1" lang="ja-JP" altLang="en-US"/>
-        </a:p>
-      </dgm:t>
-    </dgm:pt>
-    <dgm:pt modelId="{38C6F9E5-B8A9-4C00-B9EF-BA8C8C65ADAA}" type="pres">
-      <dgm:prSet presAssocID="{D80EA3D2-094E-4A03-A324-F2D406823EDB}" presName="root2" presStyleCnt="0"/>
-      <dgm:spPr/>
-    </dgm:pt>
-    <dgm:pt modelId="{C190F02C-F840-4400-BB63-3C287CAE70DD}" type="pres">
-      <dgm:prSet presAssocID="{D80EA3D2-094E-4A03-A324-F2D406823EDB}" presName="LevelTwoTextNode" presStyleLbl="node4" presStyleIdx="3" presStyleCnt="4" custLinFactNeighborY="46606">
-        <dgm:presLayoutVars>
-          <dgm:chPref val="3"/>
-        </dgm:presLayoutVars>
-      </dgm:prSet>
-      <dgm:spPr/>
-      <dgm:t>
-        <a:bodyPr/>
-        <a:lstStyle/>
-        <a:p>
-          <a:endParaRPr kumimoji="1" lang="ja-JP" altLang="en-US"/>
-        </a:p>
-      </dgm:t>
-    </dgm:pt>
-    <dgm:pt modelId="{7162E3D7-8516-49EB-AB94-7C7E7324D128}" type="pres">
-      <dgm:prSet presAssocID="{D80EA3D2-094E-4A03-A324-F2D406823EDB}" presName="level3hierChild" presStyleCnt="0"/>
-      <dgm:spPr/>
-    </dgm:pt>
   </dgm:ptLst>
   <dgm:cxnLst>
+    <dgm:cxn modelId="{3E68CA76-0242-40F5-A739-B67DDD96909C}" type="presOf" srcId="{E164911D-41C0-41AD-BFD4-B8091C9AE415}" destId="{22A722A9-2815-423D-8C37-5E5F7385B8FB}" srcOrd="0" destOrd="0" presId="urn:microsoft.com/office/officeart/2008/layout/HorizontalMultiLevelHierarchy"/>
+    <dgm:cxn modelId="{8F9986BA-F381-4E8F-9318-5A3B19F3AEF5}" type="presOf" srcId="{376B09F4-2D5B-4689-8EC4-FB34E6F5B1E9}" destId="{FD4D22A1-EA69-46E1-AD42-248DA7FF3945}" srcOrd="0" destOrd="0" presId="urn:microsoft.com/office/officeart/2008/layout/HorizontalMultiLevelHierarchy"/>
+    <dgm:cxn modelId="{DB36A5D4-C455-4F1C-A2AE-FEB25DF4D526}" type="presOf" srcId="{E74E28AB-748D-4811-A27E-613ADFEE3EB5}" destId="{0463C196-2219-401D-9D59-196552183F3D}" srcOrd="1" destOrd="0" presId="urn:microsoft.com/office/officeart/2008/layout/HorizontalMultiLevelHierarchy"/>
+    <dgm:cxn modelId="{10F71BE7-969B-4ACC-9297-3F0FB958ED6F}" type="presOf" srcId="{E74E28AB-748D-4811-A27E-613ADFEE3EB5}" destId="{13141A38-E980-4BA7-B959-FE095171D90C}" srcOrd="0" destOrd="0" presId="urn:microsoft.com/office/officeart/2008/layout/HorizontalMultiLevelHierarchy"/>
+    <dgm:cxn modelId="{3EC99726-9C33-4B9E-BDD2-3D1846373F36}" type="presOf" srcId="{52003E9A-DF77-4E3B-A083-82B24FE4B0A8}" destId="{9CE9F315-076C-4A91-86FC-F479E1B271B6}" srcOrd="0" destOrd="0" presId="urn:microsoft.com/office/officeart/2008/layout/HorizontalMultiLevelHierarchy"/>
+    <dgm:cxn modelId="{796C3458-9756-4CA4-A83C-4E40AB2F7250}" type="presOf" srcId="{EE43356B-C9DE-4C0E-B248-9A216F0378C8}" destId="{D6E049C7-86D3-494A-A553-3C85D9198E74}" srcOrd="0" destOrd="0" presId="urn:microsoft.com/office/officeart/2008/layout/HorizontalMultiLevelHierarchy"/>
+    <dgm:cxn modelId="{23563D8C-BD92-4F19-83F6-95F3BB8234A9}" type="presOf" srcId="{EE43356B-C9DE-4C0E-B248-9A216F0378C8}" destId="{7646F691-96E9-4E87-95F9-A031B65F42CF}" srcOrd="1" destOrd="0" presId="urn:microsoft.com/office/officeart/2008/layout/HorizontalMultiLevelHierarchy"/>
+    <dgm:cxn modelId="{DAA5B63D-F00F-445C-85A3-2C21BE6E5A48}" type="presOf" srcId="{B5357460-0FAD-40CA-BE82-980E0E8EA8E3}" destId="{8A5D712F-6AF2-4319-A6F5-A30D601300D8}" srcOrd="0" destOrd="0" presId="urn:microsoft.com/office/officeart/2008/layout/HorizontalMultiLevelHierarchy"/>
+    <dgm:cxn modelId="{FCBFD05C-A7F1-4190-99C6-3A8477A83EC7}" type="presOf" srcId="{A0559AFC-F7C9-40A3-85C8-C1718708DC40}" destId="{5C94A537-F670-4876-9327-9280C8C56023}" srcOrd="0" destOrd="0" presId="urn:microsoft.com/office/officeart/2008/layout/HorizontalMultiLevelHierarchy"/>
+    <dgm:cxn modelId="{D2CB7E7E-3292-42A0-834B-2F9B6991FB5F}" srcId="{93C747BF-5C60-4B4E-BC94-D52651C13DE4}" destId="{376B09F4-2D5B-4689-8EC4-FB34E6F5B1E9}" srcOrd="2" destOrd="0" parTransId="{420A7C68-5D43-4EB6-AFB7-75822302A846}" sibTransId="{7EBA06D7-F455-4841-8F6A-A8B032555400}"/>
+    <dgm:cxn modelId="{6DBB8725-1222-4B17-867E-54704F7EE749}" srcId="{93C747BF-5C60-4B4E-BC94-D52651C13DE4}" destId="{7981970C-204D-4F36-BD70-A041F4B940E6}" srcOrd="0" destOrd="0" parTransId="{52003E9A-DF77-4E3B-A083-82B24FE4B0A8}" sibTransId="{D0F2AC8F-BA3D-4E6C-AC90-92F634F15E92}"/>
+    <dgm:cxn modelId="{454A9219-ECCB-4CE0-AC06-6FF5CDCF5543}" type="presOf" srcId="{33878004-7D2A-4F72-BEDB-5D0AB58F15AC}" destId="{BA2C46D1-49F2-4416-B0F1-25FE16F65916}" srcOrd="0" destOrd="0" presId="urn:microsoft.com/office/officeart/2008/layout/HorizontalMultiLevelHierarchy"/>
+    <dgm:cxn modelId="{07F39503-5931-40A9-B6E2-999857B09BCE}" type="presOf" srcId="{52003E9A-DF77-4E3B-A083-82B24FE4B0A8}" destId="{B5347ED1-EC76-4B54-8471-81696427CD3E}" srcOrd="1" destOrd="0" presId="urn:microsoft.com/office/officeart/2008/layout/HorizontalMultiLevelHierarchy"/>
+    <dgm:cxn modelId="{401894A6-3515-433E-B28F-50C90B2D9720}" srcId="{33878004-7D2A-4F72-BEDB-5D0AB58F15AC}" destId="{01604493-B99B-4814-ACAE-EF4534CEEECF}" srcOrd="1" destOrd="0" parTransId="{42AACD0A-5BFC-48B7-BF2F-7EFEB20806CE}" sibTransId="{B323BEF6-400C-4BB2-8275-C521625AA9DA}"/>
+    <dgm:cxn modelId="{79BE83E3-8620-4D1A-BB67-97F814FDD947}" type="presOf" srcId="{93C747BF-5C60-4B4E-BC94-D52651C13DE4}" destId="{2D4BACCF-FA22-4671-AE1C-1B8A7A052384}" srcOrd="0" destOrd="0" presId="urn:microsoft.com/office/officeart/2008/layout/HorizontalMultiLevelHierarchy"/>
+    <dgm:cxn modelId="{4EB29B15-F30D-4315-A7A7-8A959550FC99}" type="presOf" srcId="{A0559AFC-F7C9-40A3-85C8-C1718708DC40}" destId="{75F5CFBF-8828-4BF9-816E-859BC8ED4F44}" srcOrd="1" destOrd="0" presId="urn:microsoft.com/office/officeart/2008/layout/HorizontalMultiLevelHierarchy"/>
+    <dgm:cxn modelId="{99F84A0E-D845-4A3E-B617-A2884107E4D8}" srcId="{33878004-7D2A-4F72-BEDB-5D0AB58F15AC}" destId="{93C747BF-5C60-4B4E-BC94-D52651C13DE4}" srcOrd="0" destOrd="0" parTransId="{EE43356B-C9DE-4C0E-B248-9A216F0378C8}" sibTransId="{B50FE281-80F8-4DF5-BD57-535DF8E4AC04}"/>
+    <dgm:cxn modelId="{0C47668A-8847-45C5-A966-CAEF64CC0E04}" type="presOf" srcId="{420A7C68-5D43-4EB6-AFB7-75822302A846}" destId="{B1A8CFDC-B7E6-4059-86E3-411E6B63764B}" srcOrd="0" destOrd="0" presId="urn:microsoft.com/office/officeart/2008/layout/HorizontalMultiLevelHierarchy"/>
+    <dgm:cxn modelId="{BFA723F3-822C-4219-AC3C-85DF88603996}" srcId="{93C747BF-5C60-4B4E-BC94-D52651C13DE4}" destId="{C1AE587A-6D7F-4B1E-905E-A1251F9EFAF2}" srcOrd="1" destOrd="0" parTransId="{E74E28AB-748D-4811-A27E-613ADFEE3EB5}" sibTransId="{71242734-9763-4B6E-9CC8-74E2DAA15431}"/>
     <dgm:cxn modelId="{C1DC62F1-DAF0-4743-85B4-EAD949844F58}" type="presOf" srcId="{01604493-B99B-4814-ACAE-EF4534CEEECF}" destId="{F1E4F070-4D42-4CFC-BB13-F40CB6117610}" srcOrd="0" destOrd="0" presId="urn:microsoft.com/office/officeart/2008/layout/HorizontalMultiLevelHierarchy"/>
+    <dgm:cxn modelId="{24AB20C0-F768-48A1-8430-E5F09A7028EA}" type="presOf" srcId="{42AACD0A-5BFC-48B7-BF2F-7EFEB20806CE}" destId="{3AB2966F-51C8-4712-9488-E33308A531C6}" srcOrd="1" destOrd="0" presId="urn:microsoft.com/office/officeart/2008/layout/HorizontalMultiLevelHierarchy"/>
+    <dgm:cxn modelId="{D700743F-8978-4C23-9449-A7D99A259A0A}" type="presOf" srcId="{C1AE587A-6D7F-4B1E-905E-A1251F9EFAF2}" destId="{6418B5C4-F415-45FB-916A-03441B73AD5E}" srcOrd="0" destOrd="0" presId="urn:microsoft.com/office/officeart/2008/layout/HorizontalMultiLevelHierarchy"/>
+    <dgm:cxn modelId="{AB41FEFD-516A-45BB-A280-CA6B0C2945B5}" type="presOf" srcId="{420A7C68-5D43-4EB6-AFB7-75822302A846}" destId="{2783DBF3-317F-4536-8771-9AD6DFDD1314}" srcOrd="1" destOrd="0" presId="urn:microsoft.com/office/officeart/2008/layout/HorizontalMultiLevelHierarchy"/>
     <dgm:cxn modelId="{23EA1E0E-CCDB-447D-9BF6-AE74DA453A52}" type="presOf" srcId="{7981970C-204D-4F36-BD70-A041F4B940E6}" destId="{8ADF30A2-5DE6-4E05-8507-6283510A3E97}" srcOrd="0" destOrd="0" presId="urn:microsoft.com/office/officeart/2008/layout/HorizontalMultiLevelHierarchy"/>
-    <dgm:cxn modelId="{6DBB8725-1222-4B17-867E-54704F7EE749}" srcId="{93C747BF-5C60-4B4E-BC94-D52651C13DE4}" destId="{7981970C-204D-4F36-BD70-A041F4B940E6}" srcOrd="0" destOrd="0" parTransId="{52003E9A-DF77-4E3B-A083-82B24FE4B0A8}" sibTransId="{D0F2AC8F-BA3D-4E6C-AC90-92F634F15E92}"/>
-    <dgm:cxn modelId="{DB36A5D4-C455-4F1C-A2AE-FEB25DF4D526}" type="presOf" srcId="{E74E28AB-748D-4811-A27E-613ADFEE3EB5}" destId="{0463C196-2219-401D-9D59-196552183F3D}" srcOrd="1" destOrd="0" presId="urn:microsoft.com/office/officeart/2008/layout/HorizontalMultiLevelHierarchy"/>
-    <dgm:cxn modelId="{E5A29B9D-9E65-4434-869E-7A909A9E5934}" type="presOf" srcId="{74F296E6-1D22-4687-AF22-BD18E40C14FE}" destId="{336D4672-E929-4040-BCBB-3EEE1BB5E724}" srcOrd="0" destOrd="0" presId="urn:microsoft.com/office/officeart/2008/layout/HorizontalMultiLevelHierarchy"/>
-    <dgm:cxn modelId="{44AD3DF2-8FA8-4B3A-A349-748D7162E180}" srcId="{01604493-B99B-4814-ACAE-EF4534CEEECF}" destId="{D80EA3D2-094E-4A03-A324-F2D406823EDB}" srcOrd="0" destOrd="0" parTransId="{110FCFB3-6AEC-44C2-9BEB-E1F852A45E36}" sibTransId="{CC15D4FE-F1FF-40F0-A5F1-C0EEB3021BE7}"/>
-    <dgm:cxn modelId="{5B1E744E-9673-42E1-A554-EAD9557A6A6B}" type="presOf" srcId="{D80EA3D2-094E-4A03-A324-F2D406823EDB}" destId="{C190F02C-F840-4400-BB63-3C287CAE70DD}" srcOrd="0" destOrd="0" presId="urn:microsoft.com/office/officeart/2008/layout/HorizontalMultiLevelHierarchy"/>
-    <dgm:cxn modelId="{24AB20C0-F768-48A1-8430-E5F09A7028EA}" type="presOf" srcId="{42AACD0A-5BFC-48B7-BF2F-7EFEB20806CE}" destId="{3AB2966F-51C8-4712-9488-E33308A531C6}" srcOrd="1" destOrd="0" presId="urn:microsoft.com/office/officeart/2008/layout/HorizontalMultiLevelHierarchy"/>
-    <dgm:cxn modelId="{10F71BE7-969B-4ACC-9297-3F0FB958ED6F}" type="presOf" srcId="{E74E28AB-748D-4811-A27E-613ADFEE3EB5}" destId="{13141A38-E980-4BA7-B959-FE095171D90C}" srcOrd="0" destOrd="0" presId="urn:microsoft.com/office/officeart/2008/layout/HorizontalMultiLevelHierarchy"/>
-    <dgm:cxn modelId="{DF819CBB-4068-4BCD-A50E-32FF303F67EA}" type="presOf" srcId="{110FCFB3-6AEC-44C2-9BEB-E1F852A45E36}" destId="{43215640-A70C-4D55-A6AA-6C225539B7F3}" srcOrd="0" destOrd="0" presId="urn:microsoft.com/office/officeart/2008/layout/HorizontalMultiLevelHierarchy"/>
-    <dgm:cxn modelId="{3E68CA76-0242-40F5-A739-B67DDD96909C}" type="presOf" srcId="{E164911D-41C0-41AD-BFD4-B8091C9AE415}" destId="{22A722A9-2815-423D-8C37-5E5F7385B8FB}" srcOrd="0" destOrd="0" presId="urn:microsoft.com/office/officeart/2008/layout/HorizontalMultiLevelHierarchy"/>
-    <dgm:cxn modelId="{23563D8C-BD92-4F19-83F6-95F3BB8234A9}" type="presOf" srcId="{EE43356B-C9DE-4C0E-B248-9A216F0378C8}" destId="{7646F691-96E9-4E87-95F9-A031B65F42CF}" srcOrd="1" destOrd="0" presId="urn:microsoft.com/office/officeart/2008/layout/HorizontalMultiLevelHierarchy"/>
+    <dgm:cxn modelId="{E06CCF47-E96C-4AB1-9671-F2E9BFC59046}" type="presOf" srcId="{42AACD0A-5BFC-48B7-BF2F-7EFEB20806CE}" destId="{C9BB74AF-030F-4CA5-8A14-E9B74F3B9177}" srcOrd="0" destOrd="0" presId="urn:microsoft.com/office/officeart/2008/layout/HorizontalMultiLevelHierarchy"/>
+    <dgm:cxn modelId="{05FFAAE0-ACF1-4E28-BBE7-4382418BCA57}" srcId="{B5357460-0FAD-40CA-BE82-980E0E8EA8E3}" destId="{E164911D-41C0-41AD-BFD4-B8091C9AE415}" srcOrd="0" destOrd="0" parTransId="{FDB7C482-9992-4BC0-B687-7A27B7C339BC}" sibTransId="{6D28B937-C89D-4738-A88B-D334CEA09F7A}"/>
     <dgm:cxn modelId="{0B594901-626F-4C7C-AB3F-CEFA6AE0090C}" srcId="{E164911D-41C0-41AD-BFD4-B8091C9AE415}" destId="{33878004-7D2A-4F72-BEDB-5D0AB58F15AC}" srcOrd="0" destOrd="0" parTransId="{A0559AFC-F7C9-40A3-85C8-C1718708DC40}" sibTransId="{D6D76CC0-6030-401B-97E8-CE355C4FBFC4}"/>
-    <dgm:cxn modelId="{796C3458-9756-4CA4-A83C-4E40AB2F7250}" type="presOf" srcId="{EE43356B-C9DE-4C0E-B248-9A216F0378C8}" destId="{D6E049C7-86D3-494A-A553-3C85D9198E74}" srcOrd="0" destOrd="0" presId="urn:microsoft.com/office/officeart/2008/layout/HorizontalMultiLevelHierarchy"/>
-    <dgm:cxn modelId="{07F39503-5931-40A9-B6E2-999857B09BCE}" type="presOf" srcId="{52003E9A-DF77-4E3B-A083-82B24FE4B0A8}" destId="{B5347ED1-EC76-4B54-8471-81696427CD3E}" srcOrd="1" destOrd="0" presId="urn:microsoft.com/office/officeart/2008/layout/HorizontalMultiLevelHierarchy"/>
-    <dgm:cxn modelId="{8F9986BA-F381-4E8F-9318-5A3B19F3AEF5}" type="presOf" srcId="{376B09F4-2D5B-4689-8EC4-FB34E6F5B1E9}" destId="{FD4D22A1-EA69-46E1-AD42-248DA7FF3945}" srcOrd="0" destOrd="0" presId="urn:microsoft.com/office/officeart/2008/layout/HorizontalMultiLevelHierarchy"/>
-    <dgm:cxn modelId="{E06CCF47-E96C-4AB1-9671-F2E9BFC59046}" type="presOf" srcId="{42AACD0A-5BFC-48B7-BF2F-7EFEB20806CE}" destId="{C9BB74AF-030F-4CA5-8A14-E9B74F3B9177}" srcOrd="0" destOrd="0" presId="urn:microsoft.com/office/officeart/2008/layout/HorizontalMultiLevelHierarchy"/>
-    <dgm:cxn modelId="{D700743F-8978-4C23-9449-A7D99A259A0A}" type="presOf" srcId="{C1AE587A-6D7F-4B1E-905E-A1251F9EFAF2}" destId="{6418B5C4-F415-45FB-916A-03441B73AD5E}" srcOrd="0" destOrd="0" presId="urn:microsoft.com/office/officeart/2008/layout/HorizontalMultiLevelHierarchy"/>
-    <dgm:cxn modelId="{E71FF8EA-405C-4013-B027-6A03231BEEA1}" type="presOf" srcId="{74F296E6-1D22-4687-AF22-BD18E40C14FE}" destId="{8E50FA4A-D0DB-40FE-A9CC-E0AF0A79B3FF}" srcOrd="1" destOrd="0" presId="urn:microsoft.com/office/officeart/2008/layout/HorizontalMultiLevelHierarchy"/>
-    <dgm:cxn modelId="{4EB29B15-F30D-4315-A7A7-8A959550FC99}" type="presOf" srcId="{A0559AFC-F7C9-40A3-85C8-C1718708DC40}" destId="{75F5CFBF-8828-4BF9-816E-859BC8ED4F44}" srcOrd="1" destOrd="0" presId="urn:microsoft.com/office/officeart/2008/layout/HorizontalMultiLevelHierarchy"/>
-    <dgm:cxn modelId="{480C5340-BB14-4C70-9E1B-FCE13FDC4E9A}" type="presOf" srcId="{21147F39-0959-478D-99BA-881DBA3B8FFA}" destId="{8F5D037C-01D8-423E-A85F-FC216BA9F7CF}" srcOrd="0" destOrd="0" presId="urn:microsoft.com/office/officeart/2008/layout/HorizontalMultiLevelHierarchy"/>
-    <dgm:cxn modelId="{99F84A0E-D845-4A3E-B617-A2884107E4D8}" srcId="{33878004-7D2A-4F72-BEDB-5D0AB58F15AC}" destId="{93C747BF-5C60-4B4E-BC94-D52651C13DE4}" srcOrd="0" destOrd="0" parTransId="{EE43356B-C9DE-4C0E-B248-9A216F0378C8}" sibTransId="{B50FE281-80F8-4DF5-BD57-535DF8E4AC04}"/>
-    <dgm:cxn modelId="{401894A6-3515-433E-B28F-50C90B2D9720}" srcId="{33878004-7D2A-4F72-BEDB-5D0AB58F15AC}" destId="{01604493-B99B-4814-ACAE-EF4534CEEECF}" srcOrd="2" destOrd="0" parTransId="{42AACD0A-5BFC-48B7-BF2F-7EFEB20806CE}" sibTransId="{B323BEF6-400C-4BB2-8275-C521625AA9DA}"/>
-    <dgm:cxn modelId="{79BE83E3-8620-4D1A-BB67-97F814FDD947}" type="presOf" srcId="{93C747BF-5C60-4B4E-BC94-D52651C13DE4}" destId="{2D4BACCF-FA22-4671-AE1C-1B8A7A052384}" srcOrd="0" destOrd="0" presId="urn:microsoft.com/office/officeart/2008/layout/HorizontalMultiLevelHierarchy"/>
-    <dgm:cxn modelId="{D2CB7E7E-3292-42A0-834B-2F9B6991FB5F}" srcId="{93C747BF-5C60-4B4E-BC94-D52651C13DE4}" destId="{376B09F4-2D5B-4689-8EC4-FB34E6F5B1E9}" srcOrd="2" destOrd="0" parTransId="{420A7C68-5D43-4EB6-AFB7-75822302A846}" sibTransId="{7EBA06D7-F455-4841-8F6A-A8B032555400}"/>
-    <dgm:cxn modelId="{8FA5B82F-9A25-4BEA-80CC-014B5994C993}" srcId="{33878004-7D2A-4F72-BEDB-5D0AB58F15AC}" destId="{21147F39-0959-478D-99BA-881DBA3B8FFA}" srcOrd="1" destOrd="0" parTransId="{74F296E6-1D22-4687-AF22-BD18E40C14FE}" sibTransId="{17189784-D56A-4145-96EC-A36A1B400630}"/>
-    <dgm:cxn modelId="{BFA723F3-822C-4219-AC3C-85DF88603996}" srcId="{93C747BF-5C60-4B4E-BC94-D52651C13DE4}" destId="{C1AE587A-6D7F-4B1E-905E-A1251F9EFAF2}" srcOrd="1" destOrd="0" parTransId="{E74E28AB-748D-4811-A27E-613ADFEE3EB5}" sibTransId="{71242734-9763-4B6E-9CC8-74E2DAA15431}"/>
-    <dgm:cxn modelId="{0C47668A-8847-45C5-A966-CAEF64CC0E04}" type="presOf" srcId="{420A7C68-5D43-4EB6-AFB7-75822302A846}" destId="{B1A8CFDC-B7E6-4059-86E3-411E6B63764B}" srcOrd="0" destOrd="0" presId="urn:microsoft.com/office/officeart/2008/layout/HorizontalMultiLevelHierarchy"/>
-    <dgm:cxn modelId="{3EC99726-9C33-4B9E-BDD2-3D1846373F36}" type="presOf" srcId="{52003E9A-DF77-4E3B-A083-82B24FE4B0A8}" destId="{9CE9F315-076C-4A91-86FC-F479E1B271B6}" srcOrd="0" destOrd="0" presId="urn:microsoft.com/office/officeart/2008/layout/HorizontalMultiLevelHierarchy"/>
-    <dgm:cxn modelId="{05FFAAE0-ACF1-4E28-BBE7-4382418BCA57}" srcId="{B5357460-0FAD-40CA-BE82-980E0E8EA8E3}" destId="{E164911D-41C0-41AD-BFD4-B8091C9AE415}" srcOrd="0" destOrd="0" parTransId="{FDB7C482-9992-4BC0-B687-7A27B7C339BC}" sibTransId="{6D28B937-C89D-4738-A88B-D334CEA09F7A}"/>
-    <dgm:cxn modelId="{DAA5B63D-F00F-445C-85A3-2C21BE6E5A48}" type="presOf" srcId="{B5357460-0FAD-40CA-BE82-980E0E8EA8E3}" destId="{8A5D712F-6AF2-4319-A6F5-A30D601300D8}" srcOrd="0" destOrd="0" presId="urn:microsoft.com/office/officeart/2008/layout/HorizontalMultiLevelHierarchy"/>
-    <dgm:cxn modelId="{3852A296-0D52-4968-A67C-6E40E8664BD4}" type="presOf" srcId="{110FCFB3-6AEC-44C2-9BEB-E1F852A45E36}" destId="{06DBBCC5-E0B8-4C51-B651-7919BF69BAA3}" srcOrd="1" destOrd="0" presId="urn:microsoft.com/office/officeart/2008/layout/HorizontalMultiLevelHierarchy"/>
-    <dgm:cxn modelId="{454A9219-ECCB-4CE0-AC06-6FF5CDCF5543}" type="presOf" srcId="{33878004-7D2A-4F72-BEDB-5D0AB58F15AC}" destId="{BA2C46D1-49F2-4416-B0F1-25FE16F65916}" srcOrd="0" destOrd="0" presId="urn:microsoft.com/office/officeart/2008/layout/HorizontalMultiLevelHierarchy"/>
-    <dgm:cxn modelId="{FCBFD05C-A7F1-4190-99C6-3A8477A83EC7}" type="presOf" srcId="{A0559AFC-F7C9-40A3-85C8-C1718708DC40}" destId="{5C94A537-F670-4876-9327-9280C8C56023}" srcOrd="0" destOrd="0" presId="urn:microsoft.com/office/officeart/2008/layout/HorizontalMultiLevelHierarchy"/>
-    <dgm:cxn modelId="{AB41FEFD-516A-45BB-A280-CA6B0C2945B5}" type="presOf" srcId="{420A7C68-5D43-4EB6-AFB7-75822302A846}" destId="{2783DBF3-317F-4536-8771-9AD6DFDD1314}" srcOrd="1" destOrd="0" presId="urn:microsoft.com/office/officeart/2008/layout/HorizontalMultiLevelHierarchy"/>
     <dgm:cxn modelId="{EC4E3B83-7EA8-4E97-9C36-D0155776F28F}" type="presParOf" srcId="{8A5D712F-6AF2-4319-A6F5-A30D601300D8}" destId="{3120E5FA-F315-4B50-9CBE-10143E5DFFB8}" srcOrd="0" destOrd="0" presId="urn:microsoft.com/office/officeart/2008/layout/HorizontalMultiLevelHierarchy"/>
     <dgm:cxn modelId="{C55A7E10-6D2C-4834-AB2D-684C19CEF991}" type="presParOf" srcId="{3120E5FA-F315-4B50-9CBE-10143E5DFFB8}" destId="{22A722A9-2815-423D-8C37-5E5F7385B8FB}" srcOrd="0" destOrd="0" presId="urn:microsoft.com/office/officeart/2008/layout/HorizontalMultiLevelHierarchy"/>
     <dgm:cxn modelId="{38E47FB7-2298-44C4-83AB-C545D212B712}" type="presParOf" srcId="{3120E5FA-F315-4B50-9CBE-10143E5DFFB8}" destId="{5D597C0F-2237-4F12-950C-D26B8F09A573}" srcOrd="1" destOrd="0" presId="urn:microsoft.com/office/officeart/2008/layout/HorizontalMultiLevelHierarchy"/>
@@ -4536,21 +4100,11 @@
     <dgm:cxn modelId="{35F5A6F2-17B7-4B92-AB4B-928DEFFD8E97}" type="presParOf" srcId="{AB128323-0D0B-4E88-BE6B-FE7864EC4A20}" destId="{31830C5C-B709-4E82-AF62-EC1CA2A6A4F7}" srcOrd="5" destOrd="0" presId="urn:microsoft.com/office/officeart/2008/layout/HorizontalMultiLevelHierarchy"/>
     <dgm:cxn modelId="{10B99075-39A9-426F-8A6E-7BE81194AB22}" type="presParOf" srcId="{31830C5C-B709-4E82-AF62-EC1CA2A6A4F7}" destId="{FD4D22A1-EA69-46E1-AD42-248DA7FF3945}" srcOrd="0" destOrd="0" presId="urn:microsoft.com/office/officeart/2008/layout/HorizontalMultiLevelHierarchy"/>
     <dgm:cxn modelId="{0680F227-CCC1-435E-A420-21F7E48830B0}" type="presParOf" srcId="{31830C5C-B709-4E82-AF62-EC1CA2A6A4F7}" destId="{C4FEABA7-2F24-4312-BD76-4C20CF02764E}" srcOrd="1" destOrd="0" presId="urn:microsoft.com/office/officeart/2008/layout/HorizontalMultiLevelHierarchy"/>
-    <dgm:cxn modelId="{95286D72-75A4-46E1-80F9-4B5E06A348C3}" type="presParOf" srcId="{E74F55B6-9477-45DF-AC5A-F4A1CB999028}" destId="{336D4672-E929-4040-BCBB-3EEE1BB5E724}" srcOrd="2" destOrd="0" presId="urn:microsoft.com/office/officeart/2008/layout/HorizontalMultiLevelHierarchy"/>
-    <dgm:cxn modelId="{2F4D385A-21ED-47E3-8F5A-A236233C71A0}" type="presParOf" srcId="{336D4672-E929-4040-BCBB-3EEE1BB5E724}" destId="{8E50FA4A-D0DB-40FE-A9CC-E0AF0A79B3FF}" srcOrd="0" destOrd="0" presId="urn:microsoft.com/office/officeart/2008/layout/HorizontalMultiLevelHierarchy"/>
-    <dgm:cxn modelId="{857FC433-C411-49D8-B6C4-2FCF83F35E4A}" type="presParOf" srcId="{E74F55B6-9477-45DF-AC5A-F4A1CB999028}" destId="{F7EAABEA-871C-472A-AB53-F4929BAEBD6A}" srcOrd="3" destOrd="0" presId="urn:microsoft.com/office/officeart/2008/layout/HorizontalMultiLevelHierarchy"/>
-    <dgm:cxn modelId="{67A125C2-2A8D-441A-9F58-C5C78577767E}" type="presParOf" srcId="{F7EAABEA-871C-472A-AB53-F4929BAEBD6A}" destId="{8F5D037C-01D8-423E-A85F-FC216BA9F7CF}" srcOrd="0" destOrd="0" presId="urn:microsoft.com/office/officeart/2008/layout/HorizontalMultiLevelHierarchy"/>
-    <dgm:cxn modelId="{3AE8AC51-D8F8-40E8-8FB1-DED8A5CF76CC}" type="presParOf" srcId="{F7EAABEA-871C-472A-AB53-F4929BAEBD6A}" destId="{DB099099-5EDF-40D2-9641-D767C4553795}" srcOrd="1" destOrd="0" presId="urn:microsoft.com/office/officeart/2008/layout/HorizontalMultiLevelHierarchy"/>
-    <dgm:cxn modelId="{0D7ED993-C3BC-4729-9FEE-571113023FFC}" type="presParOf" srcId="{E74F55B6-9477-45DF-AC5A-F4A1CB999028}" destId="{C9BB74AF-030F-4CA5-8A14-E9B74F3B9177}" srcOrd="4" destOrd="0" presId="urn:microsoft.com/office/officeart/2008/layout/HorizontalMultiLevelHierarchy"/>
+    <dgm:cxn modelId="{0D7ED993-C3BC-4729-9FEE-571113023FFC}" type="presParOf" srcId="{E74F55B6-9477-45DF-AC5A-F4A1CB999028}" destId="{C9BB74AF-030F-4CA5-8A14-E9B74F3B9177}" srcOrd="2" destOrd="0" presId="urn:microsoft.com/office/officeart/2008/layout/HorizontalMultiLevelHierarchy"/>
     <dgm:cxn modelId="{9CFD906B-F3C3-4B1C-97F0-7BDA4921325E}" type="presParOf" srcId="{C9BB74AF-030F-4CA5-8A14-E9B74F3B9177}" destId="{3AB2966F-51C8-4712-9488-E33308A531C6}" srcOrd="0" destOrd="0" presId="urn:microsoft.com/office/officeart/2008/layout/HorizontalMultiLevelHierarchy"/>
-    <dgm:cxn modelId="{104206D1-8F1B-4DB3-A228-153A2C33FFB7}" type="presParOf" srcId="{E74F55B6-9477-45DF-AC5A-F4A1CB999028}" destId="{E18B62C8-24DA-4D9D-AF22-02027BDC5F2A}" srcOrd="5" destOrd="0" presId="urn:microsoft.com/office/officeart/2008/layout/HorizontalMultiLevelHierarchy"/>
+    <dgm:cxn modelId="{104206D1-8F1B-4DB3-A228-153A2C33FFB7}" type="presParOf" srcId="{E74F55B6-9477-45DF-AC5A-F4A1CB999028}" destId="{E18B62C8-24DA-4D9D-AF22-02027BDC5F2A}" srcOrd="3" destOrd="0" presId="urn:microsoft.com/office/officeart/2008/layout/HorizontalMultiLevelHierarchy"/>
     <dgm:cxn modelId="{8F46B7B0-9037-4E21-9B40-52FB043DB709}" type="presParOf" srcId="{E18B62C8-24DA-4D9D-AF22-02027BDC5F2A}" destId="{F1E4F070-4D42-4CFC-BB13-F40CB6117610}" srcOrd="0" destOrd="0" presId="urn:microsoft.com/office/officeart/2008/layout/HorizontalMultiLevelHierarchy"/>
     <dgm:cxn modelId="{ACBA4455-10D3-4F0A-94DB-3B62B1544DC7}" type="presParOf" srcId="{E18B62C8-24DA-4D9D-AF22-02027BDC5F2A}" destId="{198F3445-A549-4F4A-973D-E3AAAA07CC9B}" srcOrd="1" destOrd="0" presId="urn:microsoft.com/office/officeart/2008/layout/HorizontalMultiLevelHierarchy"/>
-    <dgm:cxn modelId="{0E587C79-6C5F-44FE-918A-3268E22682F3}" type="presParOf" srcId="{198F3445-A549-4F4A-973D-E3AAAA07CC9B}" destId="{43215640-A70C-4D55-A6AA-6C225539B7F3}" srcOrd="0" destOrd="0" presId="urn:microsoft.com/office/officeart/2008/layout/HorizontalMultiLevelHierarchy"/>
-    <dgm:cxn modelId="{F88D4FD8-FED1-4885-B5DE-8448AFDD390C}" type="presParOf" srcId="{43215640-A70C-4D55-A6AA-6C225539B7F3}" destId="{06DBBCC5-E0B8-4C51-B651-7919BF69BAA3}" srcOrd="0" destOrd="0" presId="urn:microsoft.com/office/officeart/2008/layout/HorizontalMultiLevelHierarchy"/>
-    <dgm:cxn modelId="{3EA90B69-C099-481A-9E2B-DFEA6FB7EF90}" type="presParOf" srcId="{198F3445-A549-4F4A-973D-E3AAAA07CC9B}" destId="{38C6F9E5-B8A9-4C00-B9EF-BA8C8C65ADAA}" srcOrd="1" destOrd="0" presId="urn:microsoft.com/office/officeart/2008/layout/HorizontalMultiLevelHierarchy"/>
-    <dgm:cxn modelId="{E50EAF28-FCB2-4306-AC8B-045C4A74735B}" type="presParOf" srcId="{38C6F9E5-B8A9-4C00-B9EF-BA8C8C65ADAA}" destId="{C190F02C-F840-4400-BB63-3C287CAE70DD}" srcOrd="0" destOrd="0" presId="urn:microsoft.com/office/officeart/2008/layout/HorizontalMultiLevelHierarchy"/>
-    <dgm:cxn modelId="{5C323B5B-B397-4BCF-A018-FB54658AFE5A}" type="presParOf" srcId="{38C6F9E5-B8A9-4C00-B9EF-BA8C8C65ADAA}" destId="{7162E3D7-8516-49EB-AB94-7C7E7324D128}" srcOrd="1" destOrd="0" presId="urn:microsoft.com/office/officeart/2008/layout/HorizontalMultiLevelHierarchy"/>
   </dgm:cxnLst>
   <dgm:bg/>
   <dgm:whole/>
@@ -4687,43 +4241,6 @@
         </a:p>
       </dgm:t>
     </dgm:pt>
-    <dgm:pt modelId="{37D75798-C063-4D43-885C-5C2CC101A97D}">
-      <dgm:prSet custT="1"/>
-      <dgm:spPr/>
-      <dgm:t>
-        <a:bodyPr/>
-        <a:lstStyle/>
-        <a:p>
-          <a:r>
-            <a:rPr kumimoji="1" lang="ja-JP" altLang="en-US" sz="1800" dirty="0" smtClean="0"/>
-            <a:t>承認ルート設定</a:t>
-          </a:r>
-          <a:endParaRPr kumimoji="1" lang="ja-JP" altLang="en-US" sz="1800" dirty="0"/>
-        </a:p>
-      </dgm:t>
-    </dgm:pt>
-    <dgm:pt modelId="{CA6F8972-6CD8-448C-A84D-8256297787F7}" type="parTrans" cxnId="{E77D710B-F8B8-45D7-BAB2-1342D44AC065}">
-      <dgm:prSet custT="1"/>
-      <dgm:spPr/>
-      <dgm:t>
-        <a:bodyPr/>
-        <a:lstStyle/>
-        <a:p>
-          <a:endParaRPr kumimoji="1" lang="ja-JP" altLang="en-US" sz="300"/>
-        </a:p>
-      </dgm:t>
-    </dgm:pt>
-    <dgm:pt modelId="{CC1562F8-A737-4EE3-AC8F-5672D16E32A7}" type="sibTrans" cxnId="{E77D710B-F8B8-45D7-BAB2-1342D44AC065}">
-      <dgm:prSet/>
-      <dgm:spPr/>
-      <dgm:t>
-        <a:bodyPr/>
-        <a:lstStyle/>
-        <a:p>
-          <a:endParaRPr kumimoji="1" lang="ja-JP" altLang="en-US" sz="1400"/>
-        </a:p>
-      </dgm:t>
-    </dgm:pt>
     <dgm:pt modelId="{550A381F-40F0-4E05-ACCB-D1C9F5A5043C}">
       <dgm:prSet custT="1"/>
       <dgm:spPr/>
@@ -4835,6 +4352,47 @@
         </a:p>
       </dgm:t>
     </dgm:pt>
+    <dgm:pt modelId="{739615F7-2873-4130-A3A1-C55CABB2E1DC}">
+      <dgm:prSet custT="1"/>
+      <dgm:spPr/>
+      <dgm:t>
+        <a:bodyPr/>
+        <a:lstStyle/>
+        <a:p>
+          <a:r>
+            <a:rPr kumimoji="1" lang="ja-JP" altLang="en-US" sz="1800" dirty="0" smtClean="0"/>
+            <a:t>利用者情報</a:t>
+          </a:r>
+          <a:r>
+            <a:rPr kumimoji="1" lang="ja-JP" altLang="en-US" sz="1800" dirty="0" smtClean="0"/>
+            <a:t>修正</a:t>
+          </a:r>
+          <a:endParaRPr kumimoji="1" lang="ja-JP" altLang="en-US" sz="1800" dirty="0"/>
+        </a:p>
+      </dgm:t>
+    </dgm:pt>
+    <dgm:pt modelId="{127A7142-7362-4443-B2EB-46E30603C64F}" type="parTrans" cxnId="{09491770-EFB8-4B3A-8E31-5E2EA467C860}">
+      <dgm:prSet/>
+      <dgm:spPr/>
+      <dgm:t>
+        <a:bodyPr/>
+        <a:lstStyle/>
+        <a:p>
+          <a:endParaRPr kumimoji="1" lang="ja-JP" altLang="en-US"/>
+        </a:p>
+      </dgm:t>
+    </dgm:pt>
+    <dgm:pt modelId="{EE391C23-2D86-46A2-BEE6-39BB2BC467CB}" type="sibTrans" cxnId="{09491770-EFB8-4B3A-8E31-5E2EA467C860}">
+      <dgm:prSet/>
+      <dgm:spPr/>
+      <dgm:t>
+        <a:bodyPr/>
+        <a:lstStyle/>
+        <a:p>
+          <a:endParaRPr kumimoji="1" lang="ja-JP" altLang="en-US"/>
+        </a:p>
+      </dgm:t>
+    </dgm:pt>
     <dgm:pt modelId="{8A5D712F-6AF2-4319-A6F5-A30D601300D8}" type="pres">
       <dgm:prSet presAssocID="{B5357460-0FAD-40CA-BE82-980E0E8EA8E3}" presName="Name0" presStyleCnt="0">
         <dgm:presLayoutVars>
@@ -4923,7 +4481,7 @@
       <dgm:spPr/>
     </dgm:pt>
     <dgm:pt modelId="{EC6322D2-0008-4174-9FD3-2486AA11F710}" type="pres">
-      <dgm:prSet presAssocID="{E280C742-3EF7-4DE2-BF38-A10ACDC2E717}" presName="conn2-1" presStyleLbl="parChTrans1D3" presStyleIdx="0" presStyleCnt="2"/>
+      <dgm:prSet presAssocID="{E280C742-3EF7-4DE2-BF38-A10ACDC2E717}" presName="conn2-1" presStyleLbl="parChTrans1D3" presStyleIdx="0" presStyleCnt="3"/>
       <dgm:spPr/>
       <dgm:t>
         <a:bodyPr/>
@@ -4934,7 +4492,7 @@
       </dgm:t>
     </dgm:pt>
     <dgm:pt modelId="{B98BDEBC-A658-487D-8329-E93FD0E8C8C3}" type="pres">
-      <dgm:prSet presAssocID="{E280C742-3EF7-4DE2-BF38-A10ACDC2E717}" presName="connTx" presStyleLbl="parChTrans1D3" presStyleIdx="0" presStyleCnt="2"/>
+      <dgm:prSet presAssocID="{E280C742-3EF7-4DE2-BF38-A10ACDC2E717}" presName="connTx" presStyleLbl="parChTrans1D3" presStyleIdx="0" presStyleCnt="3"/>
       <dgm:spPr/>
       <dgm:t>
         <a:bodyPr/>
@@ -4949,7 +4507,7 @@
       <dgm:spPr/>
     </dgm:pt>
     <dgm:pt modelId="{B8E27EC5-4F7E-49BB-951C-93C7A2A24C99}" type="pres">
-      <dgm:prSet presAssocID="{0DE1300D-B8D6-4E5D-8BB1-5FF9FB33BA69}" presName="LevelTwoTextNode" presStyleLbl="node3" presStyleIdx="0" presStyleCnt="2" custLinFactNeighborY="-61332">
+      <dgm:prSet presAssocID="{0DE1300D-B8D6-4E5D-8BB1-5FF9FB33BA69}" presName="LevelTwoTextNode" presStyleLbl="node3" presStyleIdx="0" presStyleCnt="3" custLinFactNeighborY="-61332">
         <dgm:presLayoutVars>
           <dgm:chPref val="3"/>
         </dgm:presLayoutVars>
@@ -4968,7 +4526,7 @@
       <dgm:spPr/>
     </dgm:pt>
     <dgm:pt modelId="{C9BB74AF-030F-4CA5-8A14-E9B74F3B9177}" type="pres">
-      <dgm:prSet presAssocID="{42AACD0A-5BFC-48B7-BF2F-7EFEB20806CE}" presName="conn2-1" presStyleLbl="parChTrans1D3" presStyleIdx="1" presStyleCnt="2"/>
+      <dgm:prSet presAssocID="{42AACD0A-5BFC-48B7-BF2F-7EFEB20806CE}" presName="conn2-1" presStyleLbl="parChTrans1D3" presStyleIdx="1" presStyleCnt="3"/>
       <dgm:spPr/>
       <dgm:t>
         <a:bodyPr/>
@@ -4979,7 +4537,7 @@
       </dgm:t>
     </dgm:pt>
     <dgm:pt modelId="{3AB2966F-51C8-4712-9488-E33308A531C6}" type="pres">
-      <dgm:prSet presAssocID="{42AACD0A-5BFC-48B7-BF2F-7EFEB20806CE}" presName="connTx" presStyleLbl="parChTrans1D3" presStyleIdx="1" presStyleCnt="2"/>
+      <dgm:prSet presAssocID="{42AACD0A-5BFC-48B7-BF2F-7EFEB20806CE}" presName="connTx" presStyleLbl="parChTrans1D3" presStyleIdx="1" presStyleCnt="3"/>
       <dgm:spPr/>
       <dgm:t>
         <a:bodyPr/>
@@ -4994,7 +4552,7 @@
       <dgm:spPr/>
     </dgm:pt>
     <dgm:pt modelId="{F1E4F070-4D42-4CFC-BB13-F40CB6117610}" type="pres">
-      <dgm:prSet presAssocID="{01604493-B99B-4814-ACAE-EF4534CEEECF}" presName="LevelTwoTextNode" presStyleLbl="node3" presStyleIdx="1" presStyleCnt="2" custLinFactNeighborY="46606">
+      <dgm:prSet presAssocID="{01604493-B99B-4814-ACAE-EF4534CEEECF}" presName="LevelTwoTextNode" presStyleLbl="node3" presStyleIdx="1" presStyleCnt="3" custLinFactNeighborY="46606">
         <dgm:presLayoutVars>
           <dgm:chPref val="3"/>
         </dgm:presLayoutVars>
@@ -5013,7 +4571,7 @@
       <dgm:spPr/>
     </dgm:pt>
     <dgm:pt modelId="{9E124E1E-0161-4AC1-87EC-B09B2F219B0F}" type="pres">
-      <dgm:prSet presAssocID="{1C096A7E-8FF6-4205-B81F-37441528B91E}" presName="conn2-1" presStyleLbl="parChTrans1D4" presStyleIdx="0" presStyleCnt="3"/>
+      <dgm:prSet presAssocID="{1C096A7E-8FF6-4205-B81F-37441528B91E}" presName="conn2-1" presStyleLbl="parChTrans1D4" presStyleIdx="0" presStyleCnt="2"/>
       <dgm:spPr/>
       <dgm:t>
         <a:bodyPr/>
@@ -5024,7 +4582,7 @@
       </dgm:t>
     </dgm:pt>
     <dgm:pt modelId="{795F2234-8ADC-4001-BDDB-49D4CDD506ED}" type="pres">
-      <dgm:prSet presAssocID="{1C096A7E-8FF6-4205-B81F-37441528B91E}" presName="connTx" presStyleLbl="parChTrans1D4" presStyleIdx="0" presStyleCnt="3"/>
+      <dgm:prSet presAssocID="{1C096A7E-8FF6-4205-B81F-37441528B91E}" presName="connTx" presStyleLbl="parChTrans1D4" presStyleIdx="0" presStyleCnt="2"/>
       <dgm:spPr/>
       <dgm:t>
         <a:bodyPr/>
@@ -5039,7 +4597,7 @@
       <dgm:spPr/>
     </dgm:pt>
     <dgm:pt modelId="{AAE69731-215B-45BC-8E15-2A6F1103ED7E}" type="pres">
-      <dgm:prSet presAssocID="{550A381F-40F0-4E05-ACCB-D1C9F5A5043C}" presName="LevelTwoTextNode" presStyleLbl="node4" presStyleIdx="0" presStyleCnt="3" custLinFactNeighborY="26337">
+      <dgm:prSet presAssocID="{550A381F-40F0-4E05-ACCB-D1C9F5A5043C}" presName="LevelTwoTextNode" presStyleLbl="node4" presStyleIdx="0" presStyleCnt="2" custLinFactNeighborY="26337">
         <dgm:presLayoutVars>
           <dgm:chPref val="3"/>
         </dgm:presLayoutVars>
@@ -5058,7 +4616,7 @@
       <dgm:spPr/>
     </dgm:pt>
     <dgm:pt modelId="{355642E0-09D0-42DF-923C-1B3F590DAE0E}" type="pres">
-      <dgm:prSet presAssocID="{A189FC59-214A-4E39-9093-65A387B4936B}" presName="conn2-1" presStyleLbl="parChTrans1D4" presStyleIdx="1" presStyleCnt="3"/>
+      <dgm:prSet presAssocID="{A189FC59-214A-4E39-9093-65A387B4936B}" presName="conn2-1" presStyleLbl="parChTrans1D4" presStyleIdx="1" presStyleCnt="2"/>
       <dgm:spPr/>
       <dgm:t>
         <a:bodyPr/>
@@ -5069,7 +4627,7 @@
       </dgm:t>
     </dgm:pt>
     <dgm:pt modelId="{6201D176-D536-493A-BC18-D21C524F25EC}" type="pres">
-      <dgm:prSet presAssocID="{A189FC59-214A-4E39-9093-65A387B4936B}" presName="connTx" presStyleLbl="parChTrans1D4" presStyleIdx="1" presStyleCnt="3"/>
+      <dgm:prSet presAssocID="{A189FC59-214A-4E39-9093-65A387B4936B}" presName="connTx" presStyleLbl="parChTrans1D4" presStyleIdx="1" presStyleCnt="2"/>
       <dgm:spPr/>
       <dgm:t>
         <a:bodyPr/>
@@ -5084,7 +4642,7 @@
       <dgm:spPr/>
     </dgm:pt>
     <dgm:pt modelId="{FC741111-6EF4-466E-8F40-92DF807AF77E}" type="pres">
-      <dgm:prSet presAssocID="{288FA272-D33C-42A0-B55D-AD213EADEFDF}" presName="LevelTwoTextNode" presStyleLbl="node4" presStyleIdx="1" presStyleCnt="3" custLinFactNeighborY="49221">
+      <dgm:prSet presAssocID="{288FA272-D33C-42A0-B55D-AD213EADEFDF}" presName="LevelTwoTextNode" presStyleLbl="node4" presStyleIdx="1" presStyleCnt="2" custLinFactNeighborY="49221">
         <dgm:presLayoutVars>
           <dgm:chPref val="3"/>
         </dgm:presLayoutVars>
@@ -5102,8 +4660,8 @@
       <dgm:prSet presAssocID="{288FA272-D33C-42A0-B55D-AD213EADEFDF}" presName="level3hierChild" presStyleCnt="0"/>
       <dgm:spPr/>
     </dgm:pt>
-    <dgm:pt modelId="{3AA81311-4EAD-4E7A-8B3C-7384A0FA7427}" type="pres">
-      <dgm:prSet presAssocID="{CA6F8972-6CD8-448C-A84D-8256297787F7}" presName="conn2-1" presStyleLbl="parChTrans1D4" presStyleIdx="2" presStyleCnt="3"/>
+    <dgm:pt modelId="{E0F25E48-4F7F-466B-8845-58591156A353}" type="pres">
+      <dgm:prSet presAssocID="{127A7142-7362-4443-B2EB-46E30603C64F}" presName="conn2-1" presStyleLbl="parChTrans1D3" presStyleIdx="2" presStyleCnt="3"/>
       <dgm:spPr/>
       <dgm:t>
         <a:bodyPr/>
@@ -5113,8 +4671,8 @@
         </a:p>
       </dgm:t>
     </dgm:pt>
-    <dgm:pt modelId="{9B5EB736-E58D-42A3-9267-3AF2E5669002}" type="pres">
-      <dgm:prSet presAssocID="{CA6F8972-6CD8-448C-A84D-8256297787F7}" presName="connTx" presStyleLbl="parChTrans1D4" presStyleIdx="2" presStyleCnt="3"/>
+    <dgm:pt modelId="{18229FD2-10DE-484D-8950-3D45E780AAB5}" type="pres">
+      <dgm:prSet presAssocID="{127A7142-7362-4443-B2EB-46E30603C64F}" presName="connTx" presStyleLbl="parChTrans1D3" presStyleIdx="2" presStyleCnt="3"/>
       <dgm:spPr/>
       <dgm:t>
         <a:bodyPr/>
@@ -5124,12 +4682,12 @@
         </a:p>
       </dgm:t>
     </dgm:pt>
-    <dgm:pt modelId="{D4EA5CC4-2527-40D0-9D98-C46C8ED3AFEA}" type="pres">
-      <dgm:prSet presAssocID="{37D75798-C063-4D43-885C-5C2CC101A97D}" presName="root2" presStyleCnt="0"/>
+    <dgm:pt modelId="{284555E6-32C3-4FFA-804E-24DFAAAF112B}" type="pres">
+      <dgm:prSet presAssocID="{739615F7-2873-4130-A3A1-C55CABB2E1DC}" presName="root2" presStyleCnt="0"/>
       <dgm:spPr/>
     </dgm:pt>
-    <dgm:pt modelId="{0C332281-900B-440A-A110-24393A013274}" type="pres">
-      <dgm:prSet presAssocID="{37D75798-C063-4D43-885C-5C2CC101A97D}" presName="LevelTwoTextNode" presStyleLbl="node4" presStyleIdx="2" presStyleCnt="3" custLinFactNeighborY="67022">
+    <dgm:pt modelId="{C3E6BC3B-2DC5-4870-969C-B2329060F879}" type="pres">
+      <dgm:prSet presAssocID="{739615F7-2873-4130-A3A1-C55CABB2E1DC}" presName="LevelTwoTextNode" presStyleLbl="node3" presStyleIdx="2" presStyleCnt="3" custLinFactY="36891" custLinFactNeighborY="100000">
         <dgm:presLayoutVars>
           <dgm:chPref val="3"/>
         </dgm:presLayoutVars>
@@ -5143,8 +4701,8 @@
         </a:p>
       </dgm:t>
     </dgm:pt>
-    <dgm:pt modelId="{82F7D064-5981-448B-B332-2BDED2F3BF0F}" type="pres">
-      <dgm:prSet presAssocID="{37D75798-C063-4D43-885C-5C2CC101A97D}" presName="level3hierChild" presStyleCnt="0"/>
+    <dgm:pt modelId="{5BB51A01-E6B5-43BD-AECD-D3439844CAEE}" type="pres">
+      <dgm:prSet presAssocID="{739615F7-2873-4130-A3A1-C55CABB2E1DC}" presName="level3hierChild" presStyleCnt="0"/>
       <dgm:spPr/>
     </dgm:pt>
   </dgm:ptLst>
@@ -5164,14 +4722,14 @@
     <dgm:cxn modelId="{1D0566C3-EC95-4E82-90A1-EA6355428A4B}" srcId="{33878004-7D2A-4F72-BEDB-5D0AB58F15AC}" destId="{0DE1300D-B8D6-4E5D-8BB1-5FF9FB33BA69}" srcOrd="0" destOrd="0" parTransId="{E280C742-3EF7-4DE2-BF38-A10ACDC2E717}" sibTransId="{5D82EA0E-2D82-4639-AE71-2BD543EFDB8E}"/>
     <dgm:cxn modelId="{6669B669-282B-4E7B-8AE0-D68908E04390}" type="presOf" srcId="{B5357460-0FAD-40CA-BE82-980E0E8EA8E3}" destId="{8A5D712F-6AF2-4319-A6F5-A30D601300D8}" srcOrd="0" destOrd="0" presId="urn:microsoft.com/office/officeart/2008/layout/HorizontalMultiLevelHierarchy"/>
     <dgm:cxn modelId="{5D4B4996-4A2E-4C51-B64F-7FDCCC89DE12}" srcId="{01604493-B99B-4814-ACAE-EF4534CEEECF}" destId="{288FA272-D33C-42A0-B55D-AD213EADEFDF}" srcOrd="1" destOrd="0" parTransId="{A189FC59-214A-4E39-9093-65A387B4936B}" sibTransId="{B5342E36-C0BB-4FE0-B07B-31B3424ED9BB}"/>
-    <dgm:cxn modelId="{E77D710B-F8B8-45D7-BAB2-1342D44AC065}" srcId="{01604493-B99B-4814-ACAE-EF4534CEEECF}" destId="{37D75798-C063-4D43-885C-5C2CC101A97D}" srcOrd="2" destOrd="0" parTransId="{CA6F8972-6CD8-448C-A84D-8256297787F7}" sibTransId="{CC1562F8-A737-4EE3-AC8F-5672D16E32A7}"/>
+    <dgm:cxn modelId="{ECE64CD2-EFBD-455B-B80A-EDCE2051D642}" type="presOf" srcId="{739615F7-2873-4130-A3A1-C55CABB2E1DC}" destId="{C3E6BC3B-2DC5-4870-969C-B2329060F879}" srcOrd="0" destOrd="0" presId="urn:microsoft.com/office/officeart/2008/layout/HorizontalMultiLevelHierarchy"/>
+    <dgm:cxn modelId="{A6A45571-6E3A-4216-8180-69BF89EC9C8A}" type="presOf" srcId="{127A7142-7362-4443-B2EB-46E30603C64F}" destId="{18229FD2-10DE-484D-8950-3D45E780AAB5}" srcOrd="1" destOrd="0" presId="urn:microsoft.com/office/officeart/2008/layout/HorizontalMultiLevelHierarchy"/>
     <dgm:cxn modelId="{00B2F57F-905C-4422-8389-4E07D9BCDD71}" type="presOf" srcId="{E280C742-3EF7-4DE2-BF38-A10ACDC2E717}" destId="{B98BDEBC-A658-487D-8329-E93FD0E8C8C3}" srcOrd="1" destOrd="0" presId="urn:microsoft.com/office/officeart/2008/layout/HorizontalMultiLevelHierarchy"/>
-    <dgm:cxn modelId="{2EC4BC49-89C1-4350-A749-EA8783728A99}" type="presOf" srcId="{CA6F8972-6CD8-448C-A84D-8256297787F7}" destId="{3AA81311-4EAD-4E7A-8B3C-7384A0FA7427}" srcOrd="0" destOrd="0" presId="urn:microsoft.com/office/officeart/2008/layout/HorizontalMultiLevelHierarchy"/>
     <dgm:cxn modelId="{E4616368-5683-4700-AF8C-2278057B87C5}" type="presOf" srcId="{550A381F-40F0-4E05-ACCB-D1C9F5A5043C}" destId="{AAE69731-215B-45BC-8E15-2A6F1103ED7E}" srcOrd="0" destOrd="0" presId="urn:microsoft.com/office/officeart/2008/layout/HorizontalMultiLevelHierarchy"/>
     <dgm:cxn modelId="{8CE184D2-AC07-4E40-B3C3-3268B5CB0508}" type="presOf" srcId="{42AACD0A-5BFC-48B7-BF2F-7EFEB20806CE}" destId="{C9BB74AF-030F-4CA5-8A14-E9B74F3B9177}" srcOrd="0" destOrd="0" presId="urn:microsoft.com/office/officeart/2008/layout/HorizontalMultiLevelHierarchy"/>
-    <dgm:cxn modelId="{314A8241-8AF8-420B-BA0C-F12EE16D6B88}" type="presOf" srcId="{37D75798-C063-4D43-885C-5C2CC101A97D}" destId="{0C332281-900B-440A-A110-24393A013274}" srcOrd="0" destOrd="0" presId="urn:microsoft.com/office/officeart/2008/layout/HorizontalMultiLevelHierarchy"/>
     <dgm:cxn modelId="{73CD7F14-95E2-4465-9351-564F7691FF71}" type="presOf" srcId="{A0559AFC-F7C9-40A3-85C8-C1718708DC40}" destId="{5C94A537-F670-4876-9327-9280C8C56023}" srcOrd="0" destOrd="0" presId="urn:microsoft.com/office/officeart/2008/layout/HorizontalMultiLevelHierarchy"/>
-    <dgm:cxn modelId="{0631BD22-E350-44B5-8438-40140401DB35}" type="presOf" srcId="{CA6F8972-6CD8-448C-A84D-8256297787F7}" destId="{9B5EB736-E58D-42A3-9267-3AF2E5669002}" srcOrd="1" destOrd="0" presId="urn:microsoft.com/office/officeart/2008/layout/HorizontalMultiLevelHierarchy"/>
+    <dgm:cxn modelId="{E423EE00-9F77-4CBC-9B3F-C89AE81CD3E2}" type="presOf" srcId="{127A7142-7362-4443-B2EB-46E30603C64F}" destId="{E0F25E48-4F7F-466B-8845-58591156A353}" srcOrd="0" destOrd="0" presId="urn:microsoft.com/office/officeart/2008/layout/HorizontalMultiLevelHierarchy"/>
+    <dgm:cxn modelId="{09491770-EFB8-4B3A-8E31-5E2EA467C860}" srcId="{33878004-7D2A-4F72-BEDB-5D0AB58F15AC}" destId="{739615F7-2873-4130-A3A1-C55CABB2E1DC}" srcOrd="2" destOrd="0" parTransId="{127A7142-7362-4443-B2EB-46E30603C64F}" sibTransId="{EE391C23-2D86-46A2-BEE6-39BB2BC467CB}"/>
     <dgm:cxn modelId="{8637BEDC-C0D9-4ADA-9128-DCD7DFB547F4}" type="presOf" srcId="{A189FC59-214A-4E39-9093-65A387B4936B}" destId="{6201D176-D536-493A-BC18-D21C524F25EC}" srcOrd="1" destOrd="0" presId="urn:microsoft.com/office/officeart/2008/layout/HorizontalMultiLevelHierarchy"/>
     <dgm:cxn modelId="{05FFAAE0-ACF1-4E28-BBE7-4382418BCA57}" srcId="{B5357460-0FAD-40CA-BE82-980E0E8EA8E3}" destId="{E164911D-41C0-41AD-BFD4-B8091C9AE415}" srcOrd="0" destOrd="0" parTransId="{FDB7C482-9992-4BC0-B687-7A27B7C339BC}" sibTransId="{6D28B937-C89D-4738-A88B-D334CEA09F7A}"/>
     <dgm:cxn modelId="{0B594901-626F-4C7C-AB3F-CEFA6AE0090C}" srcId="{E164911D-41C0-41AD-BFD4-B8091C9AE415}" destId="{33878004-7D2A-4F72-BEDB-5D0AB58F15AC}" srcOrd="0" destOrd="0" parTransId="{A0559AFC-F7C9-40A3-85C8-C1718708DC40}" sibTransId="{D6D76CC0-6030-401B-97E8-CE355C4FBFC4}"/>
@@ -5204,11 +4762,11 @@
     <dgm:cxn modelId="{DCF58222-1892-467F-9F6D-D40909F4D184}" type="presParOf" srcId="{198F3445-A549-4F4A-973D-E3AAAA07CC9B}" destId="{9C07C691-057B-45C1-A609-3BBF78E72B5C}" srcOrd="3" destOrd="0" presId="urn:microsoft.com/office/officeart/2008/layout/HorizontalMultiLevelHierarchy"/>
     <dgm:cxn modelId="{F3AF05BF-CC22-4102-8755-DC3CF0A11156}" type="presParOf" srcId="{9C07C691-057B-45C1-A609-3BBF78E72B5C}" destId="{FC741111-6EF4-466E-8F40-92DF807AF77E}" srcOrd="0" destOrd="0" presId="urn:microsoft.com/office/officeart/2008/layout/HorizontalMultiLevelHierarchy"/>
     <dgm:cxn modelId="{365658A8-49F4-451D-9B17-8DBA94DDDC1E}" type="presParOf" srcId="{9C07C691-057B-45C1-A609-3BBF78E72B5C}" destId="{6BF9996F-6FE8-4A07-BF5D-122949DF3F08}" srcOrd="1" destOrd="0" presId="urn:microsoft.com/office/officeart/2008/layout/HorizontalMultiLevelHierarchy"/>
-    <dgm:cxn modelId="{799877FF-9E22-4B0A-A0C2-33AED953E646}" type="presParOf" srcId="{198F3445-A549-4F4A-973D-E3AAAA07CC9B}" destId="{3AA81311-4EAD-4E7A-8B3C-7384A0FA7427}" srcOrd="4" destOrd="0" presId="urn:microsoft.com/office/officeart/2008/layout/HorizontalMultiLevelHierarchy"/>
-    <dgm:cxn modelId="{7CD6AB66-13DC-49D4-AF00-9DCFA3EE3ABB}" type="presParOf" srcId="{3AA81311-4EAD-4E7A-8B3C-7384A0FA7427}" destId="{9B5EB736-E58D-42A3-9267-3AF2E5669002}" srcOrd="0" destOrd="0" presId="urn:microsoft.com/office/officeart/2008/layout/HorizontalMultiLevelHierarchy"/>
-    <dgm:cxn modelId="{8A014A88-7CF2-419C-864B-8BDDCCF4D993}" type="presParOf" srcId="{198F3445-A549-4F4A-973D-E3AAAA07CC9B}" destId="{D4EA5CC4-2527-40D0-9D98-C46C8ED3AFEA}" srcOrd="5" destOrd="0" presId="urn:microsoft.com/office/officeart/2008/layout/HorizontalMultiLevelHierarchy"/>
-    <dgm:cxn modelId="{75BFEA11-6EB9-47A7-BDA6-12ACEFC79071}" type="presParOf" srcId="{D4EA5CC4-2527-40D0-9D98-C46C8ED3AFEA}" destId="{0C332281-900B-440A-A110-24393A013274}" srcOrd="0" destOrd="0" presId="urn:microsoft.com/office/officeart/2008/layout/HorizontalMultiLevelHierarchy"/>
-    <dgm:cxn modelId="{AB505495-9274-4DB1-AED3-495DF496B267}" type="presParOf" srcId="{D4EA5CC4-2527-40D0-9D98-C46C8ED3AFEA}" destId="{82F7D064-5981-448B-B332-2BDED2F3BF0F}" srcOrd="1" destOrd="0" presId="urn:microsoft.com/office/officeart/2008/layout/HorizontalMultiLevelHierarchy"/>
+    <dgm:cxn modelId="{ACFD84CF-883B-4F7E-9AD0-AC2965424BFF}" type="presParOf" srcId="{E74F55B6-9477-45DF-AC5A-F4A1CB999028}" destId="{E0F25E48-4F7F-466B-8845-58591156A353}" srcOrd="4" destOrd="0" presId="urn:microsoft.com/office/officeart/2008/layout/HorizontalMultiLevelHierarchy"/>
+    <dgm:cxn modelId="{2614380E-2D74-4319-A514-EFB61110601A}" type="presParOf" srcId="{E0F25E48-4F7F-466B-8845-58591156A353}" destId="{18229FD2-10DE-484D-8950-3D45E780AAB5}" srcOrd="0" destOrd="0" presId="urn:microsoft.com/office/officeart/2008/layout/HorizontalMultiLevelHierarchy"/>
+    <dgm:cxn modelId="{27C7924E-913F-46F1-8B6F-1066E0EE36C1}" type="presParOf" srcId="{E74F55B6-9477-45DF-AC5A-F4A1CB999028}" destId="{284555E6-32C3-4FFA-804E-24DFAAAF112B}" srcOrd="5" destOrd="0" presId="urn:microsoft.com/office/officeart/2008/layout/HorizontalMultiLevelHierarchy"/>
+    <dgm:cxn modelId="{AB1C28DE-05A3-46E4-B4DC-A5F979F7C2E4}" type="presParOf" srcId="{284555E6-32C3-4FFA-804E-24DFAAAF112B}" destId="{C3E6BC3B-2DC5-4870-969C-B2329060F879}" srcOrd="0" destOrd="0" presId="urn:microsoft.com/office/officeart/2008/layout/HorizontalMultiLevelHierarchy"/>
+    <dgm:cxn modelId="{5D467085-566D-4478-84AE-4A56F52CA328}" type="presParOf" srcId="{284555E6-32C3-4FFA-804E-24DFAAAF112B}" destId="{5BB51A01-E6B5-43BD-AECD-D3439844CAEE}" srcOrd="1" destOrd="0" presId="urn:microsoft.com/office/officeart/2008/layout/HorizontalMultiLevelHierarchy"/>
   </dgm:cxnLst>
   <dgm:bg/>
   <dgm:whole/>
@@ -5228,15 +4786,15 @@
       <dsp:cNvGrpSpPr/>
     </dsp:nvGrpSpPr>
     <dsp:grpSpPr/>
-    <dsp:sp modelId="{3AA81311-4EAD-4E7A-8B3C-7384A0FA7427}">
+    <dsp:sp modelId="{9E124E1E-0161-4AC1-87EC-B09B2F219B0F}">
       <dsp:nvSpPr>
         <dsp:cNvPr id="0" name=""/>
         <dsp:cNvSpPr/>
       </dsp:nvSpPr>
       <dsp:spPr>
         <a:xfrm>
-          <a:off x="5534906" y="3504743"/>
-          <a:ext cx="408926" cy="551353"/>
+          <a:off x="3081345" y="2304256"/>
+          <a:ext cx="408926" cy="744153"/>
         </a:xfrm>
         <a:custGeom>
           <a:avLst/>
@@ -5253,10 +4811,178 @@
                 <a:pt x="204463" y="0"/>
               </a:lnTo>
               <a:lnTo>
-                <a:pt x="204463" y="551353"/>
+                <a:pt x="204463" y="744153"/>
               </a:lnTo>
               <a:lnTo>
-                <a:pt x="408926" y="551353"/>
+                <a:pt x="408926" y="744153"/>
+              </a:lnTo>
+            </a:path>
+          </a:pathLst>
+        </a:custGeom>
+        <a:noFill/>
+        <a:ln w="9525" cap="flat" cmpd="sng" algn="ctr">
+          <a:solidFill>
+            <a:schemeClr val="accent3">
+              <a:hueOff val="0"/>
+              <a:satOff val="0"/>
+              <a:lumOff val="0"/>
+              <a:alphaOff val="0"/>
+            </a:schemeClr>
+          </a:solidFill>
+          <a:prstDash val="solid"/>
+        </a:ln>
+        <a:effectLst/>
+      </dsp:spPr>
+      <dsp:style>
+        <a:lnRef idx="1">
+          <a:scrgbClr r="0" g="0" b="0"/>
+        </a:lnRef>
+        <a:fillRef idx="0">
+          <a:scrgbClr r="0" g="0" b="0"/>
+        </a:fillRef>
+        <a:effectRef idx="0">
+          <a:scrgbClr r="0" g="0" b="0"/>
+        </a:effectRef>
+        <a:fontRef idx="minor"/>
+      </dsp:style>
+      <dsp:txBody>
+        <a:bodyPr spcFirstLastPara="0" vert="horz" wrap="square" lIns="12700" tIns="0" rIns="12700" bIns="0" numCol="1" spcCol="1270" anchor="ctr" anchorCtr="0">
+          <a:noAutofit/>
+        </a:bodyPr>
+        <a:lstStyle/>
+        <a:p>
+          <a:pPr lvl="0" algn="ctr" defTabSz="222250">
+            <a:lnSpc>
+              <a:spcPct val="90000"/>
+            </a:lnSpc>
+            <a:spcBef>
+              <a:spcPct val="0"/>
+            </a:spcBef>
+            <a:spcAft>
+              <a:spcPct val="35000"/>
+            </a:spcAft>
+          </a:pPr>
+          <a:endParaRPr kumimoji="1" lang="ja-JP" altLang="en-US" sz="500" kern="1200"/>
+        </a:p>
+      </dsp:txBody>
+      <dsp:txXfrm>
+        <a:off x="3264581" y="2655105"/>
+        <a:ext cx="42455" cy="42455"/>
+      </dsp:txXfrm>
+    </dsp:sp>
+    <dsp:sp modelId="{F44B948E-6B8D-4933-A9BA-0DE12B5F79DC}">
+      <dsp:nvSpPr>
+        <dsp:cNvPr id="0" name=""/>
+        <dsp:cNvSpPr/>
+      </dsp:nvSpPr>
+      <dsp:spPr>
+        <a:xfrm>
+          <a:off x="3081345" y="2183466"/>
+          <a:ext cx="408926" cy="120789"/>
+        </a:xfrm>
+        <a:custGeom>
+          <a:avLst/>
+          <a:gdLst/>
+          <a:ahLst/>
+          <a:cxnLst/>
+          <a:rect l="0" t="0" r="0" b="0"/>
+          <a:pathLst>
+            <a:path>
+              <a:moveTo>
+                <a:pt x="0" y="120789"/>
+              </a:moveTo>
+              <a:lnTo>
+                <a:pt x="204463" y="120789"/>
+              </a:lnTo>
+              <a:lnTo>
+                <a:pt x="204463" y="0"/>
+              </a:lnTo>
+              <a:lnTo>
+                <a:pt x="408926" y="0"/>
+              </a:lnTo>
+            </a:path>
+          </a:pathLst>
+        </a:custGeom>
+        <a:noFill/>
+        <a:ln w="9525" cap="flat" cmpd="sng" algn="ctr">
+          <a:solidFill>
+            <a:schemeClr val="accent3">
+              <a:hueOff val="0"/>
+              <a:satOff val="0"/>
+              <a:lumOff val="0"/>
+              <a:alphaOff val="0"/>
+            </a:schemeClr>
+          </a:solidFill>
+          <a:prstDash val="solid"/>
+        </a:ln>
+        <a:effectLst/>
+      </dsp:spPr>
+      <dsp:style>
+        <a:lnRef idx="1">
+          <a:scrgbClr r="0" g="0" b="0"/>
+        </a:lnRef>
+        <a:fillRef idx="0">
+          <a:scrgbClr r="0" g="0" b="0"/>
+        </a:fillRef>
+        <a:effectRef idx="0">
+          <a:scrgbClr r="0" g="0" b="0"/>
+        </a:effectRef>
+        <a:fontRef idx="minor"/>
+      </dsp:style>
+      <dsp:txBody>
+        <a:bodyPr spcFirstLastPara="0" vert="horz" wrap="square" lIns="12700" tIns="0" rIns="12700" bIns="0" numCol="1" spcCol="1270" anchor="ctr" anchorCtr="0">
+          <a:noAutofit/>
+        </a:bodyPr>
+        <a:lstStyle/>
+        <a:p>
+          <a:pPr lvl="0" algn="ctr" defTabSz="222250">
+            <a:lnSpc>
+              <a:spcPct val="90000"/>
+            </a:lnSpc>
+            <a:spcBef>
+              <a:spcPct val="0"/>
+            </a:spcBef>
+            <a:spcAft>
+              <a:spcPct val="35000"/>
+            </a:spcAft>
+          </a:pPr>
+          <a:endParaRPr kumimoji="1" lang="ja-JP" altLang="en-US" sz="500" kern="1200"/>
+        </a:p>
+      </dsp:txBody>
+      <dsp:txXfrm>
+        <a:off x="3275148" y="2233201"/>
+        <a:ext cx="21319" cy="21319"/>
+      </dsp:txXfrm>
+    </dsp:sp>
+    <dsp:sp modelId="{57A82C26-D586-4679-BA3B-6FBBDEA55392}">
+      <dsp:nvSpPr>
+        <dsp:cNvPr id="0" name=""/>
+        <dsp:cNvSpPr/>
+      </dsp:nvSpPr>
+      <dsp:spPr>
+        <a:xfrm>
+          <a:off x="5534906" y="1274069"/>
+          <a:ext cx="408926" cy="91440"/>
+        </a:xfrm>
+        <a:custGeom>
+          <a:avLst/>
+          <a:gdLst/>
+          <a:ahLst/>
+          <a:cxnLst/>
+          <a:rect l="0" t="0" r="0" b="0"/>
+          <a:pathLst>
+            <a:path>
+              <a:moveTo>
+                <a:pt x="0" y="45720"/>
+              </a:moveTo>
+              <a:lnTo>
+                <a:pt x="204463" y="45720"/>
+              </a:lnTo>
+              <a:lnTo>
+                <a:pt x="204463" y="88171"/>
+              </a:lnTo>
+              <a:lnTo>
+                <a:pt x="408926" y="88171"/>
               </a:lnTo>
             </a:path>
           </a:pathLst>
@@ -5308,428 +5034,8 @@
         </a:p>
       </dsp:txBody>
       <dsp:txXfrm>
-        <a:off x="5722209" y="3763258"/>
-        <a:ext cx="34322" cy="34322"/>
-      </dsp:txXfrm>
-    </dsp:sp>
-    <dsp:sp modelId="{CAFDD6AC-A606-4FAE-8432-AB1EBCF58CDA}">
-      <dsp:nvSpPr>
-        <dsp:cNvPr id="0" name=""/>
-        <dsp:cNvSpPr/>
-      </dsp:nvSpPr>
-      <dsp:spPr>
-        <a:xfrm>
-          <a:off x="5534906" y="3000684"/>
-          <a:ext cx="408926" cy="504058"/>
-        </a:xfrm>
-        <a:custGeom>
-          <a:avLst/>
-          <a:gdLst/>
-          <a:ahLst/>
-          <a:cxnLst/>
-          <a:rect l="0" t="0" r="0" b="0"/>
-          <a:pathLst>
-            <a:path>
-              <a:moveTo>
-                <a:pt x="0" y="504058"/>
-              </a:moveTo>
-              <a:lnTo>
-                <a:pt x="204463" y="504058"/>
-              </a:lnTo>
-              <a:lnTo>
-                <a:pt x="204463" y="0"/>
-              </a:lnTo>
-              <a:lnTo>
-                <a:pt x="408926" y="0"/>
-              </a:lnTo>
-            </a:path>
-          </a:pathLst>
-        </a:custGeom>
-        <a:noFill/>
-        <a:ln w="9525" cap="flat" cmpd="sng" algn="ctr">
-          <a:solidFill>
-            <a:schemeClr val="accent4">
-              <a:hueOff val="0"/>
-              <a:satOff val="0"/>
-              <a:lumOff val="0"/>
-              <a:alphaOff val="0"/>
-            </a:schemeClr>
-          </a:solidFill>
-          <a:prstDash val="solid"/>
-        </a:ln>
-        <a:effectLst/>
-      </dsp:spPr>
-      <dsp:style>
-        <a:lnRef idx="1">
-          <a:scrgbClr r="0" g="0" b="0"/>
-        </a:lnRef>
-        <a:fillRef idx="0">
-          <a:scrgbClr r="0" g="0" b="0"/>
-        </a:fillRef>
-        <a:effectRef idx="0">
-          <a:scrgbClr r="0" g="0" b="0"/>
-        </a:effectRef>
-        <a:fontRef idx="minor"/>
-      </dsp:style>
-      <dsp:txBody>
-        <a:bodyPr spcFirstLastPara="0" vert="horz" wrap="square" lIns="12700" tIns="0" rIns="12700" bIns="0" numCol="1" spcCol="1270" anchor="ctr" anchorCtr="0">
-          <a:noAutofit/>
-        </a:bodyPr>
-        <a:lstStyle/>
-        <a:p>
-          <a:pPr lvl="0" algn="ctr" defTabSz="222250">
-            <a:lnSpc>
-              <a:spcPct val="90000"/>
-            </a:lnSpc>
-            <a:spcBef>
-              <a:spcPct val="0"/>
-            </a:spcBef>
-            <a:spcAft>
-              <a:spcPct val="35000"/>
-            </a:spcAft>
-          </a:pPr>
-          <a:endParaRPr kumimoji="1" lang="ja-JP" altLang="en-US" sz="500" kern="1200"/>
-        </a:p>
-      </dsp:txBody>
-      <dsp:txXfrm>
-        <a:off x="5723143" y="3236487"/>
-        <a:ext cx="32453" cy="32453"/>
-      </dsp:txXfrm>
-    </dsp:sp>
-    <dsp:sp modelId="{9E124E1E-0161-4AC1-87EC-B09B2F219B0F}">
-      <dsp:nvSpPr>
-        <dsp:cNvPr id="0" name=""/>
-        <dsp:cNvSpPr/>
-      </dsp:nvSpPr>
-      <dsp:spPr>
-        <a:xfrm>
-          <a:off x="3081345" y="2304256"/>
-          <a:ext cx="408926" cy="1200487"/>
-        </a:xfrm>
-        <a:custGeom>
-          <a:avLst/>
-          <a:gdLst/>
-          <a:ahLst/>
-          <a:cxnLst/>
-          <a:rect l="0" t="0" r="0" b="0"/>
-          <a:pathLst>
-            <a:path>
-              <a:moveTo>
-                <a:pt x="0" y="0"/>
-              </a:moveTo>
-              <a:lnTo>
-                <a:pt x="204463" y="0"/>
-              </a:lnTo>
-              <a:lnTo>
-                <a:pt x="204463" y="1200487"/>
-              </a:lnTo>
-              <a:lnTo>
-                <a:pt x="408926" y="1200487"/>
-              </a:lnTo>
-            </a:path>
-          </a:pathLst>
-        </a:custGeom>
-        <a:noFill/>
-        <a:ln w="9525" cap="flat" cmpd="sng" algn="ctr">
-          <a:solidFill>
-            <a:schemeClr val="accent3">
-              <a:hueOff val="0"/>
-              <a:satOff val="0"/>
-              <a:lumOff val="0"/>
-              <a:alphaOff val="0"/>
-            </a:schemeClr>
-          </a:solidFill>
-          <a:prstDash val="solid"/>
-        </a:ln>
-        <a:effectLst/>
-      </dsp:spPr>
-      <dsp:style>
-        <a:lnRef idx="1">
-          <a:scrgbClr r="0" g="0" b="0"/>
-        </a:lnRef>
-        <a:fillRef idx="0">
-          <a:scrgbClr r="0" g="0" b="0"/>
-        </a:fillRef>
-        <a:effectRef idx="0">
-          <a:scrgbClr r="0" g="0" b="0"/>
-        </a:effectRef>
-        <a:fontRef idx="minor"/>
-      </dsp:style>
-      <dsp:txBody>
-        <a:bodyPr spcFirstLastPara="0" vert="horz" wrap="square" lIns="12700" tIns="0" rIns="12700" bIns="0" numCol="1" spcCol="1270" anchor="ctr" anchorCtr="0">
-          <a:noAutofit/>
-        </a:bodyPr>
-        <a:lstStyle/>
-        <a:p>
-          <a:pPr lvl="0" algn="ctr" defTabSz="222250">
-            <a:lnSpc>
-              <a:spcPct val="90000"/>
-            </a:lnSpc>
-            <a:spcBef>
-              <a:spcPct val="0"/>
-            </a:spcBef>
-            <a:spcAft>
-              <a:spcPct val="35000"/>
-            </a:spcAft>
-          </a:pPr>
-          <a:endParaRPr kumimoji="1" lang="ja-JP" altLang="en-US" sz="500" kern="1200"/>
-        </a:p>
-      </dsp:txBody>
-      <dsp:txXfrm>
-        <a:off x="3254103" y="2872794"/>
-        <a:ext cx="63411" cy="63411"/>
-      </dsp:txXfrm>
-    </dsp:sp>
-    <dsp:sp modelId="{9B45779C-50BD-4C77-BAF4-2333FF7055C2}">
-      <dsp:nvSpPr>
-        <dsp:cNvPr id="0" name=""/>
-        <dsp:cNvSpPr/>
-      </dsp:nvSpPr>
-      <dsp:spPr>
-        <a:xfrm>
-          <a:off x="3081345" y="2304256"/>
-          <a:ext cx="408926" cy="120365"/>
-        </a:xfrm>
-        <a:custGeom>
-          <a:avLst/>
-          <a:gdLst/>
-          <a:ahLst/>
-          <a:cxnLst/>
-          <a:rect l="0" t="0" r="0" b="0"/>
-          <a:pathLst>
-            <a:path>
-              <a:moveTo>
-                <a:pt x="0" y="0"/>
-              </a:moveTo>
-              <a:lnTo>
-                <a:pt x="204463" y="0"/>
-              </a:lnTo>
-              <a:lnTo>
-                <a:pt x="204463" y="120365"/>
-              </a:lnTo>
-              <a:lnTo>
-                <a:pt x="408926" y="120365"/>
-              </a:lnTo>
-            </a:path>
-          </a:pathLst>
-        </a:custGeom>
-        <a:noFill/>
-        <a:ln w="9525" cap="flat" cmpd="sng" algn="ctr">
-          <a:solidFill>
-            <a:schemeClr val="accent3">
-              <a:hueOff val="0"/>
-              <a:satOff val="0"/>
-              <a:lumOff val="0"/>
-              <a:alphaOff val="0"/>
-            </a:schemeClr>
-          </a:solidFill>
-          <a:prstDash val="solid"/>
-        </a:ln>
-        <a:effectLst/>
-      </dsp:spPr>
-      <dsp:style>
-        <a:lnRef idx="1">
-          <a:scrgbClr r="0" g="0" b="0"/>
-        </a:lnRef>
-        <a:fillRef idx="0">
-          <a:scrgbClr r="0" g="0" b="0"/>
-        </a:fillRef>
-        <a:effectRef idx="0">
-          <a:scrgbClr r="0" g="0" b="0"/>
-        </a:effectRef>
-        <a:fontRef idx="minor"/>
-      </dsp:style>
-      <dsp:txBody>
-        <a:bodyPr spcFirstLastPara="0" vert="horz" wrap="square" lIns="12700" tIns="0" rIns="12700" bIns="0" numCol="1" spcCol="1270" anchor="ctr" anchorCtr="0">
-          <a:noAutofit/>
-        </a:bodyPr>
-        <a:lstStyle/>
-        <a:p>
-          <a:pPr lvl="0" algn="ctr" defTabSz="222250">
-            <a:lnSpc>
-              <a:spcPct val="90000"/>
-            </a:lnSpc>
-            <a:spcBef>
-              <a:spcPct val="0"/>
-            </a:spcBef>
-            <a:spcAft>
-              <a:spcPct val="35000"/>
-            </a:spcAft>
-          </a:pPr>
-          <a:endParaRPr kumimoji="1" lang="ja-JP" altLang="en-US" sz="500" kern="1200"/>
-        </a:p>
-      </dsp:txBody>
-      <dsp:txXfrm>
-        <a:off x="3275151" y="2353781"/>
-        <a:ext cx="21313" cy="21313"/>
-      </dsp:txXfrm>
-    </dsp:sp>
-    <dsp:sp modelId="{75F7EA50-5461-4C5F-B3C1-E65EB6F9B1E6}">
-      <dsp:nvSpPr>
-        <dsp:cNvPr id="0" name=""/>
-        <dsp:cNvSpPr/>
-      </dsp:nvSpPr>
-      <dsp:spPr>
-        <a:xfrm>
-          <a:off x="5534906" y="1319789"/>
-          <a:ext cx="408926" cy="432053"/>
-        </a:xfrm>
-        <a:custGeom>
-          <a:avLst/>
-          <a:gdLst/>
-          <a:ahLst/>
-          <a:cxnLst/>
-          <a:rect l="0" t="0" r="0" b="0"/>
-          <a:pathLst>
-            <a:path>
-              <a:moveTo>
-                <a:pt x="0" y="0"/>
-              </a:moveTo>
-              <a:lnTo>
-                <a:pt x="204463" y="0"/>
-              </a:lnTo>
-              <a:lnTo>
-                <a:pt x="204463" y="432053"/>
-              </a:lnTo>
-              <a:lnTo>
-                <a:pt x="408926" y="432053"/>
-              </a:lnTo>
-            </a:path>
-          </a:pathLst>
-        </a:custGeom>
-        <a:noFill/>
-        <a:ln w="9525" cap="flat" cmpd="sng" algn="ctr">
-          <a:solidFill>
-            <a:schemeClr val="accent4">
-              <a:hueOff val="0"/>
-              <a:satOff val="0"/>
-              <a:lumOff val="0"/>
-              <a:alphaOff val="0"/>
-            </a:schemeClr>
-          </a:solidFill>
-          <a:prstDash val="solid"/>
-        </a:ln>
-        <a:effectLst/>
-      </dsp:spPr>
-      <dsp:style>
-        <a:lnRef idx="1">
-          <a:scrgbClr r="0" g="0" b="0"/>
-        </a:lnRef>
-        <a:fillRef idx="0">
-          <a:scrgbClr r="0" g="0" b="0"/>
-        </a:fillRef>
-        <a:effectRef idx="0">
-          <a:scrgbClr r="0" g="0" b="0"/>
-        </a:effectRef>
-        <a:fontRef idx="minor"/>
-      </dsp:style>
-      <dsp:txBody>
-        <a:bodyPr spcFirstLastPara="0" vert="horz" wrap="square" lIns="12700" tIns="0" rIns="12700" bIns="0" numCol="1" spcCol="1270" anchor="ctr" anchorCtr="0">
-          <a:noAutofit/>
-        </a:bodyPr>
-        <a:lstStyle/>
-        <a:p>
-          <a:pPr lvl="0" algn="ctr" defTabSz="222250">
-            <a:lnSpc>
-              <a:spcPct val="90000"/>
-            </a:lnSpc>
-            <a:spcBef>
-              <a:spcPct val="0"/>
-            </a:spcBef>
-            <a:spcAft>
-              <a:spcPct val="35000"/>
-            </a:spcAft>
-          </a:pPr>
-          <a:endParaRPr kumimoji="1" lang="ja-JP" altLang="en-US" sz="500" kern="1200"/>
-        </a:p>
-      </dsp:txBody>
-      <dsp:txXfrm>
-        <a:off x="5724498" y="1520943"/>
-        <a:ext cx="29744" cy="29744"/>
-      </dsp:txXfrm>
-    </dsp:sp>
-    <dsp:sp modelId="{F44B948E-6B8D-4933-A9BA-0DE12B5F79DC}">
-      <dsp:nvSpPr>
-        <dsp:cNvPr id="0" name=""/>
-        <dsp:cNvSpPr/>
-      </dsp:nvSpPr>
-      <dsp:spPr>
-        <a:xfrm>
-          <a:off x="5534906" y="840447"/>
-          <a:ext cx="408926" cy="479342"/>
-        </a:xfrm>
-        <a:custGeom>
-          <a:avLst/>
-          <a:gdLst/>
-          <a:ahLst/>
-          <a:cxnLst/>
-          <a:rect l="0" t="0" r="0" b="0"/>
-          <a:pathLst>
-            <a:path>
-              <a:moveTo>
-                <a:pt x="0" y="479342"/>
-              </a:moveTo>
-              <a:lnTo>
-                <a:pt x="204463" y="479342"/>
-              </a:lnTo>
-              <a:lnTo>
-                <a:pt x="204463" y="0"/>
-              </a:lnTo>
-              <a:lnTo>
-                <a:pt x="408926" y="0"/>
-              </a:lnTo>
-            </a:path>
-          </a:pathLst>
-        </a:custGeom>
-        <a:noFill/>
-        <a:ln w="9525" cap="flat" cmpd="sng" algn="ctr">
-          <a:solidFill>
-            <a:schemeClr val="accent4">
-              <a:hueOff val="0"/>
-              <a:satOff val="0"/>
-              <a:lumOff val="0"/>
-              <a:alphaOff val="0"/>
-            </a:schemeClr>
-          </a:solidFill>
-          <a:prstDash val="solid"/>
-        </a:ln>
-        <a:effectLst/>
-      </dsp:spPr>
-      <dsp:style>
-        <a:lnRef idx="1">
-          <a:scrgbClr r="0" g="0" b="0"/>
-        </a:lnRef>
-        <a:fillRef idx="0">
-          <a:scrgbClr r="0" g="0" b="0"/>
-        </a:fillRef>
-        <a:effectRef idx="0">
-          <a:scrgbClr r="0" g="0" b="0"/>
-        </a:effectRef>
-        <a:fontRef idx="minor"/>
-      </dsp:style>
-      <dsp:txBody>
-        <a:bodyPr spcFirstLastPara="0" vert="horz" wrap="square" lIns="12700" tIns="0" rIns="12700" bIns="0" numCol="1" spcCol="1270" anchor="ctr" anchorCtr="0">
-          <a:noAutofit/>
-        </a:bodyPr>
-        <a:lstStyle/>
-        <a:p>
-          <a:pPr lvl="0" algn="ctr" defTabSz="222250">
-            <a:lnSpc>
-              <a:spcPct val="90000"/>
-            </a:lnSpc>
-            <a:spcBef>
-              <a:spcPct val="0"/>
-            </a:spcBef>
-            <a:spcAft>
-              <a:spcPct val="35000"/>
-            </a:spcAft>
-          </a:pPr>
-          <a:endParaRPr kumimoji="1" lang="ja-JP" altLang="en-US" sz="500" kern="1200"/>
-        </a:p>
-      </dsp:txBody>
-      <dsp:txXfrm>
-        <a:off x="5723618" y="1064366"/>
-        <a:ext cx="31503" cy="31503"/>
+        <a:off x="5729092" y="1309511"/>
+        <a:ext cx="20556" cy="20556"/>
       </dsp:txXfrm>
     </dsp:sp>
     <dsp:sp modelId="{C9B6AA4F-3B14-43B1-86AC-5C1E9D1ED055}">
@@ -6236,14 +5542,14 @@
         <a:ext cx="2044634" cy="623364"/>
       </dsp:txXfrm>
     </dsp:sp>
-    <dsp:sp modelId="{BAD0047E-DA1C-4857-B10D-B244CD2D3195}">
+    <dsp:sp modelId="{A67CDDF1-D9C9-41DA-B2A5-6F17BBC650C5}">
       <dsp:nvSpPr>
         <dsp:cNvPr id="0" name=""/>
         <dsp:cNvSpPr/>
       </dsp:nvSpPr>
       <dsp:spPr>
         <a:xfrm>
-          <a:off x="5943833" y="528764"/>
+          <a:off x="5943833" y="1050558"/>
           <a:ext cx="2044634" cy="623364"/>
         </a:xfrm>
         <a:prstGeom prst="rect">
@@ -6339,139 +5645,25 @@
             </a:spcAft>
           </a:pPr>
           <a:r>
-            <a:rPr kumimoji="1" lang="ja-JP" altLang="en-US" sz="1800" kern="1200" dirty="0" smtClean="0"/>
-            <a:t>月報申請</a:t>
+            <a:rPr kumimoji="1" lang="ja-JP" altLang="en-US" sz="1800" kern="1200" smtClean="0"/>
+            <a:t>月報申請修正</a:t>
           </a:r>
           <a:endParaRPr kumimoji="1" lang="ja-JP" altLang="en-US" sz="1800" kern="1200" dirty="0"/>
         </a:p>
       </dsp:txBody>
       <dsp:txXfrm>
-        <a:off x="5943833" y="528764"/>
+        <a:off x="5943833" y="1050558"/>
         <a:ext cx="2044634" cy="623364"/>
       </dsp:txXfrm>
     </dsp:sp>
-    <dsp:sp modelId="{CE7767F5-4DAA-4548-9712-A2BED33CD18E}">
+    <dsp:sp modelId="{BAD0047E-DA1C-4857-B10D-B244CD2D3195}">
       <dsp:nvSpPr>
         <dsp:cNvPr id="0" name=""/>
         <dsp:cNvSpPr/>
       </dsp:nvSpPr>
       <dsp:spPr>
         <a:xfrm>
-          <a:off x="5943833" y="1440160"/>
-          <a:ext cx="2044634" cy="623364"/>
-        </a:xfrm>
-        <a:prstGeom prst="rect">
-          <a:avLst/>
-        </a:prstGeom>
-        <a:gradFill rotWithShape="0">
-          <a:gsLst>
-            <a:gs pos="0">
-              <a:schemeClr val="accent4">
-                <a:hueOff val="0"/>
-                <a:satOff val="0"/>
-                <a:lumOff val="0"/>
-                <a:alphaOff val="0"/>
-                <a:shade val="15000"/>
-                <a:satMod val="180000"/>
-              </a:schemeClr>
-            </a:gs>
-            <a:gs pos="50000">
-              <a:schemeClr val="accent4">
-                <a:hueOff val="0"/>
-                <a:satOff val="0"/>
-                <a:lumOff val="0"/>
-                <a:alphaOff val="0"/>
-                <a:shade val="45000"/>
-                <a:satMod val="170000"/>
-              </a:schemeClr>
-            </a:gs>
-            <a:gs pos="70000">
-              <a:schemeClr val="accent4">
-                <a:hueOff val="0"/>
-                <a:satOff val="0"/>
-                <a:lumOff val="0"/>
-                <a:alphaOff val="0"/>
-                <a:tint val="99000"/>
-                <a:shade val="65000"/>
-                <a:satMod val="155000"/>
-              </a:schemeClr>
-            </a:gs>
-            <a:gs pos="100000">
-              <a:schemeClr val="accent4">
-                <a:hueOff val="0"/>
-                <a:satOff val="0"/>
-                <a:lumOff val="0"/>
-                <a:alphaOff val="0"/>
-                <a:tint val="95500"/>
-                <a:shade val="100000"/>
-                <a:satMod val="155000"/>
-              </a:schemeClr>
-            </a:gs>
-          </a:gsLst>
-          <a:lin ang="16200000" scaled="0"/>
-        </a:gradFill>
-        <a:ln>
-          <a:noFill/>
-        </a:ln>
-        <a:effectLst>
-          <a:outerShdw blurRad="50800" dist="38100" dir="5400000" rotWithShape="0">
-            <a:srgbClr val="000000">
-              <a:alpha val="35000"/>
-            </a:srgbClr>
-          </a:outerShdw>
-        </a:effectLst>
-      </dsp:spPr>
-      <dsp:style>
-        <a:lnRef idx="0">
-          <a:scrgbClr r="0" g="0" b="0"/>
-        </a:lnRef>
-        <a:fillRef idx="3">
-          <a:scrgbClr r="0" g="0" b="0"/>
-        </a:fillRef>
-        <a:effectRef idx="2">
-          <a:scrgbClr r="0" g="0" b="0"/>
-        </a:effectRef>
-        <a:fontRef idx="minor">
-          <a:schemeClr val="lt1"/>
-        </a:fontRef>
-      </dsp:style>
-      <dsp:txBody>
-        <a:bodyPr spcFirstLastPara="0" vert="horz" wrap="square" lIns="12700" tIns="12700" rIns="12700" bIns="12700" numCol="1" spcCol="1270" anchor="ctr" anchorCtr="0">
-          <a:noAutofit/>
-        </a:bodyPr>
-        <a:lstStyle/>
-        <a:p>
-          <a:pPr lvl="0" algn="ctr" defTabSz="889000">
-            <a:lnSpc>
-              <a:spcPct val="90000"/>
-            </a:lnSpc>
-            <a:spcBef>
-              <a:spcPct val="0"/>
-            </a:spcBef>
-            <a:spcAft>
-              <a:spcPct val="35000"/>
-            </a:spcAft>
-          </a:pPr>
-          <a:r>
-            <a:rPr kumimoji="1" lang="ja-JP" altLang="en-US" sz="2000" kern="1200" dirty="0" smtClean="0"/>
-            <a:t>月報申請修正</a:t>
-          </a:r>
-          <a:endParaRPr kumimoji="1" lang="ja-JP" altLang="en-US" sz="2000" kern="1200" dirty="0"/>
-        </a:p>
-      </dsp:txBody>
-      <dsp:txXfrm>
-        <a:off x="5943833" y="1440160"/>
-        <a:ext cx="2044634" cy="623364"/>
-      </dsp:txXfrm>
-    </dsp:sp>
-    <dsp:sp modelId="{F6366B08-ABCF-4A2F-BE30-7D93361E845B}">
-      <dsp:nvSpPr>
-        <dsp:cNvPr id="0" name=""/>
-        <dsp:cNvSpPr/>
-      </dsp:nvSpPr>
-      <dsp:spPr>
-        <a:xfrm>
-          <a:off x="3490272" y="2112939"/>
+          <a:off x="3490272" y="1871784"/>
           <a:ext cx="2044634" cy="623364"/>
         </a:xfrm>
         <a:prstGeom prst="rect">
@@ -6568,13 +5760,13 @@
           </a:pPr>
           <a:r>
             <a:rPr kumimoji="1" lang="ja-JP" altLang="en-US" sz="1800" kern="1200" dirty="0" smtClean="0"/>
-            <a:t>月報一覧</a:t>
+            <a:t>月報申請</a:t>
           </a:r>
           <a:endParaRPr kumimoji="1" lang="ja-JP" altLang="en-US" sz="1800" kern="1200" dirty="0"/>
         </a:p>
       </dsp:txBody>
       <dsp:txXfrm>
-        <a:off x="3490272" y="2112939"/>
+        <a:off x="3490272" y="1871784"/>
         <a:ext cx="2044634" cy="623364"/>
       </dsp:txXfrm>
     </dsp:sp>
@@ -6585,7 +5777,7 @@
       </dsp:nvSpPr>
       <dsp:spPr>
         <a:xfrm>
-          <a:off x="3490272" y="3193061"/>
+          <a:off x="3490272" y="2736727"/>
           <a:ext cx="2044634" cy="623364"/>
         </a:xfrm>
         <a:prstGeom prst="rect">
@@ -6682,241 +5874,17 @@
           </a:pPr>
           <a:r>
             <a:rPr kumimoji="1" lang="ja-JP" altLang="en-US" sz="1800" kern="1200" dirty="0" smtClean="0"/>
-            <a:t>ユーザ一覧</a:t>
+            <a:t>利用者情報</a:t>
+          </a:r>
+          <a:r>
+            <a:rPr kumimoji="1" lang="ja-JP" altLang="en-US" sz="1800" kern="1200" dirty="0" smtClean="0"/>
+            <a:t>変更</a:t>
           </a:r>
           <a:endParaRPr kumimoji="1" lang="ja-JP" altLang="en-US" sz="1800" kern="1200" dirty="0"/>
         </a:p>
       </dsp:txBody>
       <dsp:txXfrm>
-        <a:off x="3490272" y="3193061"/>
-        <a:ext cx="2044634" cy="623364"/>
-      </dsp:txXfrm>
-    </dsp:sp>
-    <dsp:sp modelId="{9668374C-339A-4CB7-9E78-1AAA20598985}">
-      <dsp:nvSpPr>
-        <dsp:cNvPr id="0" name=""/>
-        <dsp:cNvSpPr/>
-      </dsp:nvSpPr>
-      <dsp:spPr>
-        <a:xfrm>
-          <a:off x="5943833" y="2689002"/>
-          <a:ext cx="2044634" cy="623364"/>
-        </a:xfrm>
-        <a:prstGeom prst="rect">
-          <a:avLst/>
-        </a:prstGeom>
-        <a:gradFill rotWithShape="0">
-          <a:gsLst>
-            <a:gs pos="0">
-              <a:schemeClr val="accent4">
-                <a:hueOff val="0"/>
-                <a:satOff val="0"/>
-                <a:lumOff val="0"/>
-                <a:alphaOff val="0"/>
-                <a:shade val="15000"/>
-                <a:satMod val="180000"/>
-              </a:schemeClr>
-            </a:gs>
-            <a:gs pos="50000">
-              <a:schemeClr val="accent4">
-                <a:hueOff val="0"/>
-                <a:satOff val="0"/>
-                <a:lumOff val="0"/>
-                <a:alphaOff val="0"/>
-                <a:shade val="45000"/>
-                <a:satMod val="170000"/>
-              </a:schemeClr>
-            </a:gs>
-            <a:gs pos="70000">
-              <a:schemeClr val="accent4">
-                <a:hueOff val="0"/>
-                <a:satOff val="0"/>
-                <a:lumOff val="0"/>
-                <a:alphaOff val="0"/>
-                <a:tint val="99000"/>
-                <a:shade val="65000"/>
-                <a:satMod val="155000"/>
-              </a:schemeClr>
-            </a:gs>
-            <a:gs pos="100000">
-              <a:schemeClr val="accent4">
-                <a:hueOff val="0"/>
-                <a:satOff val="0"/>
-                <a:lumOff val="0"/>
-                <a:alphaOff val="0"/>
-                <a:tint val="95500"/>
-                <a:shade val="100000"/>
-                <a:satMod val="155000"/>
-              </a:schemeClr>
-            </a:gs>
-          </a:gsLst>
-          <a:lin ang="16200000" scaled="0"/>
-        </a:gradFill>
-        <a:ln>
-          <a:noFill/>
-        </a:ln>
-        <a:effectLst>
-          <a:outerShdw blurRad="50800" dist="38100" dir="5400000" rotWithShape="0">
-            <a:srgbClr val="000000">
-              <a:alpha val="35000"/>
-            </a:srgbClr>
-          </a:outerShdw>
-        </a:effectLst>
-      </dsp:spPr>
-      <dsp:style>
-        <a:lnRef idx="0">
-          <a:scrgbClr r="0" g="0" b="0"/>
-        </a:lnRef>
-        <a:fillRef idx="3">
-          <a:scrgbClr r="0" g="0" b="0"/>
-        </a:fillRef>
-        <a:effectRef idx="2">
-          <a:scrgbClr r="0" g="0" b="0"/>
-        </a:effectRef>
-        <a:fontRef idx="minor">
-          <a:schemeClr val="lt1"/>
-        </a:fontRef>
-      </dsp:style>
-      <dsp:txBody>
-        <a:bodyPr spcFirstLastPara="0" vert="horz" wrap="square" lIns="11430" tIns="11430" rIns="11430" bIns="11430" numCol="1" spcCol="1270" anchor="ctr" anchorCtr="0">
-          <a:noAutofit/>
-        </a:bodyPr>
-        <a:lstStyle/>
-        <a:p>
-          <a:pPr lvl="0" algn="ctr" defTabSz="800100">
-            <a:lnSpc>
-              <a:spcPct val="90000"/>
-            </a:lnSpc>
-            <a:spcBef>
-              <a:spcPct val="0"/>
-            </a:spcBef>
-            <a:spcAft>
-              <a:spcPct val="35000"/>
-            </a:spcAft>
-          </a:pPr>
-          <a:r>
-            <a:rPr kumimoji="1" lang="ja-JP" altLang="en-US" sz="1800" kern="1200" dirty="0" smtClean="0"/>
-            <a:t>ユーザ修正</a:t>
-          </a:r>
-          <a:endParaRPr kumimoji="1" lang="ja-JP" altLang="en-US" sz="1800" kern="1200" dirty="0"/>
-        </a:p>
-      </dsp:txBody>
-      <dsp:txXfrm>
-        <a:off x="5943833" y="2689002"/>
-        <a:ext cx="2044634" cy="623364"/>
-      </dsp:txXfrm>
-    </dsp:sp>
-    <dsp:sp modelId="{0C332281-900B-440A-A110-24393A013274}">
-      <dsp:nvSpPr>
-        <dsp:cNvPr id="0" name=""/>
-        <dsp:cNvSpPr/>
-      </dsp:nvSpPr>
-      <dsp:spPr>
-        <a:xfrm>
-          <a:off x="5943833" y="3744414"/>
-          <a:ext cx="2044634" cy="623364"/>
-        </a:xfrm>
-        <a:prstGeom prst="rect">
-          <a:avLst/>
-        </a:prstGeom>
-        <a:gradFill rotWithShape="0">
-          <a:gsLst>
-            <a:gs pos="0">
-              <a:schemeClr val="accent4">
-                <a:hueOff val="0"/>
-                <a:satOff val="0"/>
-                <a:lumOff val="0"/>
-                <a:alphaOff val="0"/>
-                <a:shade val="15000"/>
-                <a:satMod val="180000"/>
-              </a:schemeClr>
-            </a:gs>
-            <a:gs pos="50000">
-              <a:schemeClr val="accent4">
-                <a:hueOff val="0"/>
-                <a:satOff val="0"/>
-                <a:lumOff val="0"/>
-                <a:alphaOff val="0"/>
-                <a:shade val="45000"/>
-                <a:satMod val="170000"/>
-              </a:schemeClr>
-            </a:gs>
-            <a:gs pos="70000">
-              <a:schemeClr val="accent4">
-                <a:hueOff val="0"/>
-                <a:satOff val="0"/>
-                <a:lumOff val="0"/>
-                <a:alphaOff val="0"/>
-                <a:tint val="99000"/>
-                <a:shade val="65000"/>
-                <a:satMod val="155000"/>
-              </a:schemeClr>
-            </a:gs>
-            <a:gs pos="100000">
-              <a:schemeClr val="accent4">
-                <a:hueOff val="0"/>
-                <a:satOff val="0"/>
-                <a:lumOff val="0"/>
-                <a:alphaOff val="0"/>
-                <a:tint val="95500"/>
-                <a:shade val="100000"/>
-                <a:satMod val="155000"/>
-              </a:schemeClr>
-            </a:gs>
-          </a:gsLst>
-          <a:lin ang="16200000" scaled="0"/>
-        </a:gradFill>
-        <a:ln>
-          <a:noFill/>
-        </a:ln>
-        <a:effectLst>
-          <a:outerShdw blurRad="50800" dist="38100" dir="5400000" rotWithShape="0">
-            <a:srgbClr val="000000">
-              <a:alpha val="35000"/>
-            </a:srgbClr>
-          </a:outerShdw>
-        </a:effectLst>
-      </dsp:spPr>
-      <dsp:style>
-        <a:lnRef idx="0">
-          <a:scrgbClr r="0" g="0" b="0"/>
-        </a:lnRef>
-        <a:fillRef idx="3">
-          <a:scrgbClr r="0" g="0" b="0"/>
-        </a:fillRef>
-        <a:effectRef idx="2">
-          <a:scrgbClr r="0" g="0" b="0"/>
-        </a:effectRef>
-        <a:fontRef idx="minor">
-          <a:schemeClr val="lt1"/>
-        </a:fontRef>
-      </dsp:style>
-      <dsp:txBody>
-        <a:bodyPr spcFirstLastPara="0" vert="horz" wrap="square" lIns="11430" tIns="11430" rIns="11430" bIns="11430" numCol="1" spcCol="1270" anchor="ctr" anchorCtr="0">
-          <a:noAutofit/>
-        </a:bodyPr>
-        <a:lstStyle/>
-        <a:p>
-          <a:pPr lvl="0" algn="ctr" defTabSz="800100">
-            <a:lnSpc>
-              <a:spcPct val="90000"/>
-            </a:lnSpc>
-            <a:spcBef>
-              <a:spcPct val="0"/>
-            </a:spcBef>
-            <a:spcAft>
-              <a:spcPct val="35000"/>
-            </a:spcAft>
-          </a:pPr>
-          <a:r>
-            <a:rPr kumimoji="1" lang="ja-JP" altLang="en-US" sz="1800" kern="1200" dirty="0" smtClean="0"/>
-            <a:t>承認ルート設定</a:t>
-          </a:r>
-          <a:endParaRPr kumimoji="1" lang="ja-JP" altLang="en-US" sz="1800" kern="1200" dirty="0"/>
-        </a:p>
-      </dsp:txBody>
-      <dsp:txXfrm>
-        <a:off x="5943833" y="3744414"/>
+        <a:off x="3490272" y="2736727"/>
         <a:ext cx="2044634" cy="623364"/>
       </dsp:txXfrm>
     </dsp:sp>
@@ -6932,15 +5900,15 @@
       <dsp:cNvGrpSpPr/>
     </dsp:nvGrpSpPr>
     <dsp:grpSpPr/>
-    <dsp:sp modelId="{43215640-A70C-4D55-A6AA-6C225539B7F3}">
+    <dsp:sp modelId="{C9BB74AF-030F-4CA5-8A14-E9B74F3B9177}">
       <dsp:nvSpPr>
         <dsp:cNvPr id="0" name=""/>
         <dsp:cNvSpPr/>
       </dsp:nvSpPr>
       <dsp:spPr>
         <a:xfrm>
-          <a:off x="5534906" y="3488816"/>
-          <a:ext cx="408926" cy="159942"/>
+          <a:off x="3081345" y="2423530"/>
+          <a:ext cx="408926" cy="763209"/>
         </a:xfrm>
         <a:custGeom>
           <a:avLst/>
@@ -6951,10 +5919,262 @@
           <a:pathLst>
             <a:path>
               <a:moveTo>
-                <a:pt x="0" y="159942"/>
+                <a:pt x="0" y="0"/>
               </a:moveTo>
               <a:lnTo>
-                <a:pt x="204463" y="159942"/>
+                <a:pt x="204463" y="0"/>
+              </a:lnTo>
+              <a:lnTo>
+                <a:pt x="204463" y="763209"/>
+              </a:lnTo>
+              <a:lnTo>
+                <a:pt x="408926" y="763209"/>
+              </a:lnTo>
+            </a:path>
+          </a:pathLst>
+        </a:custGeom>
+        <a:noFill/>
+        <a:ln w="9525" cap="flat" cmpd="sng" algn="ctr">
+          <a:solidFill>
+            <a:schemeClr val="accent3">
+              <a:hueOff val="0"/>
+              <a:satOff val="0"/>
+              <a:lumOff val="0"/>
+              <a:alphaOff val="0"/>
+            </a:schemeClr>
+          </a:solidFill>
+          <a:prstDash val="solid"/>
+        </a:ln>
+        <a:effectLst/>
+      </dsp:spPr>
+      <dsp:style>
+        <a:lnRef idx="1">
+          <a:scrgbClr r="0" g="0" b="0"/>
+        </a:lnRef>
+        <a:fillRef idx="0">
+          <a:scrgbClr r="0" g="0" b="0"/>
+        </a:fillRef>
+        <a:effectRef idx="0">
+          <a:scrgbClr r="0" g="0" b="0"/>
+        </a:effectRef>
+        <a:fontRef idx="minor"/>
+      </dsp:style>
+      <dsp:txBody>
+        <a:bodyPr spcFirstLastPara="0" vert="horz" wrap="square" lIns="12700" tIns="0" rIns="12700" bIns="0" numCol="1" spcCol="1270" anchor="ctr" anchorCtr="0">
+          <a:noAutofit/>
+        </a:bodyPr>
+        <a:lstStyle/>
+        <a:p>
+          <a:pPr lvl="0" algn="ctr" defTabSz="222250">
+            <a:lnSpc>
+              <a:spcPct val="90000"/>
+            </a:lnSpc>
+            <a:spcBef>
+              <a:spcPct val="0"/>
+            </a:spcBef>
+            <a:spcAft>
+              <a:spcPct val="35000"/>
+            </a:spcAft>
+          </a:pPr>
+          <a:endParaRPr kumimoji="1" lang="ja-JP" altLang="en-US" sz="500" kern="1200"/>
+        </a:p>
+      </dsp:txBody>
+      <dsp:txXfrm>
+        <a:off x="3264162" y="2783488"/>
+        <a:ext cx="43292" cy="43292"/>
+      </dsp:txXfrm>
+    </dsp:sp>
+    <dsp:sp modelId="{B1A8CFDC-B7E6-4059-86E3-411E6B63764B}">
+      <dsp:nvSpPr>
+        <dsp:cNvPr id="0" name=""/>
+        <dsp:cNvSpPr/>
+      </dsp:nvSpPr>
+      <dsp:spPr>
+        <a:xfrm>
+          <a:off x="5534906" y="1734688"/>
+          <a:ext cx="408926" cy="892695"/>
+        </a:xfrm>
+        <a:custGeom>
+          <a:avLst/>
+          <a:gdLst/>
+          <a:ahLst/>
+          <a:cxnLst/>
+          <a:rect l="0" t="0" r="0" b="0"/>
+          <a:pathLst>
+            <a:path>
+              <a:moveTo>
+                <a:pt x="0" y="0"/>
+              </a:moveTo>
+              <a:lnTo>
+                <a:pt x="204463" y="0"/>
+              </a:lnTo>
+              <a:lnTo>
+                <a:pt x="204463" y="892695"/>
+              </a:lnTo>
+              <a:lnTo>
+                <a:pt x="408926" y="892695"/>
+              </a:lnTo>
+            </a:path>
+          </a:pathLst>
+        </a:custGeom>
+        <a:noFill/>
+        <a:ln w="9525" cap="flat" cmpd="sng" algn="ctr">
+          <a:solidFill>
+            <a:schemeClr val="accent4">
+              <a:hueOff val="0"/>
+              <a:satOff val="0"/>
+              <a:lumOff val="0"/>
+              <a:alphaOff val="0"/>
+            </a:schemeClr>
+          </a:solidFill>
+          <a:prstDash val="solid"/>
+        </a:ln>
+        <a:effectLst/>
+      </dsp:spPr>
+      <dsp:style>
+        <a:lnRef idx="1">
+          <a:scrgbClr r="0" g="0" b="0"/>
+        </a:lnRef>
+        <a:fillRef idx="0">
+          <a:scrgbClr r="0" g="0" b="0"/>
+        </a:fillRef>
+        <a:effectRef idx="0">
+          <a:scrgbClr r="0" g="0" b="0"/>
+        </a:effectRef>
+        <a:fontRef idx="minor"/>
+      </dsp:style>
+      <dsp:txBody>
+        <a:bodyPr spcFirstLastPara="0" vert="horz" wrap="square" lIns="12700" tIns="0" rIns="12700" bIns="0" numCol="1" spcCol="1270" anchor="ctr" anchorCtr="0">
+          <a:noAutofit/>
+        </a:bodyPr>
+        <a:lstStyle/>
+        <a:p>
+          <a:pPr lvl="0" algn="ctr" defTabSz="222250">
+            <a:lnSpc>
+              <a:spcPct val="90000"/>
+            </a:lnSpc>
+            <a:spcBef>
+              <a:spcPct val="0"/>
+            </a:spcBef>
+            <a:spcAft>
+              <a:spcPct val="35000"/>
+            </a:spcAft>
+          </a:pPr>
+          <a:endParaRPr kumimoji="1" lang="ja-JP" altLang="en-US" sz="500" kern="1200"/>
+        </a:p>
+      </dsp:txBody>
+      <dsp:txXfrm>
+        <a:off x="5714822" y="2156488"/>
+        <a:ext cx="49094" cy="49094"/>
+      </dsp:txXfrm>
+    </dsp:sp>
+    <dsp:sp modelId="{13141A38-E980-4BA7-B959-FE095171D90C}">
+      <dsp:nvSpPr>
+        <dsp:cNvPr id="0" name=""/>
+        <dsp:cNvSpPr/>
+      </dsp:nvSpPr>
+      <dsp:spPr>
+        <a:xfrm>
+          <a:off x="5534906" y="1688968"/>
+          <a:ext cx="408926" cy="91440"/>
+        </a:xfrm>
+        <a:custGeom>
+          <a:avLst/>
+          <a:gdLst/>
+          <a:ahLst/>
+          <a:cxnLst/>
+          <a:rect l="0" t="0" r="0" b="0"/>
+          <a:pathLst>
+            <a:path>
+              <a:moveTo>
+                <a:pt x="0" y="45720"/>
+              </a:moveTo>
+              <a:lnTo>
+                <a:pt x="204463" y="45720"/>
+              </a:lnTo>
+              <a:lnTo>
+                <a:pt x="204463" y="111110"/>
+              </a:lnTo>
+              <a:lnTo>
+                <a:pt x="408926" y="111110"/>
+              </a:lnTo>
+            </a:path>
+          </a:pathLst>
+        </a:custGeom>
+        <a:noFill/>
+        <a:ln w="9525" cap="flat" cmpd="sng" algn="ctr">
+          <a:solidFill>
+            <a:schemeClr val="accent4">
+              <a:hueOff val="0"/>
+              <a:satOff val="0"/>
+              <a:lumOff val="0"/>
+              <a:alphaOff val="0"/>
+            </a:schemeClr>
+          </a:solidFill>
+          <a:prstDash val="solid"/>
+        </a:ln>
+        <a:effectLst/>
+      </dsp:spPr>
+      <dsp:style>
+        <a:lnRef idx="1">
+          <a:scrgbClr r="0" g="0" b="0"/>
+        </a:lnRef>
+        <a:fillRef idx="0">
+          <a:scrgbClr r="0" g="0" b="0"/>
+        </a:fillRef>
+        <a:effectRef idx="0">
+          <a:scrgbClr r="0" g="0" b="0"/>
+        </a:effectRef>
+        <a:fontRef idx="minor"/>
+      </dsp:style>
+      <dsp:txBody>
+        <a:bodyPr spcFirstLastPara="0" vert="horz" wrap="square" lIns="12700" tIns="0" rIns="12700" bIns="0" numCol="1" spcCol="1270" anchor="ctr" anchorCtr="0">
+          <a:noAutofit/>
+        </a:bodyPr>
+        <a:lstStyle/>
+        <a:p>
+          <a:pPr lvl="0" algn="ctr" defTabSz="222250">
+            <a:lnSpc>
+              <a:spcPct val="90000"/>
+            </a:lnSpc>
+            <a:spcBef>
+              <a:spcPct val="0"/>
+            </a:spcBef>
+            <a:spcAft>
+              <a:spcPct val="35000"/>
+            </a:spcAft>
+          </a:pPr>
+          <a:endParaRPr kumimoji="1" lang="ja-JP" altLang="en-US" sz="500" kern="1200"/>
+        </a:p>
+      </dsp:txBody>
+      <dsp:txXfrm>
+        <a:off x="5729017" y="1724335"/>
+        <a:ext cx="20706" cy="20706"/>
+      </dsp:txXfrm>
+    </dsp:sp>
+    <dsp:sp modelId="{9CE9F315-076C-4A91-86FC-F479E1B271B6}">
+      <dsp:nvSpPr>
+        <dsp:cNvPr id="0" name=""/>
+        <dsp:cNvSpPr/>
+      </dsp:nvSpPr>
+      <dsp:spPr>
+        <a:xfrm>
+          <a:off x="5534906" y="936781"/>
+          <a:ext cx="408926" cy="797906"/>
+        </a:xfrm>
+        <a:custGeom>
+          <a:avLst/>
+          <a:gdLst/>
+          <a:ahLst/>
+          <a:cxnLst/>
+          <a:rect l="0" t="0" r="0" b="0"/>
+          <a:pathLst>
+            <a:path>
+              <a:moveTo>
+                <a:pt x="0" y="797906"/>
+              </a:moveTo>
+              <a:lnTo>
+                <a:pt x="204463" y="797906"/>
               </a:lnTo>
               <a:lnTo>
                 <a:pt x="204463" y="0"/>
@@ -7012,19 +6232,19 @@
         </a:p>
       </dsp:txBody>
       <dsp:txXfrm>
-        <a:off x="5728393" y="3557810"/>
-        <a:ext cx="21954" cy="21954"/>
+        <a:off x="5716955" y="1313320"/>
+        <a:ext cx="44829" cy="44829"/>
       </dsp:txXfrm>
     </dsp:sp>
-    <dsp:sp modelId="{C9BB74AF-030F-4CA5-8A14-E9B74F3B9177}">
+    <dsp:sp modelId="{D6E049C7-86D3-494A-A553-3C85D9198E74}">
       <dsp:nvSpPr>
         <dsp:cNvPr id="0" name=""/>
         <dsp:cNvSpPr/>
       </dsp:nvSpPr>
       <dsp:spPr>
         <a:xfrm>
-          <a:off x="3081345" y="2419086"/>
-          <a:ext cx="408926" cy="1229673"/>
+          <a:off x="3081345" y="1734688"/>
+          <a:ext cx="408926" cy="688842"/>
         </a:xfrm>
         <a:custGeom>
           <a:avLst/>
@@ -7035,430 +6255,10 @@
           <a:pathLst>
             <a:path>
               <a:moveTo>
-                <a:pt x="0" y="0"/>
+                <a:pt x="0" y="688842"/>
               </a:moveTo>
               <a:lnTo>
-                <a:pt x="204463" y="0"/>
-              </a:lnTo>
-              <a:lnTo>
-                <a:pt x="204463" y="1229673"/>
-              </a:lnTo>
-              <a:lnTo>
-                <a:pt x="408926" y="1229673"/>
-              </a:lnTo>
-            </a:path>
-          </a:pathLst>
-        </a:custGeom>
-        <a:noFill/>
-        <a:ln w="9525" cap="flat" cmpd="sng" algn="ctr">
-          <a:solidFill>
-            <a:schemeClr val="accent3">
-              <a:hueOff val="0"/>
-              <a:satOff val="0"/>
-              <a:lumOff val="0"/>
-              <a:alphaOff val="0"/>
-            </a:schemeClr>
-          </a:solidFill>
-          <a:prstDash val="solid"/>
-        </a:ln>
-        <a:effectLst/>
-      </dsp:spPr>
-      <dsp:style>
-        <a:lnRef idx="1">
-          <a:scrgbClr r="0" g="0" b="0"/>
-        </a:lnRef>
-        <a:fillRef idx="0">
-          <a:scrgbClr r="0" g="0" b="0"/>
-        </a:fillRef>
-        <a:effectRef idx="0">
-          <a:scrgbClr r="0" g="0" b="0"/>
-        </a:effectRef>
-        <a:fontRef idx="minor"/>
-      </dsp:style>
-      <dsp:txBody>
-        <a:bodyPr spcFirstLastPara="0" vert="horz" wrap="square" lIns="12700" tIns="0" rIns="12700" bIns="0" numCol="1" spcCol="1270" anchor="ctr" anchorCtr="0">
-          <a:noAutofit/>
-        </a:bodyPr>
-        <a:lstStyle/>
-        <a:p>
-          <a:pPr lvl="0" algn="ctr" defTabSz="222250">
-            <a:lnSpc>
-              <a:spcPct val="90000"/>
-            </a:lnSpc>
-            <a:spcBef>
-              <a:spcPct val="0"/>
-            </a:spcBef>
-            <a:spcAft>
-              <a:spcPct val="35000"/>
-            </a:spcAft>
-          </a:pPr>
-          <a:endParaRPr kumimoji="1" lang="ja-JP" altLang="en-US" sz="500" kern="1200"/>
-        </a:p>
-      </dsp:txBody>
-      <dsp:txXfrm>
-        <a:off x="3253411" y="3001525"/>
-        <a:ext cx="64794" cy="64794"/>
-      </dsp:txXfrm>
-    </dsp:sp>
-    <dsp:sp modelId="{336D4672-E929-4040-BCBB-3EEE1BB5E724}">
-      <dsp:nvSpPr>
-        <dsp:cNvPr id="0" name=""/>
-        <dsp:cNvSpPr/>
-      </dsp:nvSpPr>
-      <dsp:spPr>
-        <a:xfrm>
-          <a:off x="3081345" y="2419086"/>
-          <a:ext cx="408926" cy="111582"/>
-        </a:xfrm>
-        <a:custGeom>
-          <a:avLst/>
-          <a:gdLst/>
-          <a:ahLst/>
-          <a:cxnLst/>
-          <a:rect l="0" t="0" r="0" b="0"/>
-          <a:pathLst>
-            <a:path>
-              <a:moveTo>
-                <a:pt x="0" y="0"/>
-              </a:moveTo>
-              <a:lnTo>
-                <a:pt x="204463" y="0"/>
-              </a:lnTo>
-              <a:lnTo>
-                <a:pt x="204463" y="111582"/>
-              </a:lnTo>
-              <a:lnTo>
-                <a:pt x="408926" y="111582"/>
-              </a:lnTo>
-            </a:path>
-          </a:pathLst>
-        </a:custGeom>
-        <a:noFill/>
-        <a:ln w="9525" cap="flat" cmpd="sng" algn="ctr">
-          <a:solidFill>
-            <a:schemeClr val="accent3">
-              <a:hueOff val="0"/>
-              <a:satOff val="0"/>
-              <a:lumOff val="0"/>
-              <a:alphaOff val="0"/>
-            </a:schemeClr>
-          </a:solidFill>
-          <a:prstDash val="solid"/>
-        </a:ln>
-        <a:effectLst/>
-      </dsp:spPr>
-      <dsp:style>
-        <a:lnRef idx="1">
-          <a:scrgbClr r="0" g="0" b="0"/>
-        </a:lnRef>
-        <a:fillRef idx="0">
-          <a:scrgbClr r="0" g="0" b="0"/>
-        </a:fillRef>
-        <a:effectRef idx="0">
-          <a:scrgbClr r="0" g="0" b="0"/>
-        </a:effectRef>
-        <a:fontRef idx="minor"/>
-      </dsp:style>
-      <dsp:txBody>
-        <a:bodyPr spcFirstLastPara="0" vert="horz" wrap="square" lIns="12700" tIns="0" rIns="12700" bIns="0" numCol="1" spcCol="1270" anchor="ctr" anchorCtr="0">
-          <a:noAutofit/>
-        </a:bodyPr>
-        <a:lstStyle/>
-        <a:p>
-          <a:pPr lvl="0" algn="ctr" defTabSz="222250">
-            <a:lnSpc>
-              <a:spcPct val="90000"/>
-            </a:lnSpc>
-            <a:spcBef>
-              <a:spcPct val="0"/>
-            </a:spcBef>
-            <a:spcAft>
-              <a:spcPct val="35000"/>
-            </a:spcAft>
-          </a:pPr>
-          <a:endParaRPr kumimoji="1" lang="ja-JP" altLang="en-US" sz="500" kern="1200"/>
-        </a:p>
-      </dsp:txBody>
-      <dsp:txXfrm>
-        <a:off x="3275211" y="2464280"/>
-        <a:ext cx="21193" cy="21193"/>
-      </dsp:txXfrm>
-    </dsp:sp>
-    <dsp:sp modelId="{B1A8CFDC-B7E6-4059-86E3-411E6B63764B}">
-      <dsp:nvSpPr>
-        <dsp:cNvPr id="0" name=""/>
-        <dsp:cNvSpPr/>
-      </dsp:nvSpPr>
-      <dsp:spPr>
-        <a:xfrm>
-          <a:off x="5534906" y="1417501"/>
-          <a:ext cx="408926" cy="935108"/>
-        </a:xfrm>
-        <a:custGeom>
-          <a:avLst/>
-          <a:gdLst/>
-          <a:ahLst/>
-          <a:cxnLst/>
-          <a:rect l="0" t="0" r="0" b="0"/>
-          <a:pathLst>
-            <a:path>
-              <a:moveTo>
-                <a:pt x="0" y="0"/>
-              </a:moveTo>
-              <a:lnTo>
-                <a:pt x="204463" y="0"/>
-              </a:lnTo>
-              <a:lnTo>
-                <a:pt x="204463" y="935108"/>
-              </a:lnTo>
-              <a:lnTo>
-                <a:pt x="408926" y="935108"/>
-              </a:lnTo>
-            </a:path>
-          </a:pathLst>
-        </a:custGeom>
-        <a:noFill/>
-        <a:ln w="9525" cap="flat" cmpd="sng" algn="ctr">
-          <a:solidFill>
-            <a:schemeClr val="accent4">
-              <a:hueOff val="0"/>
-              <a:satOff val="0"/>
-              <a:lumOff val="0"/>
-              <a:alphaOff val="0"/>
-            </a:schemeClr>
-          </a:solidFill>
-          <a:prstDash val="solid"/>
-        </a:ln>
-        <a:effectLst/>
-      </dsp:spPr>
-      <dsp:style>
-        <a:lnRef idx="1">
-          <a:scrgbClr r="0" g="0" b="0"/>
-        </a:lnRef>
-        <a:fillRef idx="0">
-          <a:scrgbClr r="0" g="0" b="0"/>
-        </a:fillRef>
-        <a:effectRef idx="0">
-          <a:scrgbClr r="0" g="0" b="0"/>
-        </a:effectRef>
-        <a:fontRef idx="minor"/>
-      </dsp:style>
-      <dsp:txBody>
-        <a:bodyPr spcFirstLastPara="0" vert="horz" wrap="square" lIns="12700" tIns="0" rIns="12700" bIns="0" numCol="1" spcCol="1270" anchor="ctr" anchorCtr="0">
-          <a:noAutofit/>
-        </a:bodyPr>
-        <a:lstStyle/>
-        <a:p>
-          <a:pPr lvl="0" algn="ctr" defTabSz="222250">
-            <a:lnSpc>
-              <a:spcPct val="90000"/>
-            </a:lnSpc>
-            <a:spcBef>
-              <a:spcPct val="0"/>
-            </a:spcBef>
-            <a:spcAft>
-              <a:spcPct val="35000"/>
-            </a:spcAft>
-          </a:pPr>
-          <a:endParaRPr kumimoji="1" lang="ja-JP" altLang="en-US" sz="500" kern="1200"/>
-        </a:p>
-      </dsp:txBody>
-      <dsp:txXfrm>
-        <a:off x="5713855" y="1859541"/>
-        <a:ext cx="51030" cy="51030"/>
-      </dsp:txXfrm>
-    </dsp:sp>
-    <dsp:sp modelId="{13141A38-E980-4BA7-B959-FE095171D90C}">
-      <dsp:nvSpPr>
-        <dsp:cNvPr id="0" name=""/>
-        <dsp:cNvSpPr/>
-      </dsp:nvSpPr>
-      <dsp:spPr>
-        <a:xfrm>
-          <a:off x="5534906" y="1417501"/>
-          <a:ext cx="408926" cy="107804"/>
-        </a:xfrm>
-        <a:custGeom>
-          <a:avLst/>
-          <a:gdLst/>
-          <a:ahLst/>
-          <a:cxnLst/>
-          <a:rect l="0" t="0" r="0" b="0"/>
-          <a:pathLst>
-            <a:path>
-              <a:moveTo>
-                <a:pt x="0" y="0"/>
-              </a:moveTo>
-              <a:lnTo>
-                <a:pt x="204463" y="0"/>
-              </a:lnTo>
-              <a:lnTo>
-                <a:pt x="204463" y="107804"/>
-              </a:lnTo>
-              <a:lnTo>
-                <a:pt x="408926" y="107804"/>
-              </a:lnTo>
-            </a:path>
-          </a:pathLst>
-        </a:custGeom>
-        <a:noFill/>
-        <a:ln w="9525" cap="flat" cmpd="sng" algn="ctr">
-          <a:solidFill>
-            <a:schemeClr val="accent4">
-              <a:hueOff val="0"/>
-              <a:satOff val="0"/>
-              <a:lumOff val="0"/>
-              <a:alphaOff val="0"/>
-            </a:schemeClr>
-          </a:solidFill>
-          <a:prstDash val="solid"/>
-        </a:ln>
-        <a:effectLst/>
-      </dsp:spPr>
-      <dsp:style>
-        <a:lnRef idx="1">
-          <a:scrgbClr r="0" g="0" b="0"/>
-        </a:lnRef>
-        <a:fillRef idx="0">
-          <a:scrgbClr r="0" g="0" b="0"/>
-        </a:fillRef>
-        <a:effectRef idx="0">
-          <a:scrgbClr r="0" g="0" b="0"/>
-        </a:effectRef>
-        <a:fontRef idx="minor"/>
-      </dsp:style>
-      <dsp:txBody>
-        <a:bodyPr spcFirstLastPara="0" vert="horz" wrap="square" lIns="12700" tIns="0" rIns="12700" bIns="0" numCol="1" spcCol="1270" anchor="ctr" anchorCtr="0">
-          <a:noAutofit/>
-        </a:bodyPr>
-        <a:lstStyle/>
-        <a:p>
-          <a:pPr lvl="0" algn="ctr" defTabSz="222250">
-            <a:lnSpc>
-              <a:spcPct val="90000"/>
-            </a:lnSpc>
-            <a:spcBef>
-              <a:spcPct val="0"/>
-            </a:spcBef>
-            <a:spcAft>
-              <a:spcPct val="35000"/>
-            </a:spcAft>
-          </a:pPr>
-          <a:endParaRPr kumimoji="1" lang="ja-JP" altLang="en-US" sz="500" kern="1200"/>
-        </a:p>
-      </dsp:txBody>
-      <dsp:txXfrm>
-        <a:off x="5728797" y="1460831"/>
-        <a:ext cx="21144" cy="21144"/>
-      </dsp:txXfrm>
-    </dsp:sp>
-    <dsp:sp modelId="{9CE9F315-076C-4A91-86FC-F479E1B271B6}">
-      <dsp:nvSpPr>
-        <dsp:cNvPr id="0" name=""/>
-        <dsp:cNvSpPr/>
-      </dsp:nvSpPr>
-      <dsp:spPr>
-        <a:xfrm>
-          <a:off x="5534906" y="662009"/>
-          <a:ext cx="408926" cy="755492"/>
-        </a:xfrm>
-        <a:custGeom>
-          <a:avLst/>
-          <a:gdLst/>
-          <a:ahLst/>
-          <a:cxnLst/>
-          <a:rect l="0" t="0" r="0" b="0"/>
-          <a:pathLst>
-            <a:path>
-              <a:moveTo>
-                <a:pt x="0" y="755492"/>
-              </a:moveTo>
-              <a:lnTo>
-                <a:pt x="204463" y="755492"/>
-              </a:lnTo>
-              <a:lnTo>
-                <a:pt x="204463" y="0"/>
-              </a:lnTo>
-              <a:lnTo>
-                <a:pt x="408926" y="0"/>
-              </a:lnTo>
-            </a:path>
-          </a:pathLst>
-        </a:custGeom>
-        <a:noFill/>
-        <a:ln w="9525" cap="flat" cmpd="sng" algn="ctr">
-          <a:solidFill>
-            <a:schemeClr val="accent4">
-              <a:hueOff val="0"/>
-              <a:satOff val="0"/>
-              <a:lumOff val="0"/>
-              <a:alphaOff val="0"/>
-            </a:schemeClr>
-          </a:solidFill>
-          <a:prstDash val="solid"/>
-        </a:ln>
-        <a:effectLst/>
-      </dsp:spPr>
-      <dsp:style>
-        <a:lnRef idx="1">
-          <a:scrgbClr r="0" g="0" b="0"/>
-        </a:lnRef>
-        <a:fillRef idx="0">
-          <a:scrgbClr r="0" g="0" b="0"/>
-        </a:fillRef>
-        <a:effectRef idx="0">
-          <a:scrgbClr r="0" g="0" b="0"/>
-        </a:effectRef>
-        <a:fontRef idx="minor"/>
-      </dsp:style>
-      <dsp:txBody>
-        <a:bodyPr spcFirstLastPara="0" vert="horz" wrap="square" lIns="12700" tIns="0" rIns="12700" bIns="0" numCol="1" spcCol="1270" anchor="ctr" anchorCtr="0">
-          <a:noAutofit/>
-        </a:bodyPr>
-        <a:lstStyle/>
-        <a:p>
-          <a:pPr lvl="0" algn="ctr" defTabSz="222250">
-            <a:lnSpc>
-              <a:spcPct val="90000"/>
-            </a:lnSpc>
-            <a:spcBef>
-              <a:spcPct val="0"/>
-            </a:spcBef>
-            <a:spcAft>
-              <a:spcPct val="35000"/>
-            </a:spcAft>
-          </a:pPr>
-          <a:endParaRPr kumimoji="1" lang="ja-JP" altLang="en-US" sz="500" kern="1200"/>
-        </a:p>
-      </dsp:txBody>
-      <dsp:txXfrm>
-        <a:off x="5717893" y="1018279"/>
-        <a:ext cx="42953" cy="42953"/>
-      </dsp:txXfrm>
-    </dsp:sp>
-    <dsp:sp modelId="{D6E049C7-86D3-494A-A553-3C85D9198E74}">
-      <dsp:nvSpPr>
-        <dsp:cNvPr id="0" name=""/>
-        <dsp:cNvSpPr/>
-      </dsp:nvSpPr>
-      <dsp:spPr>
-        <a:xfrm>
-          <a:off x="3081345" y="1417501"/>
-          <a:ext cx="408926" cy="1001584"/>
-        </a:xfrm>
-        <a:custGeom>
-          <a:avLst/>
-          <a:gdLst/>
-          <a:ahLst/>
-          <a:cxnLst/>
-          <a:rect l="0" t="0" r="0" b="0"/>
-          <a:pathLst>
-            <a:path>
-              <a:moveTo>
-                <a:pt x="0" y="1001584"/>
-              </a:moveTo>
-              <a:lnTo>
-                <a:pt x="204463" y="1001584"/>
+                <a:pt x="204463" y="688842"/>
               </a:lnTo>
               <a:lnTo>
                 <a:pt x="204463" y="0"/>
@@ -7516,8 +6316,8 @@
         </a:p>
       </dsp:txBody>
       <dsp:txXfrm>
-        <a:off x="3258762" y="1891247"/>
-        <a:ext cx="54092" cy="54092"/>
+        <a:off x="3265781" y="2059082"/>
+        <a:ext cx="40053" cy="40053"/>
       </dsp:txXfrm>
     </dsp:sp>
     <dsp:sp modelId="{5C94A537-F670-4876-9327-9280C8C56023}">
@@ -7527,7 +6327,7 @@
       </dsp:nvSpPr>
       <dsp:spPr>
         <a:xfrm>
-          <a:off x="627783" y="2373366"/>
+          <a:off x="627783" y="2377810"/>
           <a:ext cx="408926" cy="91440"/>
         </a:xfrm>
         <a:custGeom>
@@ -7539,8 +6339,14 @@
           <a:pathLst>
             <a:path>
               <a:moveTo>
-                <a:pt x="0" y="45720"/>
+                <a:pt x="0" y="45737"/>
               </a:moveTo>
+              <a:lnTo>
+                <a:pt x="204463" y="45737"/>
+              </a:lnTo>
+              <a:lnTo>
+                <a:pt x="204463" y="45720"/>
+              </a:lnTo>
               <a:lnTo>
                 <a:pt x="408926" y="45720"/>
               </a:lnTo>
@@ -7594,7 +6400,7 @@
         </a:p>
       </dsp:txBody>
       <dsp:txXfrm>
-        <a:off x="822023" y="2408863"/>
+        <a:off x="822023" y="2413307"/>
         <a:ext cx="20446" cy="20446"/>
       </dsp:txXfrm>
     </dsp:sp>
@@ -7605,7 +6411,7 @@
       </dsp:nvSpPr>
       <dsp:spPr>
         <a:xfrm rot="16200000">
-          <a:off x="-1324330" y="2107404"/>
+          <a:off x="-1324330" y="2111866"/>
           <a:ext cx="3280864" cy="623364"/>
         </a:xfrm>
         <a:prstGeom prst="rect">
@@ -7708,7 +6514,7 @@
         </a:p>
       </dsp:txBody>
       <dsp:txXfrm>
-        <a:off x="-1324330" y="2107404"/>
+        <a:off x="-1324330" y="2111866"/>
         <a:ext cx="3280864" cy="623364"/>
       </dsp:txXfrm>
     </dsp:sp>
@@ -7719,7 +6525,7 @@
       </dsp:nvSpPr>
       <dsp:spPr>
         <a:xfrm>
-          <a:off x="1036710" y="2107404"/>
+          <a:off x="1036710" y="2111848"/>
           <a:ext cx="2044634" cy="623364"/>
         </a:xfrm>
         <a:prstGeom prst="rect">
@@ -7822,7 +6628,7 @@
         </a:p>
       </dsp:txBody>
       <dsp:txXfrm>
-        <a:off x="1036710" y="2107404"/>
+        <a:off x="1036710" y="2111848"/>
         <a:ext cx="2044634" cy="623364"/>
       </dsp:txXfrm>
     </dsp:sp>
@@ -7833,7 +6639,7 @@
       </dsp:nvSpPr>
       <dsp:spPr>
         <a:xfrm>
-          <a:off x="3490272" y="1105819"/>
+          <a:off x="3490272" y="1423005"/>
           <a:ext cx="2044634" cy="623364"/>
         </a:xfrm>
         <a:prstGeom prst="rect">
@@ -7936,7 +6742,7 @@
         </a:p>
       </dsp:txBody>
       <dsp:txXfrm>
-        <a:off x="3490272" y="1105819"/>
+        <a:off x="3490272" y="1423005"/>
         <a:ext cx="2044634" cy="623364"/>
       </dsp:txXfrm>
     </dsp:sp>
@@ -7947,7 +6753,7 @@
       </dsp:nvSpPr>
       <dsp:spPr>
         <a:xfrm>
-          <a:off x="5943833" y="350327"/>
+          <a:off x="5943833" y="625099"/>
           <a:ext cx="2044634" cy="623364"/>
         </a:xfrm>
         <a:prstGeom prst="rect">
@@ -8050,7 +6856,7 @@
         </a:p>
       </dsp:txBody>
       <dsp:txXfrm>
-        <a:off x="5943833" y="350327"/>
+        <a:off x="5943833" y="625099"/>
         <a:ext cx="2044634" cy="623364"/>
       </dsp:txXfrm>
     </dsp:sp>
@@ -8061,7 +6867,7 @@
       </dsp:nvSpPr>
       <dsp:spPr>
         <a:xfrm>
-          <a:off x="5943833" y="1213624"/>
+          <a:off x="5943833" y="1488396"/>
           <a:ext cx="2044634" cy="623364"/>
         </a:xfrm>
         <a:prstGeom prst="rect">
@@ -8164,7 +6970,7 @@
         </a:p>
       </dsp:txBody>
       <dsp:txXfrm>
-        <a:off x="5943833" y="1213624"/>
+        <a:off x="5943833" y="1488396"/>
         <a:ext cx="2044634" cy="623364"/>
       </dsp:txXfrm>
     </dsp:sp>
@@ -8175,7 +6981,7 @@
       </dsp:nvSpPr>
       <dsp:spPr>
         <a:xfrm>
-          <a:off x="5943833" y="2040928"/>
+          <a:off x="5943833" y="2315700"/>
           <a:ext cx="2044634" cy="623364"/>
         </a:xfrm>
         <a:prstGeom prst="rect">
@@ -8278,18 +7084,18 @@
         </a:p>
       </dsp:txBody>
       <dsp:txXfrm>
-        <a:off x="5943833" y="2040928"/>
+        <a:off x="5943833" y="2315700"/>
         <a:ext cx="2044634" cy="623364"/>
       </dsp:txXfrm>
     </dsp:sp>
-    <dsp:sp modelId="{8F5D037C-01D8-423E-A85F-FC216BA9F7CF}">
+    <dsp:sp modelId="{F1E4F070-4D42-4CFC-BB13-F40CB6117610}">
       <dsp:nvSpPr>
         <dsp:cNvPr id="0" name=""/>
         <dsp:cNvSpPr/>
       </dsp:nvSpPr>
       <dsp:spPr>
         <a:xfrm>
-          <a:off x="3490272" y="2218986"/>
+          <a:off x="3490272" y="2875058"/>
           <a:ext cx="2044634" cy="623364"/>
         </a:xfrm>
         <a:prstGeom prst="rect">
@@ -8386,241 +7192,17 @@
           </a:pPr>
           <a:r>
             <a:rPr kumimoji="1" lang="ja-JP" altLang="en-US" sz="1800" kern="1200" dirty="0" smtClean="0"/>
-            <a:t>月報一覧</a:t>
+            <a:t>利用者情報</a:t>
+          </a:r>
+          <a:r>
+            <a:rPr kumimoji="1" lang="ja-JP" altLang="en-US" sz="1800" kern="1200" dirty="0" smtClean="0"/>
+            <a:t>変更</a:t>
           </a:r>
           <a:endParaRPr kumimoji="1" lang="ja-JP" altLang="en-US" sz="1800" kern="1200" dirty="0"/>
         </a:p>
       </dsp:txBody>
       <dsp:txXfrm>
-        <a:off x="3490272" y="2218986"/>
-        <a:ext cx="2044634" cy="623364"/>
-      </dsp:txXfrm>
-    </dsp:sp>
-    <dsp:sp modelId="{F1E4F070-4D42-4CFC-BB13-F40CB6117610}">
-      <dsp:nvSpPr>
-        <dsp:cNvPr id="0" name=""/>
-        <dsp:cNvSpPr/>
-      </dsp:nvSpPr>
-      <dsp:spPr>
-        <a:xfrm>
-          <a:off x="3490272" y="3337077"/>
-          <a:ext cx="2044634" cy="623364"/>
-        </a:xfrm>
-        <a:prstGeom prst="rect">
-          <a:avLst/>
-        </a:prstGeom>
-        <a:gradFill rotWithShape="0">
-          <a:gsLst>
-            <a:gs pos="0">
-              <a:schemeClr val="accent3">
-                <a:hueOff val="0"/>
-                <a:satOff val="0"/>
-                <a:lumOff val="0"/>
-                <a:alphaOff val="0"/>
-                <a:shade val="15000"/>
-                <a:satMod val="180000"/>
-              </a:schemeClr>
-            </a:gs>
-            <a:gs pos="50000">
-              <a:schemeClr val="accent3">
-                <a:hueOff val="0"/>
-                <a:satOff val="0"/>
-                <a:lumOff val="0"/>
-                <a:alphaOff val="0"/>
-                <a:shade val="45000"/>
-                <a:satMod val="170000"/>
-              </a:schemeClr>
-            </a:gs>
-            <a:gs pos="70000">
-              <a:schemeClr val="accent3">
-                <a:hueOff val="0"/>
-                <a:satOff val="0"/>
-                <a:lumOff val="0"/>
-                <a:alphaOff val="0"/>
-                <a:tint val="99000"/>
-                <a:shade val="65000"/>
-                <a:satMod val="155000"/>
-              </a:schemeClr>
-            </a:gs>
-            <a:gs pos="100000">
-              <a:schemeClr val="accent3">
-                <a:hueOff val="0"/>
-                <a:satOff val="0"/>
-                <a:lumOff val="0"/>
-                <a:alphaOff val="0"/>
-                <a:tint val="95500"/>
-                <a:shade val="100000"/>
-                <a:satMod val="155000"/>
-              </a:schemeClr>
-            </a:gs>
-          </a:gsLst>
-          <a:lin ang="16200000" scaled="0"/>
-        </a:gradFill>
-        <a:ln>
-          <a:noFill/>
-        </a:ln>
-        <a:effectLst>
-          <a:outerShdw blurRad="50800" dist="38100" dir="5400000" rotWithShape="0">
-            <a:srgbClr val="000000">
-              <a:alpha val="35000"/>
-            </a:srgbClr>
-          </a:outerShdw>
-        </a:effectLst>
-      </dsp:spPr>
-      <dsp:style>
-        <a:lnRef idx="0">
-          <a:scrgbClr r="0" g="0" b="0"/>
-        </a:lnRef>
-        <a:fillRef idx="3">
-          <a:scrgbClr r="0" g="0" b="0"/>
-        </a:fillRef>
-        <a:effectRef idx="2">
-          <a:scrgbClr r="0" g="0" b="0"/>
-        </a:effectRef>
-        <a:fontRef idx="minor">
-          <a:schemeClr val="lt1"/>
-        </a:fontRef>
-      </dsp:style>
-      <dsp:txBody>
-        <a:bodyPr spcFirstLastPara="0" vert="horz" wrap="square" lIns="11430" tIns="11430" rIns="11430" bIns="11430" numCol="1" spcCol="1270" anchor="ctr" anchorCtr="0">
-          <a:noAutofit/>
-        </a:bodyPr>
-        <a:lstStyle/>
-        <a:p>
-          <a:pPr lvl="0" algn="ctr" defTabSz="800100">
-            <a:lnSpc>
-              <a:spcPct val="90000"/>
-            </a:lnSpc>
-            <a:spcBef>
-              <a:spcPct val="0"/>
-            </a:spcBef>
-            <a:spcAft>
-              <a:spcPct val="35000"/>
-            </a:spcAft>
-          </a:pPr>
-          <a:r>
-            <a:rPr kumimoji="1" lang="ja-JP" altLang="en-US" sz="1800" kern="1200" dirty="0" smtClean="0"/>
-            <a:t>ユーザ一覧</a:t>
-          </a:r>
-          <a:endParaRPr kumimoji="1" lang="ja-JP" altLang="en-US" sz="1800" kern="1200" dirty="0"/>
-        </a:p>
-      </dsp:txBody>
-      <dsp:txXfrm>
-        <a:off x="3490272" y="3337077"/>
-        <a:ext cx="2044634" cy="623364"/>
-      </dsp:txXfrm>
-    </dsp:sp>
-    <dsp:sp modelId="{C190F02C-F840-4400-BB63-3C287CAE70DD}">
-      <dsp:nvSpPr>
-        <dsp:cNvPr id="0" name=""/>
-        <dsp:cNvSpPr/>
-      </dsp:nvSpPr>
-      <dsp:spPr>
-        <a:xfrm>
-          <a:off x="5943833" y="3177134"/>
-          <a:ext cx="2044634" cy="623364"/>
-        </a:xfrm>
-        <a:prstGeom prst="rect">
-          <a:avLst/>
-        </a:prstGeom>
-        <a:gradFill rotWithShape="0">
-          <a:gsLst>
-            <a:gs pos="0">
-              <a:schemeClr val="accent4">
-                <a:hueOff val="0"/>
-                <a:satOff val="0"/>
-                <a:lumOff val="0"/>
-                <a:alphaOff val="0"/>
-                <a:shade val="15000"/>
-                <a:satMod val="180000"/>
-              </a:schemeClr>
-            </a:gs>
-            <a:gs pos="50000">
-              <a:schemeClr val="accent4">
-                <a:hueOff val="0"/>
-                <a:satOff val="0"/>
-                <a:lumOff val="0"/>
-                <a:alphaOff val="0"/>
-                <a:shade val="45000"/>
-                <a:satMod val="170000"/>
-              </a:schemeClr>
-            </a:gs>
-            <a:gs pos="70000">
-              <a:schemeClr val="accent4">
-                <a:hueOff val="0"/>
-                <a:satOff val="0"/>
-                <a:lumOff val="0"/>
-                <a:alphaOff val="0"/>
-                <a:tint val="99000"/>
-                <a:shade val="65000"/>
-                <a:satMod val="155000"/>
-              </a:schemeClr>
-            </a:gs>
-            <a:gs pos="100000">
-              <a:schemeClr val="accent4">
-                <a:hueOff val="0"/>
-                <a:satOff val="0"/>
-                <a:lumOff val="0"/>
-                <a:alphaOff val="0"/>
-                <a:tint val="95500"/>
-                <a:shade val="100000"/>
-                <a:satMod val="155000"/>
-              </a:schemeClr>
-            </a:gs>
-          </a:gsLst>
-          <a:lin ang="16200000" scaled="0"/>
-        </a:gradFill>
-        <a:ln>
-          <a:noFill/>
-        </a:ln>
-        <a:effectLst>
-          <a:outerShdw blurRad="50800" dist="38100" dir="5400000" rotWithShape="0">
-            <a:srgbClr val="000000">
-              <a:alpha val="35000"/>
-            </a:srgbClr>
-          </a:outerShdw>
-        </a:effectLst>
-      </dsp:spPr>
-      <dsp:style>
-        <a:lnRef idx="0">
-          <a:scrgbClr r="0" g="0" b="0"/>
-        </a:lnRef>
-        <a:fillRef idx="3">
-          <a:scrgbClr r="0" g="0" b="0"/>
-        </a:fillRef>
-        <a:effectRef idx="2">
-          <a:scrgbClr r="0" g="0" b="0"/>
-        </a:effectRef>
-        <a:fontRef idx="minor">
-          <a:schemeClr val="lt1"/>
-        </a:fontRef>
-      </dsp:style>
-      <dsp:txBody>
-        <a:bodyPr spcFirstLastPara="0" vert="horz" wrap="square" lIns="11430" tIns="11430" rIns="11430" bIns="11430" numCol="1" spcCol="1270" anchor="ctr" anchorCtr="0">
-          <a:noAutofit/>
-        </a:bodyPr>
-        <a:lstStyle/>
-        <a:p>
-          <a:pPr lvl="0" algn="ctr" defTabSz="800100">
-            <a:lnSpc>
-              <a:spcPct val="90000"/>
-            </a:lnSpc>
-            <a:spcBef>
-              <a:spcPct val="0"/>
-            </a:spcBef>
-            <a:spcAft>
-              <a:spcPct val="35000"/>
-            </a:spcAft>
-          </a:pPr>
-          <a:r>
-            <a:rPr kumimoji="1" lang="ja-JP" altLang="en-US" sz="1800" kern="1200" dirty="0" smtClean="0"/>
-            <a:t>ユーザ修正</a:t>
-          </a:r>
-          <a:endParaRPr kumimoji="1" lang="ja-JP" altLang="en-US" sz="1800" kern="1200" dirty="0"/>
-        </a:p>
-      </dsp:txBody>
-      <dsp:txXfrm>
-        <a:off x="5943833" y="3177134"/>
+        <a:off x="3490272" y="2875058"/>
         <a:ext cx="2044634" cy="623364"/>
       </dsp:txXfrm>
     </dsp:sp>
@@ -8636,15 +7218,15 @@
       <dsp:cNvGrpSpPr/>
     </dsp:nvGrpSpPr>
     <dsp:grpSpPr/>
-    <dsp:sp modelId="{3AA81311-4EAD-4E7A-8B3C-7384A0FA7427}">
+    <dsp:sp modelId="{E0F25E48-4F7F-466B-8845-58591156A353}">
       <dsp:nvSpPr>
         <dsp:cNvPr id="0" name=""/>
         <dsp:cNvSpPr/>
       </dsp:nvSpPr>
       <dsp:spPr>
         <a:xfrm>
-          <a:off x="5534906" y="2984383"/>
-          <a:ext cx="408926" cy="906471"/>
+          <a:off x="3081345" y="2304256"/>
+          <a:ext cx="408926" cy="1632534"/>
         </a:xfrm>
         <a:custGeom>
           <a:avLst/>
@@ -8661,10 +7243,10 @@
                 <a:pt x="204463" y="0"/>
               </a:lnTo>
               <a:lnTo>
-                <a:pt x="204463" y="906471"/>
+                <a:pt x="204463" y="1632534"/>
               </a:lnTo>
               <a:lnTo>
-                <a:pt x="408926" y="906471"/>
+                <a:pt x="408926" y="1632534"/>
               </a:lnTo>
             </a:path>
           </a:pathLst>
@@ -8672,7 +7254,7 @@
         <a:noFill/>
         <a:ln w="9525" cap="flat" cmpd="sng" algn="ctr">
           <a:solidFill>
-            <a:schemeClr val="accent4">
+            <a:schemeClr val="accent3">
               <a:hueOff val="0"/>
               <a:satOff val="0"/>
               <a:lumOff val="0"/>
@@ -8701,7 +7283,7 @@
         </a:bodyPr>
         <a:lstStyle/>
         <a:p>
-          <a:pPr lvl="0" algn="ctr" defTabSz="133350">
+          <a:pPr lvl="0" algn="ctr" defTabSz="266700">
             <a:lnSpc>
               <a:spcPct val="90000"/>
             </a:lnSpc>
@@ -8712,12 +7294,12 @@
               <a:spcPct val="35000"/>
             </a:spcAft>
           </a:pPr>
-          <a:endParaRPr kumimoji="1" lang="ja-JP" altLang="en-US" sz="300" kern="1200"/>
+          <a:endParaRPr kumimoji="1" lang="ja-JP" altLang="en-US" sz="600" kern="1200"/>
         </a:p>
       </dsp:txBody>
       <dsp:txXfrm>
-        <a:off x="5714509" y="3412758"/>
-        <a:ext cx="49722" cy="49722"/>
+        <a:off x="3243734" y="3078449"/>
+        <a:ext cx="84148" cy="84148"/>
       </dsp:txXfrm>
     </dsp:sp>
     <dsp:sp modelId="{355642E0-09D0-42DF-923C-1B3F590DAE0E}">
@@ -8727,8 +7309,8 @@
       </dsp:nvSpPr>
       <dsp:spPr>
         <a:xfrm>
-          <a:off x="5534906" y="2938663"/>
-          <a:ext cx="408926" cy="91440"/>
+          <a:off x="5534906" y="2594781"/>
+          <a:ext cx="408926" cy="405903"/>
         </a:xfrm>
         <a:custGeom>
           <a:avLst/>
@@ -8739,16 +7321,16 @@
           <a:pathLst>
             <a:path>
               <a:moveTo>
-                <a:pt x="0" y="45720"/>
+                <a:pt x="0" y="0"/>
               </a:moveTo>
               <a:lnTo>
-                <a:pt x="204463" y="45720"/>
+                <a:pt x="204463" y="0"/>
               </a:lnTo>
               <a:lnTo>
-                <a:pt x="204463" y="62020"/>
+                <a:pt x="204463" y="405903"/>
               </a:lnTo>
               <a:lnTo>
-                <a:pt x="408926" y="62020"/>
+                <a:pt x="408926" y="405903"/>
               </a:lnTo>
             </a:path>
           </a:pathLst>
@@ -8800,8 +7382,8 @@
         </a:p>
       </dsp:txBody>
       <dsp:txXfrm>
-        <a:off x="5729139" y="2974152"/>
-        <a:ext cx="20462" cy="20462"/>
+        <a:off x="5724966" y="2783328"/>
+        <a:ext cx="28808" cy="28808"/>
       </dsp:txXfrm>
     </dsp:sp>
     <dsp:sp modelId="{9E124E1E-0161-4AC1-87EC-B09B2F219B0F}">
@@ -8812,7 +7394,7 @@
       <dsp:spPr>
         <a:xfrm>
           <a:off x="5534906" y="2078828"/>
-          <a:ext cx="408926" cy="905555"/>
+          <a:ext cx="408926" cy="515952"/>
         </a:xfrm>
         <a:custGeom>
           <a:avLst/>
@@ -8823,10 +7405,10 @@
           <a:pathLst>
             <a:path>
               <a:moveTo>
-                <a:pt x="0" y="905555"/>
+                <a:pt x="0" y="515952"/>
               </a:moveTo>
               <a:lnTo>
-                <a:pt x="204463" y="905555"/>
+                <a:pt x="204463" y="515952"/>
               </a:lnTo>
               <a:lnTo>
                 <a:pt x="204463" y="0"/>
@@ -8884,8 +7466,8 @@
         </a:p>
       </dsp:txBody>
       <dsp:txXfrm>
-        <a:off x="5714530" y="2506766"/>
-        <a:ext cx="49680" cy="49680"/>
+        <a:off x="5722911" y="2320346"/>
+        <a:ext cx="32917" cy="32917"/>
       </dsp:txXfrm>
     </dsp:sp>
     <dsp:sp modelId="{C9BB74AF-030F-4CA5-8A14-E9B74F3B9177}">
@@ -8896,7 +7478,7 @@
       <dsp:spPr>
         <a:xfrm>
           <a:off x="3081345" y="2304256"/>
-          <a:ext cx="408926" cy="680127"/>
+          <a:ext cx="408926" cy="290525"/>
         </a:xfrm>
         <a:custGeom>
           <a:avLst/>
@@ -8913,10 +7495,10 @@
                 <a:pt x="204463" y="0"/>
               </a:lnTo>
               <a:lnTo>
-                <a:pt x="204463" y="680127"/>
+                <a:pt x="204463" y="290525"/>
               </a:lnTo>
               <a:lnTo>
-                <a:pt x="408926" y="680127"/>
+                <a:pt x="408926" y="290525"/>
               </a:lnTo>
             </a:path>
           </a:pathLst>
@@ -8968,8 +7550,8 @@
         </a:p>
       </dsp:txBody>
       <dsp:txXfrm>
-        <a:off x="3265968" y="2624479"/>
-        <a:ext cx="39679" cy="39679"/>
+        <a:off x="3273268" y="2436977"/>
+        <a:ext cx="25081" cy="25081"/>
       </dsp:txXfrm>
     </dsp:sp>
     <dsp:sp modelId="{EC6322D2-0008-4174-9FD3-2486AA11F710}">
@@ -8979,8 +7561,8 @@
       </dsp:nvSpPr>
       <dsp:spPr>
         <a:xfrm>
-          <a:off x="3081345" y="1532331"/>
-          <a:ext cx="408926" cy="771924"/>
+          <a:off x="3081345" y="1142728"/>
+          <a:ext cx="408926" cy="1161527"/>
         </a:xfrm>
         <a:custGeom>
           <a:avLst/>
@@ -8991,10 +7573,10 @@
           <a:pathLst>
             <a:path>
               <a:moveTo>
-                <a:pt x="0" y="771924"/>
+                <a:pt x="0" y="1161527"/>
               </a:moveTo>
               <a:lnTo>
-                <a:pt x="204463" y="771924"/>
+                <a:pt x="204463" y="1161527"/>
               </a:lnTo>
               <a:lnTo>
                 <a:pt x="204463" y="0"/>
@@ -9052,8 +7634,8 @@
         </a:p>
       </dsp:txBody>
       <dsp:txXfrm>
-        <a:off x="3263970" y="1896455"/>
-        <a:ext cx="43677" cy="43677"/>
+        <a:off x="3255023" y="1692707"/>
+        <a:ext cx="61570" cy="61570"/>
       </dsp:txXfrm>
     </dsp:sp>
     <dsp:sp modelId="{5C94A537-F670-4876-9327-9280C8C56023}">
@@ -9369,7 +7951,7 @@
       </dsp:nvSpPr>
       <dsp:spPr>
         <a:xfrm>
-          <a:off x="3490272" y="1220649"/>
+          <a:off x="3490272" y="831046"/>
           <a:ext cx="2044634" cy="623364"/>
         </a:xfrm>
         <a:prstGeom prst="rect">
@@ -9472,7 +8054,7 @@
         </a:p>
       </dsp:txBody>
       <dsp:txXfrm>
-        <a:off x="3490272" y="1220649"/>
+        <a:off x="3490272" y="831046"/>
         <a:ext cx="2044634" cy="623364"/>
       </dsp:txXfrm>
     </dsp:sp>
@@ -9483,7 +8065,7 @@
       </dsp:nvSpPr>
       <dsp:spPr>
         <a:xfrm>
-          <a:off x="3490272" y="2672701"/>
+          <a:off x="3490272" y="2283099"/>
           <a:ext cx="2044634" cy="623364"/>
         </a:xfrm>
         <a:prstGeom prst="rect">
@@ -9586,7 +8168,7 @@
         </a:p>
       </dsp:txBody>
       <dsp:txXfrm>
-        <a:off x="3490272" y="2672701"/>
+        <a:off x="3490272" y="2283099"/>
         <a:ext cx="2044634" cy="623364"/>
       </dsp:txXfrm>
     </dsp:sp>
@@ -9818,14 +8400,14 @@
         <a:ext cx="2044634" cy="623364"/>
       </dsp:txXfrm>
     </dsp:sp>
-    <dsp:sp modelId="{0C332281-900B-440A-A110-24393A013274}">
+    <dsp:sp modelId="{C3E6BC3B-2DC5-4870-969C-B2329060F879}">
       <dsp:nvSpPr>
         <dsp:cNvPr id="0" name=""/>
         <dsp:cNvSpPr/>
       </dsp:nvSpPr>
       <dsp:spPr>
         <a:xfrm>
-          <a:off x="5943833" y="3579173"/>
+          <a:off x="3490272" y="3625108"/>
           <a:ext cx="2044634" cy="623364"/>
         </a:xfrm>
         <a:prstGeom prst="rect">
@@ -9834,7 +8416,7 @@
         <a:gradFill rotWithShape="0">
           <a:gsLst>
             <a:gs pos="0">
-              <a:schemeClr val="accent4">
+              <a:schemeClr val="accent3">
                 <a:hueOff val="0"/>
                 <a:satOff val="0"/>
                 <a:lumOff val="0"/>
@@ -9844,7 +8426,7 @@
               </a:schemeClr>
             </a:gs>
             <a:gs pos="50000">
-              <a:schemeClr val="accent4">
+              <a:schemeClr val="accent3">
                 <a:hueOff val="0"/>
                 <a:satOff val="0"/>
                 <a:lumOff val="0"/>
@@ -9854,7 +8436,7 @@
               </a:schemeClr>
             </a:gs>
             <a:gs pos="70000">
-              <a:schemeClr val="accent4">
+              <a:schemeClr val="accent3">
                 <a:hueOff val="0"/>
                 <a:satOff val="0"/>
                 <a:lumOff val="0"/>
@@ -9865,7 +8447,7 @@
               </a:schemeClr>
             </a:gs>
             <a:gs pos="100000">
-              <a:schemeClr val="accent4">
+              <a:schemeClr val="accent3">
                 <a:hueOff val="0"/>
                 <a:satOff val="0"/>
                 <a:lumOff val="0"/>
@@ -9922,13 +8504,17 @@
           </a:pPr>
           <a:r>
             <a:rPr kumimoji="1" lang="ja-JP" altLang="en-US" sz="1800" kern="1200" dirty="0" smtClean="0"/>
-            <a:t>承認ルート設定</a:t>
+            <a:t>利用者情報</a:t>
+          </a:r>
+          <a:r>
+            <a:rPr kumimoji="1" lang="ja-JP" altLang="en-US" sz="1800" kern="1200" dirty="0" smtClean="0"/>
+            <a:t>修正</a:t>
           </a:r>
           <a:endParaRPr kumimoji="1" lang="ja-JP" altLang="en-US" sz="1800" kern="1200" dirty="0"/>
         </a:p>
       </dsp:txBody>
       <dsp:txXfrm>
-        <a:off x="5943833" y="3579173"/>
+        <a:off x="3490272" y="3625108"/>
         <a:ext cx="2044634" cy="623364"/>
       </dsp:txXfrm>
     </dsp:sp>
@@ -14090,7 +12676,7 @@
             <a:fld id="{BCDAA5EE-A947-4495-AD3A-0037BFB73522}" type="datetimeFigureOut">
               <a:rPr kumimoji="1" lang="ja-JP" altLang="en-US" smtClean="0"/>
               <a:pPr/>
-              <a:t>2016/8/30</a:t>
+              <a:t>2016/8/31</a:t>
             </a:fld>
             <a:endParaRPr kumimoji="1" lang="ja-JP" altLang="en-US"/>
           </a:p>
@@ -14257,7 +12843,7 @@
             <a:fld id="{B865EC08-ADE3-4A7C-8117-50520C10DDF4}" type="datetimeFigureOut">
               <a:rPr kumimoji="1" lang="ja-JP" altLang="en-US" smtClean="0"/>
               <a:pPr/>
-              <a:t>2016/8/30</a:t>
+              <a:t>2016/8/31</a:t>
             </a:fld>
             <a:endParaRPr kumimoji="1" lang="ja-JP" altLang="en-US"/>
           </a:p>
@@ -15183,7 +13769,7 @@
           <a:p>
             <a:fld id="{3A576C07-E38E-4C3D-BC35-8E17EB8E6E08}" type="datetime1">
               <a:rPr kumimoji="1" lang="ja-JP" altLang="en-US" smtClean="0"/>
-              <a:t>2016/8/30</a:t>
+              <a:t>2016/8/31</a:t>
             </a:fld>
             <a:endParaRPr kumimoji="1" lang="ja-JP" altLang="en-US"/>
           </a:p>
@@ -15412,7 +13998,7 @@
           <a:p>
             <a:fld id="{D0F623A9-937B-4786-8F6C-0B01A518FDEB}" type="datetime1">
               <a:rPr kumimoji="1" lang="ja-JP" altLang="en-US" smtClean="0"/>
-              <a:t>2016/8/30</a:t>
+              <a:t>2016/8/31</a:t>
             </a:fld>
             <a:endParaRPr kumimoji="1" lang="ja-JP" altLang="en-US"/>
           </a:p>
@@ -15630,7 +14216,7 @@
           <a:p>
             <a:fld id="{3C9E95D3-AFAE-4D54-BB7E-F3C2095620FD}" type="datetime1">
               <a:rPr kumimoji="1" lang="ja-JP" altLang="en-US" smtClean="0"/>
-              <a:t>2016/8/30</a:t>
+              <a:t>2016/8/31</a:t>
             </a:fld>
             <a:endParaRPr kumimoji="1" lang="ja-JP" altLang="en-US"/>
           </a:p>
@@ -15813,7 +14399,7 @@
           <a:p>
             <a:fld id="{A1955A63-441B-408C-895B-6B2624043540}" type="datetime1">
               <a:rPr kumimoji="1" lang="ja-JP" altLang="en-US" smtClean="0"/>
-              <a:t>2016/8/30</a:t>
+              <a:t>2016/8/31</a:t>
             </a:fld>
             <a:endParaRPr kumimoji="1" lang="ja-JP" altLang="en-US"/>
           </a:p>
@@ -16069,7 +14655,7 @@
           <a:p>
             <a:fld id="{BB7D982B-7800-4436-BF26-308BFD481496}" type="datetime1">
               <a:rPr kumimoji="1" lang="ja-JP" altLang="en-US" smtClean="0"/>
-              <a:t>2016/8/30</a:t>
+              <a:t>2016/8/31</a:t>
             </a:fld>
             <a:endParaRPr kumimoji="1" lang="ja-JP" altLang="en-US"/>
           </a:p>
@@ -16543,7 +15129,7 @@
           <a:p>
             <a:fld id="{29999401-03DD-4A20-94C7-318741F3EB83}" type="datetime1">
               <a:rPr kumimoji="1" lang="ja-JP" altLang="en-US" smtClean="0"/>
-              <a:t>2016/8/30</a:t>
+              <a:t>2016/8/31</a:t>
             </a:fld>
             <a:endParaRPr kumimoji="1" lang="ja-JP" altLang="en-US"/>
           </a:p>
@@ -17054,7 +15640,7 @@
           <a:p>
             <a:fld id="{F0EA75BA-4C7E-4CF2-823F-8E80C3C309A0}" type="datetime1">
               <a:rPr kumimoji="1" lang="ja-JP" altLang="en-US" smtClean="0"/>
-              <a:t>2016/8/30</a:t>
+              <a:t>2016/8/31</a:t>
             </a:fld>
             <a:endParaRPr kumimoji="1" lang="ja-JP" altLang="en-US"/>
           </a:p>
@@ -17156,7 +15742,7 @@
           <a:p>
             <a:fld id="{98CC5EB7-3AA8-4A7E-B941-5AA34CF65C67}" type="datetime1">
               <a:rPr kumimoji="1" lang="ja-JP" altLang="en-US" smtClean="0"/>
-              <a:t>2016/8/30</a:t>
+              <a:t>2016/8/31</a:t>
             </a:fld>
             <a:endParaRPr kumimoji="1" lang="ja-JP" altLang="en-US"/>
           </a:p>
@@ -17278,7 +15864,7 @@
           <a:p>
             <a:fld id="{1D46C637-6F31-4519-86BD-A8DE27E26308}" type="datetime1">
               <a:rPr kumimoji="1" lang="ja-JP" altLang="en-US" smtClean="0"/>
-              <a:t>2016/8/30</a:t>
+              <a:t>2016/8/31</a:t>
             </a:fld>
             <a:endParaRPr kumimoji="1" lang="ja-JP" altLang="en-US"/>
           </a:p>
@@ -17585,7 +16171,7 @@
           <a:p>
             <a:fld id="{1F18E707-7AD5-425B-9941-61ED8021112A}" type="datetime1">
               <a:rPr kumimoji="1" lang="ja-JP" altLang="en-US" smtClean="0"/>
-              <a:t>2016/8/30</a:t>
+              <a:t>2016/8/31</a:t>
             </a:fld>
             <a:endParaRPr kumimoji="1" lang="ja-JP" altLang="en-US"/>
           </a:p>
@@ -17791,7 +16377,7 @@
           <a:p>
             <a:fld id="{E4E615BB-84E1-4D8C-B2DC-7C8888235217}" type="datetime1">
               <a:rPr kumimoji="1" lang="ja-JP" altLang="en-US" smtClean="0"/>
-              <a:t>2016/8/30</a:t>
+              <a:t>2016/8/31</a:t>
             </a:fld>
             <a:endParaRPr kumimoji="1" lang="ja-JP" altLang="en-US"/>
           </a:p>
@@ -18933,7 +17519,7 @@
           <a:p>
             <a:fld id="{C73A04D8-C60D-483B-AB76-E6A23F203AF6}" type="datetime1">
               <a:rPr kumimoji="1" lang="ja-JP" altLang="en-US" smtClean="0"/>
-              <a:t>2016/8/30</a:t>
+              <a:t>2016/8/31</a:t>
             </a:fld>
             <a:endParaRPr kumimoji="1" lang="ja-JP" altLang="en-US"/>
           </a:p>
@@ -19435,6 +18021,260 @@
       </p:grpSpPr>
       <p:graphicFrame>
         <p:nvGraphicFramePr>
+          <p:cNvPr id="20" name="図表 19"/>
+          <p:cNvGraphicFramePr/>
+          <p:nvPr>
+            <p:extLst>
+              <p:ext uri="{D42A27DB-BD31-4B8C-83A1-F6EECF244321}">
+                <p14:modId xmlns:p14="http://schemas.microsoft.com/office/powerpoint/2010/main" val="1967807179"/>
+              </p:ext>
+            </p:extLst>
+          </p:nvPr>
+        </p:nvGraphicFramePr>
+        <p:xfrm>
+          <a:off x="539552" y="1556792"/>
+          <a:ext cx="7992888" cy="4608512"/>
+        </p:xfrm>
+        <a:graphic>
+          <a:graphicData uri="http://schemas.openxmlformats.org/drawingml/2006/diagram">
+            <dgm:relIds xmlns:dgm="http://schemas.openxmlformats.org/drawingml/2006/diagram" xmlns:r="http://schemas.openxmlformats.org/officeDocument/2006/relationships" r:dm="rId2" r:lo="rId3" r:qs="rId4" r:cs="rId5"/>
+          </a:graphicData>
+        </a:graphic>
+      </p:graphicFrame>
+      <p:sp>
+        <p:nvSpPr>
+          <p:cNvPr id="2" name="タイトル 1"/>
+          <p:cNvSpPr>
+            <a:spLocks noGrp="1"/>
+          </p:cNvSpPr>
+          <p:nvPr>
+            <p:ph type="title"/>
+          </p:nvPr>
+        </p:nvSpPr>
+        <p:spPr/>
+        <p:txBody>
+          <a:bodyPr>
+            <a:normAutofit/>
+          </a:bodyPr>
+          <a:lstStyle/>
+          <a:p>
+            <a:r>
+              <a:rPr lang="ja-JP" altLang="en-US" dirty="0" smtClean="0"/>
+              <a:t>６－３．画面構成（管理者）</a:t>
+            </a:r>
+            <a:endParaRPr kumimoji="1" lang="ja-JP" altLang="en-US" dirty="0"/>
+          </a:p>
+        </p:txBody>
+      </p:sp>
+      <p:sp>
+        <p:nvSpPr>
+          <p:cNvPr id="21" name="正方形/長方形 20"/>
+          <p:cNvSpPr/>
+          <p:nvPr/>
+        </p:nvSpPr>
+        <p:spPr>
+          <a:xfrm>
+            <a:off x="6588224" y="1844824"/>
+            <a:ext cx="1944216" cy="605346"/>
+          </a:xfrm>
+          <a:prstGeom prst="rect">
+            <a:avLst/>
+          </a:prstGeom>
+          <a:ln/>
+        </p:spPr>
+        <p:style>
+          <a:lnRef idx="1">
+            <a:schemeClr val="accent6"/>
+          </a:lnRef>
+          <a:fillRef idx="3">
+            <a:schemeClr val="accent6"/>
+          </a:fillRef>
+          <a:effectRef idx="2">
+            <a:schemeClr val="accent6"/>
+          </a:effectRef>
+          <a:fontRef idx="minor">
+            <a:schemeClr val="lt1"/>
+          </a:fontRef>
+        </p:style>
+        <p:txBody>
+          <a:bodyPr rtlCol="0" anchor="ctr"/>
+          <a:lstStyle>
+            <a:lvl1pPr marL="0" indent="0">
+              <a:defRPr sz="1100">
+                <a:solidFill>
+                  <a:schemeClr val="dk1"/>
+                </a:solidFill>
+                <a:latin typeface="+mn-lt"/>
+                <a:ea typeface="+mn-ea"/>
+                <a:cs typeface="+mn-cs"/>
+              </a:defRPr>
+            </a:lvl1pPr>
+            <a:lvl2pPr marL="457200" indent="0">
+              <a:defRPr sz="1100">
+                <a:solidFill>
+                  <a:schemeClr val="dk1"/>
+                </a:solidFill>
+                <a:latin typeface="+mn-lt"/>
+                <a:ea typeface="+mn-ea"/>
+                <a:cs typeface="+mn-cs"/>
+              </a:defRPr>
+            </a:lvl2pPr>
+            <a:lvl3pPr marL="914400" indent="0">
+              <a:defRPr sz="1100">
+                <a:solidFill>
+                  <a:schemeClr val="dk1"/>
+                </a:solidFill>
+                <a:latin typeface="+mn-lt"/>
+                <a:ea typeface="+mn-ea"/>
+                <a:cs typeface="+mn-cs"/>
+              </a:defRPr>
+            </a:lvl3pPr>
+            <a:lvl4pPr marL="1371600" indent="0">
+              <a:defRPr sz="1100">
+                <a:solidFill>
+                  <a:schemeClr val="dk1"/>
+                </a:solidFill>
+                <a:latin typeface="+mn-lt"/>
+                <a:ea typeface="+mn-ea"/>
+                <a:cs typeface="+mn-cs"/>
+              </a:defRPr>
+            </a:lvl4pPr>
+            <a:lvl5pPr marL="1828800" indent="0">
+              <a:defRPr sz="1100">
+                <a:solidFill>
+                  <a:schemeClr val="dk1"/>
+                </a:solidFill>
+                <a:latin typeface="+mn-lt"/>
+                <a:ea typeface="+mn-ea"/>
+                <a:cs typeface="+mn-cs"/>
+              </a:defRPr>
+            </a:lvl5pPr>
+            <a:lvl6pPr marL="2286000" indent="0">
+              <a:defRPr sz="1100">
+                <a:solidFill>
+                  <a:schemeClr val="dk1"/>
+                </a:solidFill>
+                <a:latin typeface="+mn-lt"/>
+                <a:ea typeface="+mn-ea"/>
+                <a:cs typeface="+mn-cs"/>
+              </a:defRPr>
+            </a:lvl6pPr>
+            <a:lvl7pPr marL="2743200" indent="0">
+              <a:defRPr sz="1100">
+                <a:solidFill>
+                  <a:schemeClr val="dk1"/>
+                </a:solidFill>
+                <a:latin typeface="+mn-lt"/>
+                <a:ea typeface="+mn-ea"/>
+                <a:cs typeface="+mn-cs"/>
+              </a:defRPr>
+            </a:lvl7pPr>
+            <a:lvl8pPr marL="3200400" indent="0">
+              <a:defRPr sz="1100">
+                <a:solidFill>
+                  <a:schemeClr val="dk1"/>
+                </a:solidFill>
+                <a:latin typeface="+mn-lt"/>
+                <a:ea typeface="+mn-ea"/>
+                <a:cs typeface="+mn-cs"/>
+              </a:defRPr>
+            </a:lvl8pPr>
+            <a:lvl9pPr marL="3657600" indent="0">
+              <a:defRPr sz="1100">
+                <a:solidFill>
+                  <a:schemeClr val="dk1"/>
+                </a:solidFill>
+                <a:latin typeface="+mn-lt"/>
+                <a:ea typeface="+mn-ea"/>
+                <a:cs typeface="+mn-cs"/>
+              </a:defRPr>
+            </a:lvl9pPr>
+          </a:lstStyle>
+          <a:p>
+            <a:pPr algn="ctr"/>
+            <a:r>
+              <a:rPr kumimoji="1" lang="ja-JP" altLang="en-US" sz="1800" dirty="0" smtClean="0">
+                <a:solidFill>
+                  <a:schemeClr val="bg1"/>
+                </a:solidFill>
+                <a:latin typeface="+mj-ea"/>
+                <a:ea typeface="+mj-ea"/>
+              </a:rPr>
+              <a:t>メール送信機能</a:t>
+            </a:r>
+            <a:endParaRPr kumimoji="1" lang="en-US" altLang="ja-JP" sz="1800" dirty="0">
+              <a:solidFill>
+                <a:schemeClr val="bg1"/>
+              </a:solidFill>
+              <a:latin typeface="+mj-ea"/>
+              <a:ea typeface="+mj-ea"/>
+            </a:endParaRPr>
+          </a:p>
+        </p:txBody>
+      </p:sp>
+      <p:sp>
+        <p:nvSpPr>
+          <p:cNvPr id="3" name="スライド番号プレースホルダー 2"/>
+          <p:cNvSpPr>
+            <a:spLocks noGrp="1"/>
+          </p:cNvSpPr>
+          <p:nvPr>
+            <p:ph type="sldNum" sz="quarter" idx="12"/>
+          </p:nvPr>
+        </p:nvSpPr>
+        <p:spPr/>
+        <p:txBody>
+          <a:bodyPr/>
+          <a:lstStyle/>
+          <a:p>
+            <a:fld id="{1B2C9F7E-80B6-4C3C-8A6C-643968CAB744}" type="slidenum">
+              <a:rPr kumimoji="1" lang="ja-JP" altLang="en-US" smtClean="0"/>
+              <a:pPr/>
+              <a:t>10</a:t>
+            </a:fld>
+            <a:endParaRPr kumimoji="1" lang="ja-JP" altLang="en-US"/>
+          </a:p>
+        </p:txBody>
+      </p:sp>
+    </p:spTree>
+    <p:extLst>
+      <p:ext uri="{BB962C8B-B14F-4D97-AF65-F5344CB8AC3E}">
+        <p14:creationId xmlns:p14="http://schemas.microsoft.com/office/powerpoint/2010/main" val="1065369448"/>
+      </p:ext>
+    </p:extLst>
+  </p:cSld>
+  <p:clrMapOvr>
+    <a:masterClrMapping/>
+  </p:clrMapOvr>
+  <p:timing>
+    <p:tnLst>
+      <p:par>
+        <p:cTn id="1" dur="indefinite" restart="never" nodeType="tmRoot"/>
+      </p:par>
+    </p:tnLst>
+  </p:timing>
+</p:sld>
+</file>
+
+<file path=ppt/slides/slide11.xml><?xml version="1.0" encoding="utf-8"?>
+<p:sld xmlns:a="http://schemas.openxmlformats.org/drawingml/2006/main" xmlns:r="http://schemas.openxmlformats.org/officeDocument/2006/relationships" xmlns:p="http://schemas.openxmlformats.org/presentationml/2006/main">
+  <p:cSld>
+    <p:spTree>
+      <p:nvGrpSpPr>
+        <p:cNvPr id="1" name=""/>
+        <p:cNvGrpSpPr/>
+        <p:nvPr/>
+      </p:nvGrpSpPr>
+      <p:grpSpPr>
+        <a:xfrm>
+          <a:off x="0" y="0"/>
+          <a:ext cx="0" cy="0"/>
+          <a:chOff x="0" y="0"/>
+          <a:chExt cx="0" cy="0"/>
+        </a:xfrm>
+      </p:grpSpPr>
+      <p:graphicFrame>
+        <p:nvGraphicFramePr>
           <p:cNvPr id="5" name="コンテンツ プレースホルダー 4"/>
           <p:cNvGraphicFramePr>
             <a:graphicFrameLocks noGrp="1"/>
@@ -19443,14 +18283,14 @@
             <p:ph idx="1"/>
             <p:extLst>
               <p:ext uri="{D42A27DB-BD31-4B8C-83A1-F6EECF244321}">
-                <p14:modId xmlns:p14="http://schemas.microsoft.com/office/powerpoint/2010/main" val="1556281162"/>
+                <p14:modId xmlns:p14="http://schemas.microsoft.com/office/powerpoint/2010/main" val="3397213303"/>
               </p:ext>
             </p:extLst>
           </p:nvPr>
         </p:nvGraphicFramePr>
         <p:xfrm>
           <a:off x="601215" y="1484785"/>
-          <a:ext cx="7931225" cy="2304254"/>
+          <a:ext cx="7931225" cy="2312916"/>
         </p:xfrm>
         <a:graphic>
           <a:graphicData uri="http://schemas.openxmlformats.org/drawingml/2006/table">
@@ -19464,7 +18304,7 @@
                 <a:gridCol w="3507285"/>
                 <a:gridCol w="2314601"/>
               </a:tblGrid>
-              <a:tr h="351377">
+              <a:tr h="360039">
                 <a:tc>
                   <a:txBody>
                     <a:bodyPr/>
@@ -19943,7 +18783,7 @@
           <a:p>
             <a:r>
               <a:rPr kumimoji="1" lang="ja-JP" altLang="en-US" dirty="0" smtClean="0"/>
-              <a:t>５－２．画面</a:t>
+              <a:t>７－１．画面</a:t>
             </a:r>
             <a:r>
               <a:rPr lang="ja-JP" altLang="en-US" dirty="0" smtClean="0"/>
@@ -19979,7 +18819,7 @@
             <a:fld id="{1B2C9F7E-80B6-4C3C-8A6C-643968CAB744}" type="slidenum">
               <a:rPr kumimoji="1" lang="ja-JP" altLang="en-US" smtClean="0"/>
               <a:pPr/>
-              <a:t>10</a:t>
+              <a:t>11</a:t>
             </a:fld>
             <a:endParaRPr kumimoji="1" lang="ja-JP" altLang="en-US"/>
           </a:p>
@@ -20005,7 +18845,7 @@
 </p:sld>
 </file>
 
-<file path=ppt/slides/slide11.xml><?xml version="1.0" encoding="utf-8"?>
+<file path=ppt/slides/slide12.xml><?xml version="1.0" encoding="utf-8"?>
 <p:sld xmlns:a="http://schemas.openxmlformats.org/drawingml/2006/main" xmlns:r="http://schemas.openxmlformats.org/officeDocument/2006/relationships" xmlns:p="http://schemas.openxmlformats.org/presentationml/2006/main">
   <p:cSld>
     <p:spTree>
@@ -20032,14 +18872,14 @@
             <p:ph idx="1"/>
             <p:extLst>
               <p:ext uri="{D42A27DB-BD31-4B8C-83A1-F6EECF244321}">
-                <p14:modId xmlns:p14="http://schemas.microsoft.com/office/powerpoint/2010/main" val="1732740360"/>
+                <p14:modId xmlns:p14="http://schemas.microsoft.com/office/powerpoint/2010/main" val="3659727535"/>
               </p:ext>
             </p:extLst>
           </p:nvPr>
         </p:nvGraphicFramePr>
         <p:xfrm>
           <a:off x="601215" y="1484785"/>
-          <a:ext cx="7931225" cy="2621647"/>
+          <a:ext cx="7931225" cy="2352638"/>
         </p:xfrm>
         <a:graphic>
           <a:graphicData uri="http://schemas.openxmlformats.org/drawingml/2006/table">
@@ -20334,7 +19174,19 @@
                         <a:rPr lang="ja-JP" altLang="en-US" sz="1400" u="none" strike="noStrike" dirty="0" smtClean="0">
                           <a:effectLst/>
                         </a:rPr>
-                        <a:t>ユーザの登録を</a:t>
+                        <a:t>ユーザの登録</a:t>
+                      </a:r>
+                      <a:r>
+                        <a:rPr lang="en-US" altLang="ja-JP" sz="1400" u="none" strike="noStrike" dirty="0" smtClean="0">
+                          <a:effectLst/>
+                        </a:rPr>
+                        <a:t>/</a:t>
+                      </a:r>
+                      <a:r>
+                        <a:rPr lang="ja-JP" altLang="en-US" sz="1400" u="none" strike="noStrike" dirty="0" smtClean="0">
+                          <a:effectLst/>
+                        </a:rPr>
+                        <a:t>修正を</a:t>
                       </a:r>
                       <a:r>
                         <a:rPr lang="ja-JP" altLang="en-US" sz="1400" u="none" strike="noStrike" dirty="0">
@@ -20366,16 +19218,46 @@
                     <a:p>
                       <a:pPr algn="l" fontAlgn="ctr"/>
                       <a:r>
-                        <a:rPr lang="ja-JP" altLang="en-US" sz="1400" u="none" strike="noStrike" dirty="0">
+                        <a:rPr lang="ja-JP" altLang="en-US" sz="1400" u="none" strike="noStrike" dirty="0" smtClean="0">
                           <a:effectLst/>
                         </a:rPr>
-                        <a:t>・</a:t>
+                        <a:t>・ユーザ登録</a:t>
                       </a:r>
+                      <a:endParaRPr lang="en-US" altLang="ja-JP" sz="1400" u="none" strike="noStrike" dirty="0" smtClean="0">
+                        <a:effectLst/>
+                      </a:endParaRPr>
+                    </a:p>
+                    <a:p>
+                      <a:pPr algn="l" fontAlgn="ctr"/>
                       <a:r>
                         <a:rPr lang="ja-JP" altLang="en-US" sz="1400" u="none" strike="noStrike" dirty="0" smtClean="0">
                           <a:effectLst/>
                         </a:rPr>
-                        <a:t>ユーザ登録</a:t>
+                        <a:t>・ユーザ修正</a:t>
+                      </a:r>
+                      <a:endParaRPr lang="en-US" altLang="ja-JP" sz="1400" u="none" strike="noStrike" dirty="0" smtClean="0">
+                        <a:effectLst/>
+                      </a:endParaRPr>
+                    </a:p>
+                    <a:p>
+                      <a:pPr algn="l" fontAlgn="ctr"/>
+                      <a:r>
+                        <a:rPr lang="ja-JP" altLang="en-US" sz="1400" u="none" strike="noStrike" dirty="0" smtClean="0">
+                          <a:effectLst/>
+                        </a:rPr>
+                        <a:t>・ユーザ削除</a:t>
+                      </a:r>
+                      <a:endParaRPr lang="en-US" altLang="ja-JP" sz="1400" u="none" strike="noStrike" dirty="0" smtClean="0">
+                        <a:effectLst/>
+                      </a:endParaRPr>
+                    </a:p>
+                    <a:p>
+                      <a:pPr algn="l" fontAlgn="ctr"/>
+                      <a:r>
+                        <a:rPr lang="ja-JP" altLang="en-US" sz="1400" u="none" strike="noStrike" dirty="0" smtClean="0">
+                          <a:effectLst/>
+                        </a:rPr>
+                        <a:t>・承認フロー設定</a:t>
                       </a:r>
                       <a:endParaRPr lang="en-US" altLang="ja-JP" sz="1400" u="none" strike="noStrike" dirty="0" smtClean="0">
                         <a:effectLst/>
@@ -20423,155 +19305,26 @@
                     <a:bodyPr/>
                     <a:lstStyle/>
                     <a:p>
-                      <a:pPr marL="0" marR="0" indent="0" algn="l" defTabSz="914400" rtl="0" eaLnBrk="1" fontAlgn="ctr" latinLnBrk="0" hangingPunct="1">
-                        <a:lnSpc>
-                          <a:spcPct val="100000"/>
-                        </a:lnSpc>
-                        <a:spcBef>
-                          <a:spcPts val="0"/>
-                        </a:spcBef>
-                        <a:spcAft>
-                          <a:spcPts val="0"/>
-                        </a:spcAft>
-                        <a:buClrTx/>
-                        <a:buSzTx/>
-                        <a:buFontTx/>
-                        <a:buNone/>
-                        <a:tabLst/>
-                        <a:defRPr/>
-                      </a:pPr>
-                      <a:r>
-                        <a:rPr lang="ja-JP" altLang="en-US" sz="1400" u="none" strike="noStrike" dirty="0" smtClean="0">
-                          <a:effectLst/>
-                        </a:rPr>
-                        <a:t>ユーザ修正</a:t>
-                      </a:r>
-                      <a:endParaRPr lang="ja-JP" altLang="en-US" sz="1400" b="0" i="0" u="none" strike="noStrike" dirty="0" smtClean="0">
-                        <a:solidFill>
-                          <a:srgbClr val="000000"/>
-                        </a:solidFill>
-                        <a:effectLst/>
-                        <a:latin typeface="ＭＳ Ｐゴシック"/>
-                      </a:endParaRPr>
-                    </a:p>
-                  </a:txBody>
-                  <a:tcPr marL="8355" marR="8355" marT="8355" marB="0" anchor="ctr"/>
-                </a:tc>
-                <a:tc>
-                  <a:txBody>
-                    <a:bodyPr/>
-                    <a:lstStyle/>
-                    <a:p>
-                      <a:pPr marL="0" marR="0" indent="0" algn="l" defTabSz="914400" rtl="0" eaLnBrk="1" fontAlgn="ctr" latinLnBrk="0" hangingPunct="1">
-                        <a:lnSpc>
-                          <a:spcPct val="100000"/>
-                        </a:lnSpc>
-                        <a:spcBef>
-                          <a:spcPts val="0"/>
-                        </a:spcBef>
-                        <a:spcAft>
-                          <a:spcPts val="0"/>
-                        </a:spcAft>
-                        <a:buClrTx/>
-                        <a:buSzTx/>
-                        <a:buFontTx/>
-                        <a:buNone/>
-                        <a:tabLst/>
-                        <a:defRPr/>
-                      </a:pPr>
-                      <a:r>
-                        <a:rPr lang="ja-JP" altLang="en-US" sz="1400" u="none" strike="noStrike" dirty="0" smtClean="0">
-                          <a:effectLst/>
-                        </a:rPr>
-                        <a:t>ユーザの修正を行う画面。</a:t>
-                      </a:r>
-                      <a:endParaRPr lang="ja-JP" altLang="en-US" sz="1400" b="0" i="0" u="none" strike="noStrike" dirty="0" smtClean="0">
-                        <a:solidFill>
-                          <a:srgbClr val="000000"/>
-                        </a:solidFill>
-                        <a:effectLst/>
-                        <a:latin typeface="ＭＳ Ｐゴシック"/>
-                      </a:endParaRPr>
-                    </a:p>
-                  </a:txBody>
-                  <a:tcPr marL="8355" marR="8355" marT="8355" marB="0" anchor="ctr"/>
-                </a:tc>
-                <a:tc>
-                  <a:txBody>
-                    <a:bodyPr/>
-                    <a:lstStyle/>
-                    <a:p>
                       <a:pPr algn="l" fontAlgn="ctr"/>
                       <a:r>
-                        <a:rPr lang="ja-JP" altLang="en-US" sz="1400" u="none" strike="noStrike" dirty="0" smtClean="0">
-                          <a:effectLst/>
-                        </a:rPr>
-                        <a:t>・ユーザ修正</a:t>
-                      </a:r>
-                      <a:endParaRPr lang="en-US" altLang="ja-JP" sz="1400" u="none" strike="noStrike" dirty="0" smtClean="0">
-                        <a:effectLst/>
-                      </a:endParaRPr>
-                    </a:p>
-                    <a:p>
-                      <a:pPr algn="l" fontAlgn="ctr"/>
-                      <a:r>
-                        <a:rPr lang="ja-JP" altLang="en-US" sz="1400" u="none" strike="noStrike" dirty="0" smtClean="0">
-                          <a:effectLst/>
-                        </a:rPr>
-                        <a:t>・ユーザ削除</a:t>
-                      </a:r>
-                      <a:endParaRPr lang="en-US" altLang="ja-JP" sz="1400" u="none" strike="noStrike" dirty="0" smtClean="0">
-                        <a:effectLst/>
-                      </a:endParaRPr>
-                    </a:p>
-                  </a:txBody>
-                  <a:tcPr marL="8355" marR="8355" marT="8355" marB="0" anchor="ctr"/>
-                </a:tc>
-              </a:tr>
-              <a:tr h="565402">
-                <a:tc>
-                  <a:txBody>
-                    <a:bodyPr/>
-                    <a:lstStyle/>
-                    <a:p>
-                      <a:pPr marL="0" indent="0" algn="r" fontAlgn="ctr">
-                        <a:buFont typeface="Arial" panose="020B0604020202020204" pitchFamily="34" charset="0"/>
-                        <a:buNone/>
-                      </a:pPr>
-                      <a:r>
-                        <a:rPr lang="en-US" altLang="ja-JP" sz="1400" b="0" i="0" u="none" strike="noStrike" dirty="0" smtClean="0">
+                        <a:rPr lang="ja-JP" altLang="en-US" sz="1400" b="0" i="0" u="none" strike="noStrike" dirty="0" smtClean="0">
                           <a:solidFill>
                             <a:srgbClr val="000000"/>
                           </a:solidFill>
                           <a:effectLst/>
-                          <a:latin typeface="+mn-ea"/>
-                          <a:ea typeface="+mn-ea"/>
+                          <a:latin typeface="ＭＳ Ｐゴシック"/>
                         </a:rPr>
-                        <a:t>4</a:t>
+                        <a:t>利用者情報</a:t>
                       </a:r>
-                      <a:endParaRPr lang="en-US" altLang="ja-JP" sz="1400" b="0" i="0" u="none" strike="noStrike" dirty="0">
-                        <a:solidFill>
-                          <a:srgbClr val="000000"/>
-                        </a:solidFill>
-                        <a:effectLst/>
-                        <a:latin typeface="+mn-ea"/>
-                        <a:ea typeface="+mn-ea"/>
-                      </a:endParaRPr>
-                    </a:p>
-                  </a:txBody>
-                  <a:tcPr marL="8355" marR="8355" marT="8355" marB="0" anchor="ctr"/>
-                </a:tc>
-                <a:tc>
-                  <a:txBody>
-                    <a:bodyPr/>
-                    <a:lstStyle/>
-                    <a:p>
-                      <a:pPr algn="l" fontAlgn="ctr"/>
                       <a:r>
-                        <a:rPr lang="ja-JP" altLang="en-US" sz="1400" u="none" strike="noStrike" dirty="0" smtClean="0">
+                        <a:rPr lang="ja-JP" altLang="en-US" sz="1400" b="0" i="0" u="none" strike="noStrike" dirty="0" smtClean="0">
+                          <a:solidFill>
+                            <a:srgbClr val="000000"/>
+                          </a:solidFill>
                           <a:effectLst/>
+                          <a:latin typeface="ＭＳ Ｐゴシック"/>
                         </a:rPr>
-                        <a:t>承認フロー設定</a:t>
+                        <a:t>変更</a:t>
                       </a:r>
                       <a:endParaRPr lang="ja-JP" altLang="en-US" sz="1400" b="0" i="0" u="none" strike="noStrike" dirty="0">
                         <a:solidFill>
@@ -20591,10 +19344,14 @@
                     <a:p>
                       <a:pPr algn="l" fontAlgn="ctr"/>
                       <a:r>
-                        <a:rPr lang="ja-JP" altLang="en-US" sz="1400" u="none" strike="noStrike" dirty="0" smtClean="0">
+                        <a:rPr lang="ja-JP" altLang="en-US" sz="1400" b="0" i="0" u="none" strike="noStrike" dirty="0" smtClean="0">
+                          <a:solidFill>
+                            <a:srgbClr val="000000"/>
+                          </a:solidFill>
                           <a:effectLst/>
+                          <a:latin typeface="ＭＳ Ｐゴシック"/>
                         </a:rPr>
-                        <a:t>月報の承認フローを設定する画面。</a:t>
+                        <a:t>ログインユーザの情報を修正する画面。</a:t>
                       </a:r>
                       <a:endParaRPr lang="ja-JP" altLang="en-US" sz="1400" b="0" i="0" u="none" strike="noStrike" dirty="0">
                         <a:solidFill>
@@ -20614,10 +19371,14 @@
                     <a:p>
                       <a:pPr algn="l" fontAlgn="ctr"/>
                       <a:r>
-                        <a:rPr lang="ja-JP" altLang="en-US" sz="1400" u="none" strike="noStrike" dirty="0" smtClean="0">
+                        <a:rPr lang="ja-JP" altLang="en-US" sz="1400" b="0" i="0" u="none" strike="noStrike" dirty="0" smtClean="0">
+                          <a:solidFill>
+                            <a:srgbClr val="000000"/>
+                          </a:solidFill>
                           <a:effectLst/>
+                          <a:latin typeface="ＭＳ Ｐゴシック"/>
                         </a:rPr>
-                        <a:t>・承認フロー設定</a:t>
+                        <a:t>・ユーザ修正</a:t>
                       </a:r>
                       <a:endParaRPr lang="ja-JP" altLang="en-US" sz="1400" b="0" i="0" u="none" strike="noStrike" dirty="0">
                         <a:solidFill>
@@ -20654,7 +19415,7 @@
           <a:p>
             <a:r>
               <a:rPr kumimoji="1" lang="ja-JP" altLang="en-US" dirty="0" smtClean="0"/>
-              <a:t>５－２．画面</a:t>
+              <a:t>７－２．画面</a:t>
             </a:r>
             <a:r>
               <a:rPr lang="ja-JP" altLang="en-US" dirty="0" smtClean="0"/>
@@ -20686,7 +19447,7 @@
             <a:fld id="{1B2C9F7E-80B6-4C3C-8A6C-643968CAB744}" type="slidenum">
               <a:rPr kumimoji="1" lang="ja-JP" altLang="en-US" smtClean="0"/>
               <a:pPr/>
-              <a:t>11</a:t>
+              <a:t>12</a:t>
             </a:fld>
             <a:endParaRPr kumimoji="1" lang="ja-JP" altLang="en-US"/>
           </a:p>
@@ -20712,7 +19473,7 @@
 </p:sld>
 </file>
 
-<file path=ppt/slides/slide12.xml><?xml version="1.0" encoding="utf-8"?>
+<file path=ppt/slides/slide13.xml><?xml version="1.0" encoding="utf-8"?>
 <p:sld xmlns:a="http://schemas.openxmlformats.org/drawingml/2006/main" xmlns:r="http://schemas.openxmlformats.org/officeDocument/2006/relationships" xmlns:p="http://schemas.openxmlformats.org/presentationml/2006/main">
   <p:cSld>
     <p:spTree>
@@ -20739,7 +19500,7 @@
             <p:ph idx="1"/>
             <p:extLst>
               <p:ext uri="{D42A27DB-BD31-4B8C-83A1-F6EECF244321}">
-                <p14:modId xmlns:p14="http://schemas.microsoft.com/office/powerpoint/2010/main" val="1579197778"/>
+                <p14:modId xmlns:p14="http://schemas.microsoft.com/office/powerpoint/2010/main" val="4039962289"/>
               </p:ext>
             </p:extLst>
           </p:nvPr>
@@ -21094,19 +19855,7 @@
                         <a:rPr lang="ja-JP" altLang="en-US" sz="1400" u="none" strike="noStrike" dirty="0" smtClean="0">
                           <a:effectLst/>
                         </a:rPr>
-                        <a:t>月報修正</a:t>
-                      </a:r>
-                      <a:endParaRPr lang="en-US" altLang="ja-JP" sz="1400" u="none" strike="noStrike" dirty="0" smtClean="0">
-                        <a:effectLst/>
-                      </a:endParaRPr>
-                    </a:p>
-                    <a:p>
-                      <a:pPr algn="l" fontAlgn="ctr"/>
-                      <a:r>
-                        <a:rPr lang="ja-JP" altLang="en-US" sz="1400" u="none" strike="noStrike" dirty="0" smtClean="0">
-                          <a:effectLst/>
-                        </a:rPr>
-                        <a:t>・月報削除</a:t>
+                        <a:t>月報申請修正</a:t>
                       </a:r>
                       <a:endParaRPr lang="en-US" altLang="ja-JP" sz="1400" u="none" strike="noStrike" dirty="0" smtClean="0">
                         <a:effectLst/>
@@ -21251,7 +20000,7 @@
                           <a:effectLst/>
                           <a:latin typeface="ＭＳ Ｐゴシック"/>
                         </a:rPr>
-                        <a:t>・月報検索</a:t>
+                        <a:t>・月報申請状況検索</a:t>
                       </a:r>
                       <a:endParaRPr lang="en-US" altLang="ja-JP" sz="1400" b="0" i="0" u="none" strike="noStrike" dirty="0" smtClean="0">
                         <a:solidFill>
@@ -21765,14 +20514,31 @@
                           </a:solidFill>
                           <a:effectLst/>
                         </a:rPr>
-                        <a:t>月報修正</a:t>
+                        <a:t>月報承認修正</a:t>
                       </a:r>
-                      <a:endParaRPr lang="ja-JP" altLang="en-US" sz="1400" b="0" i="0" u="none" strike="noStrike" dirty="0">
+                      <a:endParaRPr lang="en-US" altLang="ja-JP" sz="1400" u="none" strike="noStrike" dirty="0" smtClean="0">
                         <a:solidFill>
                           <a:schemeClr val="tx1"/>
                         </a:solidFill>
                         <a:effectLst/>
-                        <a:latin typeface="ＭＳ Ｐゴシック"/>
+                      </a:endParaRPr>
+                    </a:p>
+                    <a:p>
+                      <a:pPr algn="l" fontAlgn="ctr"/>
+                      <a:r>
+                        <a:rPr lang="ja-JP" altLang="en-US" sz="1400" u="none" strike="noStrike" dirty="0" smtClean="0">
+                          <a:solidFill>
+                            <a:schemeClr val="tx1"/>
+                          </a:solidFill>
+                          <a:effectLst/>
+                        </a:rPr>
+                        <a:t>・月報否認修正</a:t>
+                      </a:r>
+                      <a:endParaRPr lang="en-US" altLang="ja-JP" sz="1400" u="none" strike="noStrike" dirty="0" smtClean="0">
+                        <a:solidFill>
+                          <a:schemeClr val="tx1"/>
+                        </a:solidFill>
+                        <a:effectLst/>
                       </a:endParaRPr>
                     </a:p>
                   </a:txBody>
@@ -21968,7 +20734,7 @@
                           <a:effectLst/>
                           <a:latin typeface="ＭＳ Ｐゴシック"/>
                         </a:rPr>
-                        <a:t>・月報検索</a:t>
+                        <a:t>・月報承認状況検索</a:t>
                       </a:r>
                       <a:endParaRPr lang="en-US" altLang="ja-JP" sz="1400" b="0" i="0" u="none" strike="noStrike" dirty="0" smtClean="0">
                         <a:solidFill>
@@ -22094,7 +20860,7 @@
                           <a:effectLst/>
                           <a:latin typeface="ＭＳ Ｐゴシック"/>
                         </a:rPr>
-                        <a:t>自身に関連する月報、又は、公開されている月報を一覧表示する画面。</a:t>
+                        <a:t>全ての月報を一覧表示する画面。</a:t>
                       </a:r>
                     </a:p>
                   </a:txBody>
@@ -22134,6 +20900,52 @@
                       </a:r>
                       <a:endParaRPr lang="en-US" altLang="ja-JP" sz="1400" b="0" i="0" u="none" strike="noStrike" dirty="0" smtClean="0">
                         <a:solidFill>
+                          <a:srgbClr val="000000"/>
+                        </a:solidFill>
+                        <a:effectLst/>
+                        <a:latin typeface="ＭＳ Ｐゴシック"/>
+                      </a:endParaRPr>
+                    </a:p>
+                    <a:p>
+                      <a:pPr marL="0" marR="0" indent="0" algn="l" defTabSz="914400" rtl="0" eaLnBrk="1" fontAlgn="ctr" latinLnBrk="0" hangingPunct="1">
+                        <a:lnSpc>
+                          <a:spcPct val="100000"/>
+                        </a:lnSpc>
+                        <a:spcBef>
+                          <a:spcPts val="0"/>
+                        </a:spcBef>
+                        <a:spcAft>
+                          <a:spcPts val="0"/>
+                        </a:spcAft>
+                        <a:buClrTx/>
+                        <a:buSzTx/>
+                        <a:buFontTx/>
+                        <a:buNone/>
+                        <a:tabLst/>
+                        <a:defRPr/>
+                      </a:pPr>
+                      <a:r>
+                        <a:rPr lang="ja-JP" altLang="en-US" sz="1400" b="0" i="0" u="none" strike="noStrike" dirty="0" smtClean="0">
+                          <a:solidFill>
+                            <a:srgbClr val="000000"/>
+                          </a:solidFill>
+                          <a:effectLst/>
+                          <a:latin typeface="ＭＳ Ｐゴシック"/>
+                        </a:rPr>
+                        <a:t>・月報一括</a:t>
+                      </a:r>
+                      <a:r>
+                        <a:rPr lang="en-US" altLang="ja-JP" sz="1400" b="0" i="0" u="none" strike="noStrike" dirty="0" smtClean="0">
+                          <a:solidFill>
+                            <a:srgbClr val="000000"/>
+                          </a:solidFill>
+                          <a:effectLst/>
+                          <a:latin typeface="ＭＳ Ｐゴシック"/>
+                        </a:rPr>
+                        <a:t>DL</a:t>
+                      </a:r>
+                      <a:endParaRPr lang="en-US" altLang="ja-JP" sz="1400" b="0" i="0" u="none" strike="noStrike" dirty="0" smtClean="0">
+                        <a:solidFill>
                           <a:schemeClr val="tx1"/>
                         </a:solidFill>
                         <a:effectLst/>
@@ -22167,7 +20979,7 @@
           <a:p>
             <a:r>
               <a:rPr kumimoji="1" lang="ja-JP" altLang="en-US" dirty="0" smtClean="0"/>
-              <a:t>５－２．画面</a:t>
+              <a:t>７－３．画面</a:t>
             </a:r>
             <a:r>
               <a:rPr lang="ja-JP" altLang="en-US" dirty="0" smtClean="0"/>
@@ -22203,7 +21015,7 @@
             <a:fld id="{1B2C9F7E-80B6-4C3C-8A6C-643968CAB744}" type="slidenum">
               <a:rPr kumimoji="1" lang="ja-JP" altLang="en-US" smtClean="0"/>
               <a:pPr/>
-              <a:t>12</a:t>
+              <a:t>13</a:t>
             </a:fld>
             <a:endParaRPr kumimoji="1" lang="ja-JP" altLang="en-US"/>
           </a:p>
@@ -22229,7 +21041,7 @@
 </p:sld>
 </file>
 
-<file path=ppt/slides/slide13.xml><?xml version="1.0" encoding="utf-8"?>
+<file path=ppt/slides/slide14.xml><?xml version="1.0" encoding="utf-8"?>
 <p:sld xmlns:a="http://schemas.openxmlformats.org/drawingml/2006/main" xmlns:r="http://schemas.openxmlformats.org/officeDocument/2006/relationships" xmlns:p="http://schemas.openxmlformats.org/presentationml/2006/main">
   <p:cSld>
     <p:spTree>
@@ -22262,12 +21074,8 @@
           <a:lstStyle/>
           <a:p>
             <a:r>
-              <a:rPr lang="ja-JP" altLang="en-US" dirty="0"/>
-              <a:t>６</a:t>
-            </a:r>
-            <a:r>
               <a:rPr kumimoji="1" lang="ja-JP" altLang="en-US" dirty="0" smtClean="0"/>
-              <a:t>．提案スケジュール</a:t>
+              <a:t>８．提案スケジュール</a:t>
             </a:r>
             <a:endParaRPr kumimoji="1" lang="ja-JP" altLang="en-US" dirty="0"/>
           </a:p>
@@ -38873,7 +37681,7 @@
             <a:fld id="{1B2C9F7E-80B6-4C3C-8A6C-643968CAB744}" type="slidenum">
               <a:rPr kumimoji="1" lang="ja-JP" altLang="en-US" smtClean="0"/>
               <a:pPr/>
-              <a:t>13</a:t>
+              <a:t>14</a:t>
             </a:fld>
             <a:endParaRPr kumimoji="1" lang="ja-JP" altLang="en-US"/>
           </a:p>
@@ -40628,50 +39436,6 @@
               <a:buAutoNum type="arabicPeriod"/>
             </a:pPr>
             <a:r>
-              <a:rPr lang="ja-JP" altLang="en-US" dirty="0"/>
-              <a:t>共通</a:t>
-            </a:r>
-            <a:endParaRPr lang="en-US" altLang="ja-JP" dirty="0"/>
-          </a:p>
-          <a:p>
-            <a:pPr marL="868680" lvl="1" indent="-457200">
-              <a:buFont typeface="+mj-lt"/>
-              <a:buAutoNum type="arabicPeriod"/>
-            </a:pPr>
-            <a:r>
-              <a:rPr lang="ja-JP" altLang="en-US" dirty="0" smtClean="0"/>
-              <a:t>月報の一元管理が出来ない（個人依存）</a:t>
-            </a:r>
-            <a:endParaRPr lang="en-US" altLang="ja-JP" dirty="0" smtClean="0"/>
-          </a:p>
-          <a:p>
-            <a:pPr marL="868680" lvl="1" indent="-457200">
-              <a:buFont typeface="+mj-lt"/>
-              <a:buAutoNum type="arabicPeriod"/>
-            </a:pPr>
-            <a:r>
-              <a:rPr kumimoji="1" lang="ja-JP" altLang="en-US" dirty="0"/>
-              <a:t>最終</a:t>
-            </a:r>
-            <a:r>
-              <a:rPr kumimoji="1" lang="ja-JP" altLang="en-US" dirty="0" smtClean="0"/>
-              <a:t>承認されたものが現物しか残らない</a:t>
-            </a:r>
-            <a:endParaRPr kumimoji="1" lang="en-US" altLang="ja-JP" dirty="0" smtClean="0"/>
-          </a:p>
-          <a:p>
-            <a:pPr marL="868680" lvl="1" indent="-457200">
-              <a:buFont typeface="+mj-lt"/>
-              <a:buAutoNum type="arabicPeriod"/>
-            </a:pPr>
-            <a:endParaRPr kumimoji="1" lang="en-US" altLang="ja-JP" dirty="0" smtClean="0"/>
-          </a:p>
-          <a:p>
-            <a:pPr marL="571500" indent="-457200">
-              <a:buFont typeface="+mj-lt"/>
-              <a:buAutoNum type="arabicPeriod"/>
-            </a:pPr>
-            <a:r>
               <a:rPr kumimoji="1" lang="ja-JP" altLang="en-US" dirty="0" smtClean="0"/>
               <a:t>作業者視点</a:t>
             </a:r>
@@ -40683,16 +39447,27 @@
               <a:buAutoNum type="arabicPeriod"/>
             </a:pPr>
             <a:r>
-              <a:rPr lang="ja-JP" altLang="en-US" dirty="0" smtClean="0"/>
-              <a:t>特に</a:t>
-            </a:r>
-            <a:r>
-              <a:rPr lang="ja-JP" altLang="en-US" dirty="0" err="1" smtClean="0"/>
-              <a:t>無し</a:t>
+              <a:rPr lang="ja-JP" altLang="en-US" dirty="0"/>
+              <a:t>月報の一元管理が出来ない（個人依存</a:t>
             </a:r>
             <a:r>
               <a:rPr lang="ja-JP" altLang="en-US" dirty="0" smtClean="0"/>
-              <a:t>？</a:t>
+              <a:t>）</a:t>
+            </a:r>
+            <a:endParaRPr lang="en-US" altLang="ja-JP" dirty="0" smtClean="0"/>
+          </a:p>
+          <a:p>
+            <a:pPr marL="868680" lvl="1" indent="-457200">
+              <a:buFont typeface="+mj-lt"/>
+              <a:buAutoNum type="arabicPeriod"/>
+            </a:pPr>
+            <a:r>
+              <a:rPr lang="ja-JP" altLang="en-US" dirty="0"/>
+              <a:t>最終承認されたものが現物しか</a:t>
+            </a:r>
+            <a:r>
+              <a:rPr lang="ja-JP" altLang="en-US" dirty="0" smtClean="0"/>
+              <a:t>残らない</a:t>
             </a:r>
             <a:endParaRPr lang="en-US" altLang="ja-JP" dirty="0"/>
           </a:p>
@@ -40837,113 +39612,6 @@
       </p:grpSpPr>
       <p:sp>
         <p:nvSpPr>
-          <p:cNvPr id="3" name="コンテンツ プレースホルダー 2"/>
-          <p:cNvSpPr>
-            <a:spLocks noGrp="1"/>
-          </p:cNvSpPr>
-          <p:nvPr>
-            <p:ph idx="1"/>
-          </p:nvPr>
-        </p:nvSpPr>
-        <p:spPr/>
-        <p:txBody>
-          <a:bodyPr>
-            <a:normAutofit/>
-          </a:bodyPr>
-          <a:lstStyle/>
-          <a:p>
-            <a:pPr marL="571500" indent="-457200">
-              <a:buFont typeface="+mj-lt"/>
-              <a:buAutoNum type="arabicPeriod"/>
-            </a:pPr>
-            <a:r>
-              <a:rPr kumimoji="1" lang="ja-JP" altLang="en-US" dirty="0" smtClean="0"/>
-              <a:t>改善点</a:t>
-            </a:r>
-            <a:endParaRPr kumimoji="1" lang="en-US" altLang="ja-JP" dirty="0" smtClean="0"/>
-          </a:p>
-          <a:p>
-            <a:pPr marL="868680" lvl="1" indent="-457200">
-              <a:buFont typeface="+mj-lt"/>
-              <a:buAutoNum type="arabicPeriod"/>
-            </a:pPr>
-            <a:r>
-              <a:rPr kumimoji="1" lang="ja-JP" altLang="en-US" dirty="0" smtClean="0"/>
-              <a:t>月報の一元管理が可能</a:t>
-            </a:r>
-            <a:endParaRPr kumimoji="1" lang="en-US" altLang="ja-JP" dirty="0" smtClean="0"/>
-          </a:p>
-          <a:p>
-            <a:pPr marL="868680" lvl="1" indent="-457200">
-              <a:buFont typeface="+mj-lt"/>
-              <a:buAutoNum type="arabicPeriod"/>
-            </a:pPr>
-            <a:r>
-              <a:rPr lang="ja-JP" altLang="en-US" dirty="0" smtClean="0"/>
-              <a:t>メール運用が不要</a:t>
-            </a:r>
-            <a:endParaRPr lang="en-US" altLang="ja-JP" dirty="0" smtClean="0"/>
-          </a:p>
-          <a:p>
-            <a:pPr marL="868680" lvl="1" indent="-457200">
-              <a:buFont typeface="+mj-lt"/>
-              <a:buAutoNum type="arabicPeriod"/>
-            </a:pPr>
-            <a:r>
-              <a:rPr lang="ja-JP" altLang="en-US" dirty="0"/>
-              <a:t>作</a:t>
-            </a:r>
-            <a:r>
-              <a:rPr lang="ja-JP" altLang="en-US" dirty="0" smtClean="0"/>
-              <a:t>業者の報告</a:t>
-            </a:r>
-            <a:r>
-              <a:rPr lang="en-US" altLang="ja-JP" dirty="0" smtClean="0"/>
-              <a:t>/</a:t>
-            </a:r>
-            <a:r>
-              <a:rPr lang="ja-JP" altLang="en-US" dirty="0" smtClean="0"/>
-              <a:t>承認状況を一覧で確認可能</a:t>
-            </a:r>
-            <a:endParaRPr lang="en-US" altLang="ja-JP" dirty="0"/>
-          </a:p>
-          <a:p>
-            <a:pPr marL="571500" indent="-457200">
-              <a:buFont typeface="+mj-lt"/>
-              <a:buAutoNum type="arabicPeriod"/>
-            </a:pPr>
-            <a:endParaRPr kumimoji="1" lang="en-US" altLang="ja-JP" dirty="0" smtClean="0"/>
-          </a:p>
-          <a:p>
-            <a:pPr marL="571500" indent="-457200">
-              <a:buFont typeface="+mj-lt"/>
-              <a:buAutoNum type="arabicPeriod"/>
-            </a:pPr>
-            <a:r>
-              <a:rPr kumimoji="1" lang="ja-JP" altLang="en-US" dirty="0" smtClean="0"/>
-              <a:t>新規機能</a:t>
-            </a:r>
-            <a:endParaRPr kumimoji="1" lang="en-US" altLang="ja-JP" dirty="0" smtClean="0"/>
-          </a:p>
-          <a:p>
-            <a:pPr marL="868680" lvl="1" indent="-457200">
-              <a:buFont typeface="+mj-lt"/>
-              <a:buAutoNum type="arabicPeriod"/>
-            </a:pPr>
-            <a:r>
-              <a:rPr lang="ja-JP" altLang="en-US" dirty="0"/>
-              <a:t>月報</a:t>
-            </a:r>
-            <a:r>
-              <a:rPr lang="ja-JP" altLang="en-US" dirty="0" smtClean="0"/>
-              <a:t>の公開機能を追加（予定）</a:t>
-            </a:r>
-            <a:endParaRPr kumimoji="1" lang="ja-JP" altLang="en-US" dirty="0"/>
-          </a:p>
-        </p:txBody>
-      </p:sp>
-      <p:sp>
-        <p:nvSpPr>
           <p:cNvPr id="2" name="タイトル 1"/>
           <p:cNvSpPr>
             <a:spLocks noGrp="1"/>
@@ -40958,16 +39626,97 @@
           <a:lstStyle/>
           <a:p>
             <a:r>
+              <a:rPr kumimoji="1" lang="ja-JP" altLang="en-US" dirty="0" smtClean="0"/>
+              <a:t>３．システム化範囲</a:t>
+            </a:r>
+            <a:endParaRPr kumimoji="1" lang="ja-JP" altLang="en-US" dirty="0"/>
+          </a:p>
+        </p:txBody>
+      </p:sp>
+      <p:pic>
+        <p:nvPicPr>
+          <p:cNvPr id="1029" name="Picture 5" descr="C:\Users\panasonic.PC-PEWBA142657\Desktop\download.png"/>
+          <p:cNvPicPr>
+            <a:picLocks noChangeAspect="1" noChangeArrowheads="1"/>
+          </p:cNvPicPr>
+          <p:nvPr/>
+        </p:nvPicPr>
+        <p:blipFill>
+          <a:blip r:embed="rId2" cstate="print">
+            <a:extLst>
+              <a:ext uri="{28A0092B-C50C-407E-A947-70E740481C1C}">
+                <a14:useLocalDpi xmlns:a14="http://schemas.microsoft.com/office/drawing/2010/main" val="0"/>
+              </a:ext>
+            </a:extLst>
+          </a:blip>
+          <a:srcRect/>
+          <a:stretch>
+            <a:fillRect/>
+          </a:stretch>
+        </p:blipFill>
+        <p:spPr bwMode="auto">
+          <a:xfrm>
+            <a:off x="6444208" y="1748126"/>
+            <a:ext cx="1595661" cy="1595661"/>
+          </a:xfrm>
+          <a:prstGeom prst="rect">
+            <a:avLst/>
+          </a:prstGeom>
+          <a:noFill/>
+          <a:extLst>
+            <a:ext uri="{909E8E84-426E-40DD-AFC4-6F175D3DCCD1}">
+              <a14:hiddenFill xmlns:a14="http://schemas.microsoft.com/office/drawing/2010/main">
+                <a:solidFill>
+                  <a:srgbClr val="FFFFFF"/>
+                </a:solidFill>
+              </a14:hiddenFill>
+            </a:ext>
+          </a:extLst>
+        </p:spPr>
+      </p:pic>
+      <p:sp>
+        <p:nvSpPr>
+          <p:cNvPr id="3" name="テキスト ボックス 2"/>
+          <p:cNvSpPr txBox="1"/>
+          <p:nvPr/>
+        </p:nvSpPr>
+        <p:spPr>
+          <a:xfrm>
+            <a:off x="407021" y="1340768"/>
+            <a:ext cx="1224136" cy="369332"/>
+          </a:xfrm>
+          <a:prstGeom prst="rect">
+            <a:avLst/>
+          </a:prstGeom>
+        </p:spPr>
+        <p:style>
+          <a:lnRef idx="1">
+            <a:schemeClr val="accent3"/>
+          </a:lnRef>
+          <a:fillRef idx="2">
+            <a:schemeClr val="accent3"/>
+          </a:fillRef>
+          <a:effectRef idx="1">
+            <a:schemeClr val="accent3"/>
+          </a:effectRef>
+          <a:fontRef idx="minor">
+            <a:schemeClr val="dk1"/>
+          </a:fontRef>
+        </p:style>
+        <p:txBody>
+          <a:bodyPr wrap="square" rtlCol="0">
+            <a:spAutoFit/>
+          </a:bodyPr>
+          <a:lstStyle/>
+          <a:p>
+            <a:pPr algn="ctr"/>
+            <a:r>
               <a:rPr lang="ja-JP" altLang="en-US" dirty="0"/>
-              <a:t>３</a:t>
+              <a:t>作業</a:t>
             </a:r>
             <a:r>
               <a:rPr kumimoji="1" lang="ja-JP" altLang="en-US" dirty="0" smtClean="0"/>
-              <a:t>．システム化</a:t>
-            </a:r>
-            <a:r>
-              <a:rPr lang="ja-JP" altLang="en-US" dirty="0" smtClean="0"/>
-              <a:t>のメリット</a:t>
+              <a:t>者</a:t>
             </a:r>
             <a:endParaRPr kumimoji="1" lang="ja-JP" altLang="en-US" dirty="0"/>
           </a:p>
@@ -40975,7 +39724,1089 @@
       </p:sp>
       <p:sp>
         <p:nvSpPr>
-          <p:cNvPr id="4" name="スライド番号プレースホルダー 3"/>
+          <p:cNvPr id="8" name="テキスト ボックス 7"/>
+          <p:cNvSpPr txBox="1"/>
+          <p:nvPr/>
+        </p:nvSpPr>
+        <p:spPr>
+          <a:xfrm>
+            <a:off x="3347863" y="1354668"/>
+            <a:ext cx="1644699" cy="369332"/>
+          </a:xfrm>
+          <a:prstGeom prst="rect">
+            <a:avLst/>
+          </a:prstGeom>
+        </p:spPr>
+        <p:style>
+          <a:lnRef idx="1">
+            <a:schemeClr val="accent3"/>
+          </a:lnRef>
+          <a:fillRef idx="2">
+            <a:schemeClr val="accent3"/>
+          </a:fillRef>
+          <a:effectRef idx="1">
+            <a:schemeClr val="accent3"/>
+          </a:effectRef>
+          <a:fontRef idx="minor">
+            <a:schemeClr val="dk1"/>
+          </a:fontRef>
+        </p:style>
+        <p:txBody>
+          <a:bodyPr wrap="square" rtlCol="0">
+            <a:spAutoFit/>
+          </a:bodyPr>
+          <a:lstStyle/>
+          <a:p>
+            <a:pPr algn="ctr"/>
+            <a:r>
+              <a:rPr kumimoji="1" lang="ja-JP" altLang="en-US" dirty="0" smtClean="0"/>
+              <a:t>承認者１～３</a:t>
+            </a:r>
+            <a:endParaRPr kumimoji="1" lang="ja-JP" altLang="en-US" dirty="0"/>
+          </a:p>
+        </p:txBody>
+      </p:sp>
+      <p:sp>
+        <p:nvSpPr>
+          <p:cNvPr id="11" name="テキスト ボックス 10"/>
+          <p:cNvSpPr txBox="1"/>
+          <p:nvPr/>
+        </p:nvSpPr>
+        <p:spPr>
+          <a:xfrm>
+            <a:off x="6660232" y="1354668"/>
+            <a:ext cx="1448953" cy="369332"/>
+          </a:xfrm>
+          <a:prstGeom prst="rect">
+            <a:avLst/>
+          </a:prstGeom>
+        </p:spPr>
+        <p:style>
+          <a:lnRef idx="1">
+            <a:schemeClr val="accent3"/>
+          </a:lnRef>
+          <a:fillRef idx="2">
+            <a:schemeClr val="accent3"/>
+          </a:fillRef>
+          <a:effectRef idx="1">
+            <a:schemeClr val="accent3"/>
+          </a:effectRef>
+          <a:fontRef idx="minor">
+            <a:schemeClr val="dk1"/>
+          </a:fontRef>
+        </p:style>
+        <p:txBody>
+          <a:bodyPr wrap="square" rtlCol="0">
+            <a:spAutoFit/>
+          </a:bodyPr>
+          <a:lstStyle/>
+          <a:p>
+            <a:pPr algn="ctr"/>
+            <a:r>
+              <a:rPr kumimoji="1" lang="ja-JP" altLang="en-US" dirty="0" smtClean="0"/>
+              <a:t>最終承認者</a:t>
+            </a:r>
+            <a:endParaRPr kumimoji="1" lang="ja-JP" altLang="en-US" dirty="0"/>
+          </a:p>
+        </p:txBody>
+      </p:sp>
+      <p:sp>
+        <p:nvSpPr>
+          <p:cNvPr id="4" name="テキスト ボックス 3"/>
+          <p:cNvSpPr txBox="1"/>
+          <p:nvPr/>
+        </p:nvSpPr>
+        <p:spPr>
+          <a:xfrm>
+            <a:off x="395536" y="3196551"/>
+            <a:ext cx="1296144" cy="523220"/>
+          </a:xfrm>
+          <a:prstGeom prst="rect">
+            <a:avLst/>
+          </a:prstGeom>
+          <a:noFill/>
+        </p:spPr>
+        <p:txBody>
+          <a:bodyPr wrap="square" rtlCol="0">
+            <a:spAutoFit/>
+          </a:bodyPr>
+          <a:lstStyle/>
+          <a:p>
+            <a:r>
+              <a:rPr kumimoji="1" lang="ja-JP" altLang="en-US" sz="1400" dirty="0" smtClean="0"/>
+              <a:t>①</a:t>
+            </a:r>
+            <a:r>
+              <a:rPr lang="en-US" altLang="ja-JP" sz="1400" dirty="0"/>
+              <a:t> </a:t>
+            </a:r>
+            <a:r>
+              <a:rPr lang="en-US" altLang="ja-JP" sz="1400" dirty="0" smtClean="0"/>
+              <a:t>Excel</a:t>
+            </a:r>
+            <a:r>
+              <a:rPr lang="ja-JP" altLang="en-US" sz="1400" dirty="0" smtClean="0"/>
+              <a:t>で</a:t>
+            </a:r>
+            <a:endParaRPr lang="en-US" altLang="ja-JP" sz="1400" dirty="0" smtClean="0"/>
+          </a:p>
+          <a:p>
+            <a:r>
+              <a:rPr kumimoji="1" lang="ja-JP" altLang="en-US" sz="1400" dirty="0" smtClean="0"/>
+              <a:t>月報を作成</a:t>
+            </a:r>
+            <a:endParaRPr kumimoji="1" lang="ja-JP" altLang="en-US" sz="1400" dirty="0"/>
+          </a:p>
+        </p:txBody>
+      </p:sp>
+      <p:sp>
+        <p:nvSpPr>
+          <p:cNvPr id="15" name="テキスト ボックス 14"/>
+          <p:cNvSpPr txBox="1"/>
+          <p:nvPr/>
+        </p:nvSpPr>
+        <p:spPr>
+          <a:xfrm>
+            <a:off x="3503364" y="3196551"/>
+            <a:ext cx="1944217" cy="523220"/>
+          </a:xfrm>
+          <a:prstGeom prst="rect">
+            <a:avLst/>
+          </a:prstGeom>
+          <a:noFill/>
+        </p:spPr>
+        <p:txBody>
+          <a:bodyPr wrap="square" rtlCol="0">
+            <a:spAutoFit/>
+          </a:bodyPr>
+          <a:lstStyle/>
+          <a:p>
+            <a:r>
+              <a:rPr lang="ja-JP" altLang="en-US" sz="1400" dirty="0" smtClean="0"/>
+              <a:t>③コメント追記</a:t>
+            </a:r>
+            <a:endParaRPr lang="en-US" altLang="ja-JP" sz="1400" dirty="0" smtClean="0"/>
+          </a:p>
+          <a:p>
+            <a:r>
+              <a:rPr lang="en-US" altLang="ja-JP" sz="1400" dirty="0" smtClean="0"/>
+              <a:t>(</a:t>
+            </a:r>
+            <a:r>
+              <a:rPr lang="ja-JP" altLang="en-US" sz="1400" dirty="0" smtClean="0"/>
+              <a:t>承認</a:t>
+            </a:r>
+            <a:r>
+              <a:rPr lang="en-US" altLang="ja-JP" sz="1400" dirty="0" smtClean="0"/>
+              <a:t>)</a:t>
+            </a:r>
+            <a:endParaRPr kumimoji="1" lang="ja-JP" altLang="en-US" sz="1400" dirty="0"/>
+          </a:p>
+        </p:txBody>
+      </p:sp>
+      <p:cxnSp>
+        <p:nvCxnSpPr>
+          <p:cNvPr id="17" name="直線矢印コネクタ 16"/>
+          <p:cNvCxnSpPr/>
+          <p:nvPr/>
+        </p:nvCxnSpPr>
+        <p:spPr>
+          <a:xfrm>
+            <a:off x="1899320" y="2420888"/>
+            <a:ext cx="1152000" cy="0"/>
+          </a:xfrm>
+          <a:prstGeom prst="straightConnector1">
+            <a:avLst/>
+          </a:prstGeom>
+          <a:ln w="38100">
+            <a:tailEnd type="arrow"/>
+          </a:ln>
+        </p:spPr>
+        <p:style>
+          <a:lnRef idx="2">
+            <a:schemeClr val="accent1"/>
+          </a:lnRef>
+          <a:fillRef idx="0">
+            <a:schemeClr val="accent1"/>
+          </a:fillRef>
+          <a:effectRef idx="1">
+            <a:schemeClr val="accent1"/>
+          </a:effectRef>
+          <a:fontRef idx="minor">
+            <a:schemeClr val="tx1"/>
+          </a:fontRef>
+        </p:style>
+      </p:cxnSp>
+      <p:sp>
+        <p:nvSpPr>
+          <p:cNvPr id="21" name="テキスト ボックス 20"/>
+          <p:cNvSpPr txBox="1"/>
+          <p:nvPr/>
+        </p:nvSpPr>
+        <p:spPr>
+          <a:xfrm>
+            <a:off x="1824830" y="1844824"/>
+            <a:ext cx="1514650" cy="523220"/>
+          </a:xfrm>
+          <a:prstGeom prst="rect">
+            <a:avLst/>
+          </a:prstGeom>
+          <a:noFill/>
+        </p:spPr>
+        <p:txBody>
+          <a:bodyPr wrap="square" rtlCol="0">
+            <a:spAutoFit/>
+          </a:bodyPr>
+          <a:lstStyle/>
+          <a:p>
+            <a:r>
+              <a:rPr lang="ja-JP" altLang="en-US" sz="1400" dirty="0" smtClean="0"/>
+              <a:t>②各々が</a:t>
+            </a:r>
+            <a:endParaRPr lang="en-US" altLang="ja-JP" sz="1400" dirty="0" smtClean="0"/>
+          </a:p>
+          <a:p>
+            <a:r>
+              <a:rPr kumimoji="1" lang="ja-JP" altLang="en-US" sz="1400" dirty="0" smtClean="0"/>
+              <a:t>メール送信</a:t>
+            </a:r>
+            <a:endParaRPr kumimoji="1" lang="ja-JP" altLang="en-US" sz="1400" dirty="0"/>
+          </a:p>
+        </p:txBody>
+      </p:sp>
+      <p:sp>
+        <p:nvSpPr>
+          <p:cNvPr id="18" name="テキスト ボックス 17"/>
+          <p:cNvSpPr txBox="1"/>
+          <p:nvPr/>
+        </p:nvSpPr>
+        <p:spPr>
+          <a:xfrm>
+            <a:off x="6732239" y="3196551"/>
+            <a:ext cx="1944217" cy="523220"/>
+          </a:xfrm>
+          <a:prstGeom prst="rect">
+            <a:avLst/>
+          </a:prstGeom>
+          <a:noFill/>
+        </p:spPr>
+        <p:txBody>
+          <a:bodyPr wrap="square" rtlCol="0">
+            <a:spAutoFit/>
+          </a:bodyPr>
+          <a:lstStyle/>
+          <a:p>
+            <a:r>
+              <a:rPr lang="ja-JP" altLang="en-US" sz="1400" dirty="0" smtClean="0"/>
+              <a:t>⑤コメント追記</a:t>
+            </a:r>
+            <a:endParaRPr lang="en-US" altLang="ja-JP" sz="1400" dirty="0" smtClean="0"/>
+          </a:p>
+          <a:p>
+            <a:r>
+              <a:rPr lang="en-US" altLang="ja-JP" sz="1400" dirty="0" smtClean="0"/>
+              <a:t>(</a:t>
+            </a:r>
+            <a:r>
+              <a:rPr lang="ja-JP" altLang="en-US" sz="1400" dirty="0" smtClean="0"/>
+              <a:t>最終承認</a:t>
+            </a:r>
+            <a:r>
+              <a:rPr lang="en-US" altLang="ja-JP" sz="1400" dirty="0" smtClean="0"/>
+              <a:t>)</a:t>
+            </a:r>
+            <a:endParaRPr kumimoji="1" lang="ja-JP" altLang="en-US" sz="1400" dirty="0"/>
+          </a:p>
+        </p:txBody>
+      </p:sp>
+      <p:cxnSp>
+        <p:nvCxnSpPr>
+          <p:cNvPr id="19" name="直線矢印コネクタ 18"/>
+          <p:cNvCxnSpPr/>
+          <p:nvPr/>
+        </p:nvCxnSpPr>
+        <p:spPr>
+          <a:xfrm>
+            <a:off x="1899320" y="2708920"/>
+            <a:ext cx="1152000" cy="0"/>
+          </a:xfrm>
+          <a:prstGeom prst="straightConnector1">
+            <a:avLst/>
+          </a:prstGeom>
+          <a:ln w="38100">
+            <a:prstDash val="sysDash"/>
+            <a:headEnd type="arrow"/>
+            <a:tailEnd type="none"/>
+          </a:ln>
+        </p:spPr>
+        <p:style>
+          <a:lnRef idx="2">
+            <a:schemeClr val="accent1"/>
+          </a:lnRef>
+          <a:fillRef idx="0">
+            <a:schemeClr val="accent1"/>
+          </a:fillRef>
+          <a:effectRef idx="1">
+            <a:schemeClr val="accent1"/>
+          </a:effectRef>
+          <a:fontRef idx="minor">
+            <a:schemeClr val="tx1"/>
+          </a:fontRef>
+        </p:style>
+      </p:cxnSp>
+      <p:sp>
+        <p:nvSpPr>
+          <p:cNvPr id="20" name="テキスト ボックス 19"/>
+          <p:cNvSpPr txBox="1"/>
+          <p:nvPr/>
+        </p:nvSpPr>
+        <p:spPr>
+          <a:xfrm>
+            <a:off x="1977230" y="2833191"/>
+            <a:ext cx="1514650" cy="307777"/>
+          </a:xfrm>
+          <a:prstGeom prst="rect">
+            <a:avLst/>
+          </a:prstGeom>
+          <a:noFill/>
+        </p:spPr>
+        <p:txBody>
+          <a:bodyPr wrap="square" rtlCol="0">
+            <a:spAutoFit/>
+          </a:bodyPr>
+          <a:lstStyle/>
+          <a:p>
+            <a:r>
+              <a:rPr kumimoji="1" lang="ja-JP" altLang="en-US" sz="1400" dirty="0" smtClean="0"/>
+              <a:t>差し戻し</a:t>
+            </a:r>
+            <a:endParaRPr kumimoji="1" lang="ja-JP" altLang="en-US" sz="1400" dirty="0"/>
+          </a:p>
+        </p:txBody>
+      </p:sp>
+      <p:cxnSp>
+        <p:nvCxnSpPr>
+          <p:cNvPr id="22" name="直線矢印コネクタ 21"/>
+          <p:cNvCxnSpPr/>
+          <p:nvPr/>
+        </p:nvCxnSpPr>
+        <p:spPr>
+          <a:xfrm>
+            <a:off x="5292080" y="2420888"/>
+            <a:ext cx="1152000" cy="0"/>
+          </a:xfrm>
+          <a:prstGeom prst="straightConnector1">
+            <a:avLst/>
+          </a:prstGeom>
+          <a:ln w="38100">
+            <a:tailEnd type="arrow"/>
+          </a:ln>
+        </p:spPr>
+        <p:style>
+          <a:lnRef idx="2">
+            <a:schemeClr val="accent1"/>
+          </a:lnRef>
+          <a:fillRef idx="0">
+            <a:schemeClr val="accent1"/>
+          </a:fillRef>
+          <a:effectRef idx="1">
+            <a:schemeClr val="accent1"/>
+          </a:effectRef>
+          <a:fontRef idx="minor">
+            <a:schemeClr val="tx1"/>
+          </a:fontRef>
+        </p:style>
+      </p:cxnSp>
+      <p:sp>
+        <p:nvSpPr>
+          <p:cNvPr id="23" name="テキスト ボックス 22"/>
+          <p:cNvSpPr txBox="1"/>
+          <p:nvPr/>
+        </p:nvSpPr>
+        <p:spPr>
+          <a:xfrm>
+            <a:off x="5217590" y="1844824"/>
+            <a:ext cx="1514650" cy="523220"/>
+          </a:xfrm>
+          <a:prstGeom prst="rect">
+            <a:avLst/>
+          </a:prstGeom>
+          <a:noFill/>
+        </p:spPr>
+        <p:txBody>
+          <a:bodyPr wrap="square" rtlCol="0">
+            <a:spAutoFit/>
+          </a:bodyPr>
+          <a:lstStyle/>
+          <a:p>
+            <a:r>
+              <a:rPr kumimoji="1" lang="ja-JP" altLang="en-US" sz="1400" dirty="0" smtClean="0"/>
+              <a:t>④まとめて</a:t>
+            </a:r>
+            <a:endParaRPr kumimoji="1" lang="en-US" altLang="ja-JP" sz="1400" dirty="0" smtClean="0"/>
+          </a:p>
+          <a:p>
+            <a:r>
+              <a:rPr kumimoji="1" lang="ja-JP" altLang="en-US" sz="1400" dirty="0" smtClean="0"/>
+              <a:t>メール送信</a:t>
+            </a:r>
+            <a:endParaRPr kumimoji="1" lang="ja-JP" altLang="en-US" sz="1400" dirty="0"/>
+          </a:p>
+        </p:txBody>
+      </p:sp>
+      <p:cxnSp>
+        <p:nvCxnSpPr>
+          <p:cNvPr id="24" name="直線矢印コネクタ 23"/>
+          <p:cNvCxnSpPr/>
+          <p:nvPr/>
+        </p:nvCxnSpPr>
+        <p:spPr>
+          <a:xfrm>
+            <a:off x="5292080" y="2708920"/>
+            <a:ext cx="1152000" cy="0"/>
+          </a:xfrm>
+          <a:prstGeom prst="straightConnector1">
+            <a:avLst/>
+          </a:prstGeom>
+          <a:ln w="38100">
+            <a:prstDash val="sysDash"/>
+            <a:headEnd type="arrow"/>
+            <a:tailEnd type="none"/>
+          </a:ln>
+        </p:spPr>
+        <p:style>
+          <a:lnRef idx="2">
+            <a:schemeClr val="accent1"/>
+          </a:lnRef>
+          <a:fillRef idx="0">
+            <a:schemeClr val="accent1"/>
+          </a:fillRef>
+          <a:effectRef idx="1">
+            <a:schemeClr val="accent1"/>
+          </a:effectRef>
+          <a:fontRef idx="minor">
+            <a:schemeClr val="tx1"/>
+          </a:fontRef>
+        </p:style>
+      </p:cxnSp>
+      <p:sp>
+        <p:nvSpPr>
+          <p:cNvPr id="25" name="テキスト ボックス 24"/>
+          <p:cNvSpPr txBox="1"/>
+          <p:nvPr/>
+        </p:nvSpPr>
+        <p:spPr>
+          <a:xfrm>
+            <a:off x="5217590" y="2833191"/>
+            <a:ext cx="1514650" cy="307777"/>
+          </a:xfrm>
+          <a:prstGeom prst="rect">
+            <a:avLst/>
+          </a:prstGeom>
+          <a:noFill/>
+        </p:spPr>
+        <p:txBody>
+          <a:bodyPr wrap="square" rtlCol="0">
+            <a:spAutoFit/>
+          </a:bodyPr>
+          <a:lstStyle/>
+          <a:p>
+            <a:r>
+              <a:rPr kumimoji="1" lang="ja-JP" altLang="en-US" sz="1400" dirty="0" smtClean="0"/>
+              <a:t>差し戻し</a:t>
+            </a:r>
+            <a:endParaRPr kumimoji="1" lang="ja-JP" altLang="en-US" sz="1400" dirty="0"/>
+          </a:p>
+        </p:txBody>
+      </p:sp>
+      <p:sp>
+        <p:nvSpPr>
+          <p:cNvPr id="28" name="テキスト ボックス 27"/>
+          <p:cNvSpPr txBox="1"/>
+          <p:nvPr/>
+        </p:nvSpPr>
+        <p:spPr>
+          <a:xfrm>
+            <a:off x="4315040" y="4699427"/>
+            <a:ext cx="1448953" cy="369332"/>
+          </a:xfrm>
+          <a:prstGeom prst="rect">
+            <a:avLst/>
+          </a:prstGeom>
+        </p:spPr>
+        <p:style>
+          <a:lnRef idx="1">
+            <a:schemeClr val="accent3"/>
+          </a:lnRef>
+          <a:fillRef idx="2">
+            <a:schemeClr val="accent3"/>
+          </a:fillRef>
+          <a:effectRef idx="1">
+            <a:schemeClr val="accent3"/>
+          </a:effectRef>
+          <a:fontRef idx="minor">
+            <a:schemeClr val="dk1"/>
+          </a:fontRef>
+        </p:style>
+        <p:txBody>
+          <a:bodyPr wrap="square" rtlCol="0">
+            <a:spAutoFit/>
+          </a:bodyPr>
+          <a:lstStyle/>
+          <a:p>
+            <a:pPr algn="ctr"/>
+            <a:r>
+              <a:rPr kumimoji="1" lang="ja-JP" altLang="en-US" dirty="0" smtClean="0"/>
+              <a:t>総務</a:t>
+            </a:r>
+            <a:endParaRPr kumimoji="1" lang="ja-JP" altLang="en-US" dirty="0"/>
+          </a:p>
+        </p:txBody>
+      </p:sp>
+      <p:pic>
+        <p:nvPicPr>
+          <p:cNvPr id="29" name="Picture 2" descr="C:\Users\panasonic.PC-PEWBA142657\Desktop\download.png"/>
+          <p:cNvPicPr>
+            <a:picLocks noChangeAspect="1" noChangeArrowheads="1"/>
+          </p:cNvPicPr>
+          <p:nvPr/>
+        </p:nvPicPr>
+        <p:blipFill>
+          <a:blip r:embed="rId3" cstate="print">
+            <a:extLst>
+              <a:ext uri="{28A0092B-C50C-407E-A947-70E740481C1C}">
+                <a14:useLocalDpi xmlns:a14="http://schemas.microsoft.com/office/drawing/2010/main" val="0"/>
+              </a:ext>
+            </a:extLst>
+          </a:blip>
+          <a:srcRect/>
+          <a:stretch>
+            <a:fillRect/>
+          </a:stretch>
+        </p:blipFill>
+        <p:spPr bwMode="auto">
+          <a:xfrm>
+            <a:off x="3995936" y="4951069"/>
+            <a:ext cx="1718291" cy="1718291"/>
+          </a:xfrm>
+          <a:prstGeom prst="rect">
+            <a:avLst/>
+          </a:prstGeom>
+          <a:noFill/>
+          <a:extLst>
+            <a:ext uri="{909E8E84-426E-40DD-AFC4-6F175D3DCCD1}">
+              <a14:hiddenFill xmlns:a14="http://schemas.microsoft.com/office/drawing/2010/main">
+                <a:solidFill>
+                  <a:srgbClr val="FFFFFF"/>
+                </a:solidFill>
+              </a14:hiddenFill>
+            </a:ext>
+          </a:extLst>
+        </p:spPr>
+      </p:pic>
+      <p:cxnSp>
+        <p:nvCxnSpPr>
+          <p:cNvPr id="30" name="直線矢印コネクタ 29"/>
+          <p:cNvCxnSpPr/>
+          <p:nvPr/>
+        </p:nvCxnSpPr>
+        <p:spPr>
+          <a:xfrm flipH="1">
+            <a:off x="5796264" y="3791779"/>
+            <a:ext cx="1656056" cy="681171"/>
+          </a:xfrm>
+          <a:prstGeom prst="straightConnector1">
+            <a:avLst/>
+          </a:prstGeom>
+          <a:ln w="38100">
+            <a:tailEnd type="arrow"/>
+          </a:ln>
+        </p:spPr>
+        <p:style>
+          <a:lnRef idx="2">
+            <a:schemeClr val="accent1"/>
+          </a:lnRef>
+          <a:fillRef idx="0">
+            <a:schemeClr val="accent1"/>
+          </a:fillRef>
+          <a:effectRef idx="1">
+            <a:schemeClr val="accent1"/>
+          </a:effectRef>
+          <a:fontRef idx="minor">
+            <a:schemeClr val="tx1"/>
+          </a:fontRef>
+        </p:style>
+      </p:cxnSp>
+      <p:sp>
+        <p:nvSpPr>
+          <p:cNvPr id="31" name="テキスト ボックス 30"/>
+          <p:cNvSpPr txBox="1"/>
+          <p:nvPr/>
+        </p:nvSpPr>
+        <p:spPr>
+          <a:xfrm>
+            <a:off x="5508104" y="3700607"/>
+            <a:ext cx="1514650" cy="523220"/>
+          </a:xfrm>
+          <a:prstGeom prst="rect">
+            <a:avLst/>
+          </a:prstGeom>
+          <a:noFill/>
+        </p:spPr>
+        <p:txBody>
+          <a:bodyPr wrap="square" rtlCol="0">
+            <a:spAutoFit/>
+          </a:bodyPr>
+          <a:lstStyle/>
+          <a:p>
+            <a:r>
+              <a:rPr kumimoji="1" lang="ja-JP" altLang="en-US" sz="1400" dirty="0" smtClean="0"/>
+              <a:t>⑥まとめて</a:t>
+            </a:r>
+            <a:endParaRPr kumimoji="1" lang="en-US" altLang="ja-JP" sz="1400" dirty="0" smtClean="0"/>
+          </a:p>
+          <a:p>
+            <a:r>
+              <a:rPr kumimoji="1" lang="ja-JP" altLang="en-US" sz="1400" dirty="0" smtClean="0"/>
+              <a:t>メール送信</a:t>
+            </a:r>
+            <a:endParaRPr kumimoji="1" lang="ja-JP" altLang="en-US" sz="1400" dirty="0"/>
+          </a:p>
+        </p:txBody>
+      </p:sp>
+      <p:cxnSp>
+        <p:nvCxnSpPr>
+          <p:cNvPr id="32" name="直線矢印コネクタ 31"/>
+          <p:cNvCxnSpPr/>
+          <p:nvPr/>
+        </p:nvCxnSpPr>
+        <p:spPr>
+          <a:xfrm flipH="1" flipV="1">
+            <a:off x="1547665" y="3791782"/>
+            <a:ext cx="2810793" cy="1743394"/>
+          </a:xfrm>
+          <a:prstGeom prst="straightConnector1">
+            <a:avLst/>
+          </a:prstGeom>
+          <a:ln w="38100">
+            <a:tailEnd type="arrow"/>
+          </a:ln>
+        </p:spPr>
+        <p:style>
+          <a:lnRef idx="2">
+            <a:schemeClr val="accent1"/>
+          </a:lnRef>
+          <a:fillRef idx="0">
+            <a:schemeClr val="accent1"/>
+          </a:fillRef>
+          <a:effectRef idx="1">
+            <a:schemeClr val="accent1"/>
+          </a:effectRef>
+          <a:fontRef idx="minor">
+            <a:schemeClr val="tx1"/>
+          </a:fontRef>
+        </p:style>
+      </p:cxnSp>
+      <p:sp>
+        <p:nvSpPr>
+          <p:cNvPr id="33" name="テキスト ボックス 32"/>
+          <p:cNvSpPr txBox="1"/>
+          <p:nvPr/>
+        </p:nvSpPr>
+        <p:spPr>
+          <a:xfrm>
+            <a:off x="1619672" y="4699427"/>
+            <a:ext cx="1514650" cy="523220"/>
+          </a:xfrm>
+          <a:prstGeom prst="rect">
+            <a:avLst/>
+          </a:prstGeom>
+          <a:noFill/>
+        </p:spPr>
+        <p:txBody>
+          <a:bodyPr wrap="square" rtlCol="0">
+            <a:spAutoFit/>
+          </a:bodyPr>
+          <a:lstStyle/>
+          <a:p>
+            <a:r>
+              <a:rPr kumimoji="1" lang="ja-JP" altLang="en-US" sz="1400" dirty="0" smtClean="0"/>
+              <a:t>⑧印刷して</a:t>
+            </a:r>
+            <a:endParaRPr kumimoji="1" lang="en-US" altLang="ja-JP" sz="1400" dirty="0" smtClean="0"/>
+          </a:p>
+          <a:p>
+            <a:r>
+              <a:rPr kumimoji="1" lang="ja-JP" altLang="en-US" sz="1400" dirty="0" smtClean="0"/>
+              <a:t>個人棚に格納</a:t>
+            </a:r>
+            <a:endParaRPr kumimoji="1" lang="ja-JP" altLang="en-US" sz="1400" dirty="0"/>
+          </a:p>
+        </p:txBody>
+      </p:sp>
+      <p:cxnSp>
+        <p:nvCxnSpPr>
+          <p:cNvPr id="38" name="直線矢印コネクタ 37"/>
+          <p:cNvCxnSpPr/>
+          <p:nvPr/>
+        </p:nvCxnSpPr>
+        <p:spPr>
+          <a:xfrm>
+            <a:off x="5724696" y="5860846"/>
+            <a:ext cx="1151560" cy="1"/>
+          </a:xfrm>
+          <a:prstGeom prst="straightConnector1">
+            <a:avLst/>
+          </a:prstGeom>
+          <a:ln w="38100">
+            <a:tailEnd type="arrow"/>
+          </a:ln>
+        </p:spPr>
+        <p:style>
+          <a:lnRef idx="2">
+            <a:schemeClr val="accent1"/>
+          </a:lnRef>
+          <a:fillRef idx="0">
+            <a:schemeClr val="accent1"/>
+          </a:fillRef>
+          <a:effectRef idx="1">
+            <a:schemeClr val="accent1"/>
+          </a:effectRef>
+          <a:fontRef idx="minor">
+            <a:schemeClr val="tx1"/>
+          </a:fontRef>
+        </p:style>
+      </p:cxnSp>
+      <p:sp>
+        <p:nvSpPr>
+          <p:cNvPr id="41" name="テキスト ボックス 40"/>
+          <p:cNvSpPr txBox="1"/>
+          <p:nvPr/>
+        </p:nvSpPr>
+        <p:spPr>
+          <a:xfrm>
+            <a:off x="6804248" y="4699427"/>
+            <a:ext cx="1448953" cy="369332"/>
+          </a:xfrm>
+          <a:prstGeom prst="rect">
+            <a:avLst/>
+          </a:prstGeom>
+        </p:spPr>
+        <p:style>
+          <a:lnRef idx="1">
+            <a:schemeClr val="accent3"/>
+          </a:lnRef>
+          <a:fillRef idx="2">
+            <a:schemeClr val="accent3"/>
+          </a:fillRef>
+          <a:effectRef idx="1">
+            <a:schemeClr val="accent3"/>
+          </a:effectRef>
+          <a:fontRef idx="minor">
+            <a:schemeClr val="dk1"/>
+          </a:fontRef>
+        </p:style>
+        <p:txBody>
+          <a:bodyPr wrap="square" rtlCol="0">
+            <a:spAutoFit/>
+          </a:bodyPr>
+          <a:lstStyle/>
+          <a:p>
+            <a:pPr algn="ctr"/>
+            <a:r>
+              <a:rPr kumimoji="1" lang="ja-JP" altLang="en-US" dirty="0" smtClean="0"/>
+              <a:t>本社</a:t>
+            </a:r>
+            <a:endParaRPr kumimoji="1" lang="ja-JP" altLang="en-US" dirty="0"/>
+          </a:p>
+        </p:txBody>
+      </p:sp>
+      <p:pic>
+        <p:nvPicPr>
+          <p:cNvPr id="44" name="Picture 2" descr="C:\Program Files\Microsoft Office 2010\MEDIA\CAGCAT10\j0205462.wmf"/>
+          <p:cNvPicPr>
+            <a:picLocks noChangeAspect="1" noChangeArrowheads="1"/>
+          </p:cNvPicPr>
+          <p:nvPr/>
+        </p:nvPicPr>
+        <p:blipFill>
+          <a:blip r:embed="rId4" cstate="print">
+            <a:extLst>
+              <a:ext uri="{28A0092B-C50C-407E-A947-70E740481C1C}">
+                <a14:useLocalDpi xmlns:a14="http://schemas.microsoft.com/office/drawing/2010/main" val="0"/>
+              </a:ext>
+            </a:extLst>
+          </a:blip>
+          <a:srcRect/>
+          <a:stretch>
+            <a:fillRect/>
+          </a:stretch>
+        </p:blipFill>
+        <p:spPr bwMode="auto">
+          <a:xfrm>
+            <a:off x="7022140" y="5186592"/>
+            <a:ext cx="1139597" cy="1133631"/>
+          </a:xfrm>
+          <a:prstGeom prst="rect">
+            <a:avLst/>
+          </a:prstGeom>
+          <a:noFill/>
+          <a:extLst>
+            <a:ext uri="{909E8E84-426E-40DD-AFC4-6F175D3DCCD1}">
+              <a14:hiddenFill xmlns:a14="http://schemas.microsoft.com/office/drawing/2010/main">
+                <a:solidFill>
+                  <a:srgbClr val="FFFFFF"/>
+                </a:solidFill>
+              </a14:hiddenFill>
+            </a:ext>
+          </a:extLst>
+        </p:spPr>
+      </p:pic>
+      <p:sp>
+        <p:nvSpPr>
+          <p:cNvPr id="54" name="テキスト ボックス 53"/>
+          <p:cNvSpPr txBox="1"/>
+          <p:nvPr/>
+        </p:nvSpPr>
+        <p:spPr>
+          <a:xfrm>
+            <a:off x="5724696" y="5328135"/>
+            <a:ext cx="1514650" cy="523220"/>
+          </a:xfrm>
+          <a:prstGeom prst="rect">
+            <a:avLst/>
+          </a:prstGeom>
+          <a:noFill/>
+        </p:spPr>
+        <p:txBody>
+          <a:bodyPr wrap="square" rtlCol="0">
+            <a:spAutoFit/>
+          </a:bodyPr>
+          <a:lstStyle/>
+          <a:p>
+            <a:r>
+              <a:rPr lang="ja-JP" altLang="en-US" sz="1400" dirty="0" smtClean="0"/>
+              <a:t>⑦まとめて</a:t>
+            </a:r>
+            <a:endParaRPr lang="en-US" altLang="ja-JP" sz="1400" dirty="0" smtClean="0"/>
+          </a:p>
+          <a:p>
+            <a:r>
+              <a:rPr kumimoji="1" lang="ja-JP" altLang="en-US" sz="1400" dirty="0" smtClean="0"/>
+              <a:t>メール送信</a:t>
+            </a:r>
+            <a:endParaRPr kumimoji="1" lang="ja-JP" altLang="en-US" sz="1400" dirty="0"/>
+          </a:p>
+        </p:txBody>
+      </p:sp>
+      <p:pic>
+        <p:nvPicPr>
+          <p:cNvPr id="34" name="Picture 3" descr="C:\Users\panasonic.PC-PEWBA142657\AppData\Local\Microsoft\Windows\Temporary Internet Files\Content.IE5\7KHZB72Y\Logo_Microsoft_Excel_2013[1].png"/>
+          <p:cNvPicPr>
+            <a:picLocks noChangeAspect="1" noChangeArrowheads="1"/>
+          </p:cNvPicPr>
+          <p:nvPr/>
+        </p:nvPicPr>
+        <p:blipFill>
+          <a:blip r:embed="rId5" cstate="print">
+            <a:extLst>
+              <a:ext uri="{28A0092B-C50C-407E-A947-70E740481C1C}">
+                <a14:useLocalDpi xmlns:a14="http://schemas.microsoft.com/office/drawing/2010/main" val="0"/>
+              </a:ext>
+            </a:extLst>
+          </a:blip>
+          <a:srcRect/>
+          <a:stretch>
+            <a:fillRect/>
+          </a:stretch>
+        </p:blipFill>
+        <p:spPr bwMode="auto">
+          <a:xfrm>
+            <a:off x="2254671" y="1590905"/>
+            <a:ext cx="301105" cy="301105"/>
+          </a:xfrm>
+          <a:prstGeom prst="rect">
+            <a:avLst/>
+          </a:prstGeom>
+          <a:noFill/>
+          <a:extLst>
+            <a:ext uri="{909E8E84-426E-40DD-AFC4-6F175D3DCCD1}">
+              <a14:hiddenFill xmlns:a14="http://schemas.microsoft.com/office/drawing/2010/main">
+                <a:solidFill>
+                  <a:srgbClr val="FFFFFF"/>
+                </a:solidFill>
+              </a14:hiddenFill>
+            </a:ext>
+          </a:extLst>
+        </p:spPr>
+      </p:pic>
+      <p:pic>
+        <p:nvPicPr>
+          <p:cNvPr id="35" name="Picture 3" descr="C:\Users\panasonic.PC-PEWBA142657\AppData\Local\Microsoft\Windows\Temporary Internet Files\Content.IE5\7KHZB72Y\Logo_Microsoft_Excel_2013[1].png"/>
+          <p:cNvPicPr>
+            <a:picLocks noChangeAspect="1" noChangeArrowheads="1"/>
+          </p:cNvPicPr>
+          <p:nvPr/>
+        </p:nvPicPr>
+        <p:blipFill>
+          <a:blip r:embed="rId5" cstate="print">
+            <a:extLst>
+              <a:ext uri="{28A0092B-C50C-407E-A947-70E740481C1C}">
+                <a14:useLocalDpi xmlns:a14="http://schemas.microsoft.com/office/drawing/2010/main" val="0"/>
+              </a:ext>
+            </a:extLst>
+          </a:blip>
+          <a:srcRect/>
+          <a:stretch>
+            <a:fillRect/>
+          </a:stretch>
+        </p:blipFill>
+        <p:spPr bwMode="auto">
+          <a:xfrm>
+            <a:off x="5663432" y="1590905"/>
+            <a:ext cx="301105" cy="301105"/>
+          </a:xfrm>
+          <a:prstGeom prst="rect">
+            <a:avLst/>
+          </a:prstGeom>
+          <a:noFill/>
+          <a:extLst>
+            <a:ext uri="{909E8E84-426E-40DD-AFC4-6F175D3DCCD1}">
+              <a14:hiddenFill xmlns:a14="http://schemas.microsoft.com/office/drawing/2010/main">
+                <a:solidFill>
+                  <a:srgbClr val="FFFFFF"/>
+                </a:solidFill>
+              </a14:hiddenFill>
+            </a:ext>
+          </a:extLst>
+        </p:spPr>
+      </p:pic>
+      <p:pic>
+        <p:nvPicPr>
+          <p:cNvPr id="36" name="Picture 3" descr="C:\Users\panasonic.PC-PEWBA142657\AppData\Local\Microsoft\Windows\Temporary Internet Files\Content.IE5\7KHZB72Y\Logo_Microsoft_Excel_2013[1].png"/>
+          <p:cNvPicPr>
+            <a:picLocks noChangeAspect="1" noChangeArrowheads="1"/>
+          </p:cNvPicPr>
+          <p:nvPr/>
+        </p:nvPicPr>
+        <p:blipFill>
+          <a:blip r:embed="rId5" cstate="print">
+            <a:extLst>
+              <a:ext uri="{28A0092B-C50C-407E-A947-70E740481C1C}">
+                <a14:useLocalDpi xmlns:a14="http://schemas.microsoft.com/office/drawing/2010/main" val="0"/>
+              </a:ext>
+            </a:extLst>
+          </a:blip>
+          <a:srcRect/>
+          <a:stretch>
+            <a:fillRect/>
+          </a:stretch>
+        </p:blipFill>
+        <p:spPr bwMode="auto">
+          <a:xfrm>
+            <a:off x="5964324" y="3458161"/>
+            <a:ext cx="301105" cy="301105"/>
+          </a:xfrm>
+          <a:prstGeom prst="rect">
+            <a:avLst/>
+          </a:prstGeom>
+          <a:noFill/>
+          <a:extLst>
+            <a:ext uri="{909E8E84-426E-40DD-AFC4-6F175D3DCCD1}">
+              <a14:hiddenFill xmlns:a14="http://schemas.microsoft.com/office/drawing/2010/main">
+                <a:solidFill>
+                  <a:srgbClr val="FFFFFF"/>
+                </a:solidFill>
+              </a14:hiddenFill>
+            </a:ext>
+          </a:extLst>
+        </p:spPr>
+      </p:pic>
+      <p:pic>
+        <p:nvPicPr>
+          <p:cNvPr id="37" name="Picture 3" descr="C:\Users\panasonic.PC-PEWBA142657\AppData\Local\Microsoft\Windows\Temporary Internet Files\Content.IE5\7KHZB72Y\Logo_Microsoft_Excel_2013[1].png"/>
+          <p:cNvPicPr>
+            <a:picLocks noChangeAspect="1" noChangeArrowheads="1"/>
+          </p:cNvPicPr>
+          <p:nvPr/>
+        </p:nvPicPr>
+        <p:blipFill>
+          <a:blip r:embed="rId5" cstate="print">
+            <a:extLst>
+              <a:ext uri="{28A0092B-C50C-407E-A947-70E740481C1C}">
+                <a14:useLocalDpi xmlns:a14="http://schemas.microsoft.com/office/drawing/2010/main" val="0"/>
+              </a:ext>
+            </a:extLst>
+          </a:blip>
+          <a:srcRect/>
+          <a:stretch>
+            <a:fillRect/>
+          </a:stretch>
+        </p:blipFill>
+        <p:spPr bwMode="auto">
+          <a:xfrm>
+            <a:off x="6116724" y="5068759"/>
+            <a:ext cx="301105" cy="301105"/>
+          </a:xfrm>
+          <a:prstGeom prst="rect">
+            <a:avLst/>
+          </a:prstGeom>
+          <a:noFill/>
+          <a:extLst>
+            <a:ext uri="{909E8E84-426E-40DD-AFC4-6F175D3DCCD1}">
+              <a14:hiddenFill xmlns:a14="http://schemas.microsoft.com/office/drawing/2010/main">
+                <a:solidFill>
+                  <a:srgbClr val="FFFFFF"/>
+                </a:solidFill>
+              </a14:hiddenFill>
+            </a:ext>
+          </a:extLst>
+        </p:spPr>
+      </p:pic>
+      <p:pic>
+        <p:nvPicPr>
+          <p:cNvPr id="2051" name="Picture 3" descr="C:\Users\panasonic.PC-PEWBA142657\AppData\Local\Microsoft\Windows\Temporary Internet Files\Content.IE5\0TBE10HT\gi01a201401282200[1].png"/>
+          <p:cNvPicPr>
+            <a:picLocks noChangeAspect="1" noChangeArrowheads="1"/>
+          </p:cNvPicPr>
+          <p:nvPr/>
+        </p:nvPicPr>
+        <p:blipFill>
+          <a:blip r:embed="rId6" cstate="print">
+            <a:extLst>
+              <a:ext uri="{28A0092B-C50C-407E-A947-70E740481C1C}">
+                <a14:useLocalDpi xmlns:a14="http://schemas.microsoft.com/office/drawing/2010/main" val="0"/>
+              </a:ext>
+            </a:extLst>
+          </a:blip>
+          <a:srcRect/>
+          <a:stretch>
+            <a:fillRect/>
+          </a:stretch>
+        </p:blipFill>
+        <p:spPr bwMode="auto">
+          <a:xfrm>
+            <a:off x="1977230" y="4350966"/>
+            <a:ext cx="415017" cy="358384"/>
+          </a:xfrm>
+          <a:prstGeom prst="rect">
+            <a:avLst/>
+          </a:prstGeom>
+          <a:noFill/>
+          <a:extLst>
+            <a:ext uri="{909E8E84-426E-40DD-AFC4-6F175D3DCCD1}">
+              <a14:hiddenFill xmlns:a14="http://schemas.microsoft.com/office/drawing/2010/main">
+                <a:solidFill>
+                  <a:srgbClr val="FFFFFF"/>
+                </a:solidFill>
+              </a14:hiddenFill>
+            </a:ext>
+          </a:extLst>
+        </p:spPr>
+      </p:pic>
+      <p:sp>
+        <p:nvSpPr>
+          <p:cNvPr id="5" name="スライド番号プレースホルダー 4"/>
           <p:cNvSpPr>
             <a:spLocks noGrp="1"/>
           </p:cNvSpPr>
@@ -40997,10 +40828,383 @@
           </a:p>
         </p:txBody>
       </p:sp>
+      <p:grpSp>
+        <p:nvGrpSpPr>
+          <p:cNvPr id="6" name="グループ化 5"/>
+          <p:cNvGrpSpPr/>
+          <p:nvPr/>
+        </p:nvGrpSpPr>
+        <p:grpSpPr>
+          <a:xfrm>
+            <a:off x="35496" y="1595726"/>
+            <a:ext cx="1900461" cy="1900461"/>
+            <a:chOff x="35496" y="1595726"/>
+            <a:chExt cx="1900461" cy="1900461"/>
+          </a:xfrm>
+        </p:grpSpPr>
+        <p:pic>
+          <p:nvPicPr>
+            <p:cNvPr id="1026" name="Picture 2" descr="C:\Users\panasonic.PC-PEWBA142657\Desktop\download.png"/>
+            <p:cNvPicPr>
+              <a:picLocks noChangeAspect="1" noChangeArrowheads="1"/>
+            </p:cNvPicPr>
+            <p:nvPr/>
+          </p:nvPicPr>
+          <p:blipFill>
+            <a:blip r:embed="rId7" cstate="print">
+              <a:extLst>
+                <a:ext uri="{28A0092B-C50C-407E-A947-70E740481C1C}">
+                  <a14:useLocalDpi xmlns:a14="http://schemas.microsoft.com/office/drawing/2010/main" val="0"/>
+                </a:ext>
+              </a:extLst>
+            </a:blip>
+            <a:srcRect/>
+            <a:stretch>
+              <a:fillRect/>
+            </a:stretch>
+          </p:blipFill>
+          <p:spPr bwMode="auto">
+            <a:xfrm>
+              <a:off x="35496" y="1595726"/>
+              <a:ext cx="1595661" cy="1595661"/>
+            </a:xfrm>
+            <a:prstGeom prst="rect">
+              <a:avLst/>
+            </a:prstGeom>
+            <a:noFill/>
+            <a:extLst>
+              <a:ext uri="{909E8E84-426E-40DD-AFC4-6F175D3DCCD1}">
+                <a14:hiddenFill xmlns:a14="http://schemas.microsoft.com/office/drawing/2010/main">
+                  <a:solidFill>
+                    <a:srgbClr val="FFFFFF"/>
+                  </a:solidFill>
+                </a14:hiddenFill>
+              </a:ext>
+            </a:extLst>
+          </p:spPr>
+        </p:pic>
+        <p:pic>
+          <p:nvPicPr>
+            <p:cNvPr id="39" name="Picture 2" descr="C:\Users\panasonic.PC-PEWBA142657\Desktop\download.png"/>
+            <p:cNvPicPr>
+              <a:picLocks noChangeAspect="1" noChangeArrowheads="1"/>
+            </p:cNvPicPr>
+            <p:nvPr/>
+          </p:nvPicPr>
+          <p:blipFill>
+            <a:blip r:embed="rId7" cstate="print">
+              <a:extLst>
+                <a:ext uri="{28A0092B-C50C-407E-A947-70E740481C1C}">
+                  <a14:useLocalDpi xmlns:a14="http://schemas.microsoft.com/office/drawing/2010/main" val="0"/>
+                </a:ext>
+              </a:extLst>
+            </a:blip>
+            <a:srcRect/>
+            <a:stretch>
+              <a:fillRect/>
+            </a:stretch>
+          </p:blipFill>
+          <p:spPr bwMode="auto">
+            <a:xfrm>
+              <a:off x="187896" y="1748126"/>
+              <a:ext cx="1595661" cy="1595661"/>
+            </a:xfrm>
+            <a:prstGeom prst="rect">
+              <a:avLst/>
+            </a:prstGeom>
+            <a:noFill/>
+            <a:extLst>
+              <a:ext uri="{909E8E84-426E-40DD-AFC4-6F175D3DCCD1}">
+                <a14:hiddenFill xmlns:a14="http://schemas.microsoft.com/office/drawing/2010/main">
+                  <a:solidFill>
+                    <a:srgbClr val="FFFFFF"/>
+                  </a:solidFill>
+                </a14:hiddenFill>
+              </a:ext>
+            </a:extLst>
+          </p:spPr>
+        </p:pic>
+        <p:pic>
+          <p:nvPicPr>
+            <p:cNvPr id="40" name="Picture 2" descr="C:\Users\panasonic.PC-PEWBA142657\Desktop\download.png"/>
+            <p:cNvPicPr>
+              <a:picLocks noChangeAspect="1" noChangeArrowheads="1"/>
+            </p:cNvPicPr>
+            <p:nvPr/>
+          </p:nvPicPr>
+          <p:blipFill>
+            <a:blip r:embed="rId7" cstate="print">
+              <a:extLst>
+                <a:ext uri="{28A0092B-C50C-407E-A947-70E740481C1C}">
+                  <a14:useLocalDpi xmlns:a14="http://schemas.microsoft.com/office/drawing/2010/main" val="0"/>
+                </a:ext>
+              </a:extLst>
+            </a:blip>
+            <a:srcRect/>
+            <a:stretch>
+              <a:fillRect/>
+            </a:stretch>
+          </p:blipFill>
+          <p:spPr bwMode="auto">
+            <a:xfrm>
+              <a:off x="340296" y="1900526"/>
+              <a:ext cx="1595661" cy="1595661"/>
+            </a:xfrm>
+            <a:prstGeom prst="rect">
+              <a:avLst/>
+            </a:prstGeom>
+            <a:noFill/>
+            <a:extLst>
+              <a:ext uri="{909E8E84-426E-40DD-AFC4-6F175D3DCCD1}">
+                <a14:hiddenFill xmlns:a14="http://schemas.microsoft.com/office/drawing/2010/main">
+                  <a:solidFill>
+                    <a:srgbClr val="FFFFFF"/>
+                  </a:solidFill>
+                </a14:hiddenFill>
+              </a:ext>
+            </a:extLst>
+          </p:spPr>
+        </p:pic>
+      </p:grpSp>
+      <p:grpSp>
+        <p:nvGrpSpPr>
+          <p:cNvPr id="7" name="グループ化 6"/>
+          <p:cNvGrpSpPr/>
+          <p:nvPr/>
+        </p:nvGrpSpPr>
+        <p:grpSpPr>
+          <a:xfrm>
+            <a:off x="3275856" y="1671926"/>
+            <a:ext cx="1748061" cy="1748061"/>
+            <a:chOff x="3275856" y="1595726"/>
+            <a:chExt cx="1748061" cy="1748061"/>
+          </a:xfrm>
+        </p:grpSpPr>
+        <p:pic>
+          <p:nvPicPr>
+            <p:cNvPr id="1028" name="Picture 4" descr="C:\Users\panasonic.PC-PEWBA142657\Desktop\download.png"/>
+            <p:cNvPicPr>
+              <a:picLocks noChangeAspect="1" noChangeArrowheads="1"/>
+            </p:cNvPicPr>
+            <p:nvPr/>
+          </p:nvPicPr>
+          <p:blipFill>
+            <a:blip r:embed="rId8" cstate="print">
+              <a:extLst>
+                <a:ext uri="{28A0092B-C50C-407E-A947-70E740481C1C}">
+                  <a14:useLocalDpi xmlns:a14="http://schemas.microsoft.com/office/drawing/2010/main" val="0"/>
+                </a:ext>
+              </a:extLst>
+            </a:blip>
+            <a:srcRect/>
+            <a:stretch>
+              <a:fillRect/>
+            </a:stretch>
+          </p:blipFill>
+          <p:spPr bwMode="auto">
+            <a:xfrm>
+              <a:off x="3275856" y="1595726"/>
+              <a:ext cx="1595661" cy="1595661"/>
+            </a:xfrm>
+            <a:prstGeom prst="rect">
+              <a:avLst/>
+            </a:prstGeom>
+            <a:noFill/>
+            <a:extLst>
+              <a:ext uri="{909E8E84-426E-40DD-AFC4-6F175D3DCCD1}">
+                <a14:hiddenFill xmlns:a14="http://schemas.microsoft.com/office/drawing/2010/main">
+                  <a:solidFill>
+                    <a:srgbClr val="FFFFFF"/>
+                  </a:solidFill>
+                </a14:hiddenFill>
+              </a:ext>
+            </a:extLst>
+          </p:spPr>
+        </p:pic>
+        <p:pic>
+          <p:nvPicPr>
+            <p:cNvPr id="42" name="Picture 4" descr="C:\Users\panasonic.PC-PEWBA142657\Desktop\download.png"/>
+            <p:cNvPicPr>
+              <a:picLocks noChangeAspect="1" noChangeArrowheads="1"/>
+            </p:cNvPicPr>
+            <p:nvPr/>
+          </p:nvPicPr>
+          <p:blipFill>
+            <a:blip r:embed="rId8" cstate="print">
+              <a:extLst>
+                <a:ext uri="{28A0092B-C50C-407E-A947-70E740481C1C}">
+                  <a14:useLocalDpi xmlns:a14="http://schemas.microsoft.com/office/drawing/2010/main" val="0"/>
+                </a:ext>
+              </a:extLst>
+            </a:blip>
+            <a:srcRect/>
+            <a:stretch>
+              <a:fillRect/>
+            </a:stretch>
+          </p:blipFill>
+          <p:spPr bwMode="auto">
+            <a:xfrm>
+              <a:off x="3428256" y="1748126"/>
+              <a:ext cx="1595661" cy="1595661"/>
+            </a:xfrm>
+            <a:prstGeom prst="rect">
+              <a:avLst/>
+            </a:prstGeom>
+            <a:noFill/>
+            <a:extLst>
+              <a:ext uri="{909E8E84-426E-40DD-AFC4-6F175D3DCCD1}">
+                <a14:hiddenFill xmlns:a14="http://schemas.microsoft.com/office/drawing/2010/main">
+                  <a:solidFill>
+                    <a:srgbClr val="FFFFFF"/>
+                  </a:solidFill>
+                </a14:hiddenFill>
+              </a:ext>
+            </a:extLst>
+          </p:spPr>
+        </p:pic>
+      </p:grpSp>
+      <p:sp>
+        <p:nvSpPr>
+          <p:cNvPr id="27" name="フリーフォーム 26"/>
+          <p:cNvSpPr/>
+          <p:nvPr/>
+        </p:nvSpPr>
+        <p:spPr>
+          <a:xfrm>
+            <a:off x="35496" y="1030597"/>
+            <a:ext cx="8383154" cy="5494747"/>
+          </a:xfrm>
+          <a:custGeom>
+            <a:avLst/>
+            <a:gdLst>
+              <a:gd name="connsiteX0" fmla="*/ 618777 w 8455162"/>
+              <a:gd name="connsiteY0" fmla="*/ 339130 h 5541945"/>
+              <a:gd name="connsiteX1" fmla="*/ 8028570 w 8455162"/>
+              <a:gd name="connsiteY1" fmla="*/ 381171 h 5541945"/>
+              <a:gd name="connsiteX2" fmla="*/ 7387439 w 8455162"/>
+              <a:gd name="connsiteY2" fmla="*/ 3597337 h 5541945"/>
+              <a:gd name="connsiteX3" fmla="*/ 5979053 w 8455162"/>
+              <a:gd name="connsiteY3" fmla="*/ 3860095 h 5541945"/>
+              <a:gd name="connsiteX4" fmla="*/ 5611191 w 8455162"/>
+              <a:gd name="connsiteY4" fmla="*/ 5215930 h 5541945"/>
+              <a:gd name="connsiteX5" fmla="*/ 4476074 w 8455162"/>
+              <a:gd name="connsiteY5" fmla="*/ 5384095 h 5541945"/>
+              <a:gd name="connsiteX6" fmla="*/ 4223825 w 8455162"/>
+              <a:gd name="connsiteY6" fmla="*/ 3261006 h 5541945"/>
+              <a:gd name="connsiteX7" fmla="*/ 828984 w 8455162"/>
+              <a:gd name="connsiteY7" fmla="*/ 2882633 h 5541945"/>
+              <a:gd name="connsiteX8" fmla="*/ 618777 w 8455162"/>
+              <a:gd name="connsiteY8" fmla="*/ 339130 h 5541945"/>
+            </a:gdLst>
+            <a:ahLst/>
+            <a:cxnLst>
+              <a:cxn ang="0">
+                <a:pos x="connsiteX0" y="connsiteY0"/>
+              </a:cxn>
+              <a:cxn ang="0">
+                <a:pos x="connsiteX1" y="connsiteY1"/>
+              </a:cxn>
+              <a:cxn ang="0">
+                <a:pos x="connsiteX2" y="connsiteY2"/>
+              </a:cxn>
+              <a:cxn ang="0">
+                <a:pos x="connsiteX3" y="connsiteY3"/>
+              </a:cxn>
+              <a:cxn ang="0">
+                <a:pos x="connsiteX4" y="connsiteY4"/>
+              </a:cxn>
+              <a:cxn ang="0">
+                <a:pos x="connsiteX5" y="connsiteY5"/>
+              </a:cxn>
+              <a:cxn ang="0">
+                <a:pos x="connsiteX6" y="connsiteY6"/>
+              </a:cxn>
+              <a:cxn ang="0">
+                <a:pos x="connsiteX7" y="connsiteY7"/>
+              </a:cxn>
+              <a:cxn ang="0">
+                <a:pos x="connsiteX8" y="connsiteY8"/>
+              </a:cxn>
+            </a:cxnLst>
+            <a:rect l="l" t="t" r="r" b="b"/>
+            <a:pathLst>
+              <a:path w="8455162" h="5541945">
+                <a:moveTo>
+                  <a:pt x="618777" y="339130"/>
+                </a:moveTo>
+                <a:cubicBezTo>
+                  <a:pt x="1818708" y="-77780"/>
+                  <a:pt x="6900460" y="-161863"/>
+                  <a:pt x="8028570" y="381171"/>
+                </a:cubicBezTo>
+                <a:cubicBezTo>
+                  <a:pt x="9156680" y="924205"/>
+                  <a:pt x="7729025" y="3017516"/>
+                  <a:pt x="7387439" y="3597337"/>
+                </a:cubicBezTo>
+                <a:cubicBezTo>
+                  <a:pt x="7045853" y="4177158"/>
+                  <a:pt x="6275094" y="3590330"/>
+                  <a:pt x="5979053" y="3860095"/>
+                </a:cubicBezTo>
+                <a:cubicBezTo>
+                  <a:pt x="5683012" y="4129860"/>
+                  <a:pt x="5861688" y="4961930"/>
+                  <a:pt x="5611191" y="5215930"/>
+                </a:cubicBezTo>
+                <a:cubicBezTo>
+                  <a:pt x="5360694" y="5469930"/>
+                  <a:pt x="4707302" y="5709916"/>
+                  <a:pt x="4476074" y="5384095"/>
+                </a:cubicBezTo>
+                <a:cubicBezTo>
+                  <a:pt x="4244846" y="5058274"/>
+                  <a:pt x="4831673" y="3677916"/>
+                  <a:pt x="4223825" y="3261006"/>
+                </a:cubicBezTo>
+                <a:cubicBezTo>
+                  <a:pt x="3615977" y="2844096"/>
+                  <a:pt x="1428074" y="3367861"/>
+                  <a:pt x="828984" y="2882633"/>
+                </a:cubicBezTo>
+                <a:cubicBezTo>
+                  <a:pt x="229894" y="2397405"/>
+                  <a:pt x="-581154" y="756040"/>
+                  <a:pt x="618777" y="339130"/>
+                </a:cubicBezTo>
+                <a:close/>
+              </a:path>
+            </a:pathLst>
+          </a:custGeom>
+          <a:noFill/>
+        </p:spPr>
+        <p:style>
+          <a:lnRef idx="2">
+            <a:schemeClr val="accent2"/>
+          </a:lnRef>
+          <a:fillRef idx="1">
+            <a:schemeClr val="lt1"/>
+          </a:fillRef>
+          <a:effectRef idx="0">
+            <a:schemeClr val="accent2"/>
+          </a:effectRef>
+          <a:fontRef idx="minor">
+            <a:schemeClr val="dk1"/>
+          </a:fontRef>
+        </p:style>
+        <p:txBody>
+          <a:bodyPr rtlCol="0" anchor="ctr"/>
+          <a:lstStyle/>
+          <a:p>
+            <a:pPr algn="ctr"/>
+            <a:endParaRPr kumimoji="1" lang="ja-JP" altLang="en-US"/>
+          </a:p>
+        </p:txBody>
+      </p:sp>
     </p:spTree>
     <p:extLst>
       <p:ext uri="{BB962C8B-B14F-4D97-AF65-F5344CB8AC3E}">
-        <p14:creationId xmlns:p14="http://schemas.microsoft.com/office/powerpoint/2010/main" val="1814037007"/>
+        <p14:creationId xmlns:p14="http://schemas.microsoft.com/office/powerpoint/2010/main" val="1934978285"/>
       </p:ext>
     </p:extLst>
   </p:cSld>
@@ -42616,28 +42820,113 @@
           <a:chExt cx="0" cy="0"/>
         </a:xfrm>
       </p:grpSpPr>
-      <p:graphicFrame>
-        <p:nvGraphicFramePr>
-          <p:cNvPr id="20" name="図表 19"/>
-          <p:cNvGraphicFramePr/>
+      <p:sp>
+        <p:nvSpPr>
+          <p:cNvPr id="3" name="コンテンツ プレースホルダー 2"/>
+          <p:cNvSpPr>
+            <a:spLocks noGrp="1"/>
+          </p:cNvSpPr>
           <p:nvPr>
-            <p:extLst>
-              <p:ext uri="{D42A27DB-BD31-4B8C-83A1-F6EECF244321}">
-                <p14:modId xmlns:p14="http://schemas.microsoft.com/office/powerpoint/2010/main" val="4036722166"/>
-              </p:ext>
-            </p:extLst>
+            <p:ph idx="1"/>
           </p:nvPr>
-        </p:nvGraphicFramePr>
-        <p:xfrm>
-          <a:off x="539552" y="1556792"/>
-          <a:ext cx="7992888" cy="4608512"/>
-        </p:xfrm>
-        <a:graphic>
-          <a:graphicData uri="http://schemas.openxmlformats.org/drawingml/2006/diagram">
-            <dgm:relIds xmlns:dgm="http://schemas.openxmlformats.org/drawingml/2006/diagram" xmlns:r="http://schemas.openxmlformats.org/officeDocument/2006/relationships" r:dm="rId2" r:lo="rId3" r:qs="rId4" r:cs="rId5"/>
-          </a:graphicData>
-        </a:graphic>
-      </p:graphicFrame>
+        </p:nvSpPr>
+        <p:spPr/>
+        <p:txBody>
+          <a:bodyPr>
+            <a:normAutofit/>
+          </a:bodyPr>
+          <a:lstStyle/>
+          <a:p>
+            <a:pPr marL="571500" indent="-457200">
+              <a:buFont typeface="+mj-lt"/>
+              <a:buAutoNum type="arabicPeriod"/>
+            </a:pPr>
+            <a:r>
+              <a:rPr kumimoji="1" lang="ja-JP" altLang="en-US" dirty="0" smtClean="0"/>
+              <a:t>改善点</a:t>
+            </a:r>
+            <a:endParaRPr kumimoji="1" lang="en-US" altLang="ja-JP" dirty="0" smtClean="0"/>
+          </a:p>
+          <a:p>
+            <a:pPr marL="868680" lvl="1" indent="-457200">
+              <a:buFont typeface="+mj-lt"/>
+              <a:buAutoNum type="arabicPeriod"/>
+            </a:pPr>
+            <a:r>
+              <a:rPr kumimoji="1" lang="ja-JP" altLang="en-US" dirty="0" smtClean="0"/>
+              <a:t>月報の一元管理が可能</a:t>
+            </a:r>
+            <a:endParaRPr kumimoji="1" lang="en-US" altLang="ja-JP" dirty="0" smtClean="0"/>
+          </a:p>
+          <a:p>
+            <a:pPr marL="868680" lvl="1" indent="-457200">
+              <a:buFont typeface="+mj-lt"/>
+              <a:buAutoNum type="arabicPeriod"/>
+            </a:pPr>
+            <a:r>
+              <a:rPr lang="ja-JP" altLang="en-US" dirty="0" smtClean="0"/>
+              <a:t>メール運用が不要</a:t>
+            </a:r>
+            <a:endParaRPr lang="en-US" altLang="ja-JP" dirty="0" smtClean="0"/>
+          </a:p>
+          <a:p>
+            <a:pPr marL="868680" lvl="1" indent="-457200">
+              <a:buFont typeface="+mj-lt"/>
+              <a:buAutoNum type="arabicPeriod"/>
+            </a:pPr>
+            <a:r>
+              <a:rPr lang="ja-JP" altLang="en-US" dirty="0"/>
+              <a:t>作</a:t>
+            </a:r>
+            <a:r>
+              <a:rPr lang="ja-JP" altLang="en-US" dirty="0" smtClean="0"/>
+              <a:t>業者の報告</a:t>
+            </a:r>
+            <a:r>
+              <a:rPr lang="en-US" altLang="ja-JP" dirty="0" smtClean="0"/>
+              <a:t>/</a:t>
+            </a:r>
+            <a:r>
+              <a:rPr lang="ja-JP" altLang="en-US" dirty="0" smtClean="0"/>
+              <a:t>承認状況を一覧で確認可能</a:t>
+            </a:r>
+            <a:endParaRPr lang="en-US" altLang="ja-JP" dirty="0"/>
+          </a:p>
+          <a:p>
+            <a:pPr marL="571500" indent="-457200">
+              <a:buFont typeface="+mj-lt"/>
+              <a:buAutoNum type="arabicPeriod"/>
+            </a:pPr>
+            <a:endParaRPr kumimoji="1" lang="en-US" altLang="ja-JP" dirty="0" smtClean="0"/>
+          </a:p>
+          <a:p>
+            <a:pPr marL="571500" indent="-457200">
+              <a:buFont typeface="+mj-lt"/>
+              <a:buAutoNum type="arabicPeriod"/>
+            </a:pPr>
+            <a:r>
+              <a:rPr kumimoji="1" lang="ja-JP" altLang="en-US" dirty="0" smtClean="0"/>
+              <a:t>新規機能</a:t>
+            </a:r>
+            <a:endParaRPr kumimoji="1" lang="en-US" altLang="ja-JP" dirty="0" smtClean="0"/>
+          </a:p>
+          <a:p>
+            <a:pPr marL="868680" lvl="1" indent="-457200">
+              <a:buFont typeface="+mj-lt"/>
+              <a:buAutoNum type="arabicPeriod"/>
+            </a:pPr>
+            <a:r>
+              <a:rPr lang="ja-JP" altLang="en-US" dirty="0"/>
+              <a:t>月報</a:t>
+            </a:r>
+            <a:r>
+              <a:rPr lang="ja-JP" altLang="en-US" dirty="0" smtClean="0"/>
+              <a:t>の公開機能を追加（予定）</a:t>
+            </a:r>
+            <a:endParaRPr kumimoji="1" lang="ja-JP" altLang="en-US" dirty="0"/>
+          </a:p>
+        </p:txBody>
+      </p:sp>
       <p:sp>
         <p:nvSpPr>
           <p:cNvPr id="2" name="タイトル 1"/>
@@ -42650,22 +42939,16 @@
         </p:nvSpPr>
         <p:spPr/>
         <p:txBody>
-          <a:bodyPr>
-            <a:normAutofit/>
-          </a:bodyPr>
+          <a:bodyPr/>
           <a:lstStyle/>
           <a:p>
             <a:r>
-              <a:rPr lang="ja-JP" altLang="en-US" dirty="0" smtClean="0"/>
-              <a:t>５－１．画面構成（</a:t>
-            </a:r>
-            <a:r>
-              <a:rPr lang="ja-JP" altLang="en-US" dirty="0"/>
-              <a:t>申請者</a:t>
+              <a:rPr kumimoji="1" lang="ja-JP" altLang="en-US" dirty="0" smtClean="0"/>
+              <a:t>５．システム化</a:t>
             </a:r>
             <a:r>
               <a:rPr lang="ja-JP" altLang="en-US" dirty="0" smtClean="0"/>
-              <a:t>）</a:t>
+              <a:t>のメリット</a:t>
             </a:r>
             <a:endParaRPr kumimoji="1" lang="ja-JP" altLang="en-US" dirty="0"/>
           </a:p>
@@ -42673,7 +42956,7 @@
       </p:sp>
       <p:sp>
         <p:nvSpPr>
-          <p:cNvPr id="3" name="スライド番号プレースホルダー 2"/>
+          <p:cNvPr id="4" name="スライド番号プレースホルダー 3"/>
           <p:cNvSpPr>
             <a:spLocks noGrp="1"/>
           </p:cNvSpPr>
@@ -42698,7 +42981,7 @@
     </p:spTree>
     <p:extLst>
       <p:ext uri="{BB962C8B-B14F-4D97-AF65-F5344CB8AC3E}">
-        <p14:creationId xmlns:p14="http://schemas.microsoft.com/office/powerpoint/2010/main" val="2747427363"/>
+        <p14:creationId xmlns:p14="http://schemas.microsoft.com/office/powerpoint/2010/main" val="1814037007"/>
       </p:ext>
     </p:extLst>
   </p:cSld>
@@ -42739,13 +43022,13 @@
           <p:nvPr>
             <p:extLst>
               <p:ext uri="{D42A27DB-BD31-4B8C-83A1-F6EECF244321}">
-                <p14:modId xmlns:p14="http://schemas.microsoft.com/office/powerpoint/2010/main" val="3550459339"/>
+                <p14:modId xmlns:p14="http://schemas.microsoft.com/office/powerpoint/2010/main" val="745258903"/>
               </p:ext>
             </p:extLst>
           </p:nvPr>
         </p:nvGraphicFramePr>
         <p:xfrm>
-          <a:off x="539552" y="1442744"/>
+          <a:off x="539552" y="1556792"/>
           <a:ext cx="7992888" cy="4608512"/>
         </p:xfrm>
         <a:graphic>
@@ -42773,7 +43056,15 @@
           <a:p>
             <a:r>
               <a:rPr lang="ja-JP" altLang="en-US" dirty="0" smtClean="0"/>
-              <a:t>５－１．画面構成（承認者）</a:t>
+              <a:t>６－１．画面構成（</a:t>
+            </a:r>
+            <a:r>
+              <a:rPr lang="ja-JP" altLang="en-US" dirty="0"/>
+              <a:t>申請者</a:t>
+            </a:r>
+            <a:r>
+              <a:rPr lang="ja-JP" altLang="en-US" dirty="0" smtClean="0"/>
+              <a:t>）</a:t>
             </a:r>
             <a:endParaRPr kumimoji="1" lang="ja-JP" altLang="en-US" dirty="0"/>
           </a:p>
@@ -42806,7 +43097,7 @@
     </p:spTree>
     <p:extLst>
       <p:ext uri="{BB962C8B-B14F-4D97-AF65-F5344CB8AC3E}">
-        <p14:creationId xmlns:p14="http://schemas.microsoft.com/office/powerpoint/2010/main" val="1065369448"/>
+        <p14:creationId xmlns:p14="http://schemas.microsoft.com/office/powerpoint/2010/main" val="2747427363"/>
       </p:ext>
     </p:extLst>
   </p:cSld>
@@ -42847,13 +43138,13 @@
           <p:nvPr>
             <p:extLst>
               <p:ext uri="{D42A27DB-BD31-4B8C-83A1-F6EECF244321}">
-                <p14:modId xmlns:p14="http://schemas.microsoft.com/office/powerpoint/2010/main" val="215900649"/>
+                <p14:modId xmlns:p14="http://schemas.microsoft.com/office/powerpoint/2010/main" val="1061927676"/>
               </p:ext>
             </p:extLst>
           </p:nvPr>
         </p:nvGraphicFramePr>
         <p:xfrm>
-          <a:off x="539552" y="1556792"/>
+          <a:off x="539552" y="1442744"/>
           <a:ext cx="7992888" cy="4608512"/>
         </p:xfrm>
         <a:graphic>
@@ -42881,155 +43172,9 @@
           <a:p>
             <a:r>
               <a:rPr lang="ja-JP" altLang="en-US" dirty="0" smtClean="0"/>
-              <a:t>５－１．画面構成（管理者）</a:t>
+              <a:t>６－２．画面構成（承認者）</a:t>
             </a:r>
             <a:endParaRPr kumimoji="1" lang="ja-JP" altLang="en-US" dirty="0"/>
-          </a:p>
-        </p:txBody>
-      </p:sp>
-      <p:sp>
-        <p:nvSpPr>
-          <p:cNvPr id="21" name="正方形/長方形 20"/>
-          <p:cNvSpPr/>
-          <p:nvPr/>
-        </p:nvSpPr>
-        <p:spPr>
-          <a:xfrm>
-            <a:off x="6588224" y="2103574"/>
-            <a:ext cx="1944216" cy="605346"/>
-          </a:xfrm>
-          <a:prstGeom prst="rect">
-            <a:avLst/>
-          </a:prstGeom>
-          <a:ln/>
-        </p:spPr>
-        <p:style>
-          <a:lnRef idx="1">
-            <a:schemeClr val="accent6"/>
-          </a:lnRef>
-          <a:fillRef idx="3">
-            <a:schemeClr val="accent6"/>
-          </a:fillRef>
-          <a:effectRef idx="2">
-            <a:schemeClr val="accent6"/>
-          </a:effectRef>
-          <a:fontRef idx="minor">
-            <a:schemeClr val="lt1"/>
-          </a:fontRef>
-        </p:style>
-        <p:txBody>
-          <a:bodyPr rtlCol="0" anchor="ctr"/>
-          <a:lstStyle>
-            <a:lvl1pPr marL="0" indent="0">
-              <a:defRPr sz="1100">
-                <a:solidFill>
-                  <a:schemeClr val="dk1"/>
-                </a:solidFill>
-                <a:latin typeface="+mn-lt"/>
-                <a:ea typeface="+mn-ea"/>
-                <a:cs typeface="+mn-cs"/>
-              </a:defRPr>
-            </a:lvl1pPr>
-            <a:lvl2pPr marL="457200" indent="0">
-              <a:defRPr sz="1100">
-                <a:solidFill>
-                  <a:schemeClr val="dk1"/>
-                </a:solidFill>
-                <a:latin typeface="+mn-lt"/>
-                <a:ea typeface="+mn-ea"/>
-                <a:cs typeface="+mn-cs"/>
-              </a:defRPr>
-            </a:lvl2pPr>
-            <a:lvl3pPr marL="914400" indent="0">
-              <a:defRPr sz="1100">
-                <a:solidFill>
-                  <a:schemeClr val="dk1"/>
-                </a:solidFill>
-                <a:latin typeface="+mn-lt"/>
-                <a:ea typeface="+mn-ea"/>
-                <a:cs typeface="+mn-cs"/>
-              </a:defRPr>
-            </a:lvl3pPr>
-            <a:lvl4pPr marL="1371600" indent="0">
-              <a:defRPr sz="1100">
-                <a:solidFill>
-                  <a:schemeClr val="dk1"/>
-                </a:solidFill>
-                <a:latin typeface="+mn-lt"/>
-                <a:ea typeface="+mn-ea"/>
-                <a:cs typeface="+mn-cs"/>
-              </a:defRPr>
-            </a:lvl4pPr>
-            <a:lvl5pPr marL="1828800" indent="0">
-              <a:defRPr sz="1100">
-                <a:solidFill>
-                  <a:schemeClr val="dk1"/>
-                </a:solidFill>
-                <a:latin typeface="+mn-lt"/>
-                <a:ea typeface="+mn-ea"/>
-                <a:cs typeface="+mn-cs"/>
-              </a:defRPr>
-            </a:lvl5pPr>
-            <a:lvl6pPr marL="2286000" indent="0">
-              <a:defRPr sz="1100">
-                <a:solidFill>
-                  <a:schemeClr val="dk1"/>
-                </a:solidFill>
-                <a:latin typeface="+mn-lt"/>
-                <a:ea typeface="+mn-ea"/>
-                <a:cs typeface="+mn-cs"/>
-              </a:defRPr>
-            </a:lvl6pPr>
-            <a:lvl7pPr marL="2743200" indent="0">
-              <a:defRPr sz="1100">
-                <a:solidFill>
-                  <a:schemeClr val="dk1"/>
-                </a:solidFill>
-                <a:latin typeface="+mn-lt"/>
-                <a:ea typeface="+mn-ea"/>
-                <a:cs typeface="+mn-cs"/>
-              </a:defRPr>
-            </a:lvl7pPr>
-            <a:lvl8pPr marL="3200400" indent="0">
-              <a:defRPr sz="1100">
-                <a:solidFill>
-                  <a:schemeClr val="dk1"/>
-                </a:solidFill>
-                <a:latin typeface="+mn-lt"/>
-                <a:ea typeface="+mn-ea"/>
-                <a:cs typeface="+mn-cs"/>
-              </a:defRPr>
-            </a:lvl8pPr>
-            <a:lvl9pPr marL="3657600" indent="0">
-              <a:defRPr sz="1100">
-                <a:solidFill>
-                  <a:schemeClr val="dk1"/>
-                </a:solidFill>
-                <a:latin typeface="+mn-lt"/>
-                <a:ea typeface="+mn-ea"/>
-                <a:cs typeface="+mn-cs"/>
-              </a:defRPr>
-            </a:lvl9pPr>
-          </a:lstStyle>
-          <a:p>
-            <a:pPr algn="ctr"/>
-            <a:r>
-              <a:rPr kumimoji="1" lang="ja-JP" altLang="en-US" sz="1800" dirty="0" smtClean="0">
-                <a:solidFill>
-                  <a:schemeClr val="bg1"/>
-                </a:solidFill>
-                <a:latin typeface="+mj-ea"/>
-                <a:ea typeface="+mj-ea"/>
-              </a:rPr>
-              <a:t>メール送信機能</a:t>
-            </a:r>
-            <a:endParaRPr kumimoji="1" lang="en-US" altLang="ja-JP" sz="1800" dirty="0">
-              <a:solidFill>
-                <a:schemeClr val="bg1"/>
-              </a:solidFill>
-              <a:latin typeface="+mj-ea"/>
-              <a:ea typeface="+mj-ea"/>
-            </a:endParaRPr>
           </a:p>
         </p:txBody>
       </p:sp>
